--- a/spring12/slidesS12/asymptotic-properties.pptx
+++ b/spring12/slidesS12/asymptotic-properties.pptx
@@ -5,29 +5,30 @@
     <p:sldMasterId id="2147483648" r:id="rId1"/>
   </p:sldMasterIdLst>
   <p:notesMasterIdLst>
-    <p:notesMasterId r:id="rId14"/>
+    <p:notesMasterId r:id="rId15"/>
   </p:notesMasterIdLst>
   <p:handoutMasterIdLst>
-    <p:handoutMasterId r:id="rId15"/>
+    <p:handoutMasterId r:id="rId16"/>
   </p:handoutMasterIdLst>
   <p:sldIdLst>
     <p:sldId id="412" r:id="rId2"/>
     <p:sldId id="429" r:id="rId3"/>
     <p:sldId id="430" r:id="rId4"/>
     <p:sldId id="431" r:id="rId5"/>
-    <p:sldId id="432" r:id="rId6"/>
-    <p:sldId id="446" r:id="rId7"/>
-    <p:sldId id="434" r:id="rId8"/>
-    <p:sldId id="435" r:id="rId9"/>
-    <p:sldId id="436" r:id="rId10"/>
-    <p:sldId id="437" r:id="rId11"/>
-    <p:sldId id="439" r:id="rId12"/>
-    <p:sldId id="447" r:id="rId13"/>
+    <p:sldId id="434" r:id="rId6"/>
+    <p:sldId id="435" r:id="rId7"/>
+    <p:sldId id="436" r:id="rId8"/>
+    <p:sldId id="437" r:id="rId9"/>
+    <p:sldId id="439" r:id="rId10"/>
+    <p:sldId id="447" r:id="rId11"/>
+    <p:sldId id="432" r:id="rId12"/>
+    <p:sldId id="446" r:id="rId13"/>
+    <p:sldId id="448" r:id="rId14"/>
   </p:sldIdLst>
   <p:sldSz cx="9144000" cy="6858000" type="screen4x3"/>
   <p:notesSz cx="9601200" cy="7315200"/>
   <p:custDataLst>
-    <p:tags r:id="rId17"/>
+    <p:tags r:id="rId18"/>
   </p:custDataLst>
   <p:defaultTextStyle>
     <a:defPPr>
@@ -940,7 +941,7 @@
       </p:grpSpPr>
       <p:sp>
         <p:nvSpPr>
-          <p:cNvPr id="102402" name="Rectangle 7"/>
+          <p:cNvPr id="103426" name="Rectangle 7"/>
           <p:cNvSpPr>
             <a:spLocks noGrp="1" noChangeArrowheads="1"/>
           </p:cNvSpPr>
@@ -955,7 +956,7 @@
           <a:bodyPr/>
           <a:lstStyle/>
           <a:p>
-            <a:fld id="{E13E69E0-1942-45BD-8953-10EC01054BBA}" type="slidenum">
+            <a:fld id="{6B466793-99F8-4838-8640-C54CDDFD3096}" type="slidenum">
               <a:rPr lang="en-US" smtClean="0"/>
               <a:pPr/>
               <a:t>10</a:t>
@@ -966,7 +967,7 @@
       </p:sp>
       <p:sp>
         <p:nvSpPr>
-          <p:cNvPr id="102403" name="Rectangle 2"/>
+          <p:cNvPr id="103427" name="Rectangle 2"/>
           <p:cNvSpPr>
             <a:spLocks noGrp="1" noRot="1" noChangeAspect="1" noChangeArrowheads="1" noTextEdit="1"/>
           </p:cNvSpPr>
@@ -980,7 +981,7 @@
       </p:sp>
       <p:sp>
         <p:nvSpPr>
-          <p:cNvPr id="102404" name="Rectangle 3"/>
+          <p:cNvPr id="103428" name="Rectangle 3"/>
           <p:cNvSpPr>
             <a:spLocks noGrp="1" noChangeArrowheads="1"/>
           </p:cNvSpPr>
@@ -1028,7 +1029,7 @@
       </p:grpSpPr>
       <p:sp>
         <p:nvSpPr>
-          <p:cNvPr id="104450" name="Rectangle 7"/>
+          <p:cNvPr id="97282" name="Rectangle 7"/>
           <p:cNvSpPr>
             <a:spLocks noGrp="1" noChangeArrowheads="1"/>
           </p:cNvSpPr>
@@ -1043,7 +1044,7 @@
           <a:bodyPr/>
           <a:lstStyle/>
           <a:p>
-            <a:fld id="{20069DD2-EBB0-4958-8132-61F0453A2898}" type="slidenum">
+            <a:fld id="{8B6035B4-B228-462F-9285-373931A4FBCE}" type="slidenum">
               <a:rPr lang="en-US" smtClean="0"/>
               <a:pPr/>
               <a:t>11</a:t>
@@ -1054,7 +1055,7 @@
       </p:sp>
       <p:sp>
         <p:nvSpPr>
-          <p:cNvPr id="104451" name="Rectangle 2"/>
+          <p:cNvPr id="97283" name="Rectangle 2"/>
           <p:cNvSpPr>
             <a:spLocks noGrp="1" noRot="1" noChangeAspect="1" noChangeArrowheads="1" noTextEdit="1"/>
           </p:cNvSpPr>
@@ -1068,7 +1069,7 @@
       </p:sp>
       <p:sp>
         <p:nvSpPr>
-          <p:cNvPr id="104452" name="Rectangle 3"/>
+          <p:cNvPr id="97284" name="Rectangle 3"/>
           <p:cNvSpPr>
             <a:spLocks noGrp="1" noChangeArrowheads="1"/>
           </p:cNvSpPr>
@@ -1116,7 +1117,7 @@
       </p:grpSpPr>
       <p:sp>
         <p:nvSpPr>
-          <p:cNvPr id="103426" name="Rectangle 7"/>
+          <p:cNvPr id="98306" name="Rectangle 7"/>
           <p:cNvSpPr>
             <a:spLocks noGrp="1" noChangeArrowheads="1"/>
           </p:cNvSpPr>
@@ -1131,7 +1132,7 @@
           <a:bodyPr/>
           <a:lstStyle/>
           <a:p>
-            <a:fld id="{6B466793-99F8-4838-8640-C54CDDFD3096}" type="slidenum">
+            <a:fld id="{3D155C26-EEE9-492F-9C52-D53128FEC85F}" type="slidenum">
               <a:rPr lang="en-US" smtClean="0"/>
               <a:pPr/>
               <a:t>12</a:t>
@@ -1142,7 +1143,7 @@
       </p:sp>
       <p:sp>
         <p:nvSpPr>
-          <p:cNvPr id="103427" name="Rectangle 2"/>
+          <p:cNvPr id="98307" name="Rectangle 2"/>
           <p:cNvSpPr>
             <a:spLocks noGrp="1" noRot="1" noChangeAspect="1" noChangeArrowheads="1" noTextEdit="1"/>
           </p:cNvSpPr>
@@ -1156,7 +1157,7 @@
       </p:sp>
       <p:sp>
         <p:nvSpPr>
-          <p:cNvPr id="103428" name="Rectangle 3"/>
+          <p:cNvPr id="98308" name="Rectangle 3"/>
           <p:cNvSpPr>
             <a:spLocks noGrp="1" noChangeArrowheads="1"/>
           </p:cNvSpPr>
@@ -1178,6 +1179,96 @@
         </p:txBody>
       </p:sp>
     </p:spTree>
+  </p:cSld>
+  <p:clrMapOvr>
+    <a:masterClrMapping/>
+  </p:clrMapOvr>
+</p:notes>
+</file>
+
+<file path=ppt/notesSlides/notesSlide13.xml><?xml version="1.0" encoding="utf-8"?>
+<p:notes xmlns:a="http://schemas.openxmlformats.org/drawingml/2006/main" xmlns:r="http://schemas.openxmlformats.org/officeDocument/2006/relationships" xmlns:p="http://schemas.openxmlformats.org/presentationml/2006/main">
+  <p:cSld>
+    <p:spTree>
+      <p:nvGrpSpPr>
+        <p:cNvPr id="1" name=""/>
+        <p:cNvGrpSpPr/>
+        <p:nvPr/>
+      </p:nvGrpSpPr>
+      <p:grpSpPr>
+        <a:xfrm>
+          <a:off x="0" y="0"/>
+          <a:ext cx="0" cy="0"/>
+          <a:chOff x="0" y="0"/>
+          <a:chExt cx="0" cy="0"/>
+        </a:xfrm>
+      </p:grpSpPr>
+      <p:sp>
+        <p:nvSpPr>
+          <p:cNvPr id="2" name="Slide Image Placeholder 1"/>
+          <p:cNvSpPr>
+            <a:spLocks noGrp="1" noRot="1" noChangeAspect="1"/>
+          </p:cNvSpPr>
+          <p:nvPr>
+            <p:ph type="sldImg"/>
+          </p:nvPr>
+        </p:nvSpPr>
+        <p:spPr/>
+      </p:sp>
+      <p:sp>
+        <p:nvSpPr>
+          <p:cNvPr id="3" name="Notes Placeholder 2"/>
+          <p:cNvSpPr>
+            <a:spLocks noGrp="1"/>
+          </p:cNvSpPr>
+          <p:nvPr>
+            <p:ph type="body" idx="1"/>
+          </p:nvPr>
+        </p:nvSpPr>
+        <p:spPr/>
+        <p:txBody>
+          <a:bodyPr/>
+          <a:lstStyle/>
+          <a:p>
+            <a:endParaRPr lang="en-US"/>
+          </a:p>
+        </p:txBody>
+      </p:sp>
+      <p:sp>
+        <p:nvSpPr>
+          <p:cNvPr id="4" name="Slide Number Placeholder 3"/>
+          <p:cNvSpPr>
+            <a:spLocks noGrp="1"/>
+          </p:cNvSpPr>
+          <p:nvPr>
+            <p:ph type="sldNum" sz="quarter" idx="10"/>
+          </p:nvPr>
+        </p:nvSpPr>
+        <p:spPr/>
+        <p:txBody>
+          <a:bodyPr/>
+          <a:lstStyle/>
+          <a:p>
+            <a:pPr>
+              <a:defRPr/>
+            </a:pPr>
+            <a:fld id="{A861E01B-B7A2-4F15-B2C8-5F733AB038D0}" type="slidenum">
+              <a:rPr lang="en-US" smtClean="0"/>
+              <a:pPr>
+                <a:defRPr/>
+              </a:pPr>
+              <a:t>13</a:t>
+            </a:fld>
+            <a:endParaRPr lang="en-US"/>
+          </a:p>
+        </p:txBody>
+      </p:sp>
+    </p:spTree>
+    <p:extLst>
+      <p:ext uri="{BB962C8B-B14F-4D97-AF65-F5344CB8AC3E}">
+        <p14:creationId xmlns:p14="http://schemas.microsoft.com/office/powerpoint/2010/main" val="850533992"/>
+      </p:ext>
+    </p:extLst>
   </p:cSld>
   <p:clrMapOvr>
     <a:masterClrMapping/>
@@ -1468,182 +1559,6 @@
       </p:grpSpPr>
       <p:sp>
         <p:nvSpPr>
-          <p:cNvPr id="97282" name="Rectangle 7"/>
-          <p:cNvSpPr>
-            <a:spLocks noGrp="1" noChangeArrowheads="1"/>
-          </p:cNvSpPr>
-          <p:nvPr>
-            <p:ph type="sldNum" sz="quarter" idx="5"/>
-          </p:nvPr>
-        </p:nvSpPr>
-        <p:spPr>
-          <a:noFill/>
-        </p:spPr>
-        <p:txBody>
-          <a:bodyPr/>
-          <a:lstStyle/>
-          <a:p>
-            <a:fld id="{8B6035B4-B228-462F-9285-373931A4FBCE}" type="slidenum">
-              <a:rPr lang="en-US" smtClean="0"/>
-              <a:pPr/>
-              <a:t>5</a:t>
-            </a:fld>
-            <a:endParaRPr lang="en-US" smtClean="0"/>
-          </a:p>
-        </p:txBody>
-      </p:sp>
-      <p:sp>
-        <p:nvSpPr>
-          <p:cNvPr id="97283" name="Rectangle 2"/>
-          <p:cNvSpPr>
-            <a:spLocks noGrp="1" noRot="1" noChangeAspect="1" noChangeArrowheads="1" noTextEdit="1"/>
-          </p:cNvSpPr>
-          <p:nvPr>
-            <p:ph type="sldImg"/>
-          </p:nvPr>
-        </p:nvSpPr>
-        <p:spPr>
-          <a:ln/>
-        </p:spPr>
-      </p:sp>
-      <p:sp>
-        <p:nvSpPr>
-          <p:cNvPr id="97284" name="Rectangle 3"/>
-          <p:cNvSpPr>
-            <a:spLocks noGrp="1" noChangeArrowheads="1"/>
-          </p:cNvSpPr>
-          <p:nvPr>
-            <p:ph type="body" idx="1"/>
-          </p:nvPr>
-        </p:nvSpPr>
-        <p:spPr>
-          <a:noFill/>
-          <a:ln/>
-        </p:spPr>
-        <p:txBody>
-          <a:bodyPr/>
-          <a:lstStyle/>
-          <a:p>
-            <a:pPr eaLnBrk="1" hangingPunct="1"/>
-            <a:endParaRPr lang="en-US" smtClean="0"/>
-          </a:p>
-        </p:txBody>
-      </p:sp>
-    </p:spTree>
-  </p:cSld>
-  <p:clrMapOvr>
-    <a:masterClrMapping/>
-  </p:clrMapOvr>
-</p:notes>
-</file>
-
-<file path=ppt/notesSlides/notesSlide6.xml><?xml version="1.0" encoding="utf-8"?>
-<p:notes xmlns:a="http://schemas.openxmlformats.org/drawingml/2006/main" xmlns:r="http://schemas.openxmlformats.org/officeDocument/2006/relationships" xmlns:p="http://schemas.openxmlformats.org/presentationml/2006/main">
-  <p:cSld>
-    <p:spTree>
-      <p:nvGrpSpPr>
-        <p:cNvPr id="1" name=""/>
-        <p:cNvGrpSpPr/>
-        <p:nvPr/>
-      </p:nvGrpSpPr>
-      <p:grpSpPr>
-        <a:xfrm>
-          <a:off x="0" y="0"/>
-          <a:ext cx="0" cy="0"/>
-          <a:chOff x="0" y="0"/>
-          <a:chExt cx="0" cy="0"/>
-        </a:xfrm>
-      </p:grpSpPr>
-      <p:sp>
-        <p:nvSpPr>
-          <p:cNvPr id="98306" name="Rectangle 7"/>
-          <p:cNvSpPr>
-            <a:spLocks noGrp="1" noChangeArrowheads="1"/>
-          </p:cNvSpPr>
-          <p:nvPr>
-            <p:ph type="sldNum" sz="quarter" idx="5"/>
-          </p:nvPr>
-        </p:nvSpPr>
-        <p:spPr>
-          <a:noFill/>
-        </p:spPr>
-        <p:txBody>
-          <a:bodyPr/>
-          <a:lstStyle/>
-          <a:p>
-            <a:fld id="{3D155C26-EEE9-492F-9C52-D53128FEC85F}" type="slidenum">
-              <a:rPr lang="en-US" smtClean="0"/>
-              <a:pPr/>
-              <a:t>6</a:t>
-            </a:fld>
-            <a:endParaRPr lang="en-US" smtClean="0"/>
-          </a:p>
-        </p:txBody>
-      </p:sp>
-      <p:sp>
-        <p:nvSpPr>
-          <p:cNvPr id="98307" name="Rectangle 2"/>
-          <p:cNvSpPr>
-            <a:spLocks noGrp="1" noRot="1" noChangeAspect="1" noChangeArrowheads="1" noTextEdit="1"/>
-          </p:cNvSpPr>
-          <p:nvPr>
-            <p:ph type="sldImg"/>
-          </p:nvPr>
-        </p:nvSpPr>
-        <p:spPr>
-          <a:ln/>
-        </p:spPr>
-      </p:sp>
-      <p:sp>
-        <p:nvSpPr>
-          <p:cNvPr id="98308" name="Rectangle 3"/>
-          <p:cNvSpPr>
-            <a:spLocks noGrp="1" noChangeArrowheads="1"/>
-          </p:cNvSpPr>
-          <p:nvPr>
-            <p:ph type="body" idx="1"/>
-          </p:nvPr>
-        </p:nvSpPr>
-        <p:spPr>
-          <a:noFill/>
-          <a:ln/>
-        </p:spPr>
-        <p:txBody>
-          <a:bodyPr/>
-          <a:lstStyle/>
-          <a:p>
-            <a:pPr eaLnBrk="1" hangingPunct="1"/>
-            <a:endParaRPr lang="en-US" smtClean="0"/>
-          </a:p>
-        </p:txBody>
-      </p:sp>
-    </p:spTree>
-  </p:cSld>
-  <p:clrMapOvr>
-    <a:masterClrMapping/>
-  </p:clrMapOvr>
-</p:notes>
-</file>
-
-<file path=ppt/notesSlides/notesSlide7.xml><?xml version="1.0" encoding="utf-8"?>
-<p:notes xmlns:a="http://schemas.openxmlformats.org/drawingml/2006/main" xmlns:r="http://schemas.openxmlformats.org/officeDocument/2006/relationships" xmlns:p="http://schemas.openxmlformats.org/presentationml/2006/main">
-  <p:cSld>
-    <p:spTree>
-      <p:nvGrpSpPr>
-        <p:cNvPr id="1" name=""/>
-        <p:cNvGrpSpPr/>
-        <p:nvPr/>
-      </p:nvGrpSpPr>
-      <p:grpSpPr>
-        <a:xfrm>
-          <a:off x="0" y="0"/>
-          <a:ext cx="0" cy="0"/>
-          <a:chOff x="0" y="0"/>
-          <a:chExt cx="0" cy="0"/>
-        </a:xfrm>
-      </p:grpSpPr>
-      <p:sp>
-        <p:nvSpPr>
           <p:cNvPr id="99330" name="Rectangle 7"/>
           <p:cNvSpPr>
             <a:spLocks noGrp="1" noChangeArrowheads="1"/>
@@ -1662,7 +1577,7 @@
             <a:fld id="{D27D27E7-0295-4DF9-A2F6-5093F32EF9C6}" type="slidenum">
               <a:rPr lang="en-US" smtClean="0"/>
               <a:pPr/>
-              <a:t>7</a:t>
+              <a:t>5</a:t>
             </a:fld>
             <a:endParaRPr lang="en-US" smtClean="0"/>
           </a:p>
@@ -1713,7 +1628,7 @@
 </p:notes>
 </file>
 
-<file path=ppt/notesSlides/notesSlide8.xml><?xml version="1.0" encoding="utf-8"?>
+<file path=ppt/notesSlides/notesSlide6.xml><?xml version="1.0" encoding="utf-8"?>
 <p:notes xmlns:a="http://schemas.openxmlformats.org/drawingml/2006/main" xmlns:r="http://schemas.openxmlformats.org/officeDocument/2006/relationships" xmlns:p="http://schemas.openxmlformats.org/presentationml/2006/main">
   <p:cSld>
     <p:spTree>
@@ -1750,7 +1665,7 @@
             <a:fld id="{1A796004-150A-41DE-9752-C15DDD1C68DE}" type="slidenum">
               <a:rPr lang="en-US" smtClean="0"/>
               <a:pPr/>
-              <a:t>8</a:t>
+              <a:t>6</a:t>
             </a:fld>
             <a:endParaRPr lang="en-US" smtClean="0"/>
           </a:p>
@@ -1801,7 +1716,7 @@
 </p:notes>
 </file>
 
-<file path=ppt/notesSlides/notesSlide9.xml><?xml version="1.0" encoding="utf-8"?>
+<file path=ppt/notesSlides/notesSlide7.xml><?xml version="1.0" encoding="utf-8"?>
 <p:notes xmlns:a="http://schemas.openxmlformats.org/drawingml/2006/main" xmlns:r="http://schemas.openxmlformats.org/officeDocument/2006/relationships" xmlns:p="http://schemas.openxmlformats.org/presentationml/2006/main">
   <p:cSld>
     <p:spTree>
@@ -1838,7 +1753,7 @@
             <a:fld id="{39D431BD-235E-4F86-BD87-1F78638B2D61}" type="slidenum">
               <a:rPr lang="en-US" smtClean="0"/>
               <a:pPr/>
-              <a:t>9</a:t>
+              <a:t>7</a:t>
             </a:fld>
             <a:endParaRPr lang="en-US" smtClean="0"/>
           </a:p>
@@ -1861,6 +1776,182 @@
       <p:sp>
         <p:nvSpPr>
           <p:cNvPr id="101380" name="Rectangle 3"/>
+          <p:cNvSpPr>
+            <a:spLocks noGrp="1" noChangeArrowheads="1"/>
+          </p:cNvSpPr>
+          <p:nvPr>
+            <p:ph type="body" idx="1"/>
+          </p:nvPr>
+        </p:nvSpPr>
+        <p:spPr>
+          <a:noFill/>
+          <a:ln/>
+        </p:spPr>
+        <p:txBody>
+          <a:bodyPr/>
+          <a:lstStyle/>
+          <a:p>
+            <a:pPr eaLnBrk="1" hangingPunct="1"/>
+            <a:endParaRPr lang="en-US" smtClean="0"/>
+          </a:p>
+        </p:txBody>
+      </p:sp>
+    </p:spTree>
+  </p:cSld>
+  <p:clrMapOvr>
+    <a:masterClrMapping/>
+  </p:clrMapOvr>
+</p:notes>
+</file>
+
+<file path=ppt/notesSlides/notesSlide8.xml><?xml version="1.0" encoding="utf-8"?>
+<p:notes xmlns:a="http://schemas.openxmlformats.org/drawingml/2006/main" xmlns:r="http://schemas.openxmlformats.org/officeDocument/2006/relationships" xmlns:p="http://schemas.openxmlformats.org/presentationml/2006/main">
+  <p:cSld>
+    <p:spTree>
+      <p:nvGrpSpPr>
+        <p:cNvPr id="1" name=""/>
+        <p:cNvGrpSpPr/>
+        <p:nvPr/>
+      </p:nvGrpSpPr>
+      <p:grpSpPr>
+        <a:xfrm>
+          <a:off x="0" y="0"/>
+          <a:ext cx="0" cy="0"/>
+          <a:chOff x="0" y="0"/>
+          <a:chExt cx="0" cy="0"/>
+        </a:xfrm>
+      </p:grpSpPr>
+      <p:sp>
+        <p:nvSpPr>
+          <p:cNvPr id="102402" name="Rectangle 7"/>
+          <p:cNvSpPr>
+            <a:spLocks noGrp="1" noChangeArrowheads="1"/>
+          </p:cNvSpPr>
+          <p:nvPr>
+            <p:ph type="sldNum" sz="quarter" idx="5"/>
+          </p:nvPr>
+        </p:nvSpPr>
+        <p:spPr>
+          <a:noFill/>
+        </p:spPr>
+        <p:txBody>
+          <a:bodyPr/>
+          <a:lstStyle/>
+          <a:p>
+            <a:fld id="{E13E69E0-1942-45BD-8953-10EC01054BBA}" type="slidenum">
+              <a:rPr lang="en-US" smtClean="0"/>
+              <a:pPr/>
+              <a:t>8</a:t>
+            </a:fld>
+            <a:endParaRPr lang="en-US" smtClean="0"/>
+          </a:p>
+        </p:txBody>
+      </p:sp>
+      <p:sp>
+        <p:nvSpPr>
+          <p:cNvPr id="102403" name="Rectangle 2"/>
+          <p:cNvSpPr>
+            <a:spLocks noGrp="1" noRot="1" noChangeAspect="1" noChangeArrowheads="1" noTextEdit="1"/>
+          </p:cNvSpPr>
+          <p:nvPr>
+            <p:ph type="sldImg"/>
+          </p:nvPr>
+        </p:nvSpPr>
+        <p:spPr>
+          <a:ln/>
+        </p:spPr>
+      </p:sp>
+      <p:sp>
+        <p:nvSpPr>
+          <p:cNvPr id="102404" name="Rectangle 3"/>
+          <p:cNvSpPr>
+            <a:spLocks noGrp="1" noChangeArrowheads="1"/>
+          </p:cNvSpPr>
+          <p:nvPr>
+            <p:ph type="body" idx="1"/>
+          </p:nvPr>
+        </p:nvSpPr>
+        <p:spPr>
+          <a:noFill/>
+          <a:ln/>
+        </p:spPr>
+        <p:txBody>
+          <a:bodyPr/>
+          <a:lstStyle/>
+          <a:p>
+            <a:pPr eaLnBrk="1" hangingPunct="1"/>
+            <a:endParaRPr lang="en-US" smtClean="0"/>
+          </a:p>
+        </p:txBody>
+      </p:sp>
+    </p:spTree>
+  </p:cSld>
+  <p:clrMapOvr>
+    <a:masterClrMapping/>
+  </p:clrMapOvr>
+</p:notes>
+</file>
+
+<file path=ppt/notesSlides/notesSlide9.xml><?xml version="1.0" encoding="utf-8"?>
+<p:notes xmlns:a="http://schemas.openxmlformats.org/drawingml/2006/main" xmlns:r="http://schemas.openxmlformats.org/officeDocument/2006/relationships" xmlns:p="http://schemas.openxmlformats.org/presentationml/2006/main">
+  <p:cSld>
+    <p:spTree>
+      <p:nvGrpSpPr>
+        <p:cNvPr id="1" name=""/>
+        <p:cNvGrpSpPr/>
+        <p:nvPr/>
+      </p:nvGrpSpPr>
+      <p:grpSpPr>
+        <a:xfrm>
+          <a:off x="0" y="0"/>
+          <a:ext cx="0" cy="0"/>
+          <a:chOff x="0" y="0"/>
+          <a:chExt cx="0" cy="0"/>
+        </a:xfrm>
+      </p:grpSpPr>
+      <p:sp>
+        <p:nvSpPr>
+          <p:cNvPr id="104450" name="Rectangle 7"/>
+          <p:cNvSpPr>
+            <a:spLocks noGrp="1" noChangeArrowheads="1"/>
+          </p:cNvSpPr>
+          <p:nvPr>
+            <p:ph type="sldNum" sz="quarter" idx="5"/>
+          </p:nvPr>
+        </p:nvSpPr>
+        <p:spPr>
+          <a:noFill/>
+        </p:spPr>
+        <p:txBody>
+          <a:bodyPr/>
+          <a:lstStyle/>
+          <a:p>
+            <a:fld id="{20069DD2-EBB0-4958-8132-61F0453A2898}" type="slidenum">
+              <a:rPr lang="en-US" smtClean="0"/>
+              <a:pPr/>
+              <a:t>9</a:t>
+            </a:fld>
+            <a:endParaRPr lang="en-US" smtClean="0"/>
+          </a:p>
+        </p:txBody>
+      </p:sp>
+      <p:sp>
+        <p:nvSpPr>
+          <p:cNvPr id="104451" name="Rectangle 2"/>
+          <p:cNvSpPr>
+            <a:spLocks noGrp="1" noRot="1" noChangeAspect="1" noChangeArrowheads="1" noTextEdit="1"/>
+          </p:cNvSpPr>
+          <p:nvPr>
+            <p:ph type="sldImg"/>
+          </p:nvPr>
+        </p:nvSpPr>
+        <p:spPr>
+          <a:ln/>
+        </p:spPr>
+      </p:sp>
+      <p:sp>
+        <p:nvSpPr>
+          <p:cNvPr id="104452" name="Rectangle 3"/>
           <p:cNvSpPr>
             <a:spLocks noGrp="1" noChangeArrowheads="1"/>
           </p:cNvSpPr>
@@ -3363,1307 +3454,6 @@
       </p:grpSpPr>
       <p:sp>
         <p:nvSpPr>
-          <p:cNvPr id="18441" name="Text Box 3"/>
-          <p:cNvSpPr txBox="1">
-            <a:spLocks noChangeArrowheads="1"/>
-          </p:cNvSpPr>
-          <p:nvPr/>
-        </p:nvSpPr>
-        <p:spPr bwMode="auto">
-          <a:xfrm>
-            <a:off x="4400550" y="2373313"/>
-            <a:ext cx="2044700" cy="701675"/>
-          </a:xfrm>
-          <a:prstGeom prst="rect">
-            <a:avLst/>
-          </a:prstGeom>
-          <a:noFill/>
-          <a:ln w="9525">
-            <a:noFill/>
-            <a:miter lim="800000"/>
-            <a:headEnd/>
-            <a:tailEnd type="none" w="lg" len="lg"/>
-          </a:ln>
-        </p:spPr>
-        <p:txBody>
-          <a:bodyPr>
-            <a:spAutoFit/>
-          </a:bodyPr>
-          <a:lstStyle/>
-          <a:p>
-            <a:r>
-              <a:rPr lang="en-US" b="1"/>
-              <a:t>,</a:t>
-            </a:r>
-            <a:r>
-              <a:rPr lang="en-US"/>
-              <a:t> </a:t>
-            </a:r>
-            <a:r>
-              <a:rPr lang="en-US">
-                <a:latin typeface="Comic Sans MS" pitchFamily="66" charset="0"/>
-              </a:rPr>
-              <a:t>so let </a:t>
-            </a:r>
-          </a:p>
-        </p:txBody>
-      </p:sp>
-      <p:graphicFrame>
-        <p:nvGraphicFramePr>
-          <p:cNvPr id="18434" name="Object 4"/>
-          <p:cNvGraphicFramePr>
-            <a:graphicFrameLocks noChangeAspect="1"/>
-          </p:cNvGraphicFramePr>
-          <p:nvPr>
-            <p:extLst>
-              <p:ext uri="{D42A27DB-BD31-4B8C-83A1-F6EECF244321}">
-                <p14:modId xmlns:p14="http://schemas.microsoft.com/office/powerpoint/2010/main" val="1017230607"/>
-              </p:ext>
-            </p:extLst>
-          </p:nvPr>
-        </p:nvGraphicFramePr>
-        <p:xfrm>
-          <a:off x="6345238" y="2162175"/>
-          <a:ext cx="2549525" cy="1114425"/>
-        </p:xfrm>
-        <a:graphic>
-          <a:graphicData uri="http://schemas.openxmlformats.org/presentationml/2006/ole">
-            <mc:AlternateContent xmlns:mc="http://schemas.openxmlformats.org/markup-compatibility/2006">
-              <mc:Choice xmlns:v="urn:schemas-microsoft-com:vml" Requires="v">
-                <p:oleObj spid="_x0000_s160884" name="Equation" r:id="rId4" imgW="609600" imgH="266700" progId="Equation.DSMT4">
-                  <p:embed/>
-                </p:oleObj>
-              </mc:Choice>
-              <mc:Fallback>
-                <p:oleObj name="Equation" r:id="rId4" imgW="609600" imgH="266700" progId="Equation.DSMT4">
-                  <p:embed/>
-                  <p:pic>
-                    <p:nvPicPr>
-                      <p:cNvPr id="0" name="Object 4"/>
-                      <p:cNvPicPr>
-                        <a:picLocks noChangeAspect="1" noChangeArrowheads="1"/>
-                      </p:cNvPicPr>
-                      <p:nvPr/>
-                    </p:nvPicPr>
-                    <p:blipFill>
-                      <a:blip r:embed="rId5"/>
-                      <a:srcRect/>
-                      <a:stretch>
-                        <a:fillRect/>
-                      </a:stretch>
-                    </p:blipFill>
-                    <p:spPr bwMode="auto">
-                      <a:xfrm>
-                        <a:off x="6345238" y="2162175"/>
-                        <a:ext cx="2549525" cy="1114425"/>
-                      </a:xfrm>
-                      <a:prstGeom prst="rect">
-                        <a:avLst/>
-                      </a:prstGeom>
-                      <a:noFill/>
-                      <a:extLst>
-                        <a:ext uri="{909E8E84-426E-40dd-AFC4-6F175D3DCCD1}">
-                          <a14:hiddenFill xmlns:a14="http://schemas.microsoft.com/office/drawing/2010/main">
-                            <a:solidFill>
-                              <a:srgbClr val="FFFFFF"/>
-                            </a:solidFill>
-                          </a14:hiddenFill>
-                        </a:ext>
-                      </a:extLst>
-                    </p:spPr>
-                  </p:pic>
-                </p:oleObj>
-              </mc:Fallback>
-            </mc:AlternateContent>
-          </a:graphicData>
-        </a:graphic>
-      </p:graphicFrame>
-      <p:graphicFrame>
-        <p:nvGraphicFramePr>
-          <p:cNvPr id="18435" name="Object 5"/>
-          <p:cNvGraphicFramePr>
-            <a:graphicFrameLocks noChangeAspect="1"/>
-          </p:cNvGraphicFramePr>
-          <p:nvPr/>
-        </p:nvGraphicFramePr>
-        <p:xfrm>
-          <a:off x="4514850" y="3321050"/>
-          <a:ext cx="114300" cy="215900"/>
-        </p:xfrm>
-        <a:graphic>
-          <a:graphicData uri="http://schemas.openxmlformats.org/presentationml/2006/ole">
-            <mc:AlternateContent xmlns:mc="http://schemas.openxmlformats.org/markup-compatibility/2006">
-              <mc:Choice xmlns:v="urn:schemas-microsoft-com:vml" Requires="v">
-                <p:oleObj spid="_x0000_s160885" name="Equation" r:id="rId6" imgW="114120" imgH="215640" progId="Equation.3">
-                  <p:embed/>
-                </p:oleObj>
-              </mc:Choice>
-              <mc:Fallback>
-                <p:oleObj name="Equation" r:id="rId6" imgW="114120" imgH="215640" progId="Equation.3">
-                  <p:embed/>
-                  <p:pic>
-                    <p:nvPicPr>
-                      <p:cNvPr id="0" name="Object 5"/>
-                      <p:cNvPicPr>
-                        <a:picLocks noChangeAspect="1" noChangeArrowheads="1"/>
-                      </p:cNvPicPr>
-                      <p:nvPr/>
-                    </p:nvPicPr>
-                    <p:blipFill>
-                      <a:blip r:embed="rId7">
-                        <a:extLst>
-                          <a:ext uri="{28A0092B-C50C-407E-A947-70E740481C1C}">
-                            <a14:useLocalDpi xmlns:a14="http://schemas.microsoft.com/office/drawing/2010/main" val="0"/>
-                          </a:ext>
-                        </a:extLst>
-                      </a:blip>
-                      <a:srcRect/>
-                      <a:stretch>
-                        <a:fillRect/>
-                      </a:stretch>
-                    </p:blipFill>
-                    <p:spPr bwMode="auto">
-                      <a:xfrm>
-                        <a:off x="4514850" y="3321050"/>
-                        <a:ext cx="114300" cy="215900"/>
-                      </a:xfrm>
-                      <a:prstGeom prst="rect">
-                        <a:avLst/>
-                      </a:prstGeom>
-                      <a:noFill/>
-                      <a:extLst>
-                        <a:ext uri="{909E8E84-426E-40dd-AFC4-6F175D3DCCD1}">
-                          <a14:hiddenFill xmlns:a14="http://schemas.microsoft.com/office/drawing/2010/main">
-                            <a:solidFill>
-                              <a:srgbClr val="FFFFFF"/>
-                            </a:solidFill>
-                          </a14:hiddenFill>
-                        </a:ext>
-                      </a:extLst>
-                    </p:spPr>
-                  </p:pic>
-                </p:oleObj>
-              </mc:Fallback>
-            </mc:AlternateContent>
-          </a:graphicData>
-        </a:graphic>
-      </p:graphicFrame>
-      <p:graphicFrame>
-        <p:nvGraphicFramePr>
-          <p:cNvPr id="614406" name="Object 6"/>
-          <p:cNvGraphicFramePr>
-            <a:graphicFrameLocks noChangeAspect="1"/>
-          </p:cNvGraphicFramePr>
-          <p:nvPr>
-            <p:extLst>
-              <p:ext uri="{D42A27DB-BD31-4B8C-83A1-F6EECF244321}">
-                <p14:modId xmlns:p14="http://schemas.microsoft.com/office/powerpoint/2010/main" val="1900993669"/>
-              </p:ext>
-            </p:extLst>
-          </p:nvPr>
-        </p:nvGraphicFramePr>
-        <p:xfrm>
-          <a:off x="1731963" y="3354388"/>
-          <a:ext cx="2787650" cy="1662112"/>
-        </p:xfrm>
-        <a:graphic>
-          <a:graphicData uri="http://schemas.openxmlformats.org/presentationml/2006/ole">
-            <mc:AlternateContent xmlns:mc="http://schemas.openxmlformats.org/markup-compatibility/2006">
-              <mc:Choice xmlns:v="urn:schemas-microsoft-com:vml" Requires="v">
-                <p:oleObj spid="_x0000_s160886" name="Equation" r:id="rId8" imgW="723900" imgH="431800" progId="Equation.DSMT4">
-                  <p:embed/>
-                </p:oleObj>
-              </mc:Choice>
-              <mc:Fallback>
-                <p:oleObj name="Equation" r:id="rId8" imgW="723900" imgH="431800" progId="Equation.DSMT4">
-                  <p:embed/>
-                  <p:pic>
-                    <p:nvPicPr>
-                      <p:cNvPr id="0" name="Object 6"/>
-                      <p:cNvPicPr>
-                        <a:picLocks noChangeAspect="1" noChangeArrowheads="1"/>
-                      </p:cNvPicPr>
-                      <p:nvPr/>
-                    </p:nvPicPr>
-                    <p:blipFill>
-                      <a:blip r:embed="rId9"/>
-                      <a:srcRect/>
-                      <a:stretch>
-                        <a:fillRect/>
-                      </a:stretch>
-                    </p:blipFill>
-                    <p:spPr bwMode="auto">
-                      <a:xfrm>
-                        <a:off x="1731963" y="3354388"/>
-                        <a:ext cx="2787650" cy="1662112"/>
-                      </a:xfrm>
-                      <a:prstGeom prst="rect">
-                        <a:avLst/>
-                      </a:prstGeom>
-                      <a:noFill/>
-                      <a:extLst>
-                        <a:ext uri="{909E8E84-426E-40dd-AFC4-6F175D3DCCD1}">
-                          <a14:hiddenFill xmlns:a14="http://schemas.microsoft.com/office/drawing/2010/main">
-                            <a:solidFill>
-                              <a:srgbClr val="FFFFFF"/>
-                            </a:solidFill>
-                          </a14:hiddenFill>
-                        </a:ext>
-                      </a:extLst>
-                    </p:spPr>
-                  </p:pic>
-                </p:oleObj>
-              </mc:Fallback>
-            </mc:AlternateContent>
-          </a:graphicData>
-        </a:graphic>
-      </p:graphicFrame>
-      <p:graphicFrame>
-        <p:nvGraphicFramePr>
-          <p:cNvPr id="614407" name="Object 7"/>
-          <p:cNvGraphicFramePr>
-            <a:graphicFrameLocks noChangeAspect="1"/>
-          </p:cNvGraphicFramePr>
-          <p:nvPr>
-            <p:extLst>
-              <p:ext uri="{D42A27DB-BD31-4B8C-83A1-F6EECF244321}">
-                <p14:modId xmlns:p14="http://schemas.microsoft.com/office/powerpoint/2010/main" val="1689633008"/>
-              </p:ext>
-            </p:extLst>
-          </p:nvPr>
-        </p:nvGraphicFramePr>
-        <p:xfrm>
-          <a:off x="1560513" y="4841875"/>
-          <a:ext cx="4302125" cy="1662113"/>
-        </p:xfrm>
-        <a:graphic>
-          <a:graphicData uri="http://schemas.openxmlformats.org/presentationml/2006/ole">
-            <mc:AlternateContent xmlns:mc="http://schemas.openxmlformats.org/markup-compatibility/2006">
-              <mc:Choice xmlns:v="urn:schemas-microsoft-com:vml" Requires="v">
-                <p:oleObj spid="_x0000_s160887" name="Equation" r:id="rId10" imgW="1117600" imgH="431800" progId="Equation.DSMT4">
-                  <p:embed/>
-                </p:oleObj>
-              </mc:Choice>
-              <mc:Fallback>
-                <p:oleObj name="Equation" r:id="rId10" imgW="1117600" imgH="431800" progId="Equation.DSMT4">
-                  <p:embed/>
-                  <p:pic>
-                    <p:nvPicPr>
-                      <p:cNvPr id="0" name="Object 7"/>
-                      <p:cNvPicPr>
-                        <a:picLocks noChangeAspect="1" noChangeArrowheads="1"/>
-                      </p:cNvPicPr>
-                      <p:nvPr/>
-                    </p:nvPicPr>
-                    <p:blipFill>
-                      <a:blip r:embed="rId11"/>
-                      <a:srcRect/>
-                      <a:stretch>
-                        <a:fillRect/>
-                      </a:stretch>
-                    </p:blipFill>
-                    <p:spPr bwMode="auto">
-                      <a:xfrm>
-                        <a:off x="1560513" y="4841875"/>
-                        <a:ext cx="4302125" cy="1662113"/>
-                      </a:xfrm>
-                      <a:prstGeom prst="rect">
-                        <a:avLst/>
-                      </a:prstGeom>
-                      <a:noFill/>
-                      <a:extLst>
-                        <a:ext uri="{909E8E84-426E-40dd-AFC4-6F175D3DCCD1}">
-                          <a14:hiddenFill xmlns:a14="http://schemas.microsoft.com/office/drawing/2010/main">
-                            <a:solidFill>
-                              <a:srgbClr val="FFFFFF"/>
-                            </a:solidFill>
-                          </a14:hiddenFill>
-                        </a:ext>
-                      </a:extLst>
-                    </p:spPr>
-                  </p:pic>
-                </p:oleObj>
-              </mc:Fallback>
-            </mc:AlternateContent>
-          </a:graphicData>
-        </a:graphic>
-      </p:graphicFrame>
-      <p:sp>
-        <p:nvSpPr>
-          <p:cNvPr id="614408" name="Text Box 8"/>
-          <p:cNvSpPr txBox="1">
-            <a:spLocks noChangeArrowheads="1"/>
-          </p:cNvSpPr>
-          <p:nvPr/>
-        </p:nvSpPr>
-        <p:spPr bwMode="auto">
-          <a:xfrm>
-            <a:off x="6003925" y="5389563"/>
-            <a:ext cx="2820273" cy="800219"/>
-          </a:xfrm>
-          <a:prstGeom prst="rect">
-            <a:avLst/>
-          </a:prstGeom>
-          <a:noFill/>
-          <a:ln w="9525">
-            <a:noFill/>
-            <a:miter lim="800000"/>
-            <a:headEnd/>
-            <a:tailEnd type="none" w="lg" len="lg"/>
-          </a:ln>
-        </p:spPr>
-        <p:txBody>
-          <a:bodyPr wrap="none">
-            <a:spAutoFit/>
-          </a:bodyPr>
-          <a:lstStyle/>
-          <a:p>
-            <a:r>
-              <a:rPr lang="en-US" dirty="0">
-                <a:latin typeface="Comic Sans MS" pitchFamily="66" charset="0"/>
-              </a:rPr>
-              <a:t>for</a:t>
-            </a:r>
-            <a:r>
-              <a:rPr lang="en-US" dirty="0" smtClean="0">
-                <a:latin typeface="Comic Sans MS" pitchFamily="66" charset="0"/>
-              </a:rPr>
-              <a:t> </a:t>
-            </a:r>
-            <a:r>
-              <a:rPr lang="en-US" dirty="0" err="1" smtClean="0">
-                <a:latin typeface="Euclid Symbol" charset="2"/>
-                <a:cs typeface="Euclid Symbol" charset="2"/>
-                <a:sym typeface="Symbol" pitchFamily="18" charset="2"/>
-              </a:rPr>
-              <a:t>δ</a:t>
-            </a:r>
-            <a:r>
-              <a:rPr lang="en-US" dirty="0" smtClean="0">
-                <a:latin typeface="Comic Sans MS" pitchFamily="66" charset="0"/>
-                <a:sym typeface="Symbol" pitchFamily="18" charset="2"/>
-              </a:rPr>
-              <a:t> </a:t>
-            </a:r>
-            <a:r>
-              <a:rPr lang="en-US" b="1" dirty="0" smtClean="0">
-                <a:latin typeface="Euclid Symbol" charset="2"/>
-                <a:cs typeface="Euclid Symbol" charset="2"/>
-                <a:sym typeface="Symbol" pitchFamily="18" charset="2"/>
-              </a:rPr>
-              <a:t>&gt;</a:t>
-            </a:r>
-            <a:r>
-              <a:rPr lang="en-US" dirty="0" smtClean="0">
-                <a:latin typeface="Comic Sans MS" pitchFamily="66" charset="0"/>
-                <a:sym typeface="Symbol" pitchFamily="18" charset="2"/>
-              </a:rPr>
-              <a:t> </a:t>
-            </a:r>
-            <a:r>
-              <a:rPr lang="en-US" dirty="0" err="1" smtClean="0">
-                <a:latin typeface="Comic Sans MS" pitchFamily="66" charset="0"/>
-                <a:sym typeface="Symbol" pitchFamily="18" charset="2"/>
-              </a:rPr>
-              <a:t>ε</a:t>
-            </a:r>
-            <a:r>
-              <a:rPr lang="en-US" dirty="0" smtClean="0">
-                <a:latin typeface="Comic Sans MS" pitchFamily="66" charset="0"/>
-                <a:sym typeface="Symbol" pitchFamily="18" charset="2"/>
-              </a:rPr>
-              <a:t>.</a:t>
-            </a:r>
-            <a:endParaRPr lang="en-US" dirty="0">
-              <a:latin typeface="Comic Sans MS" pitchFamily="66" charset="0"/>
-              <a:sym typeface="Symbol" pitchFamily="18" charset="2"/>
-            </a:endParaRPr>
-          </a:p>
-        </p:txBody>
-      </p:sp>
-      <p:sp>
-        <p:nvSpPr>
-          <p:cNvPr id="18443" name="Rectangle 9"/>
-          <p:cNvSpPr>
-            <a:spLocks noChangeArrowheads="1"/>
-          </p:cNvSpPr>
-          <p:nvPr/>
-        </p:nvSpPr>
-        <p:spPr bwMode="auto">
-          <a:xfrm>
-            <a:off x="304800" y="2247781"/>
-            <a:ext cx="1860550" cy="769441"/>
-          </a:xfrm>
-          <a:prstGeom prst="rect">
-            <a:avLst/>
-          </a:prstGeom>
-          <a:noFill/>
-          <a:ln w="9525">
-            <a:noFill/>
-            <a:miter lim="800000"/>
-            <a:headEnd/>
-            <a:tailEnd type="none" w="lg" len="lg"/>
-          </a:ln>
-        </p:spPr>
-        <p:txBody>
-          <a:bodyPr wrap="square">
-            <a:spAutoFit/>
-          </a:bodyPr>
-          <a:lstStyle/>
-          <a:p>
-            <a:pPr>
-              <a:spcBef>
-                <a:spcPct val="20000"/>
-              </a:spcBef>
-            </a:pPr>
-            <a:r>
-              <a:rPr lang="en-US" sz="4400" dirty="0">
-                <a:solidFill>
-                  <a:srgbClr val="B702A0"/>
-                </a:solidFill>
-                <a:latin typeface="Comic Sans MS" pitchFamily="66" charset="0"/>
-              </a:rPr>
-              <a:t>Proof</a:t>
-            </a:r>
-            <a:r>
-              <a:rPr lang="en-US" sz="4400" dirty="0" smtClean="0">
-                <a:solidFill>
-                  <a:srgbClr val="B702A0"/>
-                </a:solidFill>
-                <a:latin typeface="Comic Sans MS" pitchFamily="66" charset="0"/>
-              </a:rPr>
-              <a:t>:</a:t>
-            </a:r>
-            <a:endParaRPr lang="en-US" sz="4400" dirty="0">
-              <a:solidFill>
-                <a:srgbClr val="B702A0"/>
-              </a:solidFill>
-              <a:latin typeface="Comic Sans MS" pitchFamily="66" charset="0"/>
-            </a:endParaRPr>
-          </a:p>
-        </p:txBody>
-      </p:sp>
-      <p:sp>
-        <p:nvSpPr>
-          <p:cNvPr id="18444" name="Rectangle 11"/>
-          <p:cNvSpPr>
-            <a:spLocks noGrp="1" noChangeArrowheads="1"/>
-          </p:cNvSpPr>
-          <p:nvPr>
-            <p:ph type="title"/>
-          </p:nvPr>
-        </p:nvSpPr>
-        <p:spPr>
-          <a:noFill/>
-        </p:spPr>
-        <p:txBody>
-          <a:bodyPr/>
-          <a:lstStyle/>
-          <a:p>
-            <a:pPr eaLnBrk="1" hangingPunct="1"/>
-            <a:r>
-              <a:rPr lang="en-US" smtClean="0"/>
-              <a:t>Little Oh:   </a:t>
-            </a:r>
-            <a:r>
-              <a:rPr lang="en-US" smtClean="0">
-                <a:solidFill>
-                  <a:srgbClr val="FF33CC"/>
-                </a:solidFill>
-              </a:rPr>
-              <a:t>o(∙)</a:t>
-            </a:r>
-          </a:p>
-        </p:txBody>
-      </p:sp>
-      <p:graphicFrame>
-        <p:nvGraphicFramePr>
-          <p:cNvPr id="12" name="Object 11"/>
-          <p:cNvGraphicFramePr>
-            <a:graphicFrameLocks noChangeAspect="1"/>
-          </p:cNvGraphicFramePr>
-          <p:nvPr>
-            <p:extLst>
-              <p:ext uri="{D42A27DB-BD31-4B8C-83A1-F6EECF244321}">
-                <p14:modId xmlns:p14="http://schemas.microsoft.com/office/powerpoint/2010/main" val="4086916756"/>
-              </p:ext>
-            </p:extLst>
-          </p:nvPr>
-        </p:nvGraphicFramePr>
-        <p:xfrm>
-          <a:off x="2133600" y="1816359"/>
-          <a:ext cx="2438400" cy="1841241"/>
-        </p:xfrm>
-        <a:graphic>
-          <a:graphicData uri="http://schemas.openxmlformats.org/presentationml/2006/ole">
-            <mc:AlternateContent xmlns:mc="http://schemas.openxmlformats.org/markup-compatibility/2006">
-              <mc:Choice xmlns:v="urn:schemas-microsoft-com:vml" Requires="v">
-                <p:oleObj spid="_x0000_s160888" name="Equation" r:id="rId12" imgW="622300" imgH="469900" progId="Equation.DSMT4">
-                  <p:embed/>
-                </p:oleObj>
-              </mc:Choice>
-              <mc:Fallback>
-                <p:oleObj name="Equation" r:id="rId12" imgW="622300" imgH="469900" progId="Equation.DSMT4">
-                  <p:embed/>
-                  <p:pic>
-                    <p:nvPicPr>
-                      <p:cNvPr id="0" name=""/>
-                      <p:cNvPicPr/>
-                      <p:nvPr/>
-                    </p:nvPicPr>
-                    <p:blipFill>
-                      <a:blip r:embed="rId13"/>
-                      <a:stretch>
-                        <a:fillRect/>
-                      </a:stretch>
-                    </p:blipFill>
-                    <p:spPr>
-                      <a:xfrm>
-                        <a:off x="2133600" y="1816359"/>
-                        <a:ext cx="2438400" cy="1841241"/>
-                      </a:xfrm>
-                      <a:prstGeom prst="rect">
-                        <a:avLst/>
-                      </a:prstGeom>
-                    </p:spPr>
-                  </p:pic>
-                </p:oleObj>
-              </mc:Fallback>
-            </mc:AlternateContent>
-          </a:graphicData>
-        </a:graphic>
-      </p:graphicFrame>
-      <p:sp>
-        <p:nvSpPr>
-          <p:cNvPr id="14" name="Rectangle 2"/>
-          <p:cNvSpPr txBox="1">
-            <a:spLocks noChangeArrowheads="1"/>
-          </p:cNvSpPr>
-          <p:nvPr/>
-        </p:nvSpPr>
-        <p:spPr bwMode="auto">
-          <a:xfrm>
-            <a:off x="676275" y="1147763"/>
-            <a:ext cx="7772400" cy="1352550"/>
-          </a:xfrm>
-          <a:prstGeom prst="rect">
-            <a:avLst/>
-          </a:prstGeom>
-          <a:noFill/>
-          <a:ln w="9525">
-            <a:noFill/>
-            <a:miter lim="800000"/>
-            <a:headEnd/>
-            <a:tailEnd/>
-          </a:ln>
-        </p:spPr>
-        <p:txBody>
-          <a:bodyPr vert="horz" wrap="square" lIns="91440" tIns="45720" rIns="91440" bIns="45720" numCol="1" anchor="t" anchorCtr="0" compatLnSpc="1">
-            <a:prstTxWarp prst="textNoShape">
-              <a:avLst/>
-            </a:prstTxWarp>
-          </a:bodyPr>
-          <a:lstStyle>
-            <a:lvl1pPr marL="342900" indent="-342900" algn="l" rtl="0" eaLnBrk="0" fontAlgn="base" hangingPunct="0">
-              <a:spcBef>
-                <a:spcPct val="20000"/>
-              </a:spcBef>
-              <a:spcAft>
-                <a:spcPct val="0"/>
-              </a:spcAft>
-              <a:buNone/>
-              <a:defRPr sz="3200">
-                <a:solidFill>
-                  <a:schemeClr val="tx1"/>
-                </a:solidFill>
-                <a:latin typeface="+mn-lt"/>
-                <a:ea typeface="+mn-ea"/>
-                <a:cs typeface="+mn-cs"/>
-              </a:defRPr>
-            </a:lvl1pPr>
-            <a:lvl2pPr marL="742950" indent="-285750" algn="l" rtl="0" eaLnBrk="0" fontAlgn="base" hangingPunct="0">
-              <a:spcBef>
-                <a:spcPct val="20000"/>
-              </a:spcBef>
-              <a:spcAft>
-                <a:spcPct val="0"/>
-              </a:spcAft>
-              <a:buNone/>
-              <a:defRPr sz="2800">
-                <a:solidFill>
-                  <a:schemeClr val="tx1"/>
-                </a:solidFill>
-                <a:latin typeface="+mn-lt"/>
-              </a:defRPr>
-            </a:lvl2pPr>
-            <a:lvl3pPr marL="1143000" indent="-228600" algn="l" rtl="0" eaLnBrk="0" fontAlgn="base" hangingPunct="0">
-              <a:spcBef>
-                <a:spcPct val="20000"/>
-              </a:spcBef>
-              <a:spcAft>
-                <a:spcPct val="0"/>
-              </a:spcAft>
-              <a:buNone/>
-              <a:defRPr sz="2400">
-                <a:solidFill>
-                  <a:schemeClr val="tx1"/>
-                </a:solidFill>
-                <a:latin typeface="+mn-lt"/>
-              </a:defRPr>
-            </a:lvl3pPr>
-            <a:lvl4pPr marL="1600200" indent="-228600" algn="l" rtl="0" eaLnBrk="0" fontAlgn="base" hangingPunct="0">
-              <a:spcBef>
-                <a:spcPct val="20000"/>
-              </a:spcBef>
-              <a:spcAft>
-                <a:spcPct val="0"/>
-              </a:spcAft>
-              <a:buNone/>
-              <a:defRPr sz="2000">
-                <a:solidFill>
-                  <a:schemeClr val="tx1"/>
-                </a:solidFill>
-                <a:latin typeface="+mn-lt"/>
-              </a:defRPr>
-            </a:lvl4pPr>
-            <a:lvl5pPr marL="2057400" indent="-228600" algn="l" rtl="0" eaLnBrk="0" fontAlgn="base" hangingPunct="0">
-              <a:spcBef>
-                <a:spcPct val="20000"/>
-              </a:spcBef>
-              <a:spcAft>
-                <a:spcPct val="0"/>
-              </a:spcAft>
-              <a:buNone/>
-              <a:defRPr sz="2000">
-                <a:solidFill>
-                  <a:schemeClr val="tx1"/>
-                </a:solidFill>
-                <a:latin typeface="+mn-lt"/>
-              </a:defRPr>
-            </a:lvl5pPr>
-            <a:lvl6pPr marL="2514600" indent="-228600" algn="l" rtl="0" fontAlgn="base">
-              <a:spcBef>
-                <a:spcPct val="20000"/>
-              </a:spcBef>
-              <a:spcAft>
-                <a:spcPct val="0"/>
-              </a:spcAft>
-              <a:buChar char="»"/>
-              <a:defRPr sz="2000">
-                <a:solidFill>
-                  <a:schemeClr val="tx1"/>
-                </a:solidFill>
-                <a:latin typeface="+mn-lt"/>
-              </a:defRPr>
-            </a:lvl6pPr>
-            <a:lvl7pPr marL="2971800" indent="-228600" algn="l" rtl="0" fontAlgn="base">
-              <a:spcBef>
-                <a:spcPct val="20000"/>
-              </a:spcBef>
-              <a:spcAft>
-                <a:spcPct val="0"/>
-              </a:spcAft>
-              <a:buChar char="»"/>
-              <a:defRPr sz="2000">
-                <a:solidFill>
-                  <a:schemeClr val="tx1"/>
-                </a:solidFill>
-                <a:latin typeface="+mn-lt"/>
-              </a:defRPr>
-            </a:lvl7pPr>
-            <a:lvl8pPr marL="3429000" indent="-228600" algn="l" rtl="0" fontAlgn="base">
-              <a:spcBef>
-                <a:spcPct val="20000"/>
-              </a:spcBef>
-              <a:spcAft>
-                <a:spcPct val="0"/>
-              </a:spcAft>
-              <a:buChar char="»"/>
-              <a:defRPr sz="2000">
-                <a:solidFill>
-                  <a:schemeClr val="tx1"/>
-                </a:solidFill>
-                <a:latin typeface="+mn-lt"/>
-              </a:defRPr>
-            </a:lvl8pPr>
-            <a:lvl9pPr marL="3886200" indent="-228600" algn="l" rtl="0" fontAlgn="base">
-              <a:spcBef>
-                <a:spcPct val="20000"/>
-              </a:spcBef>
-              <a:spcAft>
-                <a:spcPct val="0"/>
-              </a:spcAft>
-              <a:buChar char="»"/>
-              <a:defRPr sz="2000">
-                <a:solidFill>
-                  <a:schemeClr val="tx1"/>
-                </a:solidFill>
-                <a:latin typeface="+mn-lt"/>
-              </a:defRPr>
-            </a:lvl9pPr>
-          </a:lstStyle>
-          <a:p>
-            <a:pPr marL="0" indent="0" eaLnBrk="1" hangingPunct="1"/>
-            <a:r>
-              <a:rPr lang="en-US" sz="3600" smtClean="0">
-                <a:solidFill>
-                  <a:srgbClr val="B702A0"/>
-                </a:solidFill>
-              </a:rPr>
-              <a:t>Lemma:</a:t>
-            </a:r>
-            <a:r>
-              <a:rPr lang="en-US" sz="4400" smtClean="0"/>
-              <a:t> ln x  = o(x</a:t>
-            </a:r>
-            <a:r>
-              <a:rPr lang="en-US" sz="4400" baseline="30000" smtClean="0">
-                <a:sym typeface="Symbol" pitchFamily="18" charset="2"/>
-              </a:rPr>
-              <a:t>ε</a:t>
-            </a:r>
-            <a:r>
-              <a:rPr lang="en-US" sz="4400" smtClean="0"/>
-              <a:t>) for </a:t>
-            </a:r>
-            <a:r>
-              <a:rPr lang="en-US" sz="4400" smtClean="0">
-                <a:sym typeface="Symbol" pitchFamily="18" charset="2"/>
-              </a:rPr>
-              <a:t>ε &gt; 0.</a:t>
-            </a:r>
-            <a:endParaRPr lang="en-US" sz="4400" dirty="0" smtClean="0">
-              <a:sym typeface="Symbol" pitchFamily="18" charset="2"/>
-            </a:endParaRPr>
-          </a:p>
-        </p:txBody>
-      </p:sp>
-    </p:spTree>
-  </p:cSld>
-  <p:clrMapOvr>
-    <a:masterClrMapping/>
-  </p:clrMapOvr>
-  <p:transition xmlns:p14="http://schemas.microsoft.com/office/powerpoint/2010/main">
-    <p:fade/>
-  </p:transition>
-  <p:timing>
-    <p:tnLst>
-      <p:par>
-        <p:cTn xmlns:p14="http://schemas.microsoft.com/office/powerpoint/2010/main" id="1" dur="indefinite" restart="never" nodeType="tmRoot">
-          <p:childTnLst>
-            <p:seq concurrent="1" nextAc="seek">
-              <p:cTn id="2" dur="indefinite" nodeType="mainSeq">
-                <p:childTnLst>
-                  <p:par>
-                    <p:cTn id="3" fill="hold">
-                      <p:stCondLst>
-                        <p:cond delay="indefinite"/>
-                      </p:stCondLst>
-                      <p:childTnLst>
-                        <p:par>
-                          <p:cTn id="4" fill="hold">
-                            <p:stCondLst>
-                              <p:cond delay="0"/>
-                            </p:stCondLst>
-                            <p:childTnLst>
-                              <p:par>
-                                <p:cTn id="5" presetID="9" presetClass="entr" presetSubtype="0" fill="hold" nodeType="clickEffect">
-                                  <p:stCondLst>
-                                    <p:cond delay="0"/>
-                                  </p:stCondLst>
-                                  <p:childTnLst>
-                                    <p:set>
-                                      <p:cBhvr>
-                                        <p:cTn id="6" dur="1" fill="hold">
-                                          <p:stCondLst>
-                                            <p:cond delay="0"/>
-                                          </p:stCondLst>
-                                        </p:cTn>
-                                        <p:tgtEl>
-                                          <p:spTgt spid="614406"/>
-                                        </p:tgtEl>
-                                        <p:attrNameLst>
-                                          <p:attrName>style.visibility</p:attrName>
-                                        </p:attrNameLst>
-                                      </p:cBhvr>
-                                      <p:to>
-                                        <p:strVal val="visible"/>
-                                      </p:to>
-                                    </p:set>
-                                    <p:animEffect transition="in" filter="dissolve">
-                                      <p:cBhvr>
-                                        <p:cTn id="7" dur="500"/>
-                                        <p:tgtEl>
-                                          <p:spTgt spid="614406"/>
-                                        </p:tgtEl>
-                                      </p:cBhvr>
-                                    </p:animEffect>
-                                  </p:childTnLst>
-                                </p:cTn>
-                              </p:par>
-                            </p:childTnLst>
-                          </p:cTn>
-                        </p:par>
-                      </p:childTnLst>
-                    </p:cTn>
-                  </p:par>
-                  <p:par>
-                    <p:cTn id="8" fill="hold">
-                      <p:stCondLst>
-                        <p:cond delay="indefinite"/>
-                      </p:stCondLst>
-                      <p:childTnLst>
-                        <p:par>
-                          <p:cTn id="9" fill="hold">
-                            <p:stCondLst>
-                              <p:cond delay="0"/>
-                            </p:stCondLst>
-                            <p:childTnLst>
-                              <p:par>
-                                <p:cTn id="10" presetID="22" presetClass="entr" presetSubtype="8" fill="hold" nodeType="clickEffect">
-                                  <p:stCondLst>
-                                    <p:cond delay="0"/>
-                                  </p:stCondLst>
-                                  <p:childTnLst>
-                                    <p:set>
-                                      <p:cBhvr>
-                                        <p:cTn id="11" dur="1" fill="hold">
-                                          <p:stCondLst>
-                                            <p:cond delay="0"/>
-                                          </p:stCondLst>
-                                        </p:cTn>
-                                        <p:tgtEl>
-                                          <p:spTgt spid="614407"/>
-                                        </p:tgtEl>
-                                        <p:attrNameLst>
-                                          <p:attrName>style.visibility</p:attrName>
-                                        </p:attrNameLst>
-                                      </p:cBhvr>
-                                      <p:to>
-                                        <p:strVal val="visible"/>
-                                      </p:to>
-                                    </p:set>
-                                    <p:animEffect transition="in" filter="wipe(left)">
-                                      <p:cBhvr>
-                                        <p:cTn id="12" dur="500"/>
-                                        <p:tgtEl>
-                                          <p:spTgt spid="614407"/>
-                                        </p:tgtEl>
-                                      </p:cBhvr>
-                                    </p:animEffect>
-                                  </p:childTnLst>
-                                </p:cTn>
-                              </p:par>
-                              <p:par>
-                                <p:cTn id="13" presetID="9" presetClass="entr" presetSubtype="0" fill="hold" grpId="0" nodeType="withEffect">
-                                  <p:stCondLst>
-                                    <p:cond delay="0"/>
-                                  </p:stCondLst>
-                                  <p:childTnLst>
-                                    <p:set>
-                                      <p:cBhvr>
-                                        <p:cTn id="14" dur="1" fill="hold">
-                                          <p:stCondLst>
-                                            <p:cond delay="0"/>
-                                          </p:stCondLst>
-                                        </p:cTn>
-                                        <p:tgtEl>
-                                          <p:spTgt spid="614408"/>
-                                        </p:tgtEl>
-                                        <p:attrNameLst>
-                                          <p:attrName>style.visibility</p:attrName>
-                                        </p:attrNameLst>
-                                      </p:cBhvr>
-                                      <p:to>
-                                        <p:strVal val="visible"/>
-                                      </p:to>
-                                    </p:set>
-                                    <p:animEffect transition="in" filter="dissolve">
-                                      <p:cBhvr>
-                                        <p:cTn id="15" dur="500"/>
-                                        <p:tgtEl>
-                                          <p:spTgt spid="614408"/>
-                                        </p:tgtEl>
-                                      </p:cBhvr>
-                                    </p:animEffect>
-                                  </p:childTnLst>
-                                </p:cTn>
-                              </p:par>
-                            </p:childTnLst>
-                          </p:cTn>
-                        </p:par>
-                      </p:childTnLst>
-                    </p:cTn>
-                  </p:par>
-                </p:childTnLst>
-              </p:cTn>
-              <p:prevCondLst>
-                <p:cond evt="onPrev" delay="0">
-                  <p:tgtEl>
-                    <p:sldTgt/>
-                  </p:tgtEl>
-                </p:cond>
-              </p:prevCondLst>
-              <p:nextCondLst>
-                <p:cond evt="onNext" delay="0">
-                  <p:tgtEl>
-                    <p:sldTgt/>
-                  </p:tgtEl>
-                </p:cond>
-              </p:nextCondLst>
-            </p:seq>
-          </p:childTnLst>
-        </p:cTn>
-      </p:par>
-    </p:tnLst>
-    <p:bldLst>
-      <p:bldP spid="614408" grpId="0"/>
-    </p:bldLst>
-  </p:timing>
-</p:sld>
-</file>
-
-<file path=ppt/slides/slide11.xml><?xml version="1.0" encoding="utf-8"?>
-<p:sld xmlns:a="http://schemas.openxmlformats.org/drawingml/2006/main" xmlns:r="http://schemas.openxmlformats.org/officeDocument/2006/relationships" xmlns:p="http://schemas.openxmlformats.org/presentationml/2006/main">
-  <p:cSld>
-    <p:spTree>
-      <p:nvGrpSpPr>
-        <p:cNvPr id="1" name=""/>
-        <p:cNvGrpSpPr/>
-        <p:nvPr/>
-      </p:nvGrpSpPr>
-      <p:grpSpPr>
-        <a:xfrm>
-          <a:off x="0" y="0"/>
-          <a:ext cx="0" cy="0"/>
-          <a:chOff x="0" y="0"/>
-          <a:chExt cx="0" cy="0"/>
-        </a:xfrm>
-      </p:grpSpPr>
-      <p:sp>
-        <p:nvSpPr>
-          <p:cNvPr id="60419" name="Rectangle 3"/>
-          <p:cNvSpPr>
-            <a:spLocks noGrp="1" noChangeArrowheads="1"/>
-          </p:cNvSpPr>
-          <p:nvPr>
-            <p:ph type="body" idx="1"/>
-          </p:nvPr>
-        </p:nvSpPr>
-        <p:spPr>
-          <a:xfrm>
-            <a:off x="230188" y="1698625"/>
-            <a:ext cx="8709025" cy="3400425"/>
-          </a:xfrm>
-        </p:spPr>
-        <p:txBody>
-          <a:bodyPr/>
-          <a:lstStyle/>
-          <a:p>
-            <a:pPr marL="0" indent="0" eaLnBrk="1" hangingPunct="1">
-              <a:buFontTx/>
-              <a:buNone/>
-            </a:pPr>
-            <a:r>
-              <a:rPr lang="en-US" sz="4400" dirty="0" smtClean="0"/>
-              <a:t>Lemma:</a:t>
-            </a:r>
-          </a:p>
-          <a:p>
-            <a:pPr marL="0" indent="0" algn="ctr" eaLnBrk="1" hangingPunct="1">
-              <a:buFontTx/>
-              <a:buNone/>
-            </a:pPr>
-            <a:r>
-              <a:rPr lang="en-US" sz="6600" dirty="0" smtClean="0">
-                <a:solidFill>
-                  <a:srgbClr val="2525FF"/>
-                </a:solidFill>
-              </a:rPr>
-              <a:t>x</a:t>
-            </a:r>
-            <a:r>
-              <a:rPr lang="en-US" sz="6600" baseline="30000" dirty="0" smtClean="0">
-                <a:solidFill>
-                  <a:srgbClr val="2525FF"/>
-                </a:solidFill>
-              </a:rPr>
-              <a:t>c</a:t>
-            </a:r>
-            <a:r>
-              <a:rPr lang="en-US" sz="6600" dirty="0" smtClean="0">
-                <a:solidFill>
-                  <a:srgbClr val="2525FF"/>
-                </a:solidFill>
-              </a:rPr>
-              <a:t> </a:t>
-            </a:r>
-            <a:r>
-              <a:rPr lang="en-US" sz="6600" b="1" dirty="0" smtClean="0">
-                <a:latin typeface="Euclid Symbol" charset="2"/>
-                <a:cs typeface="Euclid Symbol" charset="2"/>
-              </a:rPr>
-              <a:t>= </a:t>
-            </a:r>
-            <a:r>
-              <a:rPr lang="en-US" sz="6600" dirty="0" smtClean="0">
-                <a:solidFill>
-                  <a:srgbClr val="2525FF"/>
-                </a:solidFill>
-              </a:rPr>
-              <a:t>o(a</a:t>
-            </a:r>
-            <a:r>
-              <a:rPr lang="en-US" sz="6600" baseline="30000" dirty="0" smtClean="0">
-                <a:solidFill>
-                  <a:srgbClr val="2525FF"/>
-                </a:solidFill>
-              </a:rPr>
-              <a:t>x</a:t>
-            </a:r>
-            <a:r>
-              <a:rPr lang="en-US" sz="6600" dirty="0" smtClean="0">
-                <a:solidFill>
-                  <a:srgbClr val="2525FF"/>
-                </a:solidFill>
-              </a:rPr>
-              <a:t>)</a:t>
-            </a:r>
-          </a:p>
-          <a:p>
-            <a:pPr marL="0" indent="0" eaLnBrk="1" hangingPunct="1">
-              <a:buFontTx/>
-              <a:buNone/>
-            </a:pPr>
-            <a:r>
-              <a:rPr lang="en-US" sz="6600" dirty="0" smtClean="0"/>
-              <a:t>for </a:t>
-            </a:r>
-            <a:r>
-              <a:rPr lang="en-US" sz="6600" dirty="0" smtClean="0">
-                <a:solidFill>
-                  <a:srgbClr val="2525FF"/>
-                </a:solidFill>
-                <a:sym typeface="Symbol" pitchFamily="18" charset="2"/>
-              </a:rPr>
-              <a:t>a </a:t>
-            </a:r>
-            <a:r>
-              <a:rPr lang="en-US" sz="6600" b="1" dirty="0" smtClean="0">
-                <a:solidFill>
-                  <a:srgbClr val="2525FF"/>
-                </a:solidFill>
-                <a:latin typeface="Euclid Symbol" charset="2"/>
-                <a:cs typeface="Euclid Symbol" charset="2"/>
-                <a:sym typeface="Symbol" pitchFamily="18" charset="2"/>
-              </a:rPr>
-              <a:t>&gt;</a:t>
-            </a:r>
-            <a:r>
-              <a:rPr lang="en-US" sz="6600" dirty="0" smtClean="0">
-                <a:solidFill>
-                  <a:srgbClr val="2525FF"/>
-                </a:solidFill>
-                <a:sym typeface="Symbol" pitchFamily="18" charset="2"/>
-              </a:rPr>
-              <a:t> 1</a:t>
-            </a:r>
-            <a:r>
-              <a:rPr lang="en-US" sz="6600" dirty="0" smtClean="0">
-                <a:sym typeface="Symbol" pitchFamily="18" charset="2"/>
-              </a:rPr>
-              <a:t>.</a:t>
-            </a:r>
-          </a:p>
-        </p:txBody>
-      </p:sp>
-      <p:sp>
-        <p:nvSpPr>
-          <p:cNvPr id="60420" name="Rectangle 16"/>
-          <p:cNvSpPr>
-            <a:spLocks noGrp="1" noChangeArrowheads="1"/>
-          </p:cNvSpPr>
-          <p:nvPr>
-            <p:ph type="title"/>
-          </p:nvPr>
-        </p:nvSpPr>
-        <p:spPr>
-          <a:noFill/>
-        </p:spPr>
-        <p:txBody>
-          <a:bodyPr/>
-          <a:lstStyle/>
-          <a:p>
-            <a:pPr eaLnBrk="1" hangingPunct="1"/>
-            <a:r>
-              <a:rPr lang="en-US" smtClean="0"/>
-              <a:t>Little Oh:   </a:t>
-            </a:r>
-            <a:r>
-              <a:rPr lang="en-US" smtClean="0">
-                <a:solidFill>
-                  <a:srgbClr val="FF33CC"/>
-                </a:solidFill>
-              </a:rPr>
-              <a:t>o(∙)</a:t>
-            </a:r>
-          </a:p>
-        </p:txBody>
-      </p:sp>
-      <p:sp>
-        <p:nvSpPr>
-          <p:cNvPr id="494609" name="Rectangle 17"/>
-          <p:cNvSpPr>
-            <a:spLocks noChangeArrowheads="1"/>
-          </p:cNvSpPr>
-          <p:nvPr/>
-        </p:nvSpPr>
-        <p:spPr bwMode="auto">
-          <a:xfrm>
-            <a:off x="2146300" y="2433480"/>
-            <a:ext cx="4775200" cy="1398588"/>
-          </a:xfrm>
-          <a:prstGeom prst="rect">
-            <a:avLst/>
-          </a:prstGeom>
-          <a:noFill/>
-          <a:ln w="38100">
-            <a:solidFill>
-              <a:srgbClr val="FF00FF"/>
-            </a:solidFill>
-            <a:prstDash val="sysDash"/>
-            <a:miter lim="800000"/>
-            <a:headEnd/>
-            <a:tailEnd type="none" w="lg" len="lg"/>
-          </a:ln>
-        </p:spPr>
-        <p:txBody>
-          <a:bodyPr wrap="none" anchor="ctr"/>
-          <a:lstStyle/>
-          <a:p>
-            <a:endParaRPr lang="en-US"/>
-          </a:p>
-        </p:txBody>
-      </p:sp>
-    </p:spTree>
-  </p:cSld>
-  <p:clrMapOvr>
-    <a:masterClrMapping/>
-  </p:clrMapOvr>
-  <p:transition xmlns:p14="http://schemas.microsoft.com/office/powerpoint/2010/main" spd="slow">
-    <p:fade thruBlk="1"/>
-  </p:transition>
-  <p:timing>
-    <p:tnLst>
-      <p:par>
-        <p:cTn xmlns:p14="http://schemas.microsoft.com/office/powerpoint/2010/main" id="1" dur="indefinite" restart="never" nodeType="tmRoot">
-          <p:childTnLst>
-            <p:seq concurrent="1" nextAc="seek">
-              <p:cTn id="2" dur="indefinite" nodeType="mainSeq">
-                <p:childTnLst>
-                  <p:par>
-                    <p:cTn id="3" fill="hold">
-                      <p:stCondLst>
-                        <p:cond delay="indefinite"/>
-                        <p:cond evt="onBegin" delay="0">
-                          <p:tn val="2"/>
-                        </p:cond>
-                      </p:stCondLst>
-                      <p:childTnLst>
-                        <p:par>
-                          <p:cTn id="4" fill="hold">
-                            <p:stCondLst>
-                              <p:cond delay="0"/>
-                            </p:stCondLst>
-                            <p:childTnLst>
-                              <p:par>
-                                <p:cTn id="5" presetID="9" presetClass="entr" presetSubtype="0" fill="hold" grpId="0" nodeType="afterEffect">
-                                  <p:stCondLst>
-                                    <p:cond delay="0"/>
-                                  </p:stCondLst>
-                                  <p:childTnLst>
-                                    <p:set>
-                                      <p:cBhvr>
-                                        <p:cTn id="6" dur="1" fill="hold">
-                                          <p:stCondLst>
-                                            <p:cond delay="0"/>
-                                          </p:stCondLst>
-                                        </p:cTn>
-                                        <p:tgtEl>
-                                          <p:spTgt spid="494609"/>
-                                        </p:tgtEl>
-                                        <p:attrNameLst>
-                                          <p:attrName>style.visibility</p:attrName>
-                                        </p:attrNameLst>
-                                      </p:cBhvr>
-                                      <p:to>
-                                        <p:strVal val="visible"/>
-                                      </p:to>
-                                    </p:set>
-                                    <p:animEffect transition="in" filter="dissolve">
-                                      <p:cBhvr>
-                                        <p:cTn id="7" dur="1000"/>
-                                        <p:tgtEl>
-                                          <p:spTgt spid="494609"/>
-                                        </p:tgtEl>
-                                      </p:cBhvr>
-                                    </p:animEffect>
-                                  </p:childTnLst>
-                                </p:cTn>
-                              </p:par>
-                            </p:childTnLst>
-                          </p:cTn>
-                        </p:par>
-                      </p:childTnLst>
-                    </p:cTn>
-                  </p:par>
-                </p:childTnLst>
-              </p:cTn>
-              <p:prevCondLst>
-                <p:cond evt="onPrev" delay="0">
-                  <p:tgtEl>
-                    <p:sldTgt/>
-                  </p:tgtEl>
-                </p:cond>
-              </p:prevCondLst>
-              <p:nextCondLst>
-                <p:cond evt="onNext" delay="0">
-                  <p:tgtEl>
-                    <p:sldTgt/>
-                  </p:tgtEl>
-                </p:cond>
-              </p:nextCondLst>
-            </p:seq>
-          </p:childTnLst>
-        </p:cTn>
-      </p:par>
-    </p:tnLst>
-    <p:bldLst>
-      <p:bldP spid="494609" grpId="0" animBg="1"/>
-    </p:bldLst>
-  </p:timing>
-</p:sld>
-</file>
-
-<file path=ppt/slides/slide12.xml><?xml version="1.0" encoding="utf-8"?>
-<p:sld xmlns:a="http://schemas.openxmlformats.org/drawingml/2006/main" xmlns:r="http://schemas.openxmlformats.org/officeDocument/2006/relationships" xmlns:p="http://schemas.openxmlformats.org/presentationml/2006/main">
-  <p:cSld>
-    <p:spTree>
-      <p:nvGrpSpPr>
-        <p:cNvPr id="1" name=""/>
-        <p:cNvGrpSpPr/>
-        <p:nvPr/>
-      </p:nvGrpSpPr>
-      <p:grpSpPr>
-        <a:xfrm>
-          <a:off x="0" y="0"/>
-          <a:ext cx="0" cy="0"/>
-          <a:chOff x="0" y="0"/>
-          <a:chExt cx="0" cy="0"/>
-        </a:xfrm>
-      </p:grpSpPr>
-      <p:sp>
-        <p:nvSpPr>
           <p:cNvPr id="59395" name="Text Box 3"/>
           <p:cNvSpPr txBox="1">
             <a:spLocks noChangeArrowheads="1"/>
@@ -4794,2117 +3584,7 @@
 </p:sld>
 </file>
 
-<file path=ppt/slides/slide2.xml><?xml version="1.0" encoding="utf-8"?>
-<p:sld xmlns:a="http://schemas.openxmlformats.org/drawingml/2006/main" xmlns:r="http://schemas.openxmlformats.org/officeDocument/2006/relationships" xmlns:p="http://schemas.openxmlformats.org/presentationml/2006/main">
-  <p:cSld>
-    <p:spTree>
-      <p:nvGrpSpPr>
-        <p:cNvPr id="1" name=""/>
-        <p:cNvGrpSpPr/>
-        <p:nvPr/>
-      </p:nvGrpSpPr>
-      <p:grpSpPr>
-        <a:xfrm>
-          <a:off x="0" y="0"/>
-          <a:ext cx="0" cy="0"/>
-          <a:chOff x="0" y="0"/>
-          <a:chExt cx="0" cy="0"/>
-        </a:xfrm>
-      </p:grpSpPr>
-      <p:sp>
-        <p:nvSpPr>
-          <p:cNvPr id="54275" name="Rectangle 2"/>
-          <p:cNvSpPr>
-            <a:spLocks noGrp="1" noChangeArrowheads="1"/>
-          </p:cNvSpPr>
-          <p:nvPr>
-            <p:ph type="title"/>
-          </p:nvPr>
-        </p:nvSpPr>
-        <p:spPr/>
-        <p:txBody>
-          <a:bodyPr/>
-          <a:lstStyle/>
-          <a:p>
-            <a:pPr eaLnBrk="1" hangingPunct="1"/>
-            <a:r>
-              <a:rPr lang="en-US" dirty="0" smtClean="0"/>
-              <a:t>The Oh’s</a:t>
-            </a:r>
-          </a:p>
-        </p:txBody>
-      </p:sp>
-      <p:sp>
-        <p:nvSpPr>
-          <p:cNvPr id="54276" name="Text Box 4"/>
-          <p:cNvSpPr txBox="1">
-            <a:spLocks noChangeArrowheads="1"/>
-          </p:cNvSpPr>
-          <p:nvPr/>
-        </p:nvSpPr>
-        <p:spPr bwMode="auto">
-          <a:xfrm>
-            <a:off x="228600" y="2524125"/>
-            <a:ext cx="5391150" cy="762000"/>
-          </a:xfrm>
-          <a:prstGeom prst="rect">
-            <a:avLst/>
-          </a:prstGeom>
-          <a:noFill/>
-          <a:ln w="9525">
-            <a:noFill/>
-            <a:miter lim="800000"/>
-            <a:headEnd/>
-            <a:tailEnd type="none" w="lg" len="lg"/>
-          </a:ln>
-        </p:spPr>
-        <p:txBody>
-          <a:bodyPr wrap="none">
-            <a:spAutoFit/>
-          </a:bodyPr>
-          <a:lstStyle/>
-          <a:p>
-            <a:r>
-              <a:rPr lang="en-US" sz="4400" dirty="0">
-                <a:latin typeface="Comic Sans MS" pitchFamily="66" charset="0"/>
-              </a:rPr>
-              <a:t>If </a:t>
-            </a:r>
-            <a:r>
-              <a:rPr lang="en-US" sz="4400" dirty="0">
-                <a:solidFill>
-                  <a:srgbClr val="0000FF"/>
-                </a:solidFill>
-                <a:latin typeface="Comic Sans MS" pitchFamily="66" charset="0"/>
-              </a:rPr>
-              <a:t>f = o(g)</a:t>
-            </a:r>
-            <a:r>
-              <a:rPr lang="en-US" sz="4400" dirty="0">
-                <a:solidFill>
-                  <a:schemeClr val="accent1">
-                    <a:lumMod val="75000"/>
-                  </a:schemeClr>
-                </a:solidFill>
-                <a:latin typeface="Comic Sans MS" pitchFamily="66" charset="0"/>
-              </a:rPr>
-              <a:t> </a:t>
-            </a:r>
-            <a:r>
-              <a:rPr lang="en-US" sz="4400" dirty="0">
-                <a:latin typeface="Comic Sans MS" pitchFamily="66" charset="0"/>
-              </a:rPr>
-              <a:t>or </a:t>
-            </a:r>
-            <a:r>
-              <a:rPr lang="en-US" sz="4400" dirty="0">
-                <a:solidFill>
-                  <a:srgbClr val="0000FF"/>
-                </a:solidFill>
-                <a:latin typeface="Comic Sans MS" pitchFamily="66" charset="0"/>
-              </a:rPr>
-              <a:t>f </a:t>
-            </a:r>
-            <a:r>
-              <a:rPr lang="en-US" sz="4400" b="1" dirty="0">
-                <a:solidFill>
-                  <a:srgbClr val="0000FF"/>
-                </a:solidFill>
-                <a:latin typeface="Comic Sans MS" pitchFamily="66" charset="0"/>
-              </a:rPr>
-              <a:t>~ </a:t>
-            </a:r>
-            <a:r>
-              <a:rPr lang="en-US" sz="4400" dirty="0">
-                <a:solidFill>
-                  <a:srgbClr val="0000FF"/>
-                </a:solidFill>
-                <a:latin typeface="Comic Sans MS" pitchFamily="66" charset="0"/>
-              </a:rPr>
-              <a:t>g</a:t>
-            </a:r>
-            <a:r>
-              <a:rPr lang="en-US" sz="4400" dirty="0">
-                <a:latin typeface="Comic Sans MS" pitchFamily="66" charset="0"/>
-              </a:rPr>
-              <a:t>, </a:t>
-            </a:r>
-          </a:p>
-        </p:txBody>
-      </p:sp>
-      <p:sp>
-        <p:nvSpPr>
-          <p:cNvPr id="54277" name="Text Box 5"/>
-          <p:cNvSpPr txBox="1">
-            <a:spLocks noChangeArrowheads="1"/>
-          </p:cNvSpPr>
-          <p:nvPr/>
-        </p:nvSpPr>
-        <p:spPr bwMode="auto">
-          <a:xfrm>
-            <a:off x="5172075" y="2533650"/>
-            <a:ext cx="3757613" cy="762000"/>
-          </a:xfrm>
-          <a:prstGeom prst="rect">
-            <a:avLst/>
-          </a:prstGeom>
-          <a:noFill/>
-          <a:ln w="9525">
-            <a:noFill/>
-            <a:miter lim="800000"/>
-            <a:headEnd/>
-            <a:tailEnd type="none" w="lg" len="lg"/>
-          </a:ln>
-        </p:spPr>
-        <p:txBody>
-          <a:bodyPr wrap="none">
-            <a:spAutoFit/>
-          </a:bodyPr>
-          <a:lstStyle/>
-          <a:p>
-            <a:pPr>
-              <a:spcBef>
-                <a:spcPct val="20000"/>
-              </a:spcBef>
-            </a:pPr>
-            <a:r>
-              <a:rPr lang="en-US" sz="4400" dirty="0">
-                <a:latin typeface="Comic Sans MS" pitchFamily="66" charset="0"/>
-              </a:rPr>
-              <a:t> </a:t>
-            </a:r>
-            <a:r>
-              <a:rPr lang="en-US" sz="4400" dirty="0">
-                <a:latin typeface="Comic Sans MS" pitchFamily="66" charset="0"/>
-                <a:sym typeface="Symbol" pitchFamily="18" charset="2"/>
-              </a:rPr>
-              <a:t>then </a:t>
-            </a:r>
-            <a:r>
-              <a:rPr lang="en-US" sz="4400" dirty="0">
-                <a:solidFill>
-                  <a:srgbClr val="0000FF"/>
-                </a:solidFill>
-                <a:latin typeface="Comic Sans MS" pitchFamily="66" charset="0"/>
-                <a:sym typeface="Symbol" pitchFamily="18" charset="2"/>
-              </a:rPr>
-              <a:t>f = O(g)</a:t>
-            </a:r>
-            <a:endParaRPr lang="en-US" sz="4400" dirty="0">
-              <a:solidFill>
-                <a:srgbClr val="0000FF"/>
-              </a:solidFill>
-              <a:latin typeface="Comic Sans MS" pitchFamily="66" charset="0"/>
-            </a:endParaRPr>
-          </a:p>
-        </p:txBody>
-      </p:sp>
-      <p:sp>
-        <p:nvSpPr>
-          <p:cNvPr id="493574" name="Text Box 6"/>
-          <p:cNvSpPr txBox="1">
-            <a:spLocks noChangeArrowheads="1"/>
-          </p:cNvSpPr>
-          <p:nvPr/>
-        </p:nvSpPr>
-        <p:spPr bwMode="auto">
-          <a:xfrm>
-            <a:off x="228600" y="3352800"/>
-            <a:ext cx="2387600" cy="762000"/>
-          </a:xfrm>
-          <a:prstGeom prst="rect">
-            <a:avLst/>
-          </a:prstGeom>
-          <a:noFill/>
-          <a:ln w="9525">
-            <a:noFill/>
-            <a:miter lim="800000"/>
-            <a:headEnd/>
-            <a:tailEnd type="none" w="lg" len="lg"/>
-          </a:ln>
-        </p:spPr>
-        <p:txBody>
-          <a:bodyPr wrap="none">
-            <a:spAutoFit/>
-          </a:bodyPr>
-          <a:lstStyle/>
-          <a:p>
-            <a:r>
-              <a:rPr lang="en-US" sz="4400" dirty="0">
-                <a:solidFill>
-                  <a:srgbClr val="0033CC"/>
-                </a:solidFill>
-                <a:latin typeface="Comic Sans MS" pitchFamily="66" charset="0"/>
-                <a:sym typeface="Symbol" pitchFamily="18" charset="2"/>
-              </a:rPr>
-              <a:t>  </a:t>
-            </a:r>
-            <a:r>
-              <a:rPr lang="en-US" sz="4400" dirty="0" err="1">
-                <a:solidFill>
-                  <a:srgbClr val="0000FF"/>
-                </a:solidFill>
-                <a:latin typeface="Comic Sans MS" pitchFamily="66" charset="0"/>
-                <a:sym typeface="Symbol" pitchFamily="18" charset="2"/>
-              </a:rPr>
-              <a:t>lim</a:t>
-            </a:r>
-            <a:r>
-              <a:rPr lang="en-US" sz="4400" dirty="0">
-                <a:solidFill>
-                  <a:srgbClr val="0000FF"/>
-                </a:solidFill>
-                <a:latin typeface="Comic Sans MS" pitchFamily="66" charset="0"/>
-                <a:sym typeface="Symbol" pitchFamily="18" charset="2"/>
-              </a:rPr>
-              <a:t> = 0 </a:t>
-            </a:r>
-          </a:p>
-        </p:txBody>
-      </p:sp>
-      <p:sp>
-        <p:nvSpPr>
-          <p:cNvPr id="493575" name="Rectangle 7"/>
-          <p:cNvSpPr>
-            <a:spLocks noChangeArrowheads="1"/>
-          </p:cNvSpPr>
-          <p:nvPr/>
-        </p:nvSpPr>
-        <p:spPr bwMode="auto">
-          <a:xfrm>
-            <a:off x="2286000" y="3352800"/>
-            <a:ext cx="2664436" cy="769441"/>
-          </a:xfrm>
-          <a:prstGeom prst="rect">
-            <a:avLst/>
-          </a:prstGeom>
-          <a:noFill/>
-          <a:ln w="9525">
-            <a:noFill/>
-            <a:miter lim="800000"/>
-            <a:headEnd/>
-            <a:tailEnd type="none" w="lg" len="lg"/>
-          </a:ln>
-        </p:spPr>
-        <p:txBody>
-          <a:bodyPr wrap="none">
-            <a:spAutoFit/>
-          </a:bodyPr>
-          <a:lstStyle/>
-          <a:p>
-            <a:r>
-              <a:rPr lang="en-US" sz="4400" dirty="0">
-                <a:solidFill>
-                  <a:srgbClr val="0033CC"/>
-                </a:solidFill>
-                <a:latin typeface="Comic Sans MS" pitchFamily="66" charset="0"/>
-                <a:sym typeface="Symbol" pitchFamily="18" charset="2"/>
-              </a:rPr>
-              <a:t> </a:t>
-            </a:r>
-            <a:r>
-              <a:rPr lang="en-US" sz="2800" dirty="0" smtClean="0">
-                <a:latin typeface="Comic Sans MS" pitchFamily="66" charset="0"/>
-                <a:sym typeface="Symbol" pitchFamily="18" charset="2"/>
-              </a:rPr>
-              <a:t>OR</a:t>
-            </a:r>
-            <a:r>
-              <a:rPr lang="en-US" sz="4400" dirty="0" smtClean="0">
-                <a:solidFill>
-                  <a:srgbClr val="0033CC"/>
-                </a:solidFill>
-                <a:latin typeface="Comic Sans MS" pitchFamily="66" charset="0"/>
-                <a:sym typeface="Symbol" pitchFamily="18" charset="2"/>
-              </a:rPr>
-              <a:t> </a:t>
-            </a:r>
-            <a:r>
-              <a:rPr lang="en-US" sz="4400" dirty="0" err="1">
-                <a:solidFill>
-                  <a:srgbClr val="0000FF"/>
-                </a:solidFill>
-                <a:latin typeface="Comic Sans MS" pitchFamily="66" charset="0"/>
-                <a:sym typeface="Symbol" pitchFamily="18" charset="2"/>
-              </a:rPr>
-              <a:t>lim</a:t>
-            </a:r>
-            <a:r>
-              <a:rPr lang="en-US" sz="4400" dirty="0">
-                <a:solidFill>
-                  <a:srgbClr val="0000FF"/>
-                </a:solidFill>
-                <a:latin typeface="Comic Sans MS" pitchFamily="66" charset="0"/>
-                <a:sym typeface="Symbol" pitchFamily="18" charset="2"/>
-              </a:rPr>
-              <a:t> = 1</a:t>
-            </a:r>
-            <a:r>
-              <a:rPr lang="en-US" sz="4400" dirty="0">
-                <a:solidFill>
-                  <a:schemeClr val="accent5">
-                    <a:lumMod val="50000"/>
-                  </a:schemeClr>
-                </a:solidFill>
-                <a:latin typeface="Comic Sans MS" pitchFamily="66" charset="0"/>
-                <a:sym typeface="Symbol" pitchFamily="18" charset="2"/>
-              </a:rPr>
-              <a:t> </a:t>
-            </a:r>
-          </a:p>
-        </p:txBody>
-      </p:sp>
-      <p:sp>
-        <p:nvSpPr>
-          <p:cNvPr id="493579" name="Rectangle 11"/>
-          <p:cNvSpPr>
-            <a:spLocks noChangeArrowheads="1"/>
-          </p:cNvSpPr>
-          <p:nvPr/>
-        </p:nvSpPr>
-        <p:spPr bwMode="auto">
-          <a:xfrm>
-            <a:off x="5029200" y="3345359"/>
-            <a:ext cx="3993552" cy="769441"/>
-          </a:xfrm>
-          <a:prstGeom prst="rect">
-            <a:avLst/>
-          </a:prstGeom>
-          <a:noFill/>
-          <a:ln w="9525">
-            <a:noFill/>
-            <a:miter lim="800000"/>
-            <a:headEnd/>
-            <a:tailEnd type="none" w="lg" len="lg"/>
-          </a:ln>
-        </p:spPr>
-        <p:txBody>
-          <a:bodyPr wrap="none">
-            <a:spAutoFit/>
-          </a:bodyPr>
-          <a:lstStyle/>
-          <a:p>
-            <a:r>
-              <a:rPr lang="en-US" sz="2800" dirty="0" smtClean="0">
-                <a:latin typeface="Comic Sans MS" pitchFamily="66" charset="0"/>
-                <a:sym typeface="Euclid Symbol" pitchFamily="18" charset="2"/>
-              </a:rPr>
-              <a:t>IMPLIES</a:t>
-            </a:r>
-            <a:r>
-              <a:rPr lang="en-US" sz="4400" dirty="0" smtClean="0">
-                <a:latin typeface="Comic Sans MS" pitchFamily="66" charset="0"/>
-                <a:sym typeface="Euclid Symbol" pitchFamily="18" charset="2"/>
-              </a:rPr>
-              <a:t> </a:t>
-            </a:r>
-            <a:r>
-              <a:rPr lang="en-US" sz="4400" dirty="0" err="1" smtClean="0">
-                <a:solidFill>
-                  <a:srgbClr val="0000FF"/>
-                </a:solidFill>
-                <a:latin typeface="Comic Sans MS" pitchFamily="66" charset="0"/>
-                <a:sym typeface="Symbol" pitchFamily="18" charset="2"/>
-              </a:rPr>
-              <a:t>lim</a:t>
-            </a:r>
-            <a:r>
-              <a:rPr lang="en-US" sz="4400" dirty="0" smtClean="0">
-                <a:solidFill>
-                  <a:srgbClr val="0000FF"/>
-                </a:solidFill>
-                <a:latin typeface="Comic Sans MS" pitchFamily="66" charset="0"/>
-                <a:sym typeface="Symbol" pitchFamily="18" charset="2"/>
-              </a:rPr>
-              <a:t> </a:t>
-            </a:r>
-            <a:r>
-              <a:rPr lang="en-US" sz="4400" b="1" dirty="0" smtClean="0">
-                <a:solidFill>
-                  <a:srgbClr val="0000FF"/>
-                </a:solidFill>
-                <a:latin typeface="Euclid Symbol" charset="2"/>
-                <a:cs typeface="Euclid Symbol" charset="2"/>
-                <a:sym typeface="Euclid Symbol"/>
-              </a:rPr>
-              <a:t>&lt;∞</a:t>
-            </a:r>
-            <a:endParaRPr lang="en-US" sz="4400" b="1" dirty="0">
-              <a:solidFill>
-                <a:srgbClr val="0000FF"/>
-              </a:solidFill>
-              <a:latin typeface="Euclid Symbol" charset="2"/>
-              <a:cs typeface="Euclid Symbol" charset="2"/>
-              <a:sym typeface="Symbol" pitchFamily="18" charset="2"/>
-            </a:endParaRPr>
-          </a:p>
-        </p:txBody>
-      </p:sp>
-      <p:sp>
-        <p:nvSpPr>
-          <p:cNvPr id="54281" name="Text Box 14"/>
-          <p:cNvSpPr txBox="1">
-            <a:spLocks noChangeArrowheads="1"/>
-          </p:cNvSpPr>
-          <p:nvPr/>
-        </p:nvSpPr>
-        <p:spPr bwMode="auto">
-          <a:xfrm>
-            <a:off x="390525" y="1547813"/>
-            <a:ext cx="1980029" cy="769441"/>
-          </a:xfrm>
-          <a:prstGeom prst="rect">
-            <a:avLst/>
-          </a:prstGeom>
-          <a:noFill/>
-          <a:ln w="9525">
-            <a:noFill/>
-            <a:miter lim="800000"/>
-            <a:headEnd/>
-            <a:tailEnd type="none" w="lg" len="lg"/>
-          </a:ln>
-        </p:spPr>
-        <p:txBody>
-          <a:bodyPr wrap="none">
-            <a:spAutoFit/>
-          </a:bodyPr>
-          <a:lstStyle/>
-          <a:p>
-            <a:r>
-              <a:rPr lang="en-US" sz="4400" dirty="0" smtClean="0">
-                <a:solidFill>
-                  <a:srgbClr val="B702A0"/>
-                </a:solidFill>
-                <a:latin typeface="+mj-lt"/>
-              </a:rPr>
-              <a:t>lemma</a:t>
-            </a:r>
-            <a:r>
-              <a:rPr lang="en-US" sz="4400" dirty="0">
-                <a:solidFill>
-                  <a:srgbClr val="B702A0"/>
-                </a:solidFill>
-                <a:latin typeface="+mj-lt"/>
-              </a:rPr>
-              <a:t>:</a:t>
-            </a:r>
-          </a:p>
-        </p:txBody>
-      </p:sp>
-    </p:spTree>
-  </p:cSld>
-  <p:clrMapOvr>
-    <a:masterClrMapping/>
-  </p:clrMapOvr>
-  <p:transition xmlns:p14="http://schemas.microsoft.com/office/powerpoint/2010/main">
-    <p:fade/>
-  </p:transition>
-  <p:timing>
-    <p:tnLst>
-      <p:par>
-        <p:cTn xmlns:p14="http://schemas.microsoft.com/office/powerpoint/2010/main" id="1" dur="indefinite" restart="never" nodeType="tmRoot">
-          <p:childTnLst>
-            <p:seq concurrent="1" nextAc="seek">
-              <p:cTn id="2" dur="indefinite" nodeType="mainSeq">
-                <p:childTnLst>
-                  <p:par>
-                    <p:cTn id="3" fill="hold">
-                      <p:stCondLst>
-                        <p:cond delay="indefinite"/>
-                        <p:cond evt="onBegin" delay="0">
-                          <p:tn val="2"/>
-                        </p:cond>
-                      </p:stCondLst>
-                      <p:childTnLst>
-                        <p:par>
-                          <p:cTn id="4" fill="hold">
-                            <p:stCondLst>
-                              <p:cond delay="0"/>
-                            </p:stCondLst>
-                            <p:childTnLst>
-                              <p:par>
-                                <p:cTn id="5" presetID="22" presetClass="entr" presetSubtype="8" fill="hold" grpId="0" nodeType="withEffect">
-                                  <p:stCondLst>
-                                    <p:cond delay="500"/>
-                                  </p:stCondLst>
-                                  <p:childTnLst>
-                                    <p:set>
-                                      <p:cBhvr>
-                                        <p:cTn id="6" dur="1" fill="hold">
-                                          <p:stCondLst>
-                                            <p:cond delay="0"/>
-                                          </p:stCondLst>
-                                        </p:cTn>
-                                        <p:tgtEl>
-                                          <p:spTgt spid="54276"/>
-                                        </p:tgtEl>
-                                        <p:attrNameLst>
-                                          <p:attrName>style.visibility</p:attrName>
-                                        </p:attrNameLst>
-                                      </p:cBhvr>
-                                      <p:to>
-                                        <p:strVal val="visible"/>
-                                      </p:to>
-                                    </p:set>
-                                    <p:animEffect transition="in" filter="wipe(left)">
-                                      <p:cBhvr>
-                                        <p:cTn id="7" dur="500"/>
-                                        <p:tgtEl>
-                                          <p:spTgt spid="54276"/>
-                                        </p:tgtEl>
-                                      </p:cBhvr>
-                                    </p:animEffect>
-                                  </p:childTnLst>
-                                </p:cTn>
-                              </p:par>
-                            </p:childTnLst>
-                          </p:cTn>
-                        </p:par>
-                        <p:par>
-                          <p:cTn id="8" fill="hold">
-                            <p:stCondLst>
-                              <p:cond delay="1000"/>
-                            </p:stCondLst>
-                            <p:childTnLst>
-                              <p:par>
-                                <p:cTn id="9" presetID="22" presetClass="entr" presetSubtype="8" fill="hold" grpId="0" nodeType="afterEffect">
-                                  <p:stCondLst>
-                                    <p:cond delay="0"/>
-                                  </p:stCondLst>
-                                  <p:childTnLst>
-                                    <p:set>
-                                      <p:cBhvr>
-                                        <p:cTn id="10" dur="1" fill="hold">
-                                          <p:stCondLst>
-                                            <p:cond delay="0"/>
-                                          </p:stCondLst>
-                                        </p:cTn>
-                                        <p:tgtEl>
-                                          <p:spTgt spid="54277"/>
-                                        </p:tgtEl>
-                                        <p:attrNameLst>
-                                          <p:attrName>style.visibility</p:attrName>
-                                        </p:attrNameLst>
-                                      </p:cBhvr>
-                                      <p:to>
-                                        <p:strVal val="visible"/>
-                                      </p:to>
-                                    </p:set>
-                                    <p:animEffect transition="in" filter="wipe(left)">
-                                      <p:cBhvr>
-                                        <p:cTn id="11" dur="500"/>
-                                        <p:tgtEl>
-                                          <p:spTgt spid="54277"/>
-                                        </p:tgtEl>
-                                      </p:cBhvr>
-                                    </p:animEffect>
-                                  </p:childTnLst>
-                                </p:cTn>
-                              </p:par>
-                            </p:childTnLst>
-                          </p:cTn>
-                        </p:par>
-                      </p:childTnLst>
-                    </p:cTn>
-                  </p:par>
-                  <p:par>
-                    <p:cTn id="12" fill="hold">
-                      <p:stCondLst>
-                        <p:cond delay="indefinite"/>
-                      </p:stCondLst>
-                      <p:childTnLst>
-                        <p:par>
-                          <p:cTn id="13" fill="hold">
-                            <p:stCondLst>
-                              <p:cond delay="0"/>
-                            </p:stCondLst>
-                            <p:childTnLst>
-                              <p:par>
-                                <p:cTn id="14" presetID="1" presetClass="entr" presetSubtype="0" fill="hold" grpId="0" nodeType="clickEffect">
-                                  <p:stCondLst>
-                                    <p:cond delay="0"/>
-                                  </p:stCondLst>
-                                  <p:childTnLst>
-                                    <p:set>
-                                      <p:cBhvr>
-                                        <p:cTn id="15" dur="1" fill="hold">
-                                          <p:stCondLst>
-                                            <p:cond delay="0"/>
-                                          </p:stCondLst>
-                                        </p:cTn>
-                                        <p:tgtEl>
-                                          <p:spTgt spid="493574"/>
-                                        </p:tgtEl>
-                                        <p:attrNameLst>
-                                          <p:attrName>style.visibility</p:attrName>
-                                        </p:attrNameLst>
-                                      </p:cBhvr>
-                                      <p:to>
-                                        <p:strVal val="visible"/>
-                                      </p:to>
-                                    </p:set>
-                                  </p:childTnLst>
-                                </p:cTn>
-                              </p:par>
-                            </p:childTnLst>
-                          </p:cTn>
-                        </p:par>
-                      </p:childTnLst>
-                    </p:cTn>
-                  </p:par>
-                  <p:par>
-                    <p:cTn id="16" fill="hold">
-                      <p:stCondLst>
-                        <p:cond delay="indefinite"/>
-                      </p:stCondLst>
-                      <p:childTnLst>
-                        <p:par>
-                          <p:cTn id="17" fill="hold">
-                            <p:stCondLst>
-                              <p:cond delay="0"/>
-                            </p:stCondLst>
-                            <p:childTnLst>
-                              <p:par>
-                                <p:cTn id="18" presetID="1" presetClass="entr" presetSubtype="0" fill="hold" grpId="0" nodeType="clickEffect">
-                                  <p:stCondLst>
-                                    <p:cond delay="0"/>
-                                  </p:stCondLst>
-                                  <p:childTnLst>
-                                    <p:set>
-                                      <p:cBhvr>
-                                        <p:cTn id="19" dur="1" fill="hold">
-                                          <p:stCondLst>
-                                            <p:cond delay="0"/>
-                                          </p:stCondLst>
-                                        </p:cTn>
-                                        <p:tgtEl>
-                                          <p:spTgt spid="493575"/>
-                                        </p:tgtEl>
-                                        <p:attrNameLst>
-                                          <p:attrName>style.visibility</p:attrName>
-                                        </p:attrNameLst>
-                                      </p:cBhvr>
-                                      <p:to>
-                                        <p:strVal val="visible"/>
-                                      </p:to>
-                                    </p:set>
-                                  </p:childTnLst>
-                                </p:cTn>
-                              </p:par>
-                            </p:childTnLst>
-                          </p:cTn>
-                        </p:par>
-                      </p:childTnLst>
-                    </p:cTn>
-                  </p:par>
-                  <p:par>
-                    <p:cTn id="20" fill="hold">
-                      <p:stCondLst>
-                        <p:cond delay="indefinite"/>
-                      </p:stCondLst>
-                      <p:childTnLst>
-                        <p:par>
-                          <p:cTn id="21" fill="hold">
-                            <p:stCondLst>
-                              <p:cond delay="0"/>
-                            </p:stCondLst>
-                            <p:childTnLst>
-                              <p:par>
-                                <p:cTn id="22" presetID="1" presetClass="entr" presetSubtype="0" fill="hold" grpId="0" nodeType="clickEffect">
-                                  <p:stCondLst>
-                                    <p:cond delay="0"/>
-                                  </p:stCondLst>
-                                  <p:childTnLst>
-                                    <p:set>
-                                      <p:cBhvr>
-                                        <p:cTn id="23" dur="1" fill="hold">
-                                          <p:stCondLst>
-                                            <p:cond delay="0"/>
-                                          </p:stCondLst>
-                                        </p:cTn>
-                                        <p:tgtEl>
-                                          <p:spTgt spid="493579"/>
-                                        </p:tgtEl>
-                                        <p:attrNameLst>
-                                          <p:attrName>style.visibility</p:attrName>
-                                        </p:attrNameLst>
-                                      </p:cBhvr>
-                                      <p:to>
-                                        <p:strVal val="visible"/>
-                                      </p:to>
-                                    </p:set>
-                                  </p:childTnLst>
-                                </p:cTn>
-                              </p:par>
-                            </p:childTnLst>
-                          </p:cTn>
-                        </p:par>
-                      </p:childTnLst>
-                    </p:cTn>
-                  </p:par>
-                </p:childTnLst>
-              </p:cTn>
-              <p:prevCondLst>
-                <p:cond evt="onPrev" delay="0">
-                  <p:tgtEl>
-                    <p:sldTgt/>
-                  </p:tgtEl>
-                </p:cond>
-              </p:prevCondLst>
-              <p:nextCondLst>
-                <p:cond evt="onNext" delay="0">
-                  <p:tgtEl>
-                    <p:sldTgt/>
-                  </p:tgtEl>
-                </p:cond>
-              </p:nextCondLst>
-            </p:seq>
-          </p:childTnLst>
-        </p:cTn>
-      </p:par>
-    </p:tnLst>
-    <p:bldLst>
-      <p:bldP spid="54276" grpId="0"/>
-      <p:bldP spid="54277" grpId="0"/>
-      <p:bldP spid="493574" grpId="0"/>
-      <p:bldP spid="493575" grpId="0"/>
-      <p:bldP spid="493579" grpId="0"/>
-    </p:bldLst>
-  </p:timing>
-</p:sld>
-</file>
-
-<file path=ppt/slides/slide3.xml><?xml version="1.0" encoding="utf-8"?>
-<p:sld xmlns:a="http://schemas.openxmlformats.org/drawingml/2006/main" xmlns:r="http://schemas.openxmlformats.org/officeDocument/2006/relationships" xmlns:p="http://schemas.openxmlformats.org/presentationml/2006/main" show="0">
-  <p:cSld>
-    <p:spTree>
-      <p:nvGrpSpPr>
-        <p:cNvPr id="1" name=""/>
-        <p:cNvGrpSpPr/>
-        <p:nvPr/>
-      </p:nvGrpSpPr>
-      <p:grpSpPr>
-        <a:xfrm>
-          <a:off x="0" y="0"/>
-          <a:ext cx="0" cy="0"/>
-          <a:chOff x="0" y="0"/>
-          <a:chExt cx="0" cy="0"/>
-        </a:xfrm>
-      </p:grpSpPr>
-      <p:sp>
-        <p:nvSpPr>
-          <p:cNvPr id="55299" name="Rectangle 2"/>
-          <p:cNvSpPr>
-            <a:spLocks noGrp="1" noChangeArrowheads="1"/>
-          </p:cNvSpPr>
-          <p:nvPr>
-            <p:ph type="title"/>
-          </p:nvPr>
-        </p:nvSpPr>
-        <p:spPr/>
-        <p:txBody>
-          <a:bodyPr/>
-          <a:lstStyle/>
-          <a:p>
-            <a:pPr eaLnBrk="1" hangingPunct="1"/>
-            <a:r>
-              <a:rPr lang="en-US" smtClean="0"/>
-              <a:t>The Oh’s</a:t>
-            </a:r>
-          </a:p>
-        </p:txBody>
-      </p:sp>
-      <p:sp>
-        <p:nvSpPr>
-          <p:cNvPr id="55300" name="Text Box 3"/>
-          <p:cNvSpPr txBox="1">
-            <a:spLocks noChangeArrowheads="1"/>
-          </p:cNvSpPr>
-          <p:nvPr/>
-        </p:nvSpPr>
-        <p:spPr bwMode="auto">
-          <a:xfrm>
-            <a:off x="228600" y="1660525"/>
-            <a:ext cx="5391150" cy="762000"/>
-          </a:xfrm>
-          <a:prstGeom prst="rect">
-            <a:avLst/>
-          </a:prstGeom>
-          <a:noFill/>
-          <a:ln w="9525">
-            <a:noFill/>
-            <a:miter lim="800000"/>
-            <a:headEnd/>
-            <a:tailEnd type="none" w="lg" len="lg"/>
-          </a:ln>
-        </p:spPr>
-        <p:txBody>
-          <a:bodyPr wrap="none">
-            <a:spAutoFit/>
-          </a:bodyPr>
-          <a:lstStyle/>
-          <a:p>
-            <a:r>
-              <a:rPr lang="en-US" sz="4400">
-                <a:latin typeface="Comic Sans MS" pitchFamily="66" charset="0"/>
-              </a:rPr>
-              <a:t>If f = o(g) or f </a:t>
-            </a:r>
-            <a:r>
-              <a:rPr lang="en-US" sz="4400" b="1">
-                <a:latin typeface="Comic Sans MS" pitchFamily="66" charset="0"/>
-              </a:rPr>
-              <a:t>~ </a:t>
-            </a:r>
-            <a:r>
-              <a:rPr lang="en-US" sz="4400">
-                <a:latin typeface="Comic Sans MS" pitchFamily="66" charset="0"/>
-              </a:rPr>
-              <a:t>g, </a:t>
-            </a:r>
-          </a:p>
-        </p:txBody>
-      </p:sp>
-      <p:sp>
-        <p:nvSpPr>
-          <p:cNvPr id="55301" name="Text Box 4"/>
-          <p:cNvSpPr txBox="1">
-            <a:spLocks noChangeArrowheads="1"/>
-          </p:cNvSpPr>
-          <p:nvPr/>
-        </p:nvSpPr>
-        <p:spPr bwMode="auto">
-          <a:xfrm>
-            <a:off x="5172075" y="1670050"/>
-            <a:ext cx="3757613" cy="762000"/>
-          </a:xfrm>
-          <a:prstGeom prst="rect">
-            <a:avLst/>
-          </a:prstGeom>
-          <a:noFill/>
-          <a:ln w="9525">
-            <a:noFill/>
-            <a:miter lim="800000"/>
-            <a:headEnd/>
-            <a:tailEnd type="none" w="lg" len="lg"/>
-          </a:ln>
-        </p:spPr>
-        <p:txBody>
-          <a:bodyPr wrap="none">
-            <a:spAutoFit/>
-          </a:bodyPr>
-          <a:lstStyle/>
-          <a:p>
-            <a:pPr>
-              <a:spcBef>
-                <a:spcPct val="20000"/>
-              </a:spcBef>
-            </a:pPr>
-            <a:r>
-              <a:rPr lang="en-US" sz="4400">
-                <a:latin typeface="Comic Sans MS" pitchFamily="66" charset="0"/>
-              </a:rPr>
-              <a:t> </a:t>
-            </a:r>
-            <a:r>
-              <a:rPr lang="en-US" sz="4400">
-                <a:latin typeface="Comic Sans MS" pitchFamily="66" charset="0"/>
-                <a:sym typeface="Symbol" pitchFamily="18" charset="2"/>
-              </a:rPr>
-              <a:t>then f = O(g)</a:t>
-            </a:r>
-            <a:endParaRPr lang="en-US" sz="4400">
-              <a:latin typeface="Comic Sans MS" pitchFamily="66" charset="0"/>
-            </a:endParaRPr>
-          </a:p>
-        </p:txBody>
-      </p:sp>
-      <p:sp>
-        <p:nvSpPr>
-          <p:cNvPr id="608261" name="Text Box 5"/>
-          <p:cNvSpPr txBox="1">
-            <a:spLocks noChangeArrowheads="1"/>
-          </p:cNvSpPr>
-          <p:nvPr/>
-        </p:nvSpPr>
-        <p:spPr bwMode="auto">
-          <a:xfrm>
-            <a:off x="596900" y="2673350"/>
-            <a:ext cx="2387600" cy="762000"/>
-          </a:xfrm>
-          <a:prstGeom prst="rect">
-            <a:avLst/>
-          </a:prstGeom>
-          <a:noFill/>
-          <a:ln w="9525">
-            <a:noFill/>
-            <a:miter lim="800000"/>
-            <a:headEnd/>
-            <a:tailEnd type="none" w="lg" len="lg"/>
-          </a:ln>
-        </p:spPr>
-        <p:txBody>
-          <a:bodyPr wrap="none">
-            <a:spAutoFit/>
-          </a:bodyPr>
-          <a:lstStyle/>
-          <a:p>
-            <a:r>
-              <a:rPr lang="en-US" sz="4400">
-                <a:solidFill>
-                  <a:srgbClr val="0033CC"/>
-                </a:solidFill>
-                <a:latin typeface="Comic Sans MS" pitchFamily="66" charset="0"/>
-                <a:sym typeface="Symbol" pitchFamily="18" charset="2"/>
-              </a:rPr>
-              <a:t>  lim = 0</a:t>
-            </a:r>
-            <a:r>
-              <a:rPr lang="en-US" sz="4400">
-                <a:solidFill>
-                  <a:srgbClr val="6666FF"/>
-                </a:solidFill>
-                <a:latin typeface="Comic Sans MS" pitchFamily="66" charset="0"/>
-                <a:sym typeface="Symbol" pitchFamily="18" charset="2"/>
-              </a:rPr>
-              <a:t> </a:t>
-            </a:r>
-          </a:p>
-        </p:txBody>
-      </p:sp>
-      <p:sp>
-        <p:nvSpPr>
-          <p:cNvPr id="608262" name="Rectangle 6"/>
-          <p:cNvSpPr>
-            <a:spLocks noChangeArrowheads="1"/>
-          </p:cNvSpPr>
-          <p:nvPr/>
-        </p:nvSpPr>
-        <p:spPr bwMode="auto">
-          <a:xfrm>
-            <a:off x="3294063" y="2668588"/>
-            <a:ext cx="2130425" cy="762000"/>
-          </a:xfrm>
-          <a:prstGeom prst="rect">
-            <a:avLst/>
-          </a:prstGeom>
-          <a:noFill/>
-          <a:ln w="9525">
-            <a:noFill/>
-            <a:miter lim="800000"/>
-            <a:headEnd/>
-            <a:tailEnd type="none" w="lg" len="lg"/>
-          </a:ln>
-        </p:spPr>
-        <p:txBody>
-          <a:bodyPr wrap="none">
-            <a:spAutoFit/>
-          </a:bodyPr>
-          <a:lstStyle/>
-          <a:p>
-            <a:r>
-              <a:rPr lang="en-US" sz="4400">
-                <a:solidFill>
-                  <a:srgbClr val="0033CC"/>
-                </a:solidFill>
-                <a:latin typeface="Comic Sans MS" pitchFamily="66" charset="0"/>
-                <a:sym typeface="Symbol" pitchFamily="18" charset="2"/>
-              </a:rPr>
-              <a:t> lim = 1</a:t>
-            </a:r>
-            <a:r>
-              <a:rPr lang="en-US" sz="4400">
-                <a:latin typeface="Comic Sans MS" pitchFamily="66" charset="0"/>
-                <a:sym typeface="Symbol" pitchFamily="18" charset="2"/>
-              </a:rPr>
-              <a:t> </a:t>
-            </a:r>
-          </a:p>
-        </p:txBody>
-      </p:sp>
-      <p:sp>
-        <p:nvSpPr>
-          <p:cNvPr id="608263" name="Rectangle 7"/>
-          <p:cNvSpPr>
-            <a:spLocks noChangeArrowheads="1"/>
-          </p:cNvSpPr>
-          <p:nvPr/>
-        </p:nvSpPr>
-        <p:spPr bwMode="auto">
-          <a:xfrm>
-            <a:off x="6192838" y="2668588"/>
-            <a:ext cx="2567355" cy="769441"/>
-          </a:xfrm>
-          <a:prstGeom prst="rect">
-            <a:avLst/>
-          </a:prstGeom>
-          <a:noFill/>
-          <a:ln w="9525">
-            <a:noFill/>
-            <a:miter lim="800000"/>
-            <a:headEnd/>
-            <a:tailEnd type="none" w="lg" len="lg"/>
-          </a:ln>
-        </p:spPr>
-        <p:txBody>
-          <a:bodyPr wrap="none">
-            <a:spAutoFit/>
-          </a:bodyPr>
-          <a:lstStyle/>
-          <a:p>
-            <a:r>
-              <a:rPr lang="en-US" sz="4400" dirty="0">
-                <a:latin typeface="Comic Sans MS" pitchFamily="66" charset="0"/>
-                <a:sym typeface="Symbol" pitchFamily="18" charset="2"/>
-              </a:rPr>
-              <a:t> </a:t>
-            </a:r>
-            <a:r>
-              <a:rPr lang="en-US" sz="4400" dirty="0" err="1">
-                <a:solidFill>
-                  <a:srgbClr val="0033CC"/>
-                </a:solidFill>
-                <a:latin typeface="Comic Sans MS" pitchFamily="66" charset="0"/>
-                <a:sym typeface="Symbol" pitchFamily="18" charset="2"/>
-              </a:rPr>
-              <a:t>lim</a:t>
-            </a:r>
-            <a:r>
-              <a:rPr lang="en-US" sz="4400" dirty="0">
-                <a:solidFill>
-                  <a:srgbClr val="0033CC"/>
-                </a:solidFill>
-                <a:latin typeface="Comic Sans MS" pitchFamily="66" charset="0"/>
-                <a:sym typeface="Symbol" pitchFamily="18" charset="2"/>
-              </a:rPr>
-              <a:t> </a:t>
-            </a:r>
-            <a:r>
-              <a:rPr lang="en-US" sz="4400" b="1" dirty="0" smtClean="0">
-                <a:solidFill>
-                  <a:srgbClr val="0033CC"/>
-                </a:solidFill>
-                <a:latin typeface="Euclid Symbol" charset="2"/>
-                <a:cs typeface="Euclid Symbol" charset="2"/>
-                <a:sym typeface="Symbol" pitchFamily="18" charset="2"/>
-              </a:rPr>
-              <a:t>&lt; </a:t>
-            </a:r>
-            <a:r>
-              <a:rPr lang="en-US" sz="4400" b="1" dirty="0" smtClean="0">
-                <a:solidFill>
-                  <a:srgbClr val="0033CC"/>
-                </a:solidFill>
-                <a:latin typeface="Euclid Symbol" charset="2"/>
-                <a:cs typeface="Euclid Symbol" charset="2"/>
-              </a:rPr>
-              <a:t>∞</a:t>
-            </a:r>
-            <a:r>
-              <a:rPr lang="en-US" sz="4400" dirty="0" smtClean="0">
-                <a:solidFill>
-                  <a:srgbClr val="0033CC"/>
-                </a:solidFill>
-                <a:latin typeface="Comic Sans MS" pitchFamily="66" charset="0"/>
-                <a:sym typeface="Symbol" pitchFamily="18" charset="2"/>
-              </a:rPr>
-              <a:t> </a:t>
-            </a:r>
-            <a:r>
-              <a:rPr lang="en-US" sz="4400" dirty="0" smtClean="0">
-                <a:latin typeface="Comic Sans MS" pitchFamily="66" charset="0"/>
-                <a:sym typeface="Symbol" pitchFamily="18" charset="2"/>
-              </a:rPr>
-              <a:t> </a:t>
-            </a:r>
-            <a:endParaRPr lang="en-US" sz="4400" dirty="0">
-              <a:latin typeface="Comic Sans MS" pitchFamily="66" charset="0"/>
-              <a:sym typeface="Symbol" pitchFamily="18" charset="2"/>
-            </a:endParaRPr>
-          </a:p>
-        </p:txBody>
-      </p:sp>
-      <p:sp>
-        <p:nvSpPr>
-          <p:cNvPr id="608264" name="Text Box 8"/>
-          <p:cNvSpPr txBox="1">
-            <a:spLocks noChangeArrowheads="1"/>
-          </p:cNvSpPr>
-          <p:nvPr/>
-        </p:nvSpPr>
-        <p:spPr bwMode="auto">
-          <a:xfrm>
-            <a:off x="1844675" y="3817938"/>
-            <a:ext cx="5422900" cy="701675"/>
-          </a:xfrm>
-          <a:prstGeom prst="rect">
-            <a:avLst/>
-          </a:prstGeom>
-          <a:noFill/>
-          <a:ln w="9525">
-            <a:noFill/>
-            <a:miter lim="800000"/>
-            <a:headEnd/>
-            <a:tailEnd type="none" w="lg" len="lg"/>
-          </a:ln>
-        </p:spPr>
-        <p:txBody>
-          <a:bodyPr wrap="none">
-            <a:spAutoFit/>
-          </a:bodyPr>
-          <a:lstStyle/>
-          <a:p>
-            <a:r>
-              <a:rPr lang="en-US" dirty="0">
-                <a:latin typeface="Comic Sans MS" pitchFamily="66" charset="0"/>
-              </a:rPr>
-              <a:t>converse is NOT true!</a:t>
-            </a:r>
-          </a:p>
-        </p:txBody>
-      </p:sp>
-    </p:spTree>
-  </p:cSld>
-  <p:clrMapOvr>
-    <a:masterClrMapping/>
-  </p:clrMapOvr>
-  <mc:AlternateContent xmlns:mc="http://schemas.openxmlformats.org/markup-compatibility/2006" xmlns:p14="http://schemas.microsoft.com/office/powerpoint/2010/main">
-    <mc:Choice Requires="p14">
-      <p:transition spd="med" p14:dur="700">
-        <p:fade/>
-      </p:transition>
-    </mc:Choice>
-    <mc:Fallback xmlns="">
-      <p:transition xmlns:p14="http://schemas.microsoft.com/office/powerpoint/2010/main" spd="med">
-        <p:fade/>
-      </p:transition>
-    </mc:Fallback>
-  </mc:AlternateContent>
-  <p:timing>
-    <p:tnLst>
-      <p:par>
-        <p:cTn xmlns:p14="http://schemas.microsoft.com/office/powerpoint/2010/main" id="1" dur="indefinite" restart="never" nodeType="tmRoot">
-          <p:childTnLst>
-            <p:seq concurrent="1" nextAc="seek">
-              <p:cTn id="2" dur="indefinite" nodeType="mainSeq">
-                <p:childTnLst>
-                  <p:par>
-                    <p:cTn id="3" fill="hold">
-                      <p:stCondLst>
-                        <p:cond delay="indefinite"/>
-                      </p:stCondLst>
-                      <p:childTnLst>
-                        <p:par>
-                          <p:cTn id="4" fill="hold">
-                            <p:stCondLst>
-                              <p:cond delay="0"/>
-                            </p:stCondLst>
-                            <p:childTnLst>
-                              <p:par>
-                                <p:cTn id="5" presetID="1" presetClass="entr" presetSubtype="0" fill="hold" grpId="0" nodeType="clickEffect">
-                                  <p:stCondLst>
-                                    <p:cond delay="0"/>
-                                  </p:stCondLst>
-                                  <p:childTnLst>
-                                    <p:set>
-                                      <p:cBhvr>
-                                        <p:cTn id="6" dur="1" fill="hold">
-                                          <p:stCondLst>
-                                            <p:cond delay="0"/>
-                                          </p:stCondLst>
-                                        </p:cTn>
-                                        <p:tgtEl>
-                                          <p:spTgt spid="608261"/>
-                                        </p:tgtEl>
-                                        <p:attrNameLst>
-                                          <p:attrName>style.visibility</p:attrName>
-                                        </p:attrNameLst>
-                                      </p:cBhvr>
-                                      <p:to>
-                                        <p:strVal val="visible"/>
-                                      </p:to>
-                                    </p:set>
-                                  </p:childTnLst>
-                                </p:cTn>
-                              </p:par>
-                            </p:childTnLst>
-                          </p:cTn>
-                        </p:par>
-                      </p:childTnLst>
-                    </p:cTn>
-                  </p:par>
-                  <p:par>
-                    <p:cTn id="7" fill="hold">
-                      <p:stCondLst>
-                        <p:cond delay="indefinite"/>
-                      </p:stCondLst>
-                      <p:childTnLst>
-                        <p:par>
-                          <p:cTn id="8" fill="hold">
-                            <p:stCondLst>
-                              <p:cond delay="0"/>
-                            </p:stCondLst>
-                            <p:childTnLst>
-                              <p:par>
-                                <p:cTn id="9" presetID="1" presetClass="entr" presetSubtype="0" fill="hold" grpId="0" nodeType="clickEffect">
-                                  <p:stCondLst>
-                                    <p:cond delay="0"/>
-                                  </p:stCondLst>
-                                  <p:childTnLst>
-                                    <p:set>
-                                      <p:cBhvr>
-                                        <p:cTn id="10" dur="1" fill="hold">
-                                          <p:stCondLst>
-                                            <p:cond delay="0"/>
-                                          </p:stCondLst>
-                                        </p:cTn>
-                                        <p:tgtEl>
-                                          <p:spTgt spid="608262"/>
-                                        </p:tgtEl>
-                                        <p:attrNameLst>
-                                          <p:attrName>style.visibility</p:attrName>
-                                        </p:attrNameLst>
-                                      </p:cBhvr>
-                                      <p:to>
-                                        <p:strVal val="visible"/>
-                                      </p:to>
-                                    </p:set>
-                                  </p:childTnLst>
-                                </p:cTn>
-                              </p:par>
-                            </p:childTnLst>
-                          </p:cTn>
-                        </p:par>
-                      </p:childTnLst>
-                    </p:cTn>
-                  </p:par>
-                  <p:par>
-                    <p:cTn id="11" fill="hold">
-                      <p:stCondLst>
-                        <p:cond delay="indefinite"/>
-                      </p:stCondLst>
-                      <p:childTnLst>
-                        <p:par>
-                          <p:cTn id="12" fill="hold">
-                            <p:stCondLst>
-                              <p:cond delay="0"/>
-                            </p:stCondLst>
-                            <p:childTnLst>
-                              <p:par>
-                                <p:cTn id="13" presetID="1" presetClass="entr" presetSubtype="0" fill="hold" grpId="0" nodeType="clickEffect">
-                                  <p:stCondLst>
-                                    <p:cond delay="0"/>
-                                  </p:stCondLst>
-                                  <p:childTnLst>
-                                    <p:set>
-                                      <p:cBhvr>
-                                        <p:cTn id="14" dur="1" fill="hold">
-                                          <p:stCondLst>
-                                            <p:cond delay="0"/>
-                                          </p:stCondLst>
-                                        </p:cTn>
-                                        <p:tgtEl>
-                                          <p:spTgt spid="608263"/>
-                                        </p:tgtEl>
-                                        <p:attrNameLst>
-                                          <p:attrName>style.visibility</p:attrName>
-                                        </p:attrNameLst>
-                                      </p:cBhvr>
-                                      <p:to>
-                                        <p:strVal val="visible"/>
-                                      </p:to>
-                                    </p:set>
-                                  </p:childTnLst>
-                                </p:cTn>
-                              </p:par>
-                            </p:childTnLst>
-                          </p:cTn>
-                        </p:par>
-                      </p:childTnLst>
-                    </p:cTn>
-                  </p:par>
-                  <p:par>
-                    <p:cTn id="15" fill="hold">
-                      <p:stCondLst>
-                        <p:cond delay="indefinite"/>
-                      </p:stCondLst>
-                      <p:childTnLst>
-                        <p:par>
-                          <p:cTn id="16" fill="hold">
-                            <p:stCondLst>
-                              <p:cond delay="0"/>
-                            </p:stCondLst>
-                            <p:childTnLst>
-                              <p:par>
-                                <p:cTn id="17" presetID="1" presetClass="entr" presetSubtype="0" fill="hold" grpId="0" nodeType="clickEffect">
-                                  <p:stCondLst>
-                                    <p:cond delay="0"/>
-                                  </p:stCondLst>
-                                  <p:childTnLst>
-                                    <p:set>
-                                      <p:cBhvr>
-                                        <p:cTn id="18" dur="1" fill="hold">
-                                          <p:stCondLst>
-                                            <p:cond delay="0"/>
-                                          </p:stCondLst>
-                                        </p:cTn>
-                                        <p:tgtEl>
-                                          <p:spTgt spid="608264"/>
-                                        </p:tgtEl>
-                                        <p:attrNameLst>
-                                          <p:attrName>style.visibility</p:attrName>
-                                        </p:attrNameLst>
-                                      </p:cBhvr>
-                                      <p:to>
-                                        <p:strVal val="visible"/>
-                                      </p:to>
-                                    </p:set>
-                                  </p:childTnLst>
-                                </p:cTn>
-                              </p:par>
-                            </p:childTnLst>
-                          </p:cTn>
-                        </p:par>
-                      </p:childTnLst>
-                    </p:cTn>
-                  </p:par>
-                </p:childTnLst>
-              </p:cTn>
-              <p:prevCondLst>
-                <p:cond evt="onPrev" delay="0">
-                  <p:tgtEl>
-                    <p:sldTgt/>
-                  </p:tgtEl>
-                </p:cond>
-              </p:prevCondLst>
-              <p:nextCondLst>
-                <p:cond evt="onNext" delay="0">
-                  <p:tgtEl>
-                    <p:sldTgt/>
-                  </p:tgtEl>
-                </p:cond>
-              </p:nextCondLst>
-            </p:seq>
-          </p:childTnLst>
-        </p:cTn>
-      </p:par>
-    </p:tnLst>
-    <p:bldLst>
-      <p:bldP spid="608261" grpId="0"/>
-      <p:bldP spid="608262" grpId="0"/>
-      <p:bldP spid="608263" grpId="0"/>
-      <p:bldP spid="608264" grpId="0"/>
-    </p:bldLst>
-  </p:timing>
-</p:sld>
-</file>
-
-<file path=ppt/slides/slide4.xml><?xml version="1.0" encoding="utf-8"?>
-<p:sld xmlns:a="http://schemas.openxmlformats.org/drawingml/2006/main" xmlns:r="http://schemas.openxmlformats.org/officeDocument/2006/relationships" xmlns:p="http://schemas.openxmlformats.org/presentationml/2006/main">
-  <p:cSld>
-    <p:spTree>
-      <p:nvGrpSpPr>
-        <p:cNvPr id="1" name=""/>
-        <p:cNvGrpSpPr/>
-        <p:nvPr/>
-      </p:nvGrpSpPr>
-      <p:grpSpPr>
-        <a:xfrm>
-          <a:off x="0" y="0"/>
-          <a:ext cx="0" cy="0"/>
-          <a:chOff x="0" y="0"/>
-          <a:chExt cx="0" cy="0"/>
-        </a:xfrm>
-      </p:grpSpPr>
-      <p:sp>
-        <p:nvSpPr>
-          <p:cNvPr id="15365" name="Rectangle 2"/>
-          <p:cNvSpPr>
-            <a:spLocks noGrp="1" noChangeArrowheads="1"/>
-          </p:cNvSpPr>
-          <p:nvPr>
-            <p:ph type="title"/>
-          </p:nvPr>
-        </p:nvSpPr>
-        <p:spPr/>
-        <p:txBody>
-          <a:bodyPr/>
-          <a:lstStyle/>
-          <a:p>
-            <a:pPr eaLnBrk="1" hangingPunct="1"/>
-            <a:r>
-              <a:rPr lang="en-US" dirty="0" smtClean="0"/>
-              <a:t>The Oh’s</a:t>
-            </a:r>
-          </a:p>
-        </p:txBody>
-      </p:sp>
-      <p:sp>
-        <p:nvSpPr>
-          <p:cNvPr id="15366" name="Text Box 3"/>
-          <p:cNvSpPr txBox="1">
-            <a:spLocks noChangeArrowheads="1"/>
-          </p:cNvSpPr>
-          <p:nvPr/>
-        </p:nvSpPr>
-        <p:spPr bwMode="auto">
-          <a:xfrm>
-            <a:off x="304800" y="1828800"/>
-            <a:ext cx="8610600" cy="923330"/>
-          </a:xfrm>
-          <a:prstGeom prst="rect">
-            <a:avLst/>
-          </a:prstGeom>
-          <a:noFill/>
-          <a:ln w="9525">
-            <a:noFill/>
-            <a:miter lim="800000"/>
-            <a:headEnd/>
-            <a:tailEnd type="none" w="lg" len="lg"/>
-          </a:ln>
-        </p:spPr>
-        <p:txBody>
-          <a:bodyPr wrap="square">
-            <a:spAutoFit/>
-          </a:bodyPr>
-          <a:lstStyle/>
-          <a:p>
-            <a:r>
-              <a:rPr lang="en-US" sz="5400" dirty="0">
-                <a:latin typeface="Comic Sans MS" pitchFamily="66" charset="0"/>
-              </a:rPr>
-              <a:t>If  </a:t>
-            </a:r>
-            <a:r>
-              <a:rPr lang="en-US" sz="5400" dirty="0">
-                <a:solidFill>
-                  <a:srgbClr val="2525FF"/>
-                </a:solidFill>
-                <a:latin typeface="Comic Sans MS" pitchFamily="66" charset="0"/>
-              </a:rPr>
-              <a:t>f </a:t>
-            </a:r>
-            <a:r>
-              <a:rPr lang="en-US" sz="5400" b="1" dirty="0">
-                <a:solidFill>
-                  <a:srgbClr val="0000FF"/>
-                </a:solidFill>
-                <a:latin typeface="Euclid Symbol" charset="2"/>
-                <a:cs typeface="Euclid Symbol" charset="2"/>
-              </a:rPr>
-              <a:t>=</a:t>
-            </a:r>
-            <a:r>
-              <a:rPr lang="en-US" sz="5400" dirty="0" smtClean="0">
-                <a:solidFill>
-                  <a:srgbClr val="2525FF"/>
-                </a:solidFill>
-                <a:latin typeface="Comic Sans MS" pitchFamily="66" charset="0"/>
-              </a:rPr>
-              <a:t> </a:t>
-            </a:r>
-            <a:r>
-              <a:rPr lang="en-US" sz="5400" dirty="0">
-                <a:solidFill>
-                  <a:srgbClr val="2525FF"/>
-                </a:solidFill>
-                <a:latin typeface="Comic Sans MS" pitchFamily="66" charset="0"/>
-              </a:rPr>
-              <a:t>o(g)</a:t>
-            </a:r>
-            <a:r>
-              <a:rPr lang="en-US" sz="5400" dirty="0">
-                <a:latin typeface="Comic Sans MS" pitchFamily="66" charset="0"/>
-              </a:rPr>
-              <a:t>, </a:t>
-            </a:r>
-            <a:r>
-              <a:rPr lang="en-US" sz="4800" dirty="0">
-                <a:latin typeface="Comic Sans MS" pitchFamily="66" charset="0"/>
-                <a:sym typeface="Symbol" pitchFamily="18" charset="2"/>
-              </a:rPr>
-              <a:t>then  </a:t>
-            </a:r>
-            <a:r>
-              <a:rPr lang="en-US" sz="4800" dirty="0">
-                <a:solidFill>
-                  <a:srgbClr val="2525FF"/>
-                </a:solidFill>
-                <a:latin typeface="Comic Sans MS" pitchFamily="66" charset="0"/>
-                <a:sym typeface="Symbol" pitchFamily="18" charset="2"/>
-              </a:rPr>
-              <a:t>g</a:t>
-            </a:r>
-            <a:r>
-              <a:rPr lang="en-US" sz="4800" i="1" dirty="0" smtClean="0">
-                <a:latin typeface="Comic Sans MS" pitchFamily="66" charset="0"/>
-                <a:sym typeface="Symbol" pitchFamily="18" charset="2"/>
-              </a:rPr>
-              <a:t> </a:t>
-            </a:r>
-            <a:r>
-              <a:rPr lang="en-US" sz="5400" b="1" dirty="0" smtClean="0">
-                <a:solidFill>
-                  <a:srgbClr val="C7030C"/>
-                </a:solidFill>
-                <a:latin typeface="Euclid Symbol" charset="2"/>
-                <a:cs typeface="Euclid Symbol" charset="2"/>
-                <a:sym typeface="Symbol" pitchFamily="18" charset="2"/>
-              </a:rPr>
-              <a:t>≠</a:t>
-            </a:r>
-            <a:r>
-              <a:rPr lang="en-US" sz="4800" dirty="0" smtClean="0">
-                <a:latin typeface="Comic Sans MS" pitchFamily="66" charset="0"/>
-                <a:sym typeface="Symbol" pitchFamily="18" charset="2"/>
-              </a:rPr>
-              <a:t> </a:t>
-            </a:r>
-            <a:r>
-              <a:rPr lang="en-US" sz="4800" dirty="0">
-                <a:solidFill>
-                  <a:srgbClr val="2525FF"/>
-                </a:solidFill>
-                <a:latin typeface="Comic Sans MS" pitchFamily="66" charset="0"/>
-                <a:sym typeface="Symbol" pitchFamily="18" charset="2"/>
-              </a:rPr>
-              <a:t>O(f)</a:t>
-            </a:r>
-            <a:r>
-              <a:rPr lang="en-US" sz="5400" dirty="0">
-                <a:latin typeface="Comic Sans MS" pitchFamily="66" charset="0"/>
-              </a:rPr>
-              <a:t>  </a:t>
-            </a:r>
-          </a:p>
-        </p:txBody>
-      </p:sp>
-      <p:grpSp>
-        <p:nvGrpSpPr>
-          <p:cNvPr id="2" name="Group 14"/>
-          <p:cNvGrpSpPr>
-            <a:grpSpLocks/>
-          </p:cNvGrpSpPr>
-          <p:nvPr/>
-        </p:nvGrpSpPr>
-        <p:grpSpPr bwMode="auto">
-          <a:xfrm>
-            <a:off x="3657600" y="2603500"/>
-            <a:ext cx="5095876" cy="1687513"/>
-            <a:chOff x="2304" y="1640"/>
-            <a:chExt cx="3210" cy="1063"/>
-          </a:xfrm>
-        </p:grpSpPr>
-        <p:sp>
-          <p:nvSpPr>
-            <p:cNvPr id="15370" name="Rectangle 7"/>
-            <p:cNvSpPr>
-              <a:spLocks noChangeArrowheads="1"/>
-            </p:cNvSpPr>
-            <p:nvPr/>
-          </p:nvSpPr>
-          <p:spPr bwMode="auto">
-            <a:xfrm>
-              <a:off x="2304" y="1870"/>
-              <a:ext cx="3210" cy="523"/>
-            </a:xfrm>
-            <a:prstGeom prst="rect">
-              <a:avLst/>
-            </a:prstGeom>
-            <a:noFill/>
-            <a:ln w="9525">
-              <a:noFill/>
-              <a:miter lim="800000"/>
-              <a:headEnd/>
-              <a:tailEnd type="none" w="lg" len="lg"/>
-            </a:ln>
-          </p:spPr>
-          <p:txBody>
-            <a:bodyPr wrap="none">
-              <a:spAutoFit/>
-            </a:bodyPr>
-            <a:lstStyle/>
-            <a:p>
-              <a:r>
-                <a:rPr lang="en-US" sz="2800" dirty="0" smtClean="0">
-                  <a:latin typeface="Comic Sans MS" pitchFamily="66" charset="0"/>
-                  <a:sym typeface="Symbol" pitchFamily="18" charset="2"/>
-                </a:rPr>
-                <a:t>IMPLIES</a:t>
-              </a:r>
-              <a:r>
-                <a:rPr lang="en-US" dirty="0" smtClean="0">
-                  <a:sym typeface="Symbol" pitchFamily="18" charset="2"/>
-                </a:rPr>
-                <a:t>  </a:t>
-              </a:r>
-              <a:r>
-                <a:rPr lang="en-US" sz="4800" dirty="0" err="1">
-                  <a:solidFill>
-                    <a:srgbClr val="2525FF"/>
-                  </a:solidFill>
-                  <a:latin typeface="Comic Sans MS" pitchFamily="66" charset="0"/>
-                  <a:sym typeface="Symbol" pitchFamily="18" charset="2"/>
-                </a:rPr>
-                <a:t>lim</a:t>
-              </a:r>
-              <a:r>
-                <a:rPr lang="en-US" sz="4800" dirty="0">
-                  <a:solidFill>
-                    <a:srgbClr val="2525FF"/>
-                  </a:solidFill>
-                  <a:latin typeface="Comic Sans MS" pitchFamily="66" charset="0"/>
-                  <a:sym typeface="Symbol" pitchFamily="18" charset="2"/>
-                </a:rPr>
-                <a:t>    </a:t>
-              </a:r>
-              <a:r>
-                <a:rPr lang="en-US" sz="4800" b="1" dirty="0">
-                  <a:solidFill>
-                    <a:srgbClr val="2525FF"/>
-                  </a:solidFill>
-                  <a:latin typeface="Euclid Symbol" charset="2"/>
-                  <a:cs typeface="Euclid Symbol" charset="2"/>
-                  <a:sym typeface="Symbol" pitchFamily="18" charset="2"/>
-                </a:rPr>
-                <a:t> </a:t>
-              </a:r>
-              <a:r>
-                <a:rPr lang="en-US" sz="4800" b="1" dirty="0">
-                  <a:solidFill>
-                    <a:srgbClr val="C80000"/>
-                  </a:solidFill>
-                  <a:latin typeface="Euclid Symbol" charset="2"/>
-                  <a:cs typeface="Euclid Symbol" charset="2"/>
-                  <a:sym typeface="Symbol" pitchFamily="18" charset="2"/>
-                </a:rPr>
-                <a:t>=</a:t>
-              </a:r>
-              <a:r>
-                <a:rPr lang="en-US" sz="4800" b="1" dirty="0" smtClean="0">
-                  <a:solidFill>
-                    <a:srgbClr val="C80000"/>
-                  </a:solidFill>
-                  <a:latin typeface="Euclid Symbol" charset="2"/>
-                  <a:cs typeface="Euclid Symbol" charset="2"/>
-                  <a:sym typeface="Symbol" pitchFamily="18" charset="2"/>
-                </a:rPr>
-                <a:t> ∞</a:t>
-              </a:r>
-              <a:endParaRPr lang="en-US" sz="4800" b="1" dirty="0">
-                <a:solidFill>
-                  <a:srgbClr val="C80000"/>
-                </a:solidFill>
-                <a:latin typeface="Euclid Symbol" charset="2"/>
-                <a:cs typeface="Euclid Symbol" charset="2"/>
-                <a:sym typeface="Symbol" pitchFamily="18" charset="2"/>
-              </a:endParaRPr>
-            </a:p>
-          </p:txBody>
-        </p:sp>
-        <p:graphicFrame>
-          <p:nvGraphicFramePr>
-            <p:cNvPr id="15363" name="Object 1"/>
-            <p:cNvGraphicFramePr>
-              <a:graphicFrameLocks noChangeAspect="1"/>
-            </p:cNvGraphicFramePr>
-            <p:nvPr/>
-          </p:nvGraphicFramePr>
-          <p:xfrm>
-            <a:off x="4128" y="1640"/>
-            <a:ext cx="387" cy="1063"/>
-          </p:xfrm>
-          <a:graphic>
-            <a:graphicData uri="http://schemas.openxmlformats.org/presentationml/2006/ole">
-              <mc:AlternateContent xmlns:mc="http://schemas.openxmlformats.org/markup-compatibility/2006">
-                <mc:Choice xmlns:v="urn:schemas-microsoft-com:vml" Requires="v">
-                  <p:oleObj spid="_x0000_s157745" name="Equation" r:id="rId4" imgW="152280" imgH="419040" progId="Equation.DSMT4">
-                    <p:embed/>
-                  </p:oleObj>
-                </mc:Choice>
-                <mc:Fallback>
-                  <p:oleObj name="Equation" r:id="rId4" imgW="152280" imgH="419040" progId="Equation.DSMT4">
-                    <p:embed/>
-                    <p:pic>
-                      <p:nvPicPr>
-                        <p:cNvPr id="0" name="Object 1"/>
-                        <p:cNvPicPr>
-                          <a:picLocks noChangeAspect="1" noChangeArrowheads="1"/>
-                        </p:cNvPicPr>
-                        <p:nvPr/>
-                      </p:nvPicPr>
-                      <p:blipFill>
-                        <a:blip r:embed="rId5">
-                          <a:extLst>
-                            <a:ext uri="{28A0092B-C50C-407E-A947-70E740481C1C}">
-                              <a14:useLocalDpi xmlns:a14="http://schemas.microsoft.com/office/drawing/2010/main" val="0"/>
-                            </a:ext>
-                          </a:extLst>
-                        </a:blip>
-                        <a:srcRect/>
-                        <a:stretch>
-                          <a:fillRect/>
-                        </a:stretch>
-                      </p:blipFill>
-                      <p:spPr bwMode="auto">
-                        <a:xfrm>
-                          <a:off x="4128" y="1640"/>
-                          <a:ext cx="387" cy="1063"/>
-                        </a:xfrm>
-                        <a:prstGeom prst="rect">
-                          <a:avLst/>
-                        </a:prstGeom>
-                        <a:noFill/>
-                        <a:extLst>
-                          <a:ext uri="{909E8E84-426E-40dd-AFC4-6F175D3DCCD1}">
-                            <a14:hiddenFill xmlns:a14="http://schemas.microsoft.com/office/drawing/2010/main">
-                              <a:solidFill>
-                                <a:srgbClr val="FFFFFF"/>
-                              </a:solidFill>
-                            </a14:hiddenFill>
-                          </a:ext>
-                        </a:extLst>
-                      </p:spPr>
-                    </p:pic>
-                  </p:oleObj>
-                </mc:Fallback>
-              </mc:AlternateContent>
-            </a:graphicData>
-          </a:graphic>
-        </p:graphicFrame>
-      </p:grpSp>
-      <p:grpSp>
-        <p:nvGrpSpPr>
-          <p:cNvPr id="3" name="Group 11"/>
-          <p:cNvGrpSpPr>
-            <a:grpSpLocks/>
-          </p:cNvGrpSpPr>
-          <p:nvPr/>
-        </p:nvGrpSpPr>
-        <p:grpSpPr bwMode="auto">
-          <a:xfrm>
-            <a:off x="228600" y="2832100"/>
-            <a:ext cx="3330575" cy="1587500"/>
-            <a:chOff x="726" y="2002"/>
-            <a:chExt cx="2098" cy="1000"/>
-          </a:xfrm>
-        </p:grpSpPr>
-        <p:sp>
-          <p:nvSpPr>
-            <p:cNvPr id="15369" name="Text Box 5"/>
-            <p:cNvSpPr txBox="1">
-              <a:spLocks noChangeArrowheads="1"/>
-            </p:cNvSpPr>
-            <p:nvPr/>
-          </p:nvSpPr>
-          <p:spPr bwMode="auto">
-            <a:xfrm>
-              <a:off x="726" y="2147"/>
-              <a:ext cx="2098" cy="523"/>
-            </a:xfrm>
-            <a:prstGeom prst="rect">
-              <a:avLst/>
-            </a:prstGeom>
-            <a:noFill/>
-            <a:ln w="9525">
-              <a:noFill/>
-              <a:miter lim="800000"/>
-              <a:headEnd/>
-              <a:tailEnd type="none" w="lg" len="lg"/>
-            </a:ln>
-          </p:spPr>
-          <p:txBody>
-            <a:bodyPr wrap="none">
-              <a:spAutoFit/>
-            </a:bodyPr>
-            <a:lstStyle/>
-            <a:p>
-              <a:r>
-                <a:rPr lang="en-US" sz="4800" dirty="0">
-                  <a:latin typeface="Comic Sans MS" pitchFamily="66" charset="0"/>
-                  <a:sym typeface="Symbol" pitchFamily="18" charset="2"/>
-                </a:rPr>
-                <a:t>  </a:t>
-              </a:r>
-              <a:r>
-                <a:rPr lang="en-US" sz="4800" dirty="0" err="1">
-                  <a:solidFill>
-                    <a:srgbClr val="2525FF"/>
-                  </a:solidFill>
-                  <a:latin typeface="Comic Sans MS" pitchFamily="66" charset="0"/>
-                  <a:sym typeface="Symbol" pitchFamily="18" charset="2"/>
-                </a:rPr>
-                <a:t>lim</a:t>
-              </a:r>
-              <a:r>
-                <a:rPr lang="en-US" sz="4800" dirty="0">
-                  <a:solidFill>
-                    <a:srgbClr val="0033CC"/>
-                  </a:solidFill>
-                  <a:latin typeface="Comic Sans MS" pitchFamily="66" charset="0"/>
-                  <a:sym typeface="Symbol" pitchFamily="18" charset="2"/>
-                </a:rPr>
-                <a:t>     </a:t>
-              </a:r>
-              <a:r>
-                <a:rPr lang="en-US" sz="4800" b="1" dirty="0">
-                  <a:solidFill>
-                    <a:srgbClr val="0000FF"/>
-                  </a:solidFill>
-                  <a:latin typeface="Euclid Symbol" charset="2"/>
-                  <a:cs typeface="Euclid Symbol" charset="2"/>
-                </a:rPr>
-                <a:t>=</a:t>
-              </a:r>
-              <a:r>
-                <a:rPr lang="en-US" sz="4800" dirty="0" smtClean="0">
-                  <a:solidFill>
-                    <a:srgbClr val="2525FF"/>
-                  </a:solidFill>
-                  <a:latin typeface="Comic Sans MS" pitchFamily="66" charset="0"/>
-                  <a:sym typeface="Symbol" pitchFamily="18" charset="2"/>
-                </a:rPr>
-                <a:t> </a:t>
-              </a:r>
-              <a:r>
-                <a:rPr lang="en-US" sz="4800" dirty="0">
-                  <a:solidFill>
-                    <a:srgbClr val="2525FF"/>
-                  </a:solidFill>
-                  <a:latin typeface="Comic Sans MS" pitchFamily="66" charset="0"/>
-                  <a:sym typeface="Symbol" pitchFamily="18" charset="2"/>
-                </a:rPr>
-                <a:t>0</a:t>
-              </a:r>
-              <a:r>
-                <a:rPr lang="en-US" sz="4800" dirty="0">
-                  <a:latin typeface="Comic Sans MS" pitchFamily="66" charset="0"/>
-                  <a:sym typeface="Symbol" pitchFamily="18" charset="2"/>
-                </a:rPr>
-                <a:t> </a:t>
-              </a:r>
-            </a:p>
-          </p:txBody>
-        </p:sp>
-        <p:graphicFrame>
-          <p:nvGraphicFramePr>
-            <p:cNvPr id="15362" name="Object 0"/>
-            <p:cNvGraphicFramePr>
-              <a:graphicFrameLocks noChangeAspect="1"/>
-            </p:cNvGraphicFramePr>
-            <p:nvPr/>
-          </p:nvGraphicFramePr>
-          <p:xfrm>
-            <a:off x="1652" y="2002"/>
-            <a:ext cx="343" cy="1000"/>
-          </p:xfrm>
-          <a:graphic>
-            <a:graphicData uri="http://schemas.openxmlformats.org/presentationml/2006/ole">
-              <mc:AlternateContent xmlns:mc="http://schemas.openxmlformats.org/markup-compatibility/2006">
-                <mc:Choice xmlns:v="urn:schemas-microsoft-com:vml" Requires="v">
-                  <p:oleObj spid="_x0000_s157746" name="Equation" r:id="rId6" imgW="152280" imgH="444240" progId="Equation.DSMT4">
-                    <p:embed/>
-                  </p:oleObj>
-                </mc:Choice>
-                <mc:Fallback>
-                  <p:oleObj name="Equation" r:id="rId6" imgW="152280" imgH="444240" progId="Equation.DSMT4">
-                    <p:embed/>
-                    <p:pic>
-                      <p:nvPicPr>
-                        <p:cNvPr id="0" name="Object 0"/>
-                        <p:cNvPicPr>
-                          <a:picLocks noChangeAspect="1" noChangeArrowheads="1"/>
-                        </p:cNvPicPr>
-                        <p:nvPr/>
-                      </p:nvPicPr>
-                      <p:blipFill>
-                        <a:blip r:embed="rId7">
-                          <a:extLst>
-                            <a:ext uri="{28A0092B-C50C-407E-A947-70E740481C1C}">
-                              <a14:useLocalDpi xmlns:a14="http://schemas.microsoft.com/office/drawing/2010/main" val="0"/>
-                            </a:ext>
-                          </a:extLst>
-                        </a:blip>
-                        <a:srcRect/>
-                        <a:stretch>
-                          <a:fillRect/>
-                        </a:stretch>
-                      </p:blipFill>
-                      <p:spPr bwMode="auto">
-                        <a:xfrm>
-                          <a:off x="1652" y="2002"/>
-                          <a:ext cx="343" cy="1000"/>
-                        </a:xfrm>
-                        <a:prstGeom prst="rect">
-                          <a:avLst/>
-                        </a:prstGeom>
-                        <a:noFill/>
-                        <a:extLst>
-                          <a:ext uri="{909E8E84-426E-40dd-AFC4-6F175D3DCCD1}">
-                            <a14:hiddenFill xmlns:a14="http://schemas.microsoft.com/office/drawing/2010/main">
-                              <a:solidFill>
-                                <a:srgbClr val="FFFFFF"/>
-                              </a:solidFill>
-                            </a14:hiddenFill>
-                          </a:ext>
-                        </a:extLst>
-                      </p:spPr>
-                    </p:pic>
-                  </p:oleObj>
-                </mc:Fallback>
-              </mc:AlternateContent>
-            </a:graphicData>
-          </a:graphic>
-        </p:graphicFrame>
-      </p:grpSp>
-    </p:spTree>
-  </p:cSld>
-  <p:clrMapOvr>
-    <a:masterClrMapping/>
-  </p:clrMapOvr>
-  <p:transition xmlns:p14="http://schemas.microsoft.com/office/powerpoint/2010/main">
-    <p:fade thruBlk="1"/>
-  </p:transition>
-  <p:timing>
-    <p:tnLst>
-      <p:par>
-        <p:cTn xmlns:p14="http://schemas.microsoft.com/office/powerpoint/2010/main" id="1" dur="indefinite" restart="never" nodeType="tmRoot">
-          <p:childTnLst>
-            <p:seq concurrent="1" nextAc="seek">
-              <p:cTn id="2" dur="indefinite" nodeType="mainSeq">
-                <p:childTnLst>
-                  <p:par>
-                    <p:cTn id="3" fill="hold">
-                      <p:stCondLst>
-                        <p:cond delay="indefinite"/>
-                      </p:stCondLst>
-                      <p:childTnLst>
-                        <p:par>
-                          <p:cTn id="4" fill="hold">
-                            <p:stCondLst>
-                              <p:cond delay="0"/>
-                            </p:stCondLst>
-                            <p:childTnLst>
-                              <p:par>
-                                <p:cTn id="5" presetID="22" presetClass="entr" presetSubtype="8" fill="hold" nodeType="clickEffect">
-                                  <p:stCondLst>
-                                    <p:cond delay="0"/>
-                                  </p:stCondLst>
-                                  <p:childTnLst>
-                                    <p:set>
-                                      <p:cBhvr>
-                                        <p:cTn id="6" dur="1" fill="hold">
-                                          <p:stCondLst>
-                                            <p:cond delay="0"/>
-                                          </p:stCondLst>
-                                        </p:cTn>
-                                        <p:tgtEl>
-                                          <p:spTgt spid="3"/>
-                                        </p:tgtEl>
-                                        <p:attrNameLst>
-                                          <p:attrName>style.visibility</p:attrName>
-                                        </p:attrNameLst>
-                                      </p:cBhvr>
-                                      <p:to>
-                                        <p:strVal val="visible"/>
-                                      </p:to>
-                                    </p:set>
-                                    <p:animEffect transition="in" filter="wipe(left)">
-                                      <p:cBhvr>
-                                        <p:cTn id="7" dur="500"/>
-                                        <p:tgtEl>
-                                          <p:spTgt spid="3"/>
-                                        </p:tgtEl>
-                                      </p:cBhvr>
-                                    </p:animEffect>
-                                  </p:childTnLst>
-                                </p:cTn>
-                              </p:par>
-                            </p:childTnLst>
-                          </p:cTn>
-                        </p:par>
-                      </p:childTnLst>
-                    </p:cTn>
-                  </p:par>
-                  <p:par>
-                    <p:cTn id="8" fill="hold">
-                      <p:stCondLst>
-                        <p:cond delay="indefinite"/>
-                      </p:stCondLst>
-                      <p:childTnLst>
-                        <p:par>
-                          <p:cTn id="9" fill="hold">
-                            <p:stCondLst>
-                              <p:cond delay="0"/>
-                            </p:stCondLst>
-                            <p:childTnLst>
-                              <p:par>
-                                <p:cTn id="10" presetID="22" presetClass="entr" presetSubtype="8" fill="hold" nodeType="clickEffect">
-                                  <p:stCondLst>
-                                    <p:cond delay="0"/>
-                                  </p:stCondLst>
-                                  <p:childTnLst>
-                                    <p:set>
-                                      <p:cBhvr>
-                                        <p:cTn id="11" dur="1" fill="hold">
-                                          <p:stCondLst>
-                                            <p:cond delay="0"/>
-                                          </p:stCondLst>
-                                        </p:cTn>
-                                        <p:tgtEl>
-                                          <p:spTgt spid="2"/>
-                                        </p:tgtEl>
-                                        <p:attrNameLst>
-                                          <p:attrName>style.visibility</p:attrName>
-                                        </p:attrNameLst>
-                                      </p:cBhvr>
-                                      <p:to>
-                                        <p:strVal val="visible"/>
-                                      </p:to>
-                                    </p:set>
-                                    <p:animEffect transition="in" filter="wipe(left)">
-                                      <p:cBhvr>
-                                        <p:cTn id="12" dur="500"/>
-                                        <p:tgtEl>
-                                          <p:spTgt spid="2"/>
-                                        </p:tgtEl>
-                                      </p:cBhvr>
-                                    </p:animEffect>
-                                  </p:childTnLst>
-                                </p:cTn>
-                              </p:par>
-                            </p:childTnLst>
-                          </p:cTn>
-                        </p:par>
-                      </p:childTnLst>
-                    </p:cTn>
-                  </p:par>
-                </p:childTnLst>
-              </p:cTn>
-              <p:prevCondLst>
-                <p:cond evt="onPrev" delay="0">
-                  <p:tgtEl>
-                    <p:sldTgt/>
-                  </p:tgtEl>
-                </p:cond>
-              </p:prevCondLst>
-              <p:nextCondLst>
-                <p:cond evt="onNext" delay="0">
-                  <p:tgtEl>
-                    <p:sldTgt/>
-                  </p:tgtEl>
-                </p:cond>
-              </p:nextCondLst>
-            </p:seq>
-          </p:childTnLst>
-        </p:cTn>
-      </p:par>
-    </p:tnLst>
-  </p:timing>
-</p:sld>
-</file>
-
-<file path=ppt/slides/slide5.xml><?xml version="1.0" encoding="utf-8"?>
+<file path=ppt/slides/slide11.xml><?xml version="1.0" encoding="utf-8"?>
 <p:sld xmlns:a="http://schemas.openxmlformats.org/drawingml/2006/main" xmlns:r="http://schemas.openxmlformats.org/officeDocument/2006/relationships" xmlns:p="http://schemas.openxmlformats.org/presentationml/2006/main">
   <p:cSld>
     <p:spTree>
@@ -7332,11 +4012,11 @@
           <a:p>
             <a:pPr eaLnBrk="1" hangingPunct="1"/>
             <a:r>
-              <a:rPr lang="en-US" smtClean="0"/>
+              <a:rPr lang="en-US" dirty="0" smtClean="0"/>
               <a:t>Big Oh:   </a:t>
             </a:r>
             <a:r>
-              <a:rPr lang="en-US" smtClean="0">
+              <a:rPr lang="en-US" dirty="0" smtClean="0">
                 <a:solidFill>
                   <a:srgbClr val="FF33CC"/>
                 </a:solidFill>
@@ -7500,7 +4180,7 @@
 </p:sld>
 </file>
 
-<file path=ppt/slides/slide6.xml><?xml version="1.0" encoding="utf-8"?>
+<file path=ppt/slides/slide12.xml><?xml version="1.0" encoding="utf-8"?>
 <p:sld xmlns:a="http://schemas.openxmlformats.org/drawingml/2006/main" xmlns:r="http://schemas.openxmlformats.org/officeDocument/2006/relationships" xmlns:p="http://schemas.openxmlformats.org/presentationml/2006/main">
   <p:cSld>
     <p:spTree>
@@ -8376,43 +5056,6 @@
           </p:txBody>
         </p:sp>
       </p:grpSp>
-      <p:sp>
-        <p:nvSpPr>
-          <p:cNvPr id="57356" name="Rectangle 39"/>
-          <p:cNvSpPr>
-            <a:spLocks noGrp="1" noChangeArrowheads="1"/>
-          </p:cNvSpPr>
-          <p:nvPr>
-            <p:ph type="title" idx="4294967295"/>
-          </p:nvPr>
-        </p:nvSpPr>
-        <p:spPr>
-          <a:xfrm>
-            <a:off x="1600200" y="0"/>
-            <a:ext cx="7543800" cy="1143000"/>
-          </a:xfrm>
-          <a:noFill/>
-        </p:spPr>
-        <p:txBody>
-          <a:bodyPr/>
-          <a:lstStyle/>
-          <a:p>
-            <a:pPr eaLnBrk="1" hangingPunct="1"/>
-            <a:r>
-              <a:rPr lang="en-US" dirty="0" smtClean="0"/>
-              <a:t>Big Oh:   </a:t>
-            </a:r>
-            <a:r>
-              <a:rPr lang="en-US" dirty="0" smtClean="0">
-                <a:solidFill>
-                  <a:srgbClr val="FF07EF"/>
-                </a:solidFill>
-              </a:rPr>
-              <a:t>O(∙)</a:t>
-            </a:r>
-          </a:p>
-        </p:txBody>
-      </p:sp>
       <p:grpSp>
         <p:nvGrpSpPr>
           <p:cNvPr id="44" name="Group 43"/>
@@ -8976,6 +5619,178 @@
           </p:txBody>
         </p:sp>
       </p:grpSp>
+      <p:sp>
+        <p:nvSpPr>
+          <p:cNvPr id="29" name="Rectangle 10"/>
+          <p:cNvSpPr txBox="1">
+            <a:spLocks noChangeArrowheads="1"/>
+          </p:cNvSpPr>
+          <p:nvPr/>
+        </p:nvSpPr>
+        <p:spPr>
+          <a:xfrm>
+            <a:off x="1143000" y="152400"/>
+            <a:ext cx="7239000" cy="914400"/>
+          </a:xfrm>
+          <a:prstGeom prst="rect">
+            <a:avLst/>
+          </a:prstGeom>
+          <a:noFill/>
+        </p:spPr>
+        <p:txBody>
+          <a:bodyPr/>
+          <a:lstStyle>
+            <a:lvl1pPr algn="ctr" rtl="0" eaLnBrk="0" fontAlgn="base" hangingPunct="0">
+              <a:spcBef>
+                <a:spcPct val="0"/>
+              </a:spcBef>
+              <a:spcAft>
+                <a:spcPct val="0"/>
+              </a:spcAft>
+              <a:defRPr sz="4000" b="1">
+                <a:solidFill>
+                  <a:schemeClr val="tx2"/>
+                </a:solidFill>
+                <a:latin typeface="+mj-lt"/>
+                <a:ea typeface="+mj-ea"/>
+                <a:cs typeface="+mj-cs"/>
+              </a:defRPr>
+            </a:lvl1pPr>
+            <a:lvl2pPr algn="ctr" rtl="0" eaLnBrk="0" fontAlgn="base" hangingPunct="0">
+              <a:spcBef>
+                <a:spcPct val="0"/>
+              </a:spcBef>
+              <a:spcAft>
+                <a:spcPct val="0"/>
+              </a:spcAft>
+              <a:defRPr sz="4000" b="1">
+                <a:solidFill>
+                  <a:schemeClr val="tx2"/>
+                </a:solidFill>
+                <a:latin typeface="Comic Sans MS" pitchFamily="66" charset="0"/>
+              </a:defRPr>
+            </a:lvl2pPr>
+            <a:lvl3pPr algn="ctr" rtl="0" eaLnBrk="0" fontAlgn="base" hangingPunct="0">
+              <a:spcBef>
+                <a:spcPct val="0"/>
+              </a:spcBef>
+              <a:spcAft>
+                <a:spcPct val="0"/>
+              </a:spcAft>
+              <a:defRPr sz="4000" b="1">
+                <a:solidFill>
+                  <a:schemeClr val="tx2"/>
+                </a:solidFill>
+                <a:latin typeface="Comic Sans MS" pitchFamily="66" charset="0"/>
+              </a:defRPr>
+            </a:lvl3pPr>
+            <a:lvl4pPr algn="ctr" rtl="0" eaLnBrk="0" fontAlgn="base" hangingPunct="0">
+              <a:spcBef>
+                <a:spcPct val="0"/>
+              </a:spcBef>
+              <a:spcAft>
+                <a:spcPct val="0"/>
+              </a:spcAft>
+              <a:defRPr sz="4000" b="1">
+                <a:solidFill>
+                  <a:schemeClr val="tx2"/>
+                </a:solidFill>
+                <a:latin typeface="Comic Sans MS" pitchFamily="66" charset="0"/>
+              </a:defRPr>
+            </a:lvl4pPr>
+            <a:lvl5pPr algn="ctr" rtl="0" eaLnBrk="0" fontAlgn="base" hangingPunct="0">
+              <a:spcBef>
+                <a:spcPct val="0"/>
+              </a:spcBef>
+              <a:spcAft>
+                <a:spcPct val="0"/>
+              </a:spcAft>
+              <a:defRPr sz="4000" b="1">
+                <a:solidFill>
+                  <a:schemeClr val="tx2"/>
+                </a:solidFill>
+                <a:latin typeface="Comic Sans MS" pitchFamily="66" charset="0"/>
+              </a:defRPr>
+            </a:lvl5pPr>
+            <a:lvl6pPr marL="457200" algn="ctr" rtl="0" fontAlgn="base">
+              <a:spcBef>
+                <a:spcPct val="0"/>
+              </a:spcBef>
+              <a:spcAft>
+                <a:spcPct val="0"/>
+              </a:spcAft>
+              <a:defRPr sz="4000" b="1">
+                <a:solidFill>
+                  <a:schemeClr val="tx2"/>
+                </a:solidFill>
+                <a:latin typeface="Comic Sans MS" pitchFamily="66" charset="0"/>
+              </a:defRPr>
+            </a:lvl6pPr>
+            <a:lvl7pPr marL="914400" algn="ctr" rtl="0" fontAlgn="base">
+              <a:spcBef>
+                <a:spcPct val="0"/>
+              </a:spcBef>
+              <a:spcAft>
+                <a:spcPct val="0"/>
+              </a:spcAft>
+              <a:defRPr sz="4000" b="1">
+                <a:solidFill>
+                  <a:schemeClr val="tx2"/>
+                </a:solidFill>
+                <a:latin typeface="Comic Sans MS" pitchFamily="66" charset="0"/>
+              </a:defRPr>
+            </a:lvl7pPr>
+            <a:lvl8pPr marL="1371600" algn="ctr" rtl="0" fontAlgn="base">
+              <a:spcBef>
+                <a:spcPct val="0"/>
+              </a:spcBef>
+              <a:spcAft>
+                <a:spcPct val="0"/>
+              </a:spcAft>
+              <a:defRPr sz="4000" b="1">
+                <a:solidFill>
+                  <a:schemeClr val="tx2"/>
+                </a:solidFill>
+                <a:latin typeface="Comic Sans MS" pitchFamily="66" charset="0"/>
+              </a:defRPr>
+            </a:lvl8pPr>
+            <a:lvl9pPr marL="1828800" algn="ctr" rtl="0" fontAlgn="base">
+              <a:spcBef>
+                <a:spcPct val="0"/>
+              </a:spcBef>
+              <a:spcAft>
+                <a:spcPct val="0"/>
+              </a:spcAft>
+              <a:defRPr sz="4000" b="1">
+                <a:solidFill>
+                  <a:schemeClr val="tx2"/>
+                </a:solidFill>
+                <a:latin typeface="Comic Sans MS" pitchFamily="66" charset="0"/>
+              </a:defRPr>
+            </a:lvl9pPr>
+          </a:lstStyle>
+          <a:p>
+            <a:pPr eaLnBrk="1" hangingPunct="1"/>
+            <a:r>
+              <a:rPr lang="en-US" smtClean="0"/>
+              <a:t>Big Oh:   </a:t>
+            </a:r>
+            <a:r>
+              <a:rPr lang="en-US" smtClean="0">
+                <a:solidFill>
+                  <a:srgbClr val="FF33CC"/>
+                </a:solidFill>
+              </a:rPr>
+              <a:t>O(∙)</a:t>
+            </a:r>
+            <a:endParaRPr lang="en-US" dirty="0" smtClean="0">
+              <a:solidFill>
+                <a:srgbClr val="FF33CC"/>
+              </a:solidFill>
+            </a:endParaRPr>
+          </a:p>
+        </p:txBody>
+      </p:sp>
     </p:spTree>
   </p:cSld>
   <p:clrMapOvr>
@@ -9282,7 +6097,2907 @@
 </p:sld>
 </file>
 
-<file path=ppt/slides/slide7.xml><?xml version="1.0" encoding="utf-8"?>
+<file path=ppt/slides/slide13.xml><?xml version="1.0" encoding="utf-8"?>
+<p:sld xmlns:a="http://schemas.openxmlformats.org/drawingml/2006/main" xmlns:r="http://schemas.openxmlformats.org/officeDocument/2006/relationships" xmlns:p="http://schemas.openxmlformats.org/presentationml/2006/main">
+  <p:cSld>
+    <p:spTree>
+      <p:nvGrpSpPr>
+        <p:cNvPr id="1" name=""/>
+        <p:cNvGrpSpPr/>
+        <p:nvPr/>
+      </p:nvGrpSpPr>
+      <p:grpSpPr>
+        <a:xfrm>
+          <a:off x="0" y="0"/>
+          <a:ext cx="0" cy="0"/>
+          <a:chOff x="0" y="0"/>
+          <a:chExt cx="0" cy="0"/>
+        </a:xfrm>
+      </p:grpSpPr>
+      <p:sp>
+        <p:nvSpPr>
+          <p:cNvPr id="2" name="TextBox 1"/>
+          <p:cNvSpPr txBox="1"/>
+          <p:nvPr/>
+        </p:nvSpPr>
+        <p:spPr>
+          <a:xfrm>
+            <a:off x="2286000" y="228600"/>
+            <a:ext cx="3801867" cy="800219"/>
+          </a:xfrm>
+          <a:prstGeom prst="rect">
+            <a:avLst/>
+          </a:prstGeom>
+          <a:noFill/>
+        </p:spPr>
+        <p:txBody>
+          <a:bodyPr wrap="none" rtlCol="0">
+            <a:spAutoFit/>
+          </a:bodyPr>
+          <a:lstStyle/>
+          <a:p>
+            <a:r>
+              <a:rPr lang="en-US" dirty="0" smtClean="0">
+                <a:latin typeface="Comic Sans MS"/>
+                <a:cs typeface="Comic Sans MS"/>
+              </a:rPr>
+              <a:t>Why  </a:t>
+            </a:r>
+            <a:r>
+              <a:rPr lang="en-US" dirty="0" err="1" smtClean="0">
+                <a:solidFill>
+                  <a:srgbClr val="0033CC"/>
+                </a:solidFill>
+                <a:latin typeface="Comic Sans MS"/>
+                <a:cs typeface="Comic Sans MS"/>
+              </a:rPr>
+              <a:t>limsup</a:t>
+            </a:r>
+            <a:r>
+              <a:rPr lang="en-US" dirty="0" smtClean="0">
+                <a:latin typeface="Comic Sans MS"/>
+                <a:cs typeface="Comic Sans MS"/>
+              </a:rPr>
+              <a:t>?</a:t>
+            </a:r>
+            <a:endParaRPr lang="en-US" dirty="0">
+              <a:latin typeface="Comic Sans MS"/>
+              <a:cs typeface="Comic Sans MS"/>
+            </a:endParaRPr>
+          </a:p>
+        </p:txBody>
+      </p:sp>
+      <p:sp>
+        <p:nvSpPr>
+          <p:cNvPr id="4" name="TextBox 3"/>
+          <p:cNvSpPr txBox="1"/>
+          <p:nvPr/>
+        </p:nvSpPr>
+        <p:spPr>
+          <a:xfrm>
+            <a:off x="76200" y="914400"/>
+            <a:ext cx="8690159" cy="4247317"/>
+          </a:xfrm>
+          <a:prstGeom prst="rect">
+            <a:avLst/>
+          </a:prstGeom>
+          <a:noFill/>
+        </p:spPr>
+        <p:txBody>
+          <a:bodyPr wrap="none" rtlCol="0">
+            <a:spAutoFit/>
+          </a:bodyPr>
+          <a:lstStyle/>
+          <a:p>
+            <a:r>
+              <a:rPr lang="en-US" sz="5400" dirty="0" smtClean="0">
+                <a:latin typeface="Comic Sans MS"/>
+                <a:cs typeface="Comic Sans MS"/>
+              </a:rPr>
+              <a:t>If  </a:t>
+            </a:r>
+            <a:r>
+              <a:rPr lang="en-US" sz="5400" dirty="0" smtClean="0">
+                <a:solidFill>
+                  <a:srgbClr val="0000FF"/>
+                </a:solidFill>
+                <a:latin typeface="Comic Sans MS"/>
+                <a:cs typeface="Comic Sans MS"/>
+              </a:rPr>
+              <a:t>f </a:t>
+            </a:r>
+            <a:r>
+              <a:rPr lang="en-US" sz="5400" b="1" dirty="0" smtClean="0">
+                <a:solidFill>
+                  <a:srgbClr val="0000FF"/>
+                </a:solidFill>
+                <a:latin typeface="Euclid Symbol" charset="2"/>
+                <a:cs typeface="Euclid Symbol" charset="2"/>
+                <a:sym typeface="Symbol" pitchFamily="18" charset="2"/>
+              </a:rPr>
+              <a:t>≤ </a:t>
+            </a:r>
+            <a:r>
+              <a:rPr lang="en-US" sz="5400" dirty="0" smtClean="0">
+                <a:solidFill>
+                  <a:srgbClr val="0000FF"/>
+                </a:solidFill>
+                <a:latin typeface="Comic Sans MS"/>
+                <a:cs typeface="Comic Sans MS"/>
+                <a:sym typeface="Symbol" pitchFamily="18" charset="2"/>
+              </a:rPr>
+              <a:t>2g  </a:t>
+            </a:r>
+            <a:r>
+              <a:rPr lang="en-US" sz="5400" dirty="0" smtClean="0">
+                <a:latin typeface="Comic Sans MS"/>
+                <a:cs typeface="Comic Sans MS"/>
+                <a:sym typeface="Symbol" pitchFamily="18" charset="2"/>
+              </a:rPr>
+              <a:t>then </a:t>
+            </a:r>
+            <a:r>
+              <a:rPr lang="en-US" sz="5400" dirty="0" smtClean="0">
+                <a:solidFill>
+                  <a:srgbClr val="0000FF"/>
+                </a:solidFill>
+                <a:latin typeface="Comic Sans MS"/>
+                <a:cs typeface="Comic Sans MS"/>
+                <a:sym typeface="Symbol" pitchFamily="18" charset="2"/>
+              </a:rPr>
+              <a:t> f </a:t>
+            </a:r>
+            <a:r>
+              <a:rPr lang="en-US" sz="5400" b="1" dirty="0" smtClean="0">
+                <a:solidFill>
+                  <a:srgbClr val="0000FF"/>
+                </a:solidFill>
+                <a:latin typeface="Euclid Symbol" charset="2"/>
+                <a:cs typeface="Euclid Symbol" charset="2"/>
+                <a:sym typeface="Symbol" pitchFamily="18" charset="2"/>
+              </a:rPr>
+              <a:t>=</a:t>
+            </a:r>
+            <a:r>
+              <a:rPr lang="en-US" sz="5400" dirty="0" smtClean="0">
+                <a:solidFill>
+                  <a:srgbClr val="0000FF"/>
+                </a:solidFill>
+                <a:latin typeface="Comic Sans MS"/>
+                <a:cs typeface="Comic Sans MS"/>
+                <a:sym typeface="Symbol" pitchFamily="18" charset="2"/>
+              </a:rPr>
+              <a:t> O(g)</a:t>
+            </a:r>
+            <a:r>
+              <a:rPr lang="en-US" sz="5400" dirty="0" smtClean="0">
+                <a:solidFill>
+                  <a:srgbClr val="000000"/>
+                </a:solidFill>
+                <a:latin typeface="Comic Sans MS"/>
+                <a:cs typeface="Comic Sans MS"/>
+                <a:sym typeface="Symbol" pitchFamily="18" charset="2"/>
+              </a:rPr>
+              <a:t>,</a:t>
+            </a:r>
+          </a:p>
+          <a:p>
+            <a:r>
+              <a:rPr lang="en-US" sz="5400" dirty="0" smtClean="0">
+                <a:solidFill>
+                  <a:srgbClr val="000000"/>
+                </a:solidFill>
+                <a:latin typeface="Comic Sans MS"/>
+                <a:cs typeface="Comic Sans MS"/>
+                <a:sym typeface="Symbol" pitchFamily="18" charset="2"/>
+              </a:rPr>
+              <a:t>but </a:t>
+            </a:r>
+            <a:r>
+              <a:rPr lang="en-US" sz="5400" dirty="0" smtClean="0">
+                <a:solidFill>
+                  <a:srgbClr val="0000FF"/>
+                </a:solidFill>
+                <a:latin typeface="Comic Sans MS"/>
+                <a:cs typeface="Comic Sans MS"/>
+                <a:sym typeface="Symbol" pitchFamily="18" charset="2"/>
+              </a:rPr>
+              <a:t>f(n)/g(n)</a:t>
+            </a:r>
+            <a:r>
+              <a:rPr lang="en-US" sz="5400" dirty="0" smtClean="0">
+                <a:solidFill>
+                  <a:srgbClr val="000000"/>
+                </a:solidFill>
+                <a:latin typeface="Comic Sans MS"/>
+                <a:cs typeface="Comic Sans MS"/>
+                <a:sym typeface="Symbol" pitchFamily="18" charset="2"/>
+              </a:rPr>
+              <a:t> has no limit.</a:t>
+            </a:r>
+          </a:p>
+          <a:p>
+            <a:r>
+              <a:rPr lang="en-US" sz="4400" dirty="0" smtClean="0">
+                <a:solidFill>
+                  <a:srgbClr val="B702A0"/>
+                </a:solidFill>
+                <a:latin typeface="Comic Sans MS"/>
+                <a:cs typeface="Comic Sans MS"/>
+                <a:sym typeface="Symbol" pitchFamily="18" charset="2"/>
+              </a:rPr>
+              <a:t>example</a:t>
+            </a:r>
+            <a:r>
+              <a:rPr lang="en-US" sz="5400" dirty="0" smtClean="0">
+                <a:solidFill>
+                  <a:srgbClr val="000000"/>
+                </a:solidFill>
+                <a:latin typeface="Comic Sans MS"/>
+                <a:cs typeface="Comic Sans MS"/>
+                <a:sym typeface="Symbol" pitchFamily="18" charset="2"/>
+              </a:rPr>
+              <a:t> </a:t>
+            </a:r>
+          </a:p>
+          <a:p>
+            <a:endParaRPr lang="en-US" sz="5400" dirty="0" smtClean="0">
+              <a:latin typeface="Comic Sans MS"/>
+              <a:cs typeface="Comic Sans MS"/>
+            </a:endParaRPr>
+          </a:p>
+          <a:p>
+            <a:r>
+              <a:rPr lang="en-US" sz="4400" dirty="0" smtClean="0">
+                <a:solidFill>
+                  <a:srgbClr val="B702A0"/>
+                </a:solidFill>
+                <a:latin typeface="Comic Sans MS"/>
+                <a:cs typeface="Comic Sans MS"/>
+              </a:rPr>
+              <a:t>but</a:t>
+            </a:r>
+            <a:r>
+              <a:rPr lang="en-US" sz="5400" dirty="0" smtClean="0">
+                <a:latin typeface="Comic Sans MS"/>
+                <a:cs typeface="Comic Sans MS"/>
+              </a:rPr>
+              <a:t> </a:t>
+            </a:r>
+            <a:endParaRPr lang="en-US" sz="5400" dirty="0">
+              <a:latin typeface="Comic Sans MS"/>
+              <a:cs typeface="Comic Sans MS"/>
+            </a:endParaRPr>
+          </a:p>
+        </p:txBody>
+      </p:sp>
+      <p:graphicFrame>
+        <p:nvGraphicFramePr>
+          <p:cNvPr id="8" name="Object 7"/>
+          <p:cNvGraphicFramePr>
+            <a:graphicFrameLocks noChangeAspect="1"/>
+          </p:cNvGraphicFramePr>
+          <p:nvPr>
+            <p:extLst>
+              <p:ext uri="{D42A27DB-BD31-4B8C-83A1-F6EECF244321}">
+                <p14:modId xmlns:p14="http://schemas.microsoft.com/office/powerpoint/2010/main" val="17708948"/>
+              </p:ext>
+            </p:extLst>
+          </p:nvPr>
+        </p:nvGraphicFramePr>
+        <p:xfrm>
+          <a:off x="1638300" y="4114800"/>
+          <a:ext cx="6210300" cy="2362200"/>
+        </p:xfrm>
+        <a:graphic>
+          <a:graphicData uri="http://schemas.openxmlformats.org/presentationml/2006/ole">
+            <mc:AlternateContent xmlns:mc="http://schemas.openxmlformats.org/markup-compatibility/2006">
+              <mc:Choice xmlns:v="urn:schemas-microsoft-com:vml" Requires="v">
+                <p:oleObj spid="_x0000_s1038" name="Equation" r:id="rId4" imgW="1333500" imgH="508000" progId="Equation.DSMT4">
+                  <p:embed/>
+                </p:oleObj>
+              </mc:Choice>
+              <mc:Fallback>
+                <p:oleObj name="Equation" r:id="rId4" imgW="1333500" imgH="508000" progId="Equation.DSMT4">
+                  <p:embed/>
+                  <p:pic>
+                    <p:nvPicPr>
+                      <p:cNvPr id="0" name=""/>
+                      <p:cNvPicPr/>
+                      <p:nvPr/>
+                    </p:nvPicPr>
+                    <p:blipFill>
+                      <a:blip r:embed="rId5"/>
+                      <a:stretch>
+                        <a:fillRect/>
+                      </a:stretch>
+                    </p:blipFill>
+                    <p:spPr>
+                      <a:xfrm>
+                        <a:off x="1638300" y="4114800"/>
+                        <a:ext cx="6210300" cy="2362200"/>
+                      </a:xfrm>
+                      <a:prstGeom prst="rect">
+                        <a:avLst/>
+                      </a:prstGeom>
+                    </p:spPr>
+                  </p:pic>
+                </p:oleObj>
+              </mc:Fallback>
+            </mc:AlternateContent>
+          </a:graphicData>
+        </a:graphic>
+      </p:graphicFrame>
+      <p:graphicFrame>
+        <p:nvGraphicFramePr>
+          <p:cNvPr id="9" name="Object 8"/>
+          <p:cNvGraphicFramePr>
+            <a:graphicFrameLocks noChangeAspect="1"/>
+          </p:cNvGraphicFramePr>
+          <p:nvPr>
+            <p:extLst>
+              <p:ext uri="{D42A27DB-BD31-4B8C-83A1-F6EECF244321}">
+                <p14:modId xmlns:p14="http://schemas.microsoft.com/office/powerpoint/2010/main" val="920260098"/>
+              </p:ext>
+            </p:extLst>
+          </p:nvPr>
+        </p:nvGraphicFramePr>
+        <p:xfrm>
+          <a:off x="2351088" y="2438400"/>
+          <a:ext cx="6640512" cy="2057400"/>
+        </p:xfrm>
+        <a:graphic>
+          <a:graphicData uri="http://schemas.openxmlformats.org/presentationml/2006/ole">
+            <mc:AlternateContent xmlns:mc="http://schemas.openxmlformats.org/markup-compatibility/2006">
+              <mc:Choice xmlns:v="urn:schemas-microsoft-com:vml" Requires="v">
+                <p:oleObj spid="_x0000_s1039" name="Equation" r:id="rId6" imgW="1803400" imgH="558800" progId="Equation.DSMT4">
+                  <p:embed/>
+                </p:oleObj>
+              </mc:Choice>
+              <mc:Fallback>
+                <p:oleObj name="Equation" r:id="rId6" imgW="1803400" imgH="558800" progId="Equation.DSMT4">
+                  <p:embed/>
+                  <p:pic>
+                    <p:nvPicPr>
+                      <p:cNvPr id="0" name=""/>
+                      <p:cNvPicPr/>
+                      <p:nvPr/>
+                    </p:nvPicPr>
+                    <p:blipFill>
+                      <a:blip r:embed="rId7"/>
+                      <a:stretch>
+                        <a:fillRect/>
+                      </a:stretch>
+                    </p:blipFill>
+                    <p:spPr>
+                      <a:xfrm>
+                        <a:off x="2351088" y="2438400"/>
+                        <a:ext cx="6640512" cy="2057400"/>
+                      </a:xfrm>
+                      <a:prstGeom prst="rect">
+                        <a:avLst/>
+                      </a:prstGeom>
+                    </p:spPr>
+                  </p:pic>
+                </p:oleObj>
+              </mc:Fallback>
+            </mc:AlternateContent>
+          </a:graphicData>
+        </a:graphic>
+      </p:graphicFrame>
+    </p:spTree>
+    <p:extLst>
+      <p:ext uri="{BB962C8B-B14F-4D97-AF65-F5344CB8AC3E}">
+        <p14:creationId xmlns:p14="http://schemas.microsoft.com/office/powerpoint/2010/main" val="3489784058"/>
+      </p:ext>
+    </p:extLst>
+  </p:cSld>
+  <p:clrMapOvr>
+    <a:masterClrMapping/>
+  </p:clrMapOvr>
+  <p:transition xmlns:p14="http://schemas.microsoft.com/office/powerpoint/2010/main" spd="slow">
+    <p:fade thruBlk="1"/>
+  </p:transition>
+  <p:timing>
+    <p:tnLst>
+      <p:par>
+        <p:cTn xmlns:p14="http://schemas.microsoft.com/office/powerpoint/2010/main" id="1" dur="indefinite" restart="never" nodeType="tmRoot">
+          <p:childTnLst>
+            <p:seq concurrent="1" nextAc="seek">
+              <p:cTn id="2" dur="indefinite" nodeType="mainSeq">
+                <p:childTnLst>
+                  <p:par>
+                    <p:cTn id="3" fill="hold">
+                      <p:stCondLst>
+                        <p:cond delay="indefinite"/>
+                      </p:stCondLst>
+                      <p:childTnLst>
+                        <p:par>
+                          <p:cTn id="4" fill="hold">
+                            <p:stCondLst>
+                              <p:cond delay="0"/>
+                            </p:stCondLst>
+                            <p:childTnLst>
+                              <p:par>
+                                <p:cTn id="5" presetID="9" presetClass="entr" presetSubtype="0" fill="hold" nodeType="clickEffect">
+                                  <p:stCondLst>
+                                    <p:cond delay="0"/>
+                                  </p:stCondLst>
+                                  <p:childTnLst>
+                                    <p:set>
+                                      <p:cBhvr>
+                                        <p:cTn id="6" dur="1" fill="hold">
+                                          <p:stCondLst>
+                                            <p:cond delay="0"/>
+                                          </p:stCondLst>
+                                        </p:cTn>
+                                        <p:tgtEl>
+                                          <p:spTgt spid="4">
+                                            <p:txEl>
+                                              <p:pRg st="0" end="0"/>
+                                            </p:txEl>
+                                          </p:spTgt>
+                                        </p:tgtEl>
+                                        <p:attrNameLst>
+                                          <p:attrName>style.visibility</p:attrName>
+                                        </p:attrNameLst>
+                                      </p:cBhvr>
+                                      <p:to>
+                                        <p:strVal val="visible"/>
+                                      </p:to>
+                                    </p:set>
+                                    <p:animEffect transition="in" filter="dissolve">
+                                      <p:cBhvr>
+                                        <p:cTn id="7" dur="500"/>
+                                        <p:tgtEl>
+                                          <p:spTgt spid="4">
+                                            <p:txEl>
+                                              <p:pRg st="0" end="0"/>
+                                            </p:txEl>
+                                          </p:spTgt>
+                                        </p:tgtEl>
+                                      </p:cBhvr>
+                                    </p:animEffect>
+                                  </p:childTnLst>
+                                </p:cTn>
+                              </p:par>
+                              <p:par>
+                                <p:cTn id="8" presetID="9" presetClass="entr" presetSubtype="0" fill="hold" nodeType="withEffect">
+                                  <p:stCondLst>
+                                    <p:cond delay="0"/>
+                                  </p:stCondLst>
+                                  <p:childTnLst>
+                                    <p:set>
+                                      <p:cBhvr>
+                                        <p:cTn id="9" dur="1" fill="hold">
+                                          <p:stCondLst>
+                                            <p:cond delay="0"/>
+                                          </p:stCondLst>
+                                        </p:cTn>
+                                        <p:tgtEl>
+                                          <p:spTgt spid="4">
+                                            <p:txEl>
+                                              <p:pRg st="1" end="1"/>
+                                            </p:txEl>
+                                          </p:spTgt>
+                                        </p:tgtEl>
+                                        <p:attrNameLst>
+                                          <p:attrName>style.visibility</p:attrName>
+                                        </p:attrNameLst>
+                                      </p:cBhvr>
+                                      <p:to>
+                                        <p:strVal val="visible"/>
+                                      </p:to>
+                                    </p:set>
+                                    <p:animEffect transition="in" filter="dissolve">
+                                      <p:cBhvr>
+                                        <p:cTn id="10" dur="500"/>
+                                        <p:tgtEl>
+                                          <p:spTgt spid="4">
+                                            <p:txEl>
+                                              <p:pRg st="1" end="1"/>
+                                            </p:txEl>
+                                          </p:spTgt>
+                                        </p:tgtEl>
+                                      </p:cBhvr>
+                                    </p:animEffect>
+                                  </p:childTnLst>
+                                </p:cTn>
+                              </p:par>
+                            </p:childTnLst>
+                          </p:cTn>
+                        </p:par>
+                      </p:childTnLst>
+                    </p:cTn>
+                  </p:par>
+                  <p:par>
+                    <p:cTn id="11" fill="hold">
+                      <p:stCondLst>
+                        <p:cond delay="indefinite"/>
+                      </p:stCondLst>
+                      <p:childTnLst>
+                        <p:par>
+                          <p:cTn id="12" fill="hold">
+                            <p:stCondLst>
+                              <p:cond delay="0"/>
+                            </p:stCondLst>
+                            <p:childTnLst>
+                              <p:par>
+                                <p:cTn id="13" presetID="9" presetClass="entr" presetSubtype="0" fill="hold" nodeType="clickEffect">
+                                  <p:stCondLst>
+                                    <p:cond delay="0"/>
+                                  </p:stCondLst>
+                                  <p:childTnLst>
+                                    <p:set>
+                                      <p:cBhvr>
+                                        <p:cTn id="14" dur="1" fill="hold">
+                                          <p:stCondLst>
+                                            <p:cond delay="0"/>
+                                          </p:stCondLst>
+                                        </p:cTn>
+                                        <p:tgtEl>
+                                          <p:spTgt spid="4">
+                                            <p:txEl>
+                                              <p:pRg st="2" end="2"/>
+                                            </p:txEl>
+                                          </p:spTgt>
+                                        </p:tgtEl>
+                                        <p:attrNameLst>
+                                          <p:attrName>style.visibility</p:attrName>
+                                        </p:attrNameLst>
+                                      </p:cBhvr>
+                                      <p:to>
+                                        <p:strVal val="visible"/>
+                                      </p:to>
+                                    </p:set>
+                                    <p:animEffect transition="in" filter="dissolve">
+                                      <p:cBhvr>
+                                        <p:cTn id="15" dur="500"/>
+                                        <p:tgtEl>
+                                          <p:spTgt spid="4">
+                                            <p:txEl>
+                                              <p:pRg st="2" end="2"/>
+                                            </p:txEl>
+                                          </p:spTgt>
+                                        </p:tgtEl>
+                                      </p:cBhvr>
+                                    </p:animEffect>
+                                  </p:childTnLst>
+                                </p:cTn>
+                              </p:par>
+                            </p:childTnLst>
+                          </p:cTn>
+                        </p:par>
+                      </p:childTnLst>
+                    </p:cTn>
+                  </p:par>
+                  <p:par>
+                    <p:cTn id="16" fill="hold">
+                      <p:stCondLst>
+                        <p:cond delay="indefinite"/>
+                      </p:stCondLst>
+                      <p:childTnLst>
+                        <p:par>
+                          <p:cTn id="17" fill="hold">
+                            <p:stCondLst>
+                              <p:cond delay="0"/>
+                            </p:stCondLst>
+                            <p:childTnLst>
+                              <p:par>
+                                <p:cTn id="18" presetID="22" presetClass="entr" presetSubtype="8" fill="hold" nodeType="clickEffect">
+                                  <p:stCondLst>
+                                    <p:cond delay="0"/>
+                                  </p:stCondLst>
+                                  <p:childTnLst>
+                                    <p:set>
+                                      <p:cBhvr>
+                                        <p:cTn id="19" dur="1" fill="hold">
+                                          <p:stCondLst>
+                                            <p:cond delay="0"/>
+                                          </p:stCondLst>
+                                        </p:cTn>
+                                        <p:tgtEl>
+                                          <p:spTgt spid="9"/>
+                                        </p:tgtEl>
+                                        <p:attrNameLst>
+                                          <p:attrName>style.visibility</p:attrName>
+                                        </p:attrNameLst>
+                                      </p:cBhvr>
+                                      <p:to>
+                                        <p:strVal val="visible"/>
+                                      </p:to>
+                                    </p:set>
+                                    <p:animEffect transition="in" filter="wipe(left)">
+                                      <p:cBhvr>
+                                        <p:cTn id="20" dur="2000"/>
+                                        <p:tgtEl>
+                                          <p:spTgt spid="9"/>
+                                        </p:tgtEl>
+                                      </p:cBhvr>
+                                    </p:animEffect>
+                                  </p:childTnLst>
+                                </p:cTn>
+                              </p:par>
+                            </p:childTnLst>
+                          </p:cTn>
+                        </p:par>
+                      </p:childTnLst>
+                    </p:cTn>
+                  </p:par>
+                  <p:par>
+                    <p:cTn id="21" fill="hold">
+                      <p:stCondLst>
+                        <p:cond delay="indefinite"/>
+                      </p:stCondLst>
+                      <p:childTnLst>
+                        <p:par>
+                          <p:cTn id="22" fill="hold">
+                            <p:stCondLst>
+                              <p:cond delay="0"/>
+                            </p:stCondLst>
+                            <p:childTnLst>
+                              <p:par>
+                                <p:cTn id="23" presetID="9" presetClass="entr" presetSubtype="0" fill="hold" nodeType="clickEffect">
+                                  <p:stCondLst>
+                                    <p:cond delay="0"/>
+                                  </p:stCondLst>
+                                  <p:childTnLst>
+                                    <p:set>
+                                      <p:cBhvr>
+                                        <p:cTn id="24" dur="1" fill="hold">
+                                          <p:stCondLst>
+                                            <p:cond delay="0"/>
+                                          </p:stCondLst>
+                                        </p:cTn>
+                                        <p:tgtEl>
+                                          <p:spTgt spid="4">
+                                            <p:txEl>
+                                              <p:pRg st="4" end="4"/>
+                                            </p:txEl>
+                                          </p:spTgt>
+                                        </p:tgtEl>
+                                        <p:attrNameLst>
+                                          <p:attrName>style.visibility</p:attrName>
+                                        </p:attrNameLst>
+                                      </p:cBhvr>
+                                      <p:to>
+                                        <p:strVal val="visible"/>
+                                      </p:to>
+                                    </p:set>
+                                    <p:animEffect transition="in" filter="dissolve">
+                                      <p:cBhvr>
+                                        <p:cTn id="25" dur="500"/>
+                                        <p:tgtEl>
+                                          <p:spTgt spid="4">
+                                            <p:txEl>
+                                              <p:pRg st="4" end="4"/>
+                                            </p:txEl>
+                                          </p:spTgt>
+                                        </p:tgtEl>
+                                      </p:cBhvr>
+                                    </p:animEffect>
+                                  </p:childTnLst>
+                                </p:cTn>
+                              </p:par>
+                            </p:childTnLst>
+                          </p:cTn>
+                        </p:par>
+                      </p:childTnLst>
+                    </p:cTn>
+                  </p:par>
+                  <p:par>
+                    <p:cTn id="26" fill="hold">
+                      <p:stCondLst>
+                        <p:cond delay="indefinite"/>
+                      </p:stCondLst>
+                      <p:childTnLst>
+                        <p:par>
+                          <p:cTn id="27" fill="hold">
+                            <p:stCondLst>
+                              <p:cond delay="0"/>
+                            </p:stCondLst>
+                            <p:childTnLst>
+                              <p:par>
+                                <p:cTn id="28" presetID="22" presetClass="entr" presetSubtype="8" fill="hold" nodeType="clickEffect">
+                                  <p:stCondLst>
+                                    <p:cond delay="0"/>
+                                  </p:stCondLst>
+                                  <p:childTnLst>
+                                    <p:set>
+                                      <p:cBhvr>
+                                        <p:cTn id="29" dur="1" fill="hold">
+                                          <p:stCondLst>
+                                            <p:cond delay="0"/>
+                                          </p:stCondLst>
+                                        </p:cTn>
+                                        <p:tgtEl>
+                                          <p:spTgt spid="8"/>
+                                        </p:tgtEl>
+                                        <p:attrNameLst>
+                                          <p:attrName>style.visibility</p:attrName>
+                                        </p:attrNameLst>
+                                      </p:cBhvr>
+                                      <p:to>
+                                        <p:strVal val="visible"/>
+                                      </p:to>
+                                    </p:set>
+                                    <p:animEffect transition="in" filter="wipe(left)">
+                                      <p:cBhvr>
+                                        <p:cTn id="30" dur="1000"/>
+                                        <p:tgtEl>
+                                          <p:spTgt spid="8"/>
+                                        </p:tgtEl>
+                                      </p:cBhvr>
+                                    </p:animEffect>
+                                  </p:childTnLst>
+                                </p:cTn>
+                              </p:par>
+                            </p:childTnLst>
+                          </p:cTn>
+                        </p:par>
+                      </p:childTnLst>
+                    </p:cTn>
+                  </p:par>
+                </p:childTnLst>
+              </p:cTn>
+              <p:prevCondLst>
+                <p:cond evt="onPrev" delay="0">
+                  <p:tgtEl>
+                    <p:sldTgt/>
+                  </p:tgtEl>
+                </p:cond>
+              </p:prevCondLst>
+              <p:nextCondLst>
+                <p:cond evt="onNext" delay="0">
+                  <p:tgtEl>
+                    <p:sldTgt/>
+                  </p:tgtEl>
+                </p:cond>
+              </p:nextCondLst>
+            </p:seq>
+          </p:childTnLst>
+        </p:cTn>
+      </p:par>
+    </p:tnLst>
+  </p:timing>
+</p:sld>
+</file>
+
+<file path=ppt/slides/slide2.xml><?xml version="1.0" encoding="utf-8"?>
+<p:sld xmlns:a="http://schemas.openxmlformats.org/drawingml/2006/main" xmlns:r="http://schemas.openxmlformats.org/officeDocument/2006/relationships" xmlns:p="http://schemas.openxmlformats.org/presentationml/2006/main">
+  <p:cSld>
+    <p:spTree>
+      <p:nvGrpSpPr>
+        <p:cNvPr id="1" name=""/>
+        <p:cNvGrpSpPr/>
+        <p:nvPr/>
+      </p:nvGrpSpPr>
+      <p:grpSpPr>
+        <a:xfrm>
+          <a:off x="0" y="0"/>
+          <a:ext cx="0" cy="0"/>
+          <a:chOff x="0" y="0"/>
+          <a:chExt cx="0" cy="0"/>
+        </a:xfrm>
+      </p:grpSpPr>
+      <p:sp>
+        <p:nvSpPr>
+          <p:cNvPr id="54275" name="Rectangle 2"/>
+          <p:cNvSpPr>
+            <a:spLocks noGrp="1" noChangeArrowheads="1"/>
+          </p:cNvSpPr>
+          <p:nvPr>
+            <p:ph type="title"/>
+          </p:nvPr>
+        </p:nvSpPr>
+        <p:spPr/>
+        <p:txBody>
+          <a:bodyPr/>
+          <a:lstStyle/>
+          <a:p>
+            <a:pPr eaLnBrk="1" hangingPunct="1"/>
+            <a:r>
+              <a:rPr lang="en-US" dirty="0" smtClean="0"/>
+              <a:t>The Oh’s</a:t>
+            </a:r>
+          </a:p>
+        </p:txBody>
+      </p:sp>
+      <p:sp>
+        <p:nvSpPr>
+          <p:cNvPr id="54276" name="Text Box 4"/>
+          <p:cNvSpPr txBox="1">
+            <a:spLocks noChangeArrowheads="1"/>
+          </p:cNvSpPr>
+          <p:nvPr/>
+        </p:nvSpPr>
+        <p:spPr bwMode="auto">
+          <a:xfrm>
+            <a:off x="228600" y="2524125"/>
+            <a:ext cx="5391150" cy="762000"/>
+          </a:xfrm>
+          <a:prstGeom prst="rect">
+            <a:avLst/>
+          </a:prstGeom>
+          <a:noFill/>
+          <a:ln w="9525">
+            <a:noFill/>
+            <a:miter lim="800000"/>
+            <a:headEnd/>
+            <a:tailEnd type="none" w="lg" len="lg"/>
+          </a:ln>
+        </p:spPr>
+        <p:txBody>
+          <a:bodyPr wrap="none">
+            <a:spAutoFit/>
+          </a:bodyPr>
+          <a:lstStyle/>
+          <a:p>
+            <a:r>
+              <a:rPr lang="en-US" sz="4400" dirty="0">
+                <a:latin typeface="Comic Sans MS" pitchFamily="66" charset="0"/>
+              </a:rPr>
+              <a:t>If </a:t>
+            </a:r>
+            <a:r>
+              <a:rPr lang="en-US" sz="4400" dirty="0">
+                <a:solidFill>
+                  <a:srgbClr val="0000FF"/>
+                </a:solidFill>
+                <a:latin typeface="Comic Sans MS" pitchFamily="66" charset="0"/>
+              </a:rPr>
+              <a:t>f = o(g)</a:t>
+            </a:r>
+            <a:r>
+              <a:rPr lang="en-US" sz="4400" dirty="0">
+                <a:solidFill>
+                  <a:schemeClr val="accent1">
+                    <a:lumMod val="75000"/>
+                  </a:schemeClr>
+                </a:solidFill>
+                <a:latin typeface="Comic Sans MS" pitchFamily="66" charset="0"/>
+              </a:rPr>
+              <a:t> </a:t>
+            </a:r>
+            <a:r>
+              <a:rPr lang="en-US" sz="4400" dirty="0">
+                <a:latin typeface="Comic Sans MS" pitchFamily="66" charset="0"/>
+              </a:rPr>
+              <a:t>or </a:t>
+            </a:r>
+            <a:r>
+              <a:rPr lang="en-US" sz="4400" dirty="0">
+                <a:solidFill>
+                  <a:srgbClr val="0000FF"/>
+                </a:solidFill>
+                <a:latin typeface="Comic Sans MS" pitchFamily="66" charset="0"/>
+              </a:rPr>
+              <a:t>f </a:t>
+            </a:r>
+            <a:r>
+              <a:rPr lang="en-US" sz="4400" b="1" dirty="0">
+                <a:solidFill>
+                  <a:srgbClr val="0000FF"/>
+                </a:solidFill>
+                <a:latin typeface="Comic Sans MS" pitchFamily="66" charset="0"/>
+              </a:rPr>
+              <a:t>~ </a:t>
+            </a:r>
+            <a:r>
+              <a:rPr lang="en-US" sz="4400" dirty="0">
+                <a:solidFill>
+                  <a:srgbClr val="0000FF"/>
+                </a:solidFill>
+                <a:latin typeface="Comic Sans MS" pitchFamily="66" charset="0"/>
+              </a:rPr>
+              <a:t>g</a:t>
+            </a:r>
+            <a:r>
+              <a:rPr lang="en-US" sz="4400" dirty="0">
+                <a:latin typeface="Comic Sans MS" pitchFamily="66" charset="0"/>
+              </a:rPr>
+              <a:t>, </a:t>
+            </a:r>
+          </a:p>
+        </p:txBody>
+      </p:sp>
+      <p:sp>
+        <p:nvSpPr>
+          <p:cNvPr id="54277" name="Text Box 5"/>
+          <p:cNvSpPr txBox="1">
+            <a:spLocks noChangeArrowheads="1"/>
+          </p:cNvSpPr>
+          <p:nvPr/>
+        </p:nvSpPr>
+        <p:spPr bwMode="auto">
+          <a:xfrm>
+            <a:off x="5172075" y="2533650"/>
+            <a:ext cx="3757613" cy="762000"/>
+          </a:xfrm>
+          <a:prstGeom prst="rect">
+            <a:avLst/>
+          </a:prstGeom>
+          <a:noFill/>
+          <a:ln w="9525">
+            <a:noFill/>
+            <a:miter lim="800000"/>
+            <a:headEnd/>
+            <a:tailEnd type="none" w="lg" len="lg"/>
+          </a:ln>
+        </p:spPr>
+        <p:txBody>
+          <a:bodyPr wrap="none">
+            <a:spAutoFit/>
+          </a:bodyPr>
+          <a:lstStyle/>
+          <a:p>
+            <a:pPr>
+              <a:spcBef>
+                <a:spcPct val="20000"/>
+              </a:spcBef>
+            </a:pPr>
+            <a:r>
+              <a:rPr lang="en-US" sz="4400" dirty="0">
+                <a:latin typeface="Comic Sans MS" pitchFamily="66" charset="0"/>
+              </a:rPr>
+              <a:t> </a:t>
+            </a:r>
+            <a:r>
+              <a:rPr lang="en-US" sz="4400" dirty="0">
+                <a:latin typeface="Comic Sans MS" pitchFamily="66" charset="0"/>
+                <a:sym typeface="Symbol" pitchFamily="18" charset="2"/>
+              </a:rPr>
+              <a:t>then </a:t>
+            </a:r>
+            <a:r>
+              <a:rPr lang="en-US" sz="4400" dirty="0">
+                <a:solidFill>
+                  <a:srgbClr val="0000FF"/>
+                </a:solidFill>
+                <a:latin typeface="Comic Sans MS" pitchFamily="66" charset="0"/>
+                <a:sym typeface="Symbol" pitchFamily="18" charset="2"/>
+              </a:rPr>
+              <a:t>f = O(g)</a:t>
+            </a:r>
+            <a:endParaRPr lang="en-US" sz="4400" dirty="0">
+              <a:solidFill>
+                <a:srgbClr val="0000FF"/>
+              </a:solidFill>
+              <a:latin typeface="Comic Sans MS" pitchFamily="66" charset="0"/>
+            </a:endParaRPr>
+          </a:p>
+        </p:txBody>
+      </p:sp>
+      <p:sp>
+        <p:nvSpPr>
+          <p:cNvPr id="493574" name="Text Box 6"/>
+          <p:cNvSpPr txBox="1">
+            <a:spLocks noChangeArrowheads="1"/>
+          </p:cNvSpPr>
+          <p:nvPr/>
+        </p:nvSpPr>
+        <p:spPr bwMode="auto">
+          <a:xfrm>
+            <a:off x="228600" y="3352800"/>
+            <a:ext cx="2387600" cy="762000"/>
+          </a:xfrm>
+          <a:prstGeom prst="rect">
+            <a:avLst/>
+          </a:prstGeom>
+          <a:noFill/>
+          <a:ln w="9525">
+            <a:noFill/>
+            <a:miter lim="800000"/>
+            <a:headEnd/>
+            <a:tailEnd type="none" w="lg" len="lg"/>
+          </a:ln>
+        </p:spPr>
+        <p:txBody>
+          <a:bodyPr wrap="none">
+            <a:spAutoFit/>
+          </a:bodyPr>
+          <a:lstStyle/>
+          <a:p>
+            <a:r>
+              <a:rPr lang="en-US" sz="4400" dirty="0">
+                <a:solidFill>
+                  <a:srgbClr val="0033CC"/>
+                </a:solidFill>
+                <a:latin typeface="Comic Sans MS" pitchFamily="66" charset="0"/>
+                <a:sym typeface="Symbol" pitchFamily="18" charset="2"/>
+              </a:rPr>
+              <a:t>  </a:t>
+            </a:r>
+            <a:r>
+              <a:rPr lang="en-US" sz="4400" dirty="0" err="1">
+                <a:solidFill>
+                  <a:srgbClr val="0000FF"/>
+                </a:solidFill>
+                <a:latin typeface="Comic Sans MS" pitchFamily="66" charset="0"/>
+                <a:sym typeface="Symbol" pitchFamily="18" charset="2"/>
+              </a:rPr>
+              <a:t>lim</a:t>
+            </a:r>
+            <a:r>
+              <a:rPr lang="en-US" sz="4400" dirty="0">
+                <a:solidFill>
+                  <a:srgbClr val="0000FF"/>
+                </a:solidFill>
+                <a:latin typeface="Comic Sans MS" pitchFamily="66" charset="0"/>
+                <a:sym typeface="Symbol" pitchFamily="18" charset="2"/>
+              </a:rPr>
+              <a:t> = 0 </a:t>
+            </a:r>
+          </a:p>
+        </p:txBody>
+      </p:sp>
+      <p:sp>
+        <p:nvSpPr>
+          <p:cNvPr id="493575" name="Rectangle 7"/>
+          <p:cNvSpPr>
+            <a:spLocks noChangeArrowheads="1"/>
+          </p:cNvSpPr>
+          <p:nvPr/>
+        </p:nvSpPr>
+        <p:spPr bwMode="auto">
+          <a:xfrm>
+            <a:off x="2286000" y="3352800"/>
+            <a:ext cx="2664436" cy="769441"/>
+          </a:xfrm>
+          <a:prstGeom prst="rect">
+            <a:avLst/>
+          </a:prstGeom>
+          <a:noFill/>
+          <a:ln w="9525">
+            <a:noFill/>
+            <a:miter lim="800000"/>
+            <a:headEnd/>
+            <a:tailEnd type="none" w="lg" len="lg"/>
+          </a:ln>
+        </p:spPr>
+        <p:txBody>
+          <a:bodyPr wrap="none">
+            <a:spAutoFit/>
+          </a:bodyPr>
+          <a:lstStyle/>
+          <a:p>
+            <a:r>
+              <a:rPr lang="en-US" sz="4400" dirty="0">
+                <a:solidFill>
+                  <a:srgbClr val="0033CC"/>
+                </a:solidFill>
+                <a:latin typeface="Comic Sans MS" pitchFamily="66" charset="0"/>
+                <a:sym typeface="Symbol" pitchFamily="18" charset="2"/>
+              </a:rPr>
+              <a:t> </a:t>
+            </a:r>
+            <a:r>
+              <a:rPr lang="en-US" sz="2800" dirty="0" smtClean="0">
+                <a:latin typeface="Comic Sans MS" pitchFamily="66" charset="0"/>
+                <a:sym typeface="Symbol" pitchFamily="18" charset="2"/>
+              </a:rPr>
+              <a:t>OR</a:t>
+            </a:r>
+            <a:r>
+              <a:rPr lang="en-US" sz="4400" dirty="0" smtClean="0">
+                <a:solidFill>
+                  <a:srgbClr val="0033CC"/>
+                </a:solidFill>
+                <a:latin typeface="Comic Sans MS" pitchFamily="66" charset="0"/>
+                <a:sym typeface="Symbol" pitchFamily="18" charset="2"/>
+              </a:rPr>
+              <a:t> </a:t>
+            </a:r>
+            <a:r>
+              <a:rPr lang="en-US" sz="4400" dirty="0" err="1">
+                <a:solidFill>
+                  <a:srgbClr val="0000FF"/>
+                </a:solidFill>
+                <a:latin typeface="Comic Sans MS" pitchFamily="66" charset="0"/>
+                <a:sym typeface="Symbol" pitchFamily="18" charset="2"/>
+              </a:rPr>
+              <a:t>lim</a:t>
+            </a:r>
+            <a:r>
+              <a:rPr lang="en-US" sz="4400" dirty="0">
+                <a:solidFill>
+                  <a:srgbClr val="0000FF"/>
+                </a:solidFill>
+                <a:latin typeface="Comic Sans MS" pitchFamily="66" charset="0"/>
+                <a:sym typeface="Symbol" pitchFamily="18" charset="2"/>
+              </a:rPr>
+              <a:t> = 1</a:t>
+            </a:r>
+            <a:r>
+              <a:rPr lang="en-US" sz="4400" dirty="0">
+                <a:solidFill>
+                  <a:schemeClr val="accent5">
+                    <a:lumMod val="50000"/>
+                  </a:schemeClr>
+                </a:solidFill>
+                <a:latin typeface="Comic Sans MS" pitchFamily="66" charset="0"/>
+                <a:sym typeface="Symbol" pitchFamily="18" charset="2"/>
+              </a:rPr>
+              <a:t> </a:t>
+            </a:r>
+          </a:p>
+        </p:txBody>
+      </p:sp>
+      <p:sp>
+        <p:nvSpPr>
+          <p:cNvPr id="493579" name="Rectangle 11"/>
+          <p:cNvSpPr>
+            <a:spLocks noChangeArrowheads="1"/>
+          </p:cNvSpPr>
+          <p:nvPr/>
+        </p:nvSpPr>
+        <p:spPr bwMode="auto">
+          <a:xfrm>
+            <a:off x="5029200" y="3345359"/>
+            <a:ext cx="3993552" cy="769441"/>
+          </a:xfrm>
+          <a:prstGeom prst="rect">
+            <a:avLst/>
+          </a:prstGeom>
+          <a:noFill/>
+          <a:ln w="9525">
+            <a:noFill/>
+            <a:miter lim="800000"/>
+            <a:headEnd/>
+            <a:tailEnd type="none" w="lg" len="lg"/>
+          </a:ln>
+        </p:spPr>
+        <p:txBody>
+          <a:bodyPr wrap="none">
+            <a:spAutoFit/>
+          </a:bodyPr>
+          <a:lstStyle/>
+          <a:p>
+            <a:r>
+              <a:rPr lang="en-US" sz="2800" dirty="0" smtClean="0">
+                <a:latin typeface="Comic Sans MS" pitchFamily="66" charset="0"/>
+                <a:sym typeface="Euclid Symbol" pitchFamily="18" charset="2"/>
+              </a:rPr>
+              <a:t>IMPLIES</a:t>
+            </a:r>
+            <a:r>
+              <a:rPr lang="en-US" sz="4400" dirty="0" smtClean="0">
+                <a:latin typeface="Comic Sans MS" pitchFamily="66" charset="0"/>
+                <a:sym typeface="Euclid Symbol" pitchFamily="18" charset="2"/>
+              </a:rPr>
+              <a:t> </a:t>
+            </a:r>
+            <a:r>
+              <a:rPr lang="en-US" sz="4400" dirty="0" err="1" smtClean="0">
+                <a:solidFill>
+                  <a:srgbClr val="0000FF"/>
+                </a:solidFill>
+                <a:latin typeface="Comic Sans MS" pitchFamily="66" charset="0"/>
+                <a:sym typeface="Symbol" pitchFamily="18" charset="2"/>
+              </a:rPr>
+              <a:t>lim</a:t>
+            </a:r>
+            <a:r>
+              <a:rPr lang="en-US" sz="4400" dirty="0" smtClean="0">
+                <a:solidFill>
+                  <a:srgbClr val="0000FF"/>
+                </a:solidFill>
+                <a:latin typeface="Comic Sans MS" pitchFamily="66" charset="0"/>
+                <a:sym typeface="Symbol" pitchFamily="18" charset="2"/>
+              </a:rPr>
+              <a:t> </a:t>
+            </a:r>
+            <a:r>
+              <a:rPr lang="en-US" sz="4400" b="1" dirty="0" smtClean="0">
+                <a:solidFill>
+                  <a:srgbClr val="0000FF"/>
+                </a:solidFill>
+                <a:latin typeface="Euclid Symbol" charset="2"/>
+                <a:cs typeface="Euclid Symbol" charset="2"/>
+                <a:sym typeface="Euclid Symbol"/>
+              </a:rPr>
+              <a:t>&lt;∞</a:t>
+            </a:r>
+            <a:endParaRPr lang="en-US" sz="4400" b="1" dirty="0">
+              <a:solidFill>
+                <a:srgbClr val="0000FF"/>
+              </a:solidFill>
+              <a:latin typeface="Euclid Symbol" charset="2"/>
+              <a:cs typeface="Euclid Symbol" charset="2"/>
+              <a:sym typeface="Symbol" pitchFamily="18" charset="2"/>
+            </a:endParaRPr>
+          </a:p>
+        </p:txBody>
+      </p:sp>
+      <p:sp>
+        <p:nvSpPr>
+          <p:cNvPr id="54281" name="Text Box 14"/>
+          <p:cNvSpPr txBox="1">
+            <a:spLocks noChangeArrowheads="1"/>
+          </p:cNvSpPr>
+          <p:nvPr/>
+        </p:nvSpPr>
+        <p:spPr bwMode="auto">
+          <a:xfrm>
+            <a:off x="390525" y="1547813"/>
+            <a:ext cx="1980029" cy="769441"/>
+          </a:xfrm>
+          <a:prstGeom prst="rect">
+            <a:avLst/>
+          </a:prstGeom>
+          <a:noFill/>
+          <a:ln w="9525">
+            <a:noFill/>
+            <a:miter lim="800000"/>
+            <a:headEnd/>
+            <a:tailEnd type="none" w="lg" len="lg"/>
+          </a:ln>
+        </p:spPr>
+        <p:txBody>
+          <a:bodyPr wrap="none">
+            <a:spAutoFit/>
+          </a:bodyPr>
+          <a:lstStyle/>
+          <a:p>
+            <a:r>
+              <a:rPr lang="en-US" sz="4400" dirty="0" smtClean="0">
+                <a:solidFill>
+                  <a:srgbClr val="B702A0"/>
+                </a:solidFill>
+                <a:latin typeface="+mj-lt"/>
+              </a:rPr>
+              <a:t>lemma</a:t>
+            </a:r>
+            <a:r>
+              <a:rPr lang="en-US" sz="4400" dirty="0">
+                <a:solidFill>
+                  <a:srgbClr val="B702A0"/>
+                </a:solidFill>
+                <a:latin typeface="+mj-lt"/>
+              </a:rPr>
+              <a:t>:</a:t>
+            </a:r>
+          </a:p>
+        </p:txBody>
+      </p:sp>
+    </p:spTree>
+  </p:cSld>
+  <p:clrMapOvr>
+    <a:masterClrMapping/>
+  </p:clrMapOvr>
+  <p:transition xmlns:p14="http://schemas.microsoft.com/office/powerpoint/2010/main">
+    <p:fade/>
+  </p:transition>
+  <p:timing>
+    <p:tnLst>
+      <p:par>
+        <p:cTn xmlns:p14="http://schemas.microsoft.com/office/powerpoint/2010/main" id="1" dur="indefinite" restart="never" nodeType="tmRoot">
+          <p:childTnLst>
+            <p:seq concurrent="1" nextAc="seek">
+              <p:cTn id="2" dur="indefinite" nodeType="mainSeq">
+                <p:childTnLst>
+                  <p:par>
+                    <p:cTn id="3" fill="hold">
+                      <p:stCondLst>
+                        <p:cond delay="indefinite"/>
+                        <p:cond evt="onBegin" delay="0">
+                          <p:tn val="2"/>
+                        </p:cond>
+                      </p:stCondLst>
+                      <p:childTnLst>
+                        <p:par>
+                          <p:cTn id="4" fill="hold">
+                            <p:stCondLst>
+                              <p:cond delay="0"/>
+                            </p:stCondLst>
+                            <p:childTnLst>
+                              <p:par>
+                                <p:cTn id="5" presetID="22" presetClass="entr" presetSubtype="8" fill="hold" grpId="0" nodeType="withEffect">
+                                  <p:stCondLst>
+                                    <p:cond delay="500"/>
+                                  </p:stCondLst>
+                                  <p:childTnLst>
+                                    <p:set>
+                                      <p:cBhvr>
+                                        <p:cTn id="6" dur="1" fill="hold">
+                                          <p:stCondLst>
+                                            <p:cond delay="0"/>
+                                          </p:stCondLst>
+                                        </p:cTn>
+                                        <p:tgtEl>
+                                          <p:spTgt spid="54276"/>
+                                        </p:tgtEl>
+                                        <p:attrNameLst>
+                                          <p:attrName>style.visibility</p:attrName>
+                                        </p:attrNameLst>
+                                      </p:cBhvr>
+                                      <p:to>
+                                        <p:strVal val="visible"/>
+                                      </p:to>
+                                    </p:set>
+                                    <p:animEffect transition="in" filter="wipe(left)">
+                                      <p:cBhvr>
+                                        <p:cTn id="7" dur="500"/>
+                                        <p:tgtEl>
+                                          <p:spTgt spid="54276"/>
+                                        </p:tgtEl>
+                                      </p:cBhvr>
+                                    </p:animEffect>
+                                  </p:childTnLst>
+                                </p:cTn>
+                              </p:par>
+                            </p:childTnLst>
+                          </p:cTn>
+                        </p:par>
+                        <p:par>
+                          <p:cTn id="8" fill="hold">
+                            <p:stCondLst>
+                              <p:cond delay="1000"/>
+                            </p:stCondLst>
+                            <p:childTnLst>
+                              <p:par>
+                                <p:cTn id="9" presetID="22" presetClass="entr" presetSubtype="8" fill="hold" grpId="0" nodeType="afterEffect">
+                                  <p:stCondLst>
+                                    <p:cond delay="0"/>
+                                  </p:stCondLst>
+                                  <p:childTnLst>
+                                    <p:set>
+                                      <p:cBhvr>
+                                        <p:cTn id="10" dur="1" fill="hold">
+                                          <p:stCondLst>
+                                            <p:cond delay="0"/>
+                                          </p:stCondLst>
+                                        </p:cTn>
+                                        <p:tgtEl>
+                                          <p:spTgt spid="54277"/>
+                                        </p:tgtEl>
+                                        <p:attrNameLst>
+                                          <p:attrName>style.visibility</p:attrName>
+                                        </p:attrNameLst>
+                                      </p:cBhvr>
+                                      <p:to>
+                                        <p:strVal val="visible"/>
+                                      </p:to>
+                                    </p:set>
+                                    <p:animEffect transition="in" filter="wipe(left)">
+                                      <p:cBhvr>
+                                        <p:cTn id="11" dur="500"/>
+                                        <p:tgtEl>
+                                          <p:spTgt spid="54277"/>
+                                        </p:tgtEl>
+                                      </p:cBhvr>
+                                    </p:animEffect>
+                                  </p:childTnLst>
+                                </p:cTn>
+                              </p:par>
+                            </p:childTnLst>
+                          </p:cTn>
+                        </p:par>
+                      </p:childTnLst>
+                    </p:cTn>
+                  </p:par>
+                  <p:par>
+                    <p:cTn id="12" fill="hold">
+                      <p:stCondLst>
+                        <p:cond delay="indefinite"/>
+                      </p:stCondLst>
+                      <p:childTnLst>
+                        <p:par>
+                          <p:cTn id="13" fill="hold">
+                            <p:stCondLst>
+                              <p:cond delay="0"/>
+                            </p:stCondLst>
+                            <p:childTnLst>
+                              <p:par>
+                                <p:cTn id="14" presetID="9" presetClass="entr" presetSubtype="0" fill="hold" grpId="0" nodeType="clickEffect">
+                                  <p:stCondLst>
+                                    <p:cond delay="0"/>
+                                  </p:stCondLst>
+                                  <p:childTnLst>
+                                    <p:set>
+                                      <p:cBhvr>
+                                        <p:cTn id="15" dur="1" fill="hold">
+                                          <p:stCondLst>
+                                            <p:cond delay="0"/>
+                                          </p:stCondLst>
+                                        </p:cTn>
+                                        <p:tgtEl>
+                                          <p:spTgt spid="493574"/>
+                                        </p:tgtEl>
+                                        <p:attrNameLst>
+                                          <p:attrName>style.visibility</p:attrName>
+                                        </p:attrNameLst>
+                                      </p:cBhvr>
+                                      <p:to>
+                                        <p:strVal val="visible"/>
+                                      </p:to>
+                                    </p:set>
+                                    <p:animEffect transition="in" filter="dissolve">
+                                      <p:cBhvr>
+                                        <p:cTn id="16" dur="500"/>
+                                        <p:tgtEl>
+                                          <p:spTgt spid="493574"/>
+                                        </p:tgtEl>
+                                      </p:cBhvr>
+                                    </p:animEffect>
+                                  </p:childTnLst>
+                                </p:cTn>
+                              </p:par>
+                            </p:childTnLst>
+                          </p:cTn>
+                        </p:par>
+                      </p:childTnLst>
+                    </p:cTn>
+                  </p:par>
+                  <p:par>
+                    <p:cTn id="17" fill="hold">
+                      <p:stCondLst>
+                        <p:cond delay="indefinite"/>
+                      </p:stCondLst>
+                      <p:childTnLst>
+                        <p:par>
+                          <p:cTn id="18" fill="hold">
+                            <p:stCondLst>
+                              <p:cond delay="0"/>
+                            </p:stCondLst>
+                            <p:childTnLst>
+                              <p:par>
+                                <p:cTn id="19" presetID="9" presetClass="entr" presetSubtype="0" fill="hold" grpId="0" nodeType="clickEffect">
+                                  <p:stCondLst>
+                                    <p:cond delay="0"/>
+                                  </p:stCondLst>
+                                  <p:childTnLst>
+                                    <p:set>
+                                      <p:cBhvr>
+                                        <p:cTn id="20" dur="1" fill="hold">
+                                          <p:stCondLst>
+                                            <p:cond delay="0"/>
+                                          </p:stCondLst>
+                                        </p:cTn>
+                                        <p:tgtEl>
+                                          <p:spTgt spid="493575"/>
+                                        </p:tgtEl>
+                                        <p:attrNameLst>
+                                          <p:attrName>style.visibility</p:attrName>
+                                        </p:attrNameLst>
+                                      </p:cBhvr>
+                                      <p:to>
+                                        <p:strVal val="visible"/>
+                                      </p:to>
+                                    </p:set>
+                                    <p:animEffect transition="in" filter="dissolve">
+                                      <p:cBhvr>
+                                        <p:cTn id="21" dur="500"/>
+                                        <p:tgtEl>
+                                          <p:spTgt spid="493575"/>
+                                        </p:tgtEl>
+                                      </p:cBhvr>
+                                    </p:animEffect>
+                                  </p:childTnLst>
+                                </p:cTn>
+                              </p:par>
+                            </p:childTnLst>
+                          </p:cTn>
+                        </p:par>
+                      </p:childTnLst>
+                    </p:cTn>
+                  </p:par>
+                  <p:par>
+                    <p:cTn id="22" fill="hold">
+                      <p:stCondLst>
+                        <p:cond delay="indefinite"/>
+                      </p:stCondLst>
+                      <p:childTnLst>
+                        <p:par>
+                          <p:cTn id="23" fill="hold">
+                            <p:stCondLst>
+                              <p:cond delay="0"/>
+                            </p:stCondLst>
+                            <p:childTnLst>
+                              <p:par>
+                                <p:cTn id="24" presetID="9" presetClass="entr" presetSubtype="0" fill="hold" grpId="0" nodeType="clickEffect">
+                                  <p:stCondLst>
+                                    <p:cond delay="0"/>
+                                  </p:stCondLst>
+                                  <p:childTnLst>
+                                    <p:set>
+                                      <p:cBhvr>
+                                        <p:cTn id="25" dur="1" fill="hold">
+                                          <p:stCondLst>
+                                            <p:cond delay="0"/>
+                                          </p:stCondLst>
+                                        </p:cTn>
+                                        <p:tgtEl>
+                                          <p:spTgt spid="493579"/>
+                                        </p:tgtEl>
+                                        <p:attrNameLst>
+                                          <p:attrName>style.visibility</p:attrName>
+                                        </p:attrNameLst>
+                                      </p:cBhvr>
+                                      <p:to>
+                                        <p:strVal val="visible"/>
+                                      </p:to>
+                                    </p:set>
+                                    <p:animEffect transition="in" filter="dissolve">
+                                      <p:cBhvr>
+                                        <p:cTn id="26" dur="500"/>
+                                        <p:tgtEl>
+                                          <p:spTgt spid="493579"/>
+                                        </p:tgtEl>
+                                      </p:cBhvr>
+                                    </p:animEffect>
+                                  </p:childTnLst>
+                                </p:cTn>
+                              </p:par>
+                            </p:childTnLst>
+                          </p:cTn>
+                        </p:par>
+                      </p:childTnLst>
+                    </p:cTn>
+                  </p:par>
+                </p:childTnLst>
+              </p:cTn>
+              <p:prevCondLst>
+                <p:cond evt="onPrev" delay="0">
+                  <p:tgtEl>
+                    <p:sldTgt/>
+                  </p:tgtEl>
+                </p:cond>
+              </p:prevCondLst>
+              <p:nextCondLst>
+                <p:cond evt="onNext" delay="0">
+                  <p:tgtEl>
+                    <p:sldTgt/>
+                  </p:tgtEl>
+                </p:cond>
+              </p:nextCondLst>
+            </p:seq>
+          </p:childTnLst>
+        </p:cTn>
+      </p:par>
+    </p:tnLst>
+    <p:bldLst>
+      <p:bldP spid="54276" grpId="0"/>
+      <p:bldP spid="54277" grpId="0"/>
+      <p:bldP spid="493574" grpId="0"/>
+      <p:bldP spid="493575" grpId="0"/>
+      <p:bldP spid="493579" grpId="0"/>
+    </p:bldLst>
+  </p:timing>
+</p:sld>
+</file>
+
+<file path=ppt/slides/slide3.xml><?xml version="1.0" encoding="utf-8"?>
+<p:sld xmlns:a="http://schemas.openxmlformats.org/drawingml/2006/main" xmlns:r="http://schemas.openxmlformats.org/officeDocument/2006/relationships" xmlns:p="http://schemas.openxmlformats.org/presentationml/2006/main" show="0">
+  <p:cSld>
+    <p:spTree>
+      <p:nvGrpSpPr>
+        <p:cNvPr id="1" name=""/>
+        <p:cNvGrpSpPr/>
+        <p:nvPr/>
+      </p:nvGrpSpPr>
+      <p:grpSpPr>
+        <a:xfrm>
+          <a:off x="0" y="0"/>
+          <a:ext cx="0" cy="0"/>
+          <a:chOff x="0" y="0"/>
+          <a:chExt cx="0" cy="0"/>
+        </a:xfrm>
+      </p:grpSpPr>
+      <p:sp>
+        <p:nvSpPr>
+          <p:cNvPr id="55299" name="Rectangle 2"/>
+          <p:cNvSpPr>
+            <a:spLocks noGrp="1" noChangeArrowheads="1"/>
+          </p:cNvSpPr>
+          <p:nvPr>
+            <p:ph type="title"/>
+          </p:nvPr>
+        </p:nvSpPr>
+        <p:spPr/>
+        <p:txBody>
+          <a:bodyPr/>
+          <a:lstStyle/>
+          <a:p>
+            <a:pPr eaLnBrk="1" hangingPunct="1"/>
+            <a:r>
+              <a:rPr lang="en-US" smtClean="0"/>
+              <a:t>The Oh’s</a:t>
+            </a:r>
+          </a:p>
+        </p:txBody>
+      </p:sp>
+      <p:sp>
+        <p:nvSpPr>
+          <p:cNvPr id="55300" name="Text Box 3"/>
+          <p:cNvSpPr txBox="1">
+            <a:spLocks noChangeArrowheads="1"/>
+          </p:cNvSpPr>
+          <p:nvPr/>
+        </p:nvSpPr>
+        <p:spPr bwMode="auto">
+          <a:xfrm>
+            <a:off x="228600" y="1660525"/>
+            <a:ext cx="5391150" cy="762000"/>
+          </a:xfrm>
+          <a:prstGeom prst="rect">
+            <a:avLst/>
+          </a:prstGeom>
+          <a:noFill/>
+          <a:ln w="9525">
+            <a:noFill/>
+            <a:miter lim="800000"/>
+            <a:headEnd/>
+            <a:tailEnd type="none" w="lg" len="lg"/>
+          </a:ln>
+        </p:spPr>
+        <p:txBody>
+          <a:bodyPr wrap="none">
+            <a:spAutoFit/>
+          </a:bodyPr>
+          <a:lstStyle/>
+          <a:p>
+            <a:r>
+              <a:rPr lang="en-US" sz="4400">
+                <a:latin typeface="Comic Sans MS" pitchFamily="66" charset="0"/>
+              </a:rPr>
+              <a:t>If f = o(g) or f </a:t>
+            </a:r>
+            <a:r>
+              <a:rPr lang="en-US" sz="4400" b="1">
+                <a:latin typeface="Comic Sans MS" pitchFamily="66" charset="0"/>
+              </a:rPr>
+              <a:t>~ </a:t>
+            </a:r>
+            <a:r>
+              <a:rPr lang="en-US" sz="4400">
+                <a:latin typeface="Comic Sans MS" pitchFamily="66" charset="0"/>
+              </a:rPr>
+              <a:t>g, </a:t>
+            </a:r>
+          </a:p>
+        </p:txBody>
+      </p:sp>
+      <p:sp>
+        <p:nvSpPr>
+          <p:cNvPr id="55301" name="Text Box 4"/>
+          <p:cNvSpPr txBox="1">
+            <a:spLocks noChangeArrowheads="1"/>
+          </p:cNvSpPr>
+          <p:nvPr/>
+        </p:nvSpPr>
+        <p:spPr bwMode="auto">
+          <a:xfrm>
+            <a:off x="5172075" y="1670050"/>
+            <a:ext cx="3757613" cy="762000"/>
+          </a:xfrm>
+          <a:prstGeom prst="rect">
+            <a:avLst/>
+          </a:prstGeom>
+          <a:noFill/>
+          <a:ln w="9525">
+            <a:noFill/>
+            <a:miter lim="800000"/>
+            <a:headEnd/>
+            <a:tailEnd type="none" w="lg" len="lg"/>
+          </a:ln>
+        </p:spPr>
+        <p:txBody>
+          <a:bodyPr wrap="none">
+            <a:spAutoFit/>
+          </a:bodyPr>
+          <a:lstStyle/>
+          <a:p>
+            <a:pPr>
+              <a:spcBef>
+                <a:spcPct val="20000"/>
+              </a:spcBef>
+            </a:pPr>
+            <a:r>
+              <a:rPr lang="en-US" sz="4400">
+                <a:latin typeface="Comic Sans MS" pitchFamily="66" charset="0"/>
+              </a:rPr>
+              <a:t> </a:t>
+            </a:r>
+            <a:r>
+              <a:rPr lang="en-US" sz="4400">
+                <a:latin typeface="Comic Sans MS" pitchFamily="66" charset="0"/>
+                <a:sym typeface="Symbol" pitchFamily="18" charset="2"/>
+              </a:rPr>
+              <a:t>then f = O(g)</a:t>
+            </a:r>
+            <a:endParaRPr lang="en-US" sz="4400">
+              <a:latin typeface="Comic Sans MS" pitchFamily="66" charset="0"/>
+            </a:endParaRPr>
+          </a:p>
+        </p:txBody>
+      </p:sp>
+      <p:sp>
+        <p:nvSpPr>
+          <p:cNvPr id="608261" name="Text Box 5"/>
+          <p:cNvSpPr txBox="1">
+            <a:spLocks noChangeArrowheads="1"/>
+          </p:cNvSpPr>
+          <p:nvPr/>
+        </p:nvSpPr>
+        <p:spPr bwMode="auto">
+          <a:xfrm>
+            <a:off x="596900" y="2673350"/>
+            <a:ext cx="2387600" cy="762000"/>
+          </a:xfrm>
+          <a:prstGeom prst="rect">
+            <a:avLst/>
+          </a:prstGeom>
+          <a:noFill/>
+          <a:ln w="9525">
+            <a:noFill/>
+            <a:miter lim="800000"/>
+            <a:headEnd/>
+            <a:tailEnd type="none" w="lg" len="lg"/>
+          </a:ln>
+        </p:spPr>
+        <p:txBody>
+          <a:bodyPr wrap="none">
+            <a:spAutoFit/>
+          </a:bodyPr>
+          <a:lstStyle/>
+          <a:p>
+            <a:r>
+              <a:rPr lang="en-US" sz="4400">
+                <a:solidFill>
+                  <a:srgbClr val="0033CC"/>
+                </a:solidFill>
+                <a:latin typeface="Comic Sans MS" pitchFamily="66" charset="0"/>
+                <a:sym typeface="Symbol" pitchFamily="18" charset="2"/>
+              </a:rPr>
+              <a:t>  lim = 0</a:t>
+            </a:r>
+            <a:r>
+              <a:rPr lang="en-US" sz="4400">
+                <a:solidFill>
+                  <a:srgbClr val="6666FF"/>
+                </a:solidFill>
+                <a:latin typeface="Comic Sans MS" pitchFamily="66" charset="0"/>
+                <a:sym typeface="Symbol" pitchFamily="18" charset="2"/>
+              </a:rPr>
+              <a:t> </a:t>
+            </a:r>
+          </a:p>
+        </p:txBody>
+      </p:sp>
+      <p:sp>
+        <p:nvSpPr>
+          <p:cNvPr id="608262" name="Rectangle 6"/>
+          <p:cNvSpPr>
+            <a:spLocks noChangeArrowheads="1"/>
+          </p:cNvSpPr>
+          <p:nvPr/>
+        </p:nvSpPr>
+        <p:spPr bwMode="auto">
+          <a:xfrm>
+            <a:off x="3294063" y="2668588"/>
+            <a:ext cx="2130425" cy="762000"/>
+          </a:xfrm>
+          <a:prstGeom prst="rect">
+            <a:avLst/>
+          </a:prstGeom>
+          <a:noFill/>
+          <a:ln w="9525">
+            <a:noFill/>
+            <a:miter lim="800000"/>
+            <a:headEnd/>
+            <a:tailEnd type="none" w="lg" len="lg"/>
+          </a:ln>
+        </p:spPr>
+        <p:txBody>
+          <a:bodyPr wrap="none">
+            <a:spAutoFit/>
+          </a:bodyPr>
+          <a:lstStyle/>
+          <a:p>
+            <a:r>
+              <a:rPr lang="en-US" sz="4400">
+                <a:solidFill>
+                  <a:srgbClr val="0033CC"/>
+                </a:solidFill>
+                <a:latin typeface="Comic Sans MS" pitchFamily="66" charset="0"/>
+                <a:sym typeface="Symbol" pitchFamily="18" charset="2"/>
+              </a:rPr>
+              <a:t> lim = 1</a:t>
+            </a:r>
+            <a:r>
+              <a:rPr lang="en-US" sz="4400">
+                <a:latin typeface="Comic Sans MS" pitchFamily="66" charset="0"/>
+                <a:sym typeface="Symbol" pitchFamily="18" charset="2"/>
+              </a:rPr>
+              <a:t> </a:t>
+            </a:r>
+          </a:p>
+        </p:txBody>
+      </p:sp>
+      <p:sp>
+        <p:nvSpPr>
+          <p:cNvPr id="608263" name="Rectangle 7"/>
+          <p:cNvSpPr>
+            <a:spLocks noChangeArrowheads="1"/>
+          </p:cNvSpPr>
+          <p:nvPr/>
+        </p:nvSpPr>
+        <p:spPr bwMode="auto">
+          <a:xfrm>
+            <a:off x="6192838" y="2668588"/>
+            <a:ext cx="2567355" cy="769441"/>
+          </a:xfrm>
+          <a:prstGeom prst="rect">
+            <a:avLst/>
+          </a:prstGeom>
+          <a:noFill/>
+          <a:ln w="9525">
+            <a:noFill/>
+            <a:miter lim="800000"/>
+            <a:headEnd/>
+            <a:tailEnd type="none" w="lg" len="lg"/>
+          </a:ln>
+        </p:spPr>
+        <p:txBody>
+          <a:bodyPr wrap="none">
+            <a:spAutoFit/>
+          </a:bodyPr>
+          <a:lstStyle/>
+          <a:p>
+            <a:r>
+              <a:rPr lang="en-US" sz="4400" dirty="0">
+                <a:latin typeface="Comic Sans MS" pitchFamily="66" charset="0"/>
+                <a:sym typeface="Symbol" pitchFamily="18" charset="2"/>
+              </a:rPr>
+              <a:t> </a:t>
+            </a:r>
+            <a:r>
+              <a:rPr lang="en-US" sz="4400" dirty="0" err="1">
+                <a:solidFill>
+                  <a:srgbClr val="0033CC"/>
+                </a:solidFill>
+                <a:latin typeface="Comic Sans MS" pitchFamily="66" charset="0"/>
+                <a:sym typeface="Symbol" pitchFamily="18" charset="2"/>
+              </a:rPr>
+              <a:t>lim</a:t>
+            </a:r>
+            <a:r>
+              <a:rPr lang="en-US" sz="4400" dirty="0">
+                <a:solidFill>
+                  <a:srgbClr val="0033CC"/>
+                </a:solidFill>
+                <a:latin typeface="Comic Sans MS" pitchFamily="66" charset="0"/>
+                <a:sym typeface="Symbol" pitchFamily="18" charset="2"/>
+              </a:rPr>
+              <a:t> </a:t>
+            </a:r>
+            <a:r>
+              <a:rPr lang="en-US" sz="4400" b="1" dirty="0" smtClean="0">
+                <a:solidFill>
+                  <a:srgbClr val="0033CC"/>
+                </a:solidFill>
+                <a:latin typeface="Euclid Symbol" charset="2"/>
+                <a:cs typeface="Euclid Symbol" charset="2"/>
+                <a:sym typeface="Symbol" pitchFamily="18" charset="2"/>
+              </a:rPr>
+              <a:t>&lt; </a:t>
+            </a:r>
+            <a:r>
+              <a:rPr lang="en-US" sz="4400" b="1" dirty="0" smtClean="0">
+                <a:solidFill>
+                  <a:srgbClr val="0033CC"/>
+                </a:solidFill>
+                <a:latin typeface="Euclid Symbol" charset="2"/>
+                <a:cs typeface="Euclid Symbol" charset="2"/>
+              </a:rPr>
+              <a:t>∞</a:t>
+            </a:r>
+            <a:r>
+              <a:rPr lang="en-US" sz="4400" dirty="0" smtClean="0">
+                <a:solidFill>
+                  <a:srgbClr val="0033CC"/>
+                </a:solidFill>
+                <a:latin typeface="Comic Sans MS" pitchFamily="66" charset="0"/>
+                <a:sym typeface="Symbol" pitchFamily="18" charset="2"/>
+              </a:rPr>
+              <a:t> </a:t>
+            </a:r>
+            <a:r>
+              <a:rPr lang="en-US" sz="4400" dirty="0" smtClean="0">
+                <a:latin typeface="Comic Sans MS" pitchFamily="66" charset="0"/>
+                <a:sym typeface="Symbol" pitchFamily="18" charset="2"/>
+              </a:rPr>
+              <a:t> </a:t>
+            </a:r>
+            <a:endParaRPr lang="en-US" sz="4400" dirty="0">
+              <a:latin typeface="Comic Sans MS" pitchFamily="66" charset="0"/>
+              <a:sym typeface="Symbol" pitchFamily="18" charset="2"/>
+            </a:endParaRPr>
+          </a:p>
+        </p:txBody>
+      </p:sp>
+      <p:sp>
+        <p:nvSpPr>
+          <p:cNvPr id="608264" name="Text Box 8"/>
+          <p:cNvSpPr txBox="1">
+            <a:spLocks noChangeArrowheads="1"/>
+          </p:cNvSpPr>
+          <p:nvPr/>
+        </p:nvSpPr>
+        <p:spPr bwMode="auto">
+          <a:xfrm>
+            <a:off x="1844675" y="3817938"/>
+            <a:ext cx="5422900" cy="701675"/>
+          </a:xfrm>
+          <a:prstGeom prst="rect">
+            <a:avLst/>
+          </a:prstGeom>
+          <a:noFill/>
+          <a:ln w="9525">
+            <a:noFill/>
+            <a:miter lim="800000"/>
+            <a:headEnd/>
+            <a:tailEnd type="none" w="lg" len="lg"/>
+          </a:ln>
+        </p:spPr>
+        <p:txBody>
+          <a:bodyPr wrap="none">
+            <a:spAutoFit/>
+          </a:bodyPr>
+          <a:lstStyle/>
+          <a:p>
+            <a:r>
+              <a:rPr lang="en-US" dirty="0">
+                <a:latin typeface="Comic Sans MS" pitchFamily="66" charset="0"/>
+              </a:rPr>
+              <a:t>converse is NOT true!</a:t>
+            </a:r>
+          </a:p>
+        </p:txBody>
+      </p:sp>
+    </p:spTree>
+  </p:cSld>
+  <p:clrMapOvr>
+    <a:masterClrMapping/>
+  </p:clrMapOvr>
+  <mc:AlternateContent xmlns:mc="http://schemas.openxmlformats.org/markup-compatibility/2006" xmlns:p14="http://schemas.microsoft.com/office/powerpoint/2010/main">
+    <mc:Choice Requires="p14">
+      <p:transition spd="med" p14:dur="700">
+        <p:fade/>
+      </p:transition>
+    </mc:Choice>
+    <mc:Fallback xmlns="">
+      <p:transition xmlns:p14="http://schemas.microsoft.com/office/powerpoint/2010/main" spd="med">
+        <p:fade/>
+      </p:transition>
+    </mc:Fallback>
+  </mc:AlternateContent>
+  <p:timing>
+    <p:tnLst>
+      <p:par>
+        <p:cTn xmlns:p14="http://schemas.microsoft.com/office/powerpoint/2010/main" id="1" dur="indefinite" restart="never" nodeType="tmRoot">
+          <p:childTnLst>
+            <p:seq concurrent="1" nextAc="seek">
+              <p:cTn id="2" dur="indefinite" nodeType="mainSeq">
+                <p:childTnLst>
+                  <p:par>
+                    <p:cTn id="3" fill="hold">
+                      <p:stCondLst>
+                        <p:cond delay="indefinite"/>
+                      </p:stCondLst>
+                      <p:childTnLst>
+                        <p:par>
+                          <p:cTn id="4" fill="hold">
+                            <p:stCondLst>
+                              <p:cond delay="0"/>
+                            </p:stCondLst>
+                            <p:childTnLst>
+                              <p:par>
+                                <p:cTn id="5" presetID="1" presetClass="entr" presetSubtype="0" fill="hold" grpId="0" nodeType="clickEffect">
+                                  <p:stCondLst>
+                                    <p:cond delay="0"/>
+                                  </p:stCondLst>
+                                  <p:childTnLst>
+                                    <p:set>
+                                      <p:cBhvr>
+                                        <p:cTn id="6" dur="1" fill="hold">
+                                          <p:stCondLst>
+                                            <p:cond delay="0"/>
+                                          </p:stCondLst>
+                                        </p:cTn>
+                                        <p:tgtEl>
+                                          <p:spTgt spid="608261"/>
+                                        </p:tgtEl>
+                                        <p:attrNameLst>
+                                          <p:attrName>style.visibility</p:attrName>
+                                        </p:attrNameLst>
+                                      </p:cBhvr>
+                                      <p:to>
+                                        <p:strVal val="visible"/>
+                                      </p:to>
+                                    </p:set>
+                                  </p:childTnLst>
+                                </p:cTn>
+                              </p:par>
+                            </p:childTnLst>
+                          </p:cTn>
+                        </p:par>
+                      </p:childTnLst>
+                    </p:cTn>
+                  </p:par>
+                  <p:par>
+                    <p:cTn id="7" fill="hold">
+                      <p:stCondLst>
+                        <p:cond delay="indefinite"/>
+                      </p:stCondLst>
+                      <p:childTnLst>
+                        <p:par>
+                          <p:cTn id="8" fill="hold">
+                            <p:stCondLst>
+                              <p:cond delay="0"/>
+                            </p:stCondLst>
+                            <p:childTnLst>
+                              <p:par>
+                                <p:cTn id="9" presetID="1" presetClass="entr" presetSubtype="0" fill="hold" grpId="0" nodeType="clickEffect">
+                                  <p:stCondLst>
+                                    <p:cond delay="0"/>
+                                  </p:stCondLst>
+                                  <p:childTnLst>
+                                    <p:set>
+                                      <p:cBhvr>
+                                        <p:cTn id="10" dur="1" fill="hold">
+                                          <p:stCondLst>
+                                            <p:cond delay="0"/>
+                                          </p:stCondLst>
+                                        </p:cTn>
+                                        <p:tgtEl>
+                                          <p:spTgt spid="608262"/>
+                                        </p:tgtEl>
+                                        <p:attrNameLst>
+                                          <p:attrName>style.visibility</p:attrName>
+                                        </p:attrNameLst>
+                                      </p:cBhvr>
+                                      <p:to>
+                                        <p:strVal val="visible"/>
+                                      </p:to>
+                                    </p:set>
+                                  </p:childTnLst>
+                                </p:cTn>
+                              </p:par>
+                            </p:childTnLst>
+                          </p:cTn>
+                        </p:par>
+                      </p:childTnLst>
+                    </p:cTn>
+                  </p:par>
+                  <p:par>
+                    <p:cTn id="11" fill="hold">
+                      <p:stCondLst>
+                        <p:cond delay="indefinite"/>
+                      </p:stCondLst>
+                      <p:childTnLst>
+                        <p:par>
+                          <p:cTn id="12" fill="hold">
+                            <p:stCondLst>
+                              <p:cond delay="0"/>
+                            </p:stCondLst>
+                            <p:childTnLst>
+                              <p:par>
+                                <p:cTn id="13" presetID="1" presetClass="entr" presetSubtype="0" fill="hold" grpId="0" nodeType="clickEffect">
+                                  <p:stCondLst>
+                                    <p:cond delay="0"/>
+                                  </p:stCondLst>
+                                  <p:childTnLst>
+                                    <p:set>
+                                      <p:cBhvr>
+                                        <p:cTn id="14" dur="1" fill="hold">
+                                          <p:stCondLst>
+                                            <p:cond delay="0"/>
+                                          </p:stCondLst>
+                                        </p:cTn>
+                                        <p:tgtEl>
+                                          <p:spTgt spid="608263"/>
+                                        </p:tgtEl>
+                                        <p:attrNameLst>
+                                          <p:attrName>style.visibility</p:attrName>
+                                        </p:attrNameLst>
+                                      </p:cBhvr>
+                                      <p:to>
+                                        <p:strVal val="visible"/>
+                                      </p:to>
+                                    </p:set>
+                                  </p:childTnLst>
+                                </p:cTn>
+                              </p:par>
+                            </p:childTnLst>
+                          </p:cTn>
+                        </p:par>
+                      </p:childTnLst>
+                    </p:cTn>
+                  </p:par>
+                  <p:par>
+                    <p:cTn id="15" fill="hold">
+                      <p:stCondLst>
+                        <p:cond delay="indefinite"/>
+                      </p:stCondLst>
+                      <p:childTnLst>
+                        <p:par>
+                          <p:cTn id="16" fill="hold">
+                            <p:stCondLst>
+                              <p:cond delay="0"/>
+                            </p:stCondLst>
+                            <p:childTnLst>
+                              <p:par>
+                                <p:cTn id="17" presetID="1" presetClass="entr" presetSubtype="0" fill="hold" grpId="0" nodeType="clickEffect">
+                                  <p:stCondLst>
+                                    <p:cond delay="0"/>
+                                  </p:stCondLst>
+                                  <p:childTnLst>
+                                    <p:set>
+                                      <p:cBhvr>
+                                        <p:cTn id="18" dur="1" fill="hold">
+                                          <p:stCondLst>
+                                            <p:cond delay="0"/>
+                                          </p:stCondLst>
+                                        </p:cTn>
+                                        <p:tgtEl>
+                                          <p:spTgt spid="608264"/>
+                                        </p:tgtEl>
+                                        <p:attrNameLst>
+                                          <p:attrName>style.visibility</p:attrName>
+                                        </p:attrNameLst>
+                                      </p:cBhvr>
+                                      <p:to>
+                                        <p:strVal val="visible"/>
+                                      </p:to>
+                                    </p:set>
+                                  </p:childTnLst>
+                                </p:cTn>
+                              </p:par>
+                            </p:childTnLst>
+                          </p:cTn>
+                        </p:par>
+                      </p:childTnLst>
+                    </p:cTn>
+                  </p:par>
+                </p:childTnLst>
+              </p:cTn>
+              <p:prevCondLst>
+                <p:cond evt="onPrev" delay="0">
+                  <p:tgtEl>
+                    <p:sldTgt/>
+                  </p:tgtEl>
+                </p:cond>
+              </p:prevCondLst>
+              <p:nextCondLst>
+                <p:cond evt="onNext" delay="0">
+                  <p:tgtEl>
+                    <p:sldTgt/>
+                  </p:tgtEl>
+                </p:cond>
+              </p:nextCondLst>
+            </p:seq>
+          </p:childTnLst>
+        </p:cTn>
+      </p:par>
+    </p:tnLst>
+    <p:bldLst>
+      <p:bldP spid="608261" grpId="0"/>
+      <p:bldP spid="608262" grpId="0"/>
+      <p:bldP spid="608263" grpId="0"/>
+      <p:bldP spid="608264" grpId="0"/>
+    </p:bldLst>
+  </p:timing>
+</p:sld>
+</file>
+
+<file path=ppt/slides/slide4.xml><?xml version="1.0" encoding="utf-8"?>
+<p:sld xmlns:a="http://schemas.openxmlformats.org/drawingml/2006/main" xmlns:r="http://schemas.openxmlformats.org/officeDocument/2006/relationships" xmlns:p="http://schemas.openxmlformats.org/presentationml/2006/main">
+  <p:cSld>
+    <p:spTree>
+      <p:nvGrpSpPr>
+        <p:cNvPr id="1" name=""/>
+        <p:cNvGrpSpPr/>
+        <p:nvPr/>
+      </p:nvGrpSpPr>
+      <p:grpSpPr>
+        <a:xfrm>
+          <a:off x="0" y="0"/>
+          <a:ext cx="0" cy="0"/>
+          <a:chOff x="0" y="0"/>
+          <a:chExt cx="0" cy="0"/>
+        </a:xfrm>
+      </p:grpSpPr>
+      <p:sp>
+        <p:nvSpPr>
+          <p:cNvPr id="15365" name="Rectangle 2"/>
+          <p:cNvSpPr>
+            <a:spLocks noGrp="1" noChangeArrowheads="1"/>
+          </p:cNvSpPr>
+          <p:nvPr>
+            <p:ph type="title"/>
+          </p:nvPr>
+        </p:nvSpPr>
+        <p:spPr/>
+        <p:txBody>
+          <a:bodyPr/>
+          <a:lstStyle/>
+          <a:p>
+            <a:pPr eaLnBrk="1" hangingPunct="1"/>
+            <a:r>
+              <a:rPr lang="en-US" dirty="0" smtClean="0"/>
+              <a:t>The Oh’s</a:t>
+            </a:r>
+          </a:p>
+        </p:txBody>
+      </p:sp>
+      <p:sp>
+        <p:nvSpPr>
+          <p:cNvPr id="15366" name="Text Box 3"/>
+          <p:cNvSpPr txBox="1">
+            <a:spLocks noChangeArrowheads="1"/>
+          </p:cNvSpPr>
+          <p:nvPr/>
+        </p:nvSpPr>
+        <p:spPr bwMode="auto">
+          <a:xfrm>
+            <a:off x="304800" y="1828800"/>
+            <a:ext cx="8610600" cy="923330"/>
+          </a:xfrm>
+          <a:prstGeom prst="rect">
+            <a:avLst/>
+          </a:prstGeom>
+          <a:noFill/>
+          <a:ln w="9525">
+            <a:noFill/>
+            <a:miter lim="800000"/>
+            <a:headEnd/>
+            <a:tailEnd type="none" w="lg" len="lg"/>
+          </a:ln>
+        </p:spPr>
+        <p:txBody>
+          <a:bodyPr wrap="square">
+            <a:spAutoFit/>
+          </a:bodyPr>
+          <a:lstStyle/>
+          <a:p>
+            <a:r>
+              <a:rPr lang="en-US" sz="5400" dirty="0">
+                <a:latin typeface="Comic Sans MS" pitchFamily="66" charset="0"/>
+              </a:rPr>
+              <a:t>If  </a:t>
+            </a:r>
+            <a:r>
+              <a:rPr lang="en-US" sz="5400" dirty="0">
+                <a:solidFill>
+                  <a:srgbClr val="2525FF"/>
+                </a:solidFill>
+                <a:latin typeface="Comic Sans MS" pitchFamily="66" charset="0"/>
+              </a:rPr>
+              <a:t>f </a:t>
+            </a:r>
+            <a:r>
+              <a:rPr lang="en-US" sz="5400" b="1" dirty="0">
+                <a:solidFill>
+                  <a:srgbClr val="0000FF"/>
+                </a:solidFill>
+                <a:latin typeface="Euclid Symbol" charset="2"/>
+                <a:cs typeface="Euclid Symbol" charset="2"/>
+              </a:rPr>
+              <a:t>=</a:t>
+            </a:r>
+            <a:r>
+              <a:rPr lang="en-US" sz="5400" dirty="0" smtClean="0">
+                <a:solidFill>
+                  <a:srgbClr val="2525FF"/>
+                </a:solidFill>
+                <a:latin typeface="Comic Sans MS" pitchFamily="66" charset="0"/>
+              </a:rPr>
+              <a:t> </a:t>
+            </a:r>
+            <a:r>
+              <a:rPr lang="en-US" sz="5400" dirty="0">
+                <a:solidFill>
+                  <a:srgbClr val="2525FF"/>
+                </a:solidFill>
+                <a:latin typeface="Comic Sans MS" pitchFamily="66" charset="0"/>
+              </a:rPr>
+              <a:t>o(g)</a:t>
+            </a:r>
+            <a:r>
+              <a:rPr lang="en-US" sz="5400" dirty="0">
+                <a:latin typeface="Comic Sans MS" pitchFamily="66" charset="0"/>
+              </a:rPr>
+              <a:t>, </a:t>
+            </a:r>
+            <a:r>
+              <a:rPr lang="en-US" sz="4800" dirty="0">
+                <a:latin typeface="Comic Sans MS" pitchFamily="66" charset="0"/>
+                <a:sym typeface="Symbol" pitchFamily="18" charset="2"/>
+              </a:rPr>
+              <a:t>then  </a:t>
+            </a:r>
+            <a:r>
+              <a:rPr lang="en-US" sz="4800" dirty="0">
+                <a:solidFill>
+                  <a:srgbClr val="2525FF"/>
+                </a:solidFill>
+                <a:latin typeface="Comic Sans MS" pitchFamily="66" charset="0"/>
+                <a:sym typeface="Symbol" pitchFamily="18" charset="2"/>
+              </a:rPr>
+              <a:t>g</a:t>
+            </a:r>
+            <a:r>
+              <a:rPr lang="en-US" sz="4800" i="1" dirty="0" smtClean="0">
+                <a:latin typeface="Comic Sans MS" pitchFamily="66" charset="0"/>
+                <a:sym typeface="Symbol" pitchFamily="18" charset="2"/>
+              </a:rPr>
+              <a:t> </a:t>
+            </a:r>
+            <a:r>
+              <a:rPr lang="en-US" sz="5400" b="1" dirty="0" smtClean="0">
+                <a:solidFill>
+                  <a:srgbClr val="C7030C"/>
+                </a:solidFill>
+                <a:latin typeface="Euclid Symbol" charset="2"/>
+                <a:cs typeface="Euclid Symbol" charset="2"/>
+                <a:sym typeface="Symbol" pitchFamily="18" charset="2"/>
+              </a:rPr>
+              <a:t>≠</a:t>
+            </a:r>
+            <a:r>
+              <a:rPr lang="en-US" sz="4800" dirty="0" smtClean="0">
+                <a:latin typeface="Comic Sans MS" pitchFamily="66" charset="0"/>
+                <a:sym typeface="Symbol" pitchFamily="18" charset="2"/>
+              </a:rPr>
+              <a:t> </a:t>
+            </a:r>
+            <a:r>
+              <a:rPr lang="en-US" sz="4800" dirty="0">
+                <a:solidFill>
+                  <a:srgbClr val="2525FF"/>
+                </a:solidFill>
+                <a:latin typeface="Comic Sans MS" pitchFamily="66" charset="0"/>
+                <a:sym typeface="Symbol" pitchFamily="18" charset="2"/>
+              </a:rPr>
+              <a:t>O(f)</a:t>
+            </a:r>
+            <a:r>
+              <a:rPr lang="en-US" sz="5400" dirty="0">
+                <a:latin typeface="Comic Sans MS" pitchFamily="66" charset="0"/>
+              </a:rPr>
+              <a:t>  </a:t>
+            </a:r>
+          </a:p>
+        </p:txBody>
+      </p:sp>
+      <p:grpSp>
+        <p:nvGrpSpPr>
+          <p:cNvPr id="2" name="Group 14"/>
+          <p:cNvGrpSpPr>
+            <a:grpSpLocks/>
+          </p:cNvGrpSpPr>
+          <p:nvPr/>
+        </p:nvGrpSpPr>
+        <p:grpSpPr bwMode="auto">
+          <a:xfrm>
+            <a:off x="3657600" y="2603500"/>
+            <a:ext cx="5095876" cy="1687513"/>
+            <a:chOff x="2304" y="1640"/>
+            <a:chExt cx="3210" cy="1063"/>
+          </a:xfrm>
+        </p:grpSpPr>
+        <p:sp>
+          <p:nvSpPr>
+            <p:cNvPr id="15370" name="Rectangle 7"/>
+            <p:cNvSpPr>
+              <a:spLocks noChangeArrowheads="1"/>
+            </p:cNvSpPr>
+            <p:nvPr/>
+          </p:nvSpPr>
+          <p:spPr bwMode="auto">
+            <a:xfrm>
+              <a:off x="2304" y="1870"/>
+              <a:ext cx="3210" cy="523"/>
+            </a:xfrm>
+            <a:prstGeom prst="rect">
+              <a:avLst/>
+            </a:prstGeom>
+            <a:noFill/>
+            <a:ln w="9525">
+              <a:noFill/>
+              <a:miter lim="800000"/>
+              <a:headEnd/>
+              <a:tailEnd type="none" w="lg" len="lg"/>
+            </a:ln>
+          </p:spPr>
+          <p:txBody>
+            <a:bodyPr wrap="none">
+              <a:spAutoFit/>
+            </a:bodyPr>
+            <a:lstStyle/>
+            <a:p>
+              <a:r>
+                <a:rPr lang="en-US" sz="2800" dirty="0" smtClean="0">
+                  <a:latin typeface="Comic Sans MS" pitchFamily="66" charset="0"/>
+                  <a:sym typeface="Symbol" pitchFamily="18" charset="2"/>
+                </a:rPr>
+                <a:t>IMPLIES</a:t>
+              </a:r>
+              <a:r>
+                <a:rPr lang="en-US" dirty="0" smtClean="0">
+                  <a:sym typeface="Symbol" pitchFamily="18" charset="2"/>
+                </a:rPr>
+                <a:t>  </a:t>
+              </a:r>
+              <a:r>
+                <a:rPr lang="en-US" sz="4800" dirty="0" err="1">
+                  <a:solidFill>
+                    <a:srgbClr val="2525FF"/>
+                  </a:solidFill>
+                  <a:latin typeface="Comic Sans MS" pitchFamily="66" charset="0"/>
+                  <a:sym typeface="Symbol" pitchFamily="18" charset="2"/>
+                </a:rPr>
+                <a:t>lim</a:t>
+              </a:r>
+              <a:r>
+                <a:rPr lang="en-US" sz="4800" dirty="0">
+                  <a:solidFill>
+                    <a:srgbClr val="2525FF"/>
+                  </a:solidFill>
+                  <a:latin typeface="Comic Sans MS" pitchFamily="66" charset="0"/>
+                  <a:sym typeface="Symbol" pitchFamily="18" charset="2"/>
+                </a:rPr>
+                <a:t>    </a:t>
+              </a:r>
+              <a:r>
+                <a:rPr lang="en-US" sz="4800" b="1" dirty="0">
+                  <a:solidFill>
+                    <a:srgbClr val="2525FF"/>
+                  </a:solidFill>
+                  <a:latin typeface="Euclid Symbol" charset="2"/>
+                  <a:cs typeface="Euclid Symbol" charset="2"/>
+                  <a:sym typeface="Symbol" pitchFamily="18" charset="2"/>
+                </a:rPr>
+                <a:t> </a:t>
+              </a:r>
+              <a:r>
+                <a:rPr lang="en-US" sz="4800" b="1" dirty="0">
+                  <a:solidFill>
+                    <a:srgbClr val="C80000"/>
+                  </a:solidFill>
+                  <a:latin typeface="Euclid Symbol" charset="2"/>
+                  <a:cs typeface="Euclid Symbol" charset="2"/>
+                  <a:sym typeface="Symbol" pitchFamily="18" charset="2"/>
+                </a:rPr>
+                <a:t>=</a:t>
+              </a:r>
+              <a:r>
+                <a:rPr lang="en-US" sz="4800" b="1" dirty="0" smtClean="0">
+                  <a:solidFill>
+                    <a:srgbClr val="C80000"/>
+                  </a:solidFill>
+                  <a:latin typeface="Euclid Symbol" charset="2"/>
+                  <a:cs typeface="Euclid Symbol" charset="2"/>
+                  <a:sym typeface="Symbol" pitchFamily="18" charset="2"/>
+                </a:rPr>
+                <a:t> ∞</a:t>
+              </a:r>
+              <a:endParaRPr lang="en-US" sz="4800" b="1" dirty="0">
+                <a:solidFill>
+                  <a:srgbClr val="C80000"/>
+                </a:solidFill>
+                <a:latin typeface="Euclid Symbol" charset="2"/>
+                <a:cs typeface="Euclid Symbol" charset="2"/>
+                <a:sym typeface="Symbol" pitchFamily="18" charset="2"/>
+              </a:endParaRPr>
+            </a:p>
+          </p:txBody>
+        </p:sp>
+        <p:graphicFrame>
+          <p:nvGraphicFramePr>
+            <p:cNvPr id="15363" name="Object 1"/>
+            <p:cNvGraphicFramePr>
+              <a:graphicFrameLocks noChangeAspect="1"/>
+            </p:cNvGraphicFramePr>
+            <p:nvPr/>
+          </p:nvGraphicFramePr>
+          <p:xfrm>
+            <a:off x="4128" y="1640"/>
+            <a:ext cx="387" cy="1063"/>
+          </p:xfrm>
+          <a:graphic>
+            <a:graphicData uri="http://schemas.openxmlformats.org/presentationml/2006/ole">
+              <mc:AlternateContent xmlns:mc="http://schemas.openxmlformats.org/markup-compatibility/2006">
+                <mc:Choice xmlns:v="urn:schemas-microsoft-com:vml" Requires="v">
+                  <p:oleObj spid="_x0000_s157761" name="Equation" r:id="rId4" imgW="152280" imgH="419040" progId="Equation.DSMT4">
+                    <p:embed/>
+                  </p:oleObj>
+                </mc:Choice>
+                <mc:Fallback>
+                  <p:oleObj name="Equation" r:id="rId4" imgW="152280" imgH="419040" progId="Equation.DSMT4">
+                    <p:embed/>
+                    <p:pic>
+                      <p:nvPicPr>
+                        <p:cNvPr id="0" name="Object 1"/>
+                        <p:cNvPicPr>
+                          <a:picLocks noChangeAspect="1" noChangeArrowheads="1"/>
+                        </p:cNvPicPr>
+                        <p:nvPr/>
+                      </p:nvPicPr>
+                      <p:blipFill>
+                        <a:blip r:embed="rId5">
+                          <a:extLst>
+                            <a:ext uri="{28A0092B-C50C-407E-A947-70E740481C1C}">
+                              <a14:useLocalDpi xmlns:a14="http://schemas.microsoft.com/office/drawing/2010/main" val="0"/>
+                            </a:ext>
+                          </a:extLst>
+                        </a:blip>
+                        <a:srcRect/>
+                        <a:stretch>
+                          <a:fillRect/>
+                        </a:stretch>
+                      </p:blipFill>
+                      <p:spPr bwMode="auto">
+                        <a:xfrm>
+                          <a:off x="4128" y="1640"/>
+                          <a:ext cx="387" cy="1063"/>
+                        </a:xfrm>
+                        <a:prstGeom prst="rect">
+                          <a:avLst/>
+                        </a:prstGeom>
+                        <a:noFill/>
+                        <a:extLst>
+                          <a:ext uri="{909E8E84-426E-40dd-AFC4-6F175D3DCCD1}">
+                            <a14:hiddenFill xmlns:a14="http://schemas.microsoft.com/office/drawing/2010/main">
+                              <a:solidFill>
+                                <a:srgbClr val="FFFFFF"/>
+                              </a:solidFill>
+                            </a14:hiddenFill>
+                          </a:ext>
+                        </a:extLst>
+                      </p:spPr>
+                    </p:pic>
+                  </p:oleObj>
+                </mc:Fallback>
+              </mc:AlternateContent>
+            </a:graphicData>
+          </a:graphic>
+        </p:graphicFrame>
+      </p:grpSp>
+      <p:grpSp>
+        <p:nvGrpSpPr>
+          <p:cNvPr id="3" name="Group 11"/>
+          <p:cNvGrpSpPr>
+            <a:grpSpLocks/>
+          </p:cNvGrpSpPr>
+          <p:nvPr/>
+        </p:nvGrpSpPr>
+        <p:grpSpPr bwMode="auto">
+          <a:xfrm>
+            <a:off x="228600" y="2832100"/>
+            <a:ext cx="3330575" cy="1587500"/>
+            <a:chOff x="726" y="2002"/>
+            <a:chExt cx="2098" cy="1000"/>
+          </a:xfrm>
+        </p:grpSpPr>
+        <p:sp>
+          <p:nvSpPr>
+            <p:cNvPr id="15369" name="Text Box 5"/>
+            <p:cNvSpPr txBox="1">
+              <a:spLocks noChangeArrowheads="1"/>
+            </p:cNvSpPr>
+            <p:nvPr/>
+          </p:nvSpPr>
+          <p:spPr bwMode="auto">
+            <a:xfrm>
+              <a:off x="726" y="2147"/>
+              <a:ext cx="2098" cy="523"/>
+            </a:xfrm>
+            <a:prstGeom prst="rect">
+              <a:avLst/>
+            </a:prstGeom>
+            <a:noFill/>
+            <a:ln w="9525">
+              <a:noFill/>
+              <a:miter lim="800000"/>
+              <a:headEnd/>
+              <a:tailEnd type="none" w="lg" len="lg"/>
+            </a:ln>
+          </p:spPr>
+          <p:txBody>
+            <a:bodyPr wrap="none">
+              <a:spAutoFit/>
+            </a:bodyPr>
+            <a:lstStyle/>
+            <a:p>
+              <a:r>
+                <a:rPr lang="en-US" sz="4800" dirty="0">
+                  <a:latin typeface="Comic Sans MS" pitchFamily="66" charset="0"/>
+                  <a:sym typeface="Symbol" pitchFamily="18" charset="2"/>
+                </a:rPr>
+                <a:t>  </a:t>
+              </a:r>
+              <a:r>
+                <a:rPr lang="en-US" sz="4800" dirty="0" err="1">
+                  <a:solidFill>
+                    <a:srgbClr val="2525FF"/>
+                  </a:solidFill>
+                  <a:latin typeface="Comic Sans MS" pitchFamily="66" charset="0"/>
+                  <a:sym typeface="Symbol" pitchFamily="18" charset="2"/>
+                </a:rPr>
+                <a:t>lim</a:t>
+              </a:r>
+              <a:r>
+                <a:rPr lang="en-US" sz="4800" dirty="0">
+                  <a:solidFill>
+                    <a:srgbClr val="0033CC"/>
+                  </a:solidFill>
+                  <a:latin typeface="Comic Sans MS" pitchFamily="66" charset="0"/>
+                  <a:sym typeface="Symbol" pitchFamily="18" charset="2"/>
+                </a:rPr>
+                <a:t>     </a:t>
+              </a:r>
+              <a:r>
+                <a:rPr lang="en-US" sz="4800" b="1" dirty="0">
+                  <a:solidFill>
+                    <a:srgbClr val="0000FF"/>
+                  </a:solidFill>
+                  <a:latin typeface="Euclid Symbol" charset="2"/>
+                  <a:cs typeface="Euclid Symbol" charset="2"/>
+                </a:rPr>
+                <a:t>=</a:t>
+              </a:r>
+              <a:r>
+                <a:rPr lang="en-US" sz="4800" dirty="0" smtClean="0">
+                  <a:solidFill>
+                    <a:srgbClr val="2525FF"/>
+                  </a:solidFill>
+                  <a:latin typeface="Comic Sans MS" pitchFamily="66" charset="0"/>
+                  <a:sym typeface="Symbol" pitchFamily="18" charset="2"/>
+                </a:rPr>
+                <a:t> </a:t>
+              </a:r>
+              <a:r>
+                <a:rPr lang="en-US" sz="4800" dirty="0">
+                  <a:solidFill>
+                    <a:srgbClr val="2525FF"/>
+                  </a:solidFill>
+                  <a:latin typeface="Comic Sans MS" pitchFamily="66" charset="0"/>
+                  <a:sym typeface="Symbol" pitchFamily="18" charset="2"/>
+                </a:rPr>
+                <a:t>0</a:t>
+              </a:r>
+              <a:r>
+                <a:rPr lang="en-US" sz="4800" dirty="0">
+                  <a:latin typeface="Comic Sans MS" pitchFamily="66" charset="0"/>
+                  <a:sym typeface="Symbol" pitchFamily="18" charset="2"/>
+                </a:rPr>
+                <a:t> </a:t>
+              </a:r>
+            </a:p>
+          </p:txBody>
+        </p:sp>
+        <p:graphicFrame>
+          <p:nvGraphicFramePr>
+            <p:cNvPr id="15362" name="Object 0"/>
+            <p:cNvGraphicFramePr>
+              <a:graphicFrameLocks noChangeAspect="1"/>
+            </p:cNvGraphicFramePr>
+            <p:nvPr/>
+          </p:nvGraphicFramePr>
+          <p:xfrm>
+            <a:off x="1652" y="2002"/>
+            <a:ext cx="343" cy="1000"/>
+          </p:xfrm>
+          <a:graphic>
+            <a:graphicData uri="http://schemas.openxmlformats.org/presentationml/2006/ole">
+              <mc:AlternateContent xmlns:mc="http://schemas.openxmlformats.org/markup-compatibility/2006">
+                <mc:Choice xmlns:v="urn:schemas-microsoft-com:vml" Requires="v">
+                  <p:oleObj spid="_x0000_s157762" name="Equation" r:id="rId6" imgW="152280" imgH="444240" progId="Equation.DSMT4">
+                    <p:embed/>
+                  </p:oleObj>
+                </mc:Choice>
+                <mc:Fallback>
+                  <p:oleObj name="Equation" r:id="rId6" imgW="152280" imgH="444240" progId="Equation.DSMT4">
+                    <p:embed/>
+                    <p:pic>
+                      <p:nvPicPr>
+                        <p:cNvPr id="0" name="Object 0"/>
+                        <p:cNvPicPr>
+                          <a:picLocks noChangeAspect="1" noChangeArrowheads="1"/>
+                        </p:cNvPicPr>
+                        <p:nvPr/>
+                      </p:nvPicPr>
+                      <p:blipFill>
+                        <a:blip r:embed="rId7">
+                          <a:extLst>
+                            <a:ext uri="{28A0092B-C50C-407E-A947-70E740481C1C}">
+                              <a14:useLocalDpi xmlns:a14="http://schemas.microsoft.com/office/drawing/2010/main" val="0"/>
+                            </a:ext>
+                          </a:extLst>
+                        </a:blip>
+                        <a:srcRect/>
+                        <a:stretch>
+                          <a:fillRect/>
+                        </a:stretch>
+                      </p:blipFill>
+                      <p:spPr bwMode="auto">
+                        <a:xfrm>
+                          <a:off x="1652" y="2002"/>
+                          <a:ext cx="343" cy="1000"/>
+                        </a:xfrm>
+                        <a:prstGeom prst="rect">
+                          <a:avLst/>
+                        </a:prstGeom>
+                        <a:noFill/>
+                        <a:extLst>
+                          <a:ext uri="{909E8E84-426E-40dd-AFC4-6F175D3DCCD1}">
+                            <a14:hiddenFill xmlns:a14="http://schemas.microsoft.com/office/drawing/2010/main">
+                              <a:solidFill>
+                                <a:srgbClr val="FFFFFF"/>
+                              </a:solidFill>
+                            </a14:hiddenFill>
+                          </a:ext>
+                        </a:extLst>
+                      </p:spPr>
+                    </p:pic>
+                  </p:oleObj>
+                </mc:Fallback>
+              </mc:AlternateContent>
+            </a:graphicData>
+          </a:graphic>
+        </p:graphicFrame>
+      </p:grpSp>
+    </p:spTree>
+  </p:cSld>
+  <p:clrMapOvr>
+    <a:masterClrMapping/>
+  </p:clrMapOvr>
+  <p:transition xmlns:p14="http://schemas.microsoft.com/office/powerpoint/2010/main">
+    <p:fade thruBlk="1"/>
+  </p:transition>
+  <p:timing>
+    <p:tnLst>
+      <p:par>
+        <p:cTn xmlns:p14="http://schemas.microsoft.com/office/powerpoint/2010/main" id="1" dur="indefinite" restart="never" nodeType="tmRoot">
+          <p:childTnLst>
+            <p:seq concurrent="1" nextAc="seek">
+              <p:cTn id="2" dur="indefinite" nodeType="mainSeq">
+                <p:childTnLst>
+                  <p:par>
+                    <p:cTn id="3" fill="hold">
+                      <p:stCondLst>
+                        <p:cond delay="indefinite"/>
+                      </p:stCondLst>
+                      <p:childTnLst>
+                        <p:par>
+                          <p:cTn id="4" fill="hold">
+                            <p:stCondLst>
+                              <p:cond delay="0"/>
+                            </p:stCondLst>
+                            <p:childTnLst>
+                              <p:par>
+                                <p:cTn id="5" presetID="22" presetClass="entr" presetSubtype="8" fill="hold" nodeType="clickEffect">
+                                  <p:stCondLst>
+                                    <p:cond delay="0"/>
+                                  </p:stCondLst>
+                                  <p:childTnLst>
+                                    <p:set>
+                                      <p:cBhvr>
+                                        <p:cTn id="6" dur="1" fill="hold">
+                                          <p:stCondLst>
+                                            <p:cond delay="0"/>
+                                          </p:stCondLst>
+                                        </p:cTn>
+                                        <p:tgtEl>
+                                          <p:spTgt spid="3"/>
+                                        </p:tgtEl>
+                                        <p:attrNameLst>
+                                          <p:attrName>style.visibility</p:attrName>
+                                        </p:attrNameLst>
+                                      </p:cBhvr>
+                                      <p:to>
+                                        <p:strVal val="visible"/>
+                                      </p:to>
+                                    </p:set>
+                                    <p:animEffect transition="in" filter="wipe(left)">
+                                      <p:cBhvr>
+                                        <p:cTn id="7" dur="500"/>
+                                        <p:tgtEl>
+                                          <p:spTgt spid="3"/>
+                                        </p:tgtEl>
+                                      </p:cBhvr>
+                                    </p:animEffect>
+                                  </p:childTnLst>
+                                </p:cTn>
+                              </p:par>
+                            </p:childTnLst>
+                          </p:cTn>
+                        </p:par>
+                      </p:childTnLst>
+                    </p:cTn>
+                  </p:par>
+                  <p:par>
+                    <p:cTn id="8" fill="hold">
+                      <p:stCondLst>
+                        <p:cond delay="indefinite"/>
+                      </p:stCondLst>
+                      <p:childTnLst>
+                        <p:par>
+                          <p:cTn id="9" fill="hold">
+                            <p:stCondLst>
+                              <p:cond delay="0"/>
+                            </p:stCondLst>
+                            <p:childTnLst>
+                              <p:par>
+                                <p:cTn id="10" presetID="22" presetClass="entr" presetSubtype="8" fill="hold" nodeType="clickEffect">
+                                  <p:stCondLst>
+                                    <p:cond delay="0"/>
+                                  </p:stCondLst>
+                                  <p:childTnLst>
+                                    <p:set>
+                                      <p:cBhvr>
+                                        <p:cTn id="11" dur="1" fill="hold">
+                                          <p:stCondLst>
+                                            <p:cond delay="0"/>
+                                          </p:stCondLst>
+                                        </p:cTn>
+                                        <p:tgtEl>
+                                          <p:spTgt spid="2"/>
+                                        </p:tgtEl>
+                                        <p:attrNameLst>
+                                          <p:attrName>style.visibility</p:attrName>
+                                        </p:attrNameLst>
+                                      </p:cBhvr>
+                                      <p:to>
+                                        <p:strVal val="visible"/>
+                                      </p:to>
+                                    </p:set>
+                                    <p:animEffect transition="in" filter="wipe(left)">
+                                      <p:cBhvr>
+                                        <p:cTn id="12" dur="500"/>
+                                        <p:tgtEl>
+                                          <p:spTgt spid="2"/>
+                                        </p:tgtEl>
+                                      </p:cBhvr>
+                                    </p:animEffect>
+                                  </p:childTnLst>
+                                </p:cTn>
+                              </p:par>
+                            </p:childTnLst>
+                          </p:cTn>
+                        </p:par>
+                      </p:childTnLst>
+                    </p:cTn>
+                  </p:par>
+                </p:childTnLst>
+              </p:cTn>
+              <p:prevCondLst>
+                <p:cond evt="onPrev" delay="0">
+                  <p:tgtEl>
+                    <p:sldTgt/>
+                  </p:tgtEl>
+                </p:cond>
+              </p:prevCondLst>
+              <p:nextCondLst>
+                <p:cond evt="onNext" delay="0">
+                  <p:tgtEl>
+                    <p:sldTgt/>
+                  </p:tgtEl>
+                </p:cond>
+              </p:nextCondLst>
+            </p:seq>
+          </p:childTnLst>
+        </p:cTn>
+      </p:par>
+    </p:tnLst>
+  </p:timing>
+</p:sld>
+</file>
+
+<file path=ppt/slides/slide5.xml><?xml version="1.0" encoding="utf-8"?>
 <p:sld xmlns:a="http://schemas.openxmlformats.org/drawingml/2006/main" xmlns:r="http://schemas.openxmlformats.org/officeDocument/2006/relationships" xmlns:p="http://schemas.openxmlformats.org/presentationml/2006/main">
   <p:cSld>
     <p:spTree>
@@ -9520,7 +9235,7 @@
           <a:graphicData uri="http://schemas.openxmlformats.org/presentationml/2006/ole">
             <mc:AlternateContent xmlns:mc="http://schemas.openxmlformats.org/markup-compatibility/2006">
               <mc:Choice xmlns:v="urn:schemas-microsoft-com:vml" Requires="v">
-                <p:oleObj spid="_x0000_s158769" name="Equation" r:id="rId4" imgW="685800" imgH="431800" progId="Equation.DSMT4">
+                <p:oleObj spid="_x0000_s158787" name="Equation" r:id="rId4" imgW="685800" imgH="431800" progId="Equation.DSMT4">
                   <p:embed/>
                 </p:oleObj>
               </mc:Choice>
@@ -9708,9 +9423,9 @@
               <a:t>→ </a:t>
             </a:r>
             <a:r>
-              <a:rPr lang="en-US" sz="4800" dirty="0" smtClean="0">
-                <a:solidFill>
-                  <a:srgbClr val="FF6600"/>
+              <a:rPr lang="en-US" sz="4800" b="1" dirty="0" smtClean="0">
+                <a:solidFill>
+                  <a:srgbClr val="FF0000"/>
                 </a:solidFill>
                 <a:latin typeface="Euclid Symbol" charset="2"/>
                 <a:cs typeface="Euclid Symbol" charset="2"/>
@@ -9745,22 +9460,28 @@
           <p:cNvGraphicFramePr>
             <a:graphicFrameLocks noChangeAspect="1"/>
           </p:cNvGraphicFramePr>
-          <p:nvPr/>
+          <p:nvPr>
+            <p:extLst>
+              <p:ext uri="{D42A27DB-BD31-4B8C-83A1-F6EECF244321}">
+                <p14:modId xmlns:p14="http://schemas.microsoft.com/office/powerpoint/2010/main" val="225928255"/>
+              </p:ext>
+            </p:extLst>
+          </p:nvPr>
         </p:nvGraphicFramePr>
         <p:xfrm>
-          <a:off x="5029200" y="4114800"/>
-          <a:ext cx="2725737" cy="1717675"/>
+          <a:off x="5080000" y="4140200"/>
+          <a:ext cx="2624138" cy="1666875"/>
         </p:xfrm>
         <a:graphic>
           <a:graphicData uri="http://schemas.openxmlformats.org/presentationml/2006/ole">
             <mc:AlternateContent xmlns:mc="http://schemas.openxmlformats.org/markup-compatibility/2006">
               <mc:Choice xmlns:v="urn:schemas-microsoft-com:vml" Requires="v">
-                <p:oleObj spid="_x0000_s158770" name="Equation" r:id="rId6" imgW="685800" imgH="431800" progId="Equation.DSMT4">
+                <p:oleObj spid="_x0000_s158788" name="Equation" r:id="rId6" imgW="660400" imgH="419100" progId="Equation.DSMT4">
                   <p:embed/>
                 </p:oleObj>
               </mc:Choice>
               <mc:Fallback>
-                <p:oleObj name="Equation" r:id="rId6" imgW="685800" imgH="431800" progId="Equation.DSMT4">
+                <p:oleObj name="Equation" r:id="rId6" imgW="660400" imgH="419100" progId="Equation.DSMT4">
                   <p:embed/>
                   <p:pic>
                     <p:nvPicPr>
@@ -9771,13 +9492,7 @@
                       <p:nvPr/>
                     </p:nvPicPr>
                     <p:blipFill>
-                      <a:blip r:embed="rId7">
-                        <a:extLst>
-                          <a:ext uri="{28A0092B-C50C-407E-A947-70E740481C1C}">
-                            <a14:useLocalDpi xmlns:a14="http://schemas.microsoft.com/office/drawing/2010/main" val="0"/>
-                          </a:ext>
-                        </a:extLst>
-                      </a:blip>
+                      <a:blip r:embed="rId7"/>
                       <a:srcRect/>
                       <a:stretch>
                         <a:fillRect/>
@@ -9785,8 +9500,8 @@
                     </p:blipFill>
                     <p:spPr bwMode="auto">
                       <a:xfrm>
-                        <a:off x="5029200" y="4114800"/>
-                        <a:ext cx="2725737" cy="1717675"/>
+                        <a:off x="5080000" y="4140200"/>
+                        <a:ext cx="2624138" cy="1666875"/>
                       </a:xfrm>
                       <a:prstGeom prst="rect">
                         <a:avLst/>
@@ -10112,30 +9827,21 @@
                             </p:childTnLst>
                           </p:cTn>
                         </p:par>
-                      </p:childTnLst>
-                    </p:cTn>
-                  </p:par>
-                  <p:par>
-                    <p:cTn id="23" fill="hold">
-                      <p:stCondLst>
-                        <p:cond delay="indefinite"/>
-                      </p:stCondLst>
-                      <p:childTnLst>
                         <p:par>
-                          <p:cTn id="24" fill="hold">
+                          <p:cTn id="23" fill="hold">
                             <p:stCondLst>
-                              <p:cond delay="0"/>
+                              <p:cond delay="1000"/>
                             </p:stCondLst>
                             <p:childTnLst>
                               <p:par>
-                                <p:cTn id="25" presetID="35" presetClass="entr" presetSubtype="0" fill="hold" grpId="0" nodeType="clickEffect">
+                                <p:cTn id="24" presetID="9" presetClass="entr" presetSubtype="0" fill="hold" grpId="0" nodeType="afterEffect">
                                   <p:stCondLst>
                                     <p:cond delay="0"/>
                                   </p:stCondLst>
                                   <p:childTnLst>
                                     <p:set>
                                       <p:cBhvr>
-                                        <p:cTn id="26" dur="1" fill="hold">
+                                        <p:cTn id="25" dur="1" fill="hold">
                                           <p:stCondLst>
                                             <p:cond delay="0"/>
                                           </p:stCondLst>
@@ -10151,83 +9857,14 @@
                                         <p:strVal val="visible"/>
                                       </p:to>
                                     </p:set>
-                                    <p:animEffect transition="in" filter="fade">
+                                    <p:animEffect transition="in" filter="dissolve">
                                       <p:cBhvr>
-                                        <p:cTn id="27" dur="1000"/>
+                                        <p:cTn id="26" dur="1000"/>
                                         <p:tgtEl>
                                           <p:spTgt spid="492567"/>
                                         </p:tgtEl>
                                       </p:cBhvr>
                                     </p:animEffect>
-                                    <p:anim calcmode="lin" valueType="num">
-                                      <p:cBhvr>
-                                        <p:cTn id="28" dur="1000" fill="hold"/>
-                                        <p:tgtEl>
-                                          <p:spTgt spid="492567"/>
-                                        </p:tgtEl>
-                                        <p:attrNameLst>
-                                          <p:attrName>style.rotation</p:attrName>
-                                        </p:attrNameLst>
-                                      </p:cBhvr>
-                                      <p:tavLst>
-                                        <p:tav tm="0">
-                                          <p:val>
-                                            <p:fltVal val="720"/>
-                                          </p:val>
-                                        </p:tav>
-                                        <p:tav tm="100000">
-                                          <p:val>
-                                            <p:fltVal val="0"/>
-                                          </p:val>
-                                        </p:tav>
-                                      </p:tavLst>
-                                    </p:anim>
-                                    <p:anim calcmode="lin" valueType="num">
-                                      <p:cBhvr>
-                                        <p:cTn id="29" dur="1000" fill="hold"/>
-                                        <p:tgtEl>
-                                          <p:spTgt spid="492567"/>
-                                        </p:tgtEl>
-                                        <p:attrNameLst>
-                                          <p:attrName>ppt_h</p:attrName>
-                                        </p:attrNameLst>
-                                      </p:cBhvr>
-                                      <p:tavLst>
-                                        <p:tav tm="0">
-                                          <p:val>
-                                            <p:fltVal val="0"/>
-                                          </p:val>
-                                        </p:tav>
-                                        <p:tav tm="100000">
-                                          <p:val>
-                                            <p:strVal val="#ppt_h"/>
-                                          </p:val>
-                                        </p:tav>
-                                      </p:tavLst>
-                                    </p:anim>
-                                    <p:anim calcmode="lin" valueType="num">
-                                      <p:cBhvr>
-                                        <p:cTn id="30" dur="1000" fill="hold"/>
-                                        <p:tgtEl>
-                                          <p:spTgt spid="492567"/>
-                                        </p:tgtEl>
-                                        <p:attrNameLst>
-                                          <p:attrName>ppt_w</p:attrName>
-                                        </p:attrNameLst>
-                                      </p:cBhvr>
-                                      <p:tavLst>
-                                        <p:tav tm="0">
-                                          <p:val>
-                                            <p:fltVal val="0"/>
-                                          </p:val>
-                                        </p:tav>
-                                        <p:tav tm="100000">
-                                          <p:val>
-                                            <p:strVal val="#ppt_w"/>
-                                          </p:val>
-                                        </p:tav>
-                                      </p:tavLst>
-                                    </p:anim>
                                   </p:childTnLst>
                                 </p:cTn>
                               </p:par>
@@ -10268,7 +9905,7 @@
 </p:sld>
 </file>
 
-<file path=ppt/slides/slide8.xml><?xml version="1.0" encoding="utf-8"?>
+<file path=ppt/slides/slide6.xml><?xml version="1.0" encoding="utf-8"?>
 <p:sld xmlns:a="http://schemas.openxmlformats.org/drawingml/2006/main" xmlns:r="http://schemas.openxmlformats.org/officeDocument/2006/relationships" xmlns:p="http://schemas.openxmlformats.org/presentationml/2006/main">
   <p:cSld>
     <p:spTree>
@@ -10310,10 +9947,18 @@
               <a:buNone/>
             </a:pPr>
             <a:r>
-              <a:rPr lang="en-US" sz="3600" dirty="0" smtClean="0"/>
+              <a:rPr lang="en-US" sz="3600" dirty="0" smtClean="0">
+                <a:solidFill>
+                  <a:srgbClr val="8D007E"/>
+                </a:solidFill>
+              </a:rPr>
               <a:t>Lemma:</a:t>
             </a:r>
-            <a:endParaRPr lang="en-US" sz="4400" dirty="0" smtClean="0"/>
+            <a:endParaRPr lang="en-US" sz="4400" dirty="0" smtClean="0">
+              <a:solidFill>
+                <a:srgbClr val="8D007E"/>
+              </a:solidFill>
+            </a:endParaRPr>
           </a:p>
           <a:p>
             <a:pPr marL="0" indent="0" algn="ctr" eaLnBrk="1" hangingPunct="1">
@@ -10517,9 +10162,6 @@
                     <p:cTn id="3" fill="hold">
                       <p:stCondLst>
                         <p:cond delay="indefinite"/>
-                        <p:cond evt="onBegin" delay="0">
-                          <p:tn val="2"/>
-                        </p:cond>
                       </p:stCondLst>
                       <p:childTnLst>
                         <p:par>
@@ -10529,7 +10171,7 @@
                             </p:stCondLst>
                             <p:childTnLst>
                               <p:par>
-                                <p:cTn id="5" presetID="9" presetClass="entr" presetSubtype="0" fill="hold" grpId="0" nodeType="afterEffect">
+                                <p:cTn id="5" presetID="9" presetClass="entr" presetSubtype="0" fill="hold" grpId="0" nodeType="clickEffect">
                                   <p:stCondLst>
                                     <p:cond delay="0"/>
                                   </p:stCondLst>
@@ -10597,7 +10239,7 @@
 </p:sld>
 </file>
 
-<file path=ppt/slides/slide9.xml><?xml version="1.0" encoding="utf-8"?>
+<file path=ppt/slides/slide7.xml><?xml version="1.0" encoding="utf-8"?>
 <p:sld xmlns:a="http://schemas.openxmlformats.org/drawingml/2006/main" xmlns:r="http://schemas.openxmlformats.org/officeDocument/2006/relationships" xmlns:p="http://schemas.openxmlformats.org/presentationml/2006/main">
   <p:cSld>
     <p:spTree>
@@ -10626,18 +10268,15 @@
         </p:nvSpPr>
         <p:spPr>
           <a:xfrm>
-            <a:off x="676275" y="1147763"/>
-            <a:ext cx="7772400" cy="1352550"/>
+            <a:off x="676274" y="1147763"/>
+            <a:ext cx="7858125" cy="909637"/>
           </a:xfrm>
         </p:spPr>
         <p:txBody>
           <a:bodyPr/>
           <a:lstStyle/>
           <a:p>
-            <a:pPr marL="0" indent="0" eaLnBrk="1" hangingPunct="1">
-              <a:buFontTx/>
-              <a:buNone/>
-            </a:pPr>
+            <a:pPr marL="0" indent="0" eaLnBrk="1" hangingPunct="1"/>
             <a:r>
               <a:rPr lang="en-US" sz="3600" dirty="0" smtClean="0">
                 <a:solidFill>
@@ -10651,271 +10290,104 @@
               <a:t> </a:t>
             </a:r>
             <a:r>
-              <a:rPr lang="en-US" sz="4400" dirty="0" err="1" smtClean="0"/>
+              <a:rPr lang="en-US" sz="4400" dirty="0" err="1" smtClean="0">
+                <a:solidFill>
+                  <a:srgbClr val="0033CC"/>
+                </a:solidFill>
+              </a:rPr>
               <a:t>ln</a:t>
             </a:r>
             <a:r>
-              <a:rPr lang="en-US" sz="4400" dirty="0" smtClean="0"/>
-              <a:t> </a:t>
-            </a:r>
-            <a:r>
-              <a:rPr lang="en-US" sz="4400" dirty="0" err="1" smtClean="0"/>
-              <a:t>x</a:t>
-            </a:r>
-            <a:r>
-              <a:rPr lang="en-US" sz="4400" dirty="0" smtClean="0"/>
-              <a:t>  = </a:t>
-            </a:r>
-            <a:r>
-              <a:rPr lang="en-US" sz="4400" dirty="0" err="1" smtClean="0"/>
-              <a:t>o(x</a:t>
-            </a:r>
-            <a:r>
-              <a:rPr lang="en-US" sz="4400" baseline="30000" dirty="0" err="1" smtClean="0">
-                <a:sym typeface="Symbol" pitchFamily="18" charset="2"/>
-              </a:rPr>
-              <a:t>ε</a:t>
-            </a:r>
-            <a:r>
-              <a:rPr lang="en-US" sz="4400" dirty="0" smtClean="0"/>
-              <a:t>) for </a:t>
-            </a:r>
-            <a:r>
-              <a:rPr lang="en-US" sz="4400" dirty="0" err="1" smtClean="0">
-                <a:sym typeface="Symbol" pitchFamily="18" charset="2"/>
-              </a:rPr>
-              <a:t>ε</a:t>
-            </a:r>
-            <a:r>
               <a:rPr lang="en-US" sz="4400" dirty="0" smtClean="0">
-                <a:sym typeface="Symbol" pitchFamily="18" charset="2"/>
-              </a:rPr>
-              <a:t> &gt; 0.</a:t>
-            </a:r>
-          </a:p>
-        </p:txBody>
-      </p:sp>
-      <p:graphicFrame>
-        <p:nvGraphicFramePr>
-          <p:cNvPr id="17410" name="Object 3"/>
-          <p:cNvGraphicFramePr>
-            <a:graphicFrameLocks noChangeAspect="1"/>
-          </p:cNvGraphicFramePr>
-          <p:nvPr>
-            <p:extLst>
-              <p:ext uri="{D42A27DB-BD31-4B8C-83A1-F6EECF244321}">
-                <p14:modId xmlns:p14="http://schemas.microsoft.com/office/powerpoint/2010/main" val="1592207047"/>
-              </p:ext>
-            </p:extLst>
-          </p:nvPr>
-        </p:nvGraphicFramePr>
-        <p:xfrm>
-          <a:off x="2149475" y="1897063"/>
-          <a:ext cx="1660525" cy="1654175"/>
-        </p:xfrm>
-        <a:graphic>
-          <a:graphicData uri="http://schemas.openxmlformats.org/presentationml/2006/ole">
-            <mc:AlternateContent xmlns:mc="http://schemas.openxmlformats.org/markup-compatibility/2006">
-              <mc:Choice xmlns:v="urn:schemas-microsoft-com:vml" Requires="v">
-                <p:oleObj spid="_x0000_s159818" name="Equation" r:id="rId4" imgW="431640" imgH="431640" progId="Equation.DSMT4">
-                  <p:embed/>
-                </p:oleObj>
-              </mc:Choice>
-              <mc:Fallback>
-                <p:oleObj name="Equation" r:id="rId4" imgW="431640" imgH="431640" progId="Equation.DSMT4">
-                  <p:embed/>
-                  <p:pic>
-                    <p:nvPicPr>
-                      <p:cNvPr id="0" name="Object 3"/>
-                      <p:cNvPicPr>
-                        <a:picLocks noChangeAspect="1" noChangeArrowheads="1"/>
-                      </p:cNvPicPr>
-                      <p:nvPr/>
-                    </p:nvPicPr>
-                    <p:blipFill>
-                      <a:blip r:embed="rId5">
-                        <a:extLst>
-                          <a:ext uri="{28A0092B-C50C-407E-A947-70E740481C1C}">
-                            <a14:useLocalDpi xmlns:a14="http://schemas.microsoft.com/office/drawing/2010/main" val="0"/>
-                          </a:ext>
-                        </a:extLst>
-                      </a:blip>
-                      <a:srcRect/>
-                      <a:stretch>
-                        <a:fillRect/>
-                      </a:stretch>
-                    </p:blipFill>
-                    <p:spPr bwMode="auto">
-                      <a:xfrm>
-                        <a:off x="2149475" y="1897063"/>
-                        <a:ext cx="1660525" cy="1654175"/>
-                      </a:xfrm>
-                      <a:prstGeom prst="rect">
-                        <a:avLst/>
-                      </a:prstGeom>
-                      <a:noFill/>
-                      <a:extLst>
-                        <a:ext uri="{909E8E84-426E-40dd-AFC4-6F175D3DCCD1}">
-                          <a14:hiddenFill xmlns:a14="http://schemas.microsoft.com/office/drawing/2010/main">
-                            <a:solidFill>
-                              <a:srgbClr val="FFFFFF"/>
-                            </a:solidFill>
-                          </a14:hiddenFill>
-                        </a:ext>
-                      </a:extLst>
-                    </p:spPr>
-                  </p:pic>
-                </p:oleObj>
-              </mc:Fallback>
-            </mc:AlternateContent>
-          </a:graphicData>
-        </a:graphic>
-      </p:graphicFrame>
-      <p:graphicFrame>
-        <p:nvGraphicFramePr>
-          <p:cNvPr id="17411" name="Object 4"/>
-          <p:cNvGraphicFramePr>
-            <a:graphicFrameLocks noChangeAspect="1"/>
-          </p:cNvGraphicFramePr>
-          <p:nvPr>
-            <p:extLst>
-              <p:ext uri="{D42A27DB-BD31-4B8C-83A1-F6EECF244321}">
-                <p14:modId xmlns:p14="http://schemas.microsoft.com/office/powerpoint/2010/main" val="1758324877"/>
-              </p:ext>
-            </p:extLst>
-          </p:nvPr>
-        </p:nvGraphicFramePr>
-        <p:xfrm>
-          <a:off x="2303462" y="3281362"/>
-          <a:ext cx="4325938" cy="1747838"/>
-        </p:xfrm>
-        <a:graphic>
-          <a:graphicData uri="http://schemas.openxmlformats.org/presentationml/2006/ole">
-            <mc:AlternateContent xmlns:mc="http://schemas.openxmlformats.org/markup-compatibility/2006">
-              <mc:Choice xmlns:v="urn:schemas-microsoft-com:vml" Requires="v">
-                <p:oleObj spid="_x0000_s159819" name="Equation" r:id="rId6" imgW="1066680" imgH="431640" progId="Equation.DSMT4">
-                  <p:embed/>
-                </p:oleObj>
-              </mc:Choice>
-              <mc:Fallback>
-                <p:oleObj name="Equation" r:id="rId6" imgW="1066680" imgH="431640" progId="Equation.DSMT4">
-                  <p:embed/>
-                  <p:pic>
-                    <p:nvPicPr>
-                      <p:cNvPr id="0" name="Object 4"/>
-                      <p:cNvPicPr>
-                        <a:picLocks noChangeAspect="1" noChangeArrowheads="1"/>
-                      </p:cNvPicPr>
-                      <p:nvPr/>
-                    </p:nvPicPr>
-                    <p:blipFill>
-                      <a:blip r:embed="rId7">
-                        <a:extLst>
-                          <a:ext uri="{28A0092B-C50C-407E-A947-70E740481C1C}">
-                            <a14:useLocalDpi xmlns:a14="http://schemas.microsoft.com/office/drawing/2010/main" val="0"/>
-                          </a:ext>
-                        </a:extLst>
-                      </a:blip>
-                      <a:srcRect/>
-                      <a:stretch>
-                        <a:fillRect/>
-                      </a:stretch>
-                    </p:blipFill>
-                    <p:spPr bwMode="auto">
-                      <a:xfrm>
-                        <a:off x="2303462" y="3281362"/>
-                        <a:ext cx="4325938" cy="1747838"/>
-                      </a:xfrm>
-                      <a:prstGeom prst="rect">
-                        <a:avLst/>
-                      </a:prstGeom>
-                      <a:noFill/>
-                      <a:extLst>
-                        <a:ext uri="{909E8E84-426E-40dd-AFC4-6F175D3DCCD1}">
-                          <a14:hiddenFill xmlns:a14="http://schemas.microsoft.com/office/drawing/2010/main">
-                            <a:solidFill>
-                              <a:srgbClr val="FFFFFF"/>
-                            </a:solidFill>
-                          </a14:hiddenFill>
-                        </a:ext>
-                      </a:extLst>
-                    </p:spPr>
-                  </p:pic>
-                </p:oleObj>
-              </mc:Fallback>
-            </mc:AlternateContent>
-          </a:graphicData>
-        </a:graphic>
-      </p:graphicFrame>
-      <p:sp>
-        <p:nvSpPr>
-          <p:cNvPr id="17416" name="Text Box 7"/>
-          <p:cNvSpPr txBox="1">
-            <a:spLocks noChangeArrowheads="1"/>
-          </p:cNvSpPr>
-          <p:nvPr/>
-        </p:nvSpPr>
-        <p:spPr bwMode="auto">
-          <a:xfrm>
-            <a:off x="4191000" y="2209800"/>
-            <a:ext cx="2789238" cy="762000"/>
-          </a:xfrm>
-          <a:prstGeom prst="rect">
-            <a:avLst/>
-          </a:prstGeom>
-          <a:noFill/>
-          <a:ln w="9525">
-            <a:noFill/>
-            <a:miter lim="800000"/>
-            <a:headEnd/>
-            <a:tailEnd type="none" w="lg" len="lg"/>
-          </a:ln>
-        </p:spPr>
-        <p:txBody>
-          <a:bodyPr>
-            <a:spAutoFit/>
-          </a:bodyPr>
-          <a:lstStyle/>
-          <a:p>
-            <a:r>
-              <a:rPr lang="en-US" sz="4400" dirty="0">
-                <a:latin typeface="Comic Sans MS" pitchFamily="66" charset="0"/>
-              </a:rPr>
-              <a:t>for </a:t>
-            </a:r>
-            <a:r>
-              <a:rPr lang="en-US" sz="4400" dirty="0" err="1">
-                <a:latin typeface="Comic Sans MS" pitchFamily="66" charset="0"/>
-              </a:rPr>
-              <a:t>y</a:t>
+                <a:solidFill>
+                  <a:srgbClr val="0033CC"/>
+                </a:solidFill>
+              </a:rPr>
+              <a:t> x  </a:t>
             </a:r>
             <a:r>
               <a:rPr lang="en-US" sz="4400" b="1" dirty="0" smtClean="0">
+                <a:solidFill>
+                  <a:srgbClr val="0033CC"/>
+                </a:solidFill>
                 <a:latin typeface="Euclid Symbol" charset="2"/>
                 <a:cs typeface="Euclid Symbol" charset="2"/>
               </a:rPr>
-              <a:t> </a:t>
+              <a:t>=</a:t>
+            </a:r>
+            <a:r>
+              <a:rPr lang="en-US" sz="4400" dirty="0" smtClean="0">
+                <a:solidFill>
+                  <a:srgbClr val="0033CC"/>
+                </a:solidFill>
+              </a:rPr>
+              <a:t> o(</a:t>
+            </a:r>
+            <a:r>
+              <a:rPr lang="en-US" sz="4400" dirty="0" err="1" smtClean="0">
+                <a:solidFill>
+                  <a:srgbClr val="0033CC"/>
+                </a:solidFill>
+              </a:rPr>
+              <a:t>x</a:t>
+            </a:r>
+            <a:r>
+              <a:rPr lang="en-US" sz="4400" baseline="30000" dirty="0" err="1" smtClean="0">
+                <a:solidFill>
+                  <a:srgbClr val="0033CC"/>
+                </a:solidFill>
+                <a:sym typeface="Symbol" pitchFamily="18" charset="2"/>
+              </a:rPr>
+              <a:t>ε</a:t>
+            </a:r>
+            <a:r>
+              <a:rPr lang="en-US" sz="4400" dirty="0" smtClean="0">
+                <a:solidFill>
+                  <a:srgbClr val="0033CC"/>
+                </a:solidFill>
+              </a:rPr>
+              <a:t>)</a:t>
+            </a:r>
+            <a:r>
+              <a:rPr lang="en-US" sz="4400" dirty="0" smtClean="0"/>
+              <a:t> for </a:t>
+            </a:r>
+            <a:r>
+              <a:rPr lang="en-US" sz="4400" dirty="0" err="1">
+                <a:solidFill>
+                  <a:srgbClr val="0000FF"/>
+                </a:solidFill>
+                <a:latin typeface="Symbol" charset="2"/>
+                <a:cs typeface="Symbol" charset="2"/>
+                <a:sym typeface="Symbol" pitchFamily="18" charset="2"/>
+              </a:rPr>
+              <a:t>ε</a:t>
             </a:r>
             <a:r>
               <a:rPr lang="en-US" sz="4400" b="1" dirty="0" smtClean="0">
+                <a:solidFill>
+                  <a:srgbClr val="0033CC"/>
+                </a:solidFill>
                 <a:latin typeface="Euclid Symbol" charset="2"/>
                 <a:cs typeface="Euclid Symbol" charset="2"/>
                 <a:sym typeface="Symbol" pitchFamily="18" charset="2"/>
               </a:rPr>
-              <a:t>≥</a:t>
+              <a:t> &gt;</a:t>
             </a:r>
             <a:r>
               <a:rPr lang="en-US" sz="4400" dirty="0" smtClean="0">
-                <a:latin typeface="Comic Sans MS" pitchFamily="66" charset="0"/>
+                <a:solidFill>
+                  <a:srgbClr val="0033CC"/>
+                </a:solidFill>
                 <a:sym typeface="Symbol" pitchFamily="18" charset="2"/>
               </a:rPr>
-              <a:t> </a:t>
-            </a:r>
-            <a:r>
-              <a:rPr lang="en-US" sz="4400" dirty="0">
-                <a:latin typeface="Comic Sans MS" pitchFamily="66" charset="0"/>
-              </a:rPr>
-              <a:t>1</a:t>
+              <a:t> 0</a:t>
+            </a:r>
+            <a:r>
+              <a:rPr lang="en-US" sz="4400" dirty="0" smtClean="0">
+                <a:sym typeface="Symbol" pitchFamily="18" charset="2"/>
+              </a:rPr>
+              <a:t>.</a:t>
             </a:r>
           </a:p>
         </p:txBody>
@@ -10963,8 +10435,8 @@
         </p:nvSpPr>
         <p:spPr bwMode="auto">
           <a:xfrm>
-            <a:off x="304800" y="2247781"/>
-            <a:ext cx="1860550" cy="769441"/>
+            <a:off x="304800" y="1981200"/>
+            <a:ext cx="1860550" cy="707886"/>
           </a:xfrm>
           <a:prstGeom prst="rect">
             <a:avLst/>
@@ -10989,7 +10461,7 @@
               </a:spcBef>
             </a:pPr>
             <a:r>
-              <a:rPr lang="en-US" sz="4400" dirty="0">
+              <a:rPr lang="en-US" sz="4000" dirty="0">
                 <a:solidFill>
                   <a:srgbClr val="B702A0"/>
                 </a:solidFill>
@@ -10998,7 +10470,7 @@
               <a:t>Proof</a:t>
             </a:r>
             <a:r>
-              <a:rPr lang="en-US" sz="4400" dirty="0" smtClean="0">
+              <a:rPr lang="en-US" sz="4000" dirty="0" smtClean="0">
                 <a:solidFill>
                   <a:srgbClr val="B702A0"/>
                 </a:solidFill>
@@ -11006,7 +10478,7 @@
               </a:rPr>
               <a:t>:</a:t>
             </a:r>
-            <a:endParaRPr lang="en-US" sz="4400" dirty="0">
+            <a:endParaRPr lang="en-US" sz="4000" dirty="0">
               <a:solidFill>
                 <a:srgbClr val="B702A0"/>
               </a:solidFill>
@@ -11017,32 +10489,146 @@
       </p:sp>
       <p:graphicFrame>
         <p:nvGraphicFramePr>
-          <p:cNvPr id="2" name="Object 1"/>
+          <p:cNvPr id="3" name="Object 2"/>
           <p:cNvGraphicFramePr>
             <a:graphicFrameLocks noChangeAspect="1"/>
           </p:cNvGraphicFramePr>
           <p:nvPr>
             <p:extLst>
               <p:ext uri="{D42A27DB-BD31-4B8C-83A1-F6EECF244321}">
-                <p14:modId xmlns:p14="http://schemas.microsoft.com/office/powerpoint/2010/main" val="3367281790"/>
+                <p14:modId xmlns:p14="http://schemas.microsoft.com/office/powerpoint/2010/main" val="1238280127"/>
               </p:ext>
             </p:extLst>
           </p:nvPr>
         </p:nvGraphicFramePr>
         <p:xfrm>
-          <a:off x="3141663" y="4419600"/>
-          <a:ext cx="2644775" cy="1997075"/>
+          <a:off x="304800" y="2514600"/>
+          <a:ext cx="3657600" cy="1851950"/>
         </p:xfrm>
         <a:graphic>
           <a:graphicData uri="http://schemas.openxmlformats.org/presentationml/2006/ole">
             <mc:AlternateContent xmlns:mc="http://schemas.openxmlformats.org/markup-compatibility/2006">
               <mc:Choice xmlns:v="urn:schemas-microsoft-com:vml" Requires="v">
-                <p:oleObj spid="_x0000_s159820" name="Equation" r:id="rId8" imgW="622300" imgH="469900" progId="Equation.DSMT4">
+                <p:oleObj spid="_x0000_s159853" name="Equation" r:id="rId4" imgW="1003300" imgH="508000" progId="Equation.DSMT4">
                   <p:embed/>
                 </p:oleObj>
               </mc:Choice>
               <mc:Fallback>
-                <p:oleObj name="Equation" r:id="rId8" imgW="622300" imgH="469900" progId="Equation.DSMT4">
+                <p:oleObj name="Equation" r:id="rId4" imgW="1003300" imgH="508000" progId="Equation.DSMT4">
+                  <p:embed/>
+                  <p:pic>
+                    <p:nvPicPr>
+                      <p:cNvPr id="0" name=""/>
+                      <p:cNvPicPr/>
+                      <p:nvPr/>
+                    </p:nvPicPr>
+                    <p:blipFill>
+                      <a:blip r:embed="rId5"/>
+                      <a:stretch>
+                        <a:fillRect/>
+                      </a:stretch>
+                    </p:blipFill>
+                    <p:spPr>
+                      <a:xfrm>
+                        <a:off x="304800" y="2514600"/>
+                        <a:ext cx="3657600" cy="1851950"/>
+                      </a:xfrm>
+                      <a:prstGeom prst="rect">
+                        <a:avLst/>
+                      </a:prstGeom>
+                    </p:spPr>
+                  </p:pic>
+                </p:oleObj>
+              </mc:Fallback>
+            </mc:AlternateContent>
+          </a:graphicData>
+        </a:graphic>
+      </p:graphicFrame>
+      <p:graphicFrame>
+        <p:nvGraphicFramePr>
+          <p:cNvPr id="4" name="Object 3"/>
+          <p:cNvGraphicFramePr>
+            <a:graphicFrameLocks noChangeAspect="1"/>
+          </p:cNvGraphicFramePr>
+          <p:nvPr>
+            <p:extLst>
+              <p:ext uri="{D42A27DB-BD31-4B8C-83A1-F6EECF244321}">
+                <p14:modId xmlns:p14="http://schemas.microsoft.com/office/powerpoint/2010/main" val="3292048728"/>
+              </p:ext>
+            </p:extLst>
+          </p:nvPr>
+        </p:nvGraphicFramePr>
+        <p:xfrm>
+          <a:off x="4136390" y="2438400"/>
+          <a:ext cx="4779010" cy="1803400"/>
+        </p:xfrm>
+        <a:graphic>
+          <a:graphicData uri="http://schemas.openxmlformats.org/presentationml/2006/ole">
+            <mc:AlternateContent xmlns:mc="http://schemas.openxmlformats.org/markup-compatibility/2006">
+              <mc:Choice xmlns:v="urn:schemas-microsoft-com:vml" Requires="v">
+                <p:oleObj spid="_x0000_s159854" name="Equation" r:id="rId6" imgW="1346200" imgH="508000" progId="Equation.DSMT4">
+                  <p:embed/>
+                </p:oleObj>
+              </mc:Choice>
+              <mc:Fallback>
+                <p:oleObj name="Equation" r:id="rId6" imgW="1346200" imgH="508000" progId="Equation.DSMT4">
+                  <p:embed/>
+                  <p:pic>
+                    <p:nvPicPr>
+                      <p:cNvPr id="0" name=""/>
+                      <p:cNvPicPr/>
+                      <p:nvPr/>
+                    </p:nvPicPr>
+                    <p:blipFill>
+                      <a:blip r:embed="rId7"/>
+                      <a:stretch>
+                        <a:fillRect/>
+                      </a:stretch>
+                    </p:blipFill>
+                    <p:spPr>
+                      <a:xfrm>
+                        <a:off x="4136390" y="2438400"/>
+                        <a:ext cx="4779010" cy="1803400"/>
+                      </a:xfrm>
+                      <a:prstGeom prst="rect">
+                        <a:avLst/>
+                      </a:prstGeom>
+                    </p:spPr>
+                  </p:pic>
+                </p:oleObj>
+              </mc:Fallback>
+            </mc:AlternateContent>
+          </a:graphicData>
+        </a:graphic>
+      </p:graphicFrame>
+      <p:graphicFrame>
+        <p:nvGraphicFramePr>
+          <p:cNvPr id="5" name="Object 4"/>
+          <p:cNvGraphicFramePr>
+            <a:graphicFrameLocks noChangeAspect="1"/>
+          </p:cNvGraphicFramePr>
+          <p:nvPr>
+            <p:extLst>
+              <p:ext uri="{D42A27DB-BD31-4B8C-83A1-F6EECF244321}">
+                <p14:modId xmlns:p14="http://schemas.microsoft.com/office/powerpoint/2010/main" val="1179442902"/>
+              </p:ext>
+            </p:extLst>
+          </p:nvPr>
+        </p:nvGraphicFramePr>
+        <p:xfrm>
+          <a:off x="1219200" y="3856037"/>
+          <a:ext cx="6248400" cy="2392363"/>
+        </p:xfrm>
+        <a:graphic>
+          <a:graphicData uri="http://schemas.openxmlformats.org/presentationml/2006/ole">
+            <mc:AlternateContent xmlns:mc="http://schemas.openxmlformats.org/markup-compatibility/2006">
+              <mc:Choice xmlns:v="urn:schemas-microsoft-com:vml" Requires="v">
+                <p:oleObj spid="_x0000_s159855" name="Equation" r:id="rId8" imgW="1193800" imgH="457200" progId="Equation.DSMT4">
+                  <p:embed/>
+                </p:oleObj>
+              </mc:Choice>
+              <mc:Fallback>
+                <p:oleObj name="Equation" r:id="rId8" imgW="1193800" imgH="457200" progId="Equation.DSMT4">
                   <p:embed/>
                   <p:pic>
                     <p:nvPicPr>
@@ -11058,8 +10644,8 @@
                     </p:blipFill>
                     <p:spPr>
                       <a:xfrm>
-                        <a:off x="3141663" y="4419600"/>
-                        <a:ext cx="2644775" cy="1997075"/>
+                        <a:off x="1219200" y="3856037"/>
+                        <a:ext cx="6248400" cy="2392363"/>
                       </a:xfrm>
                       <a:prstGeom prst="rect">
                         <a:avLst/>
@@ -11101,7 +10687,7 @@
                             </p:stCondLst>
                             <p:childTnLst>
                               <p:par>
-                                <p:cTn id="5" presetID="9" presetClass="entr" presetSubtype="0" fill="hold" nodeType="clickEffect">
+                                <p:cTn id="5" presetID="22" presetClass="entr" presetSubtype="8" fill="hold" nodeType="clickEffect">
                                   <p:stCondLst>
                                     <p:cond delay="0"/>
                                   </p:stCondLst>
@@ -11114,7 +10700,1109 @@
                                           </p:stCondLst>
                                         </p:cTn>
                                         <p:tgtEl>
-                                          <p:spTgt spid="17410"/>
+                                          <p:spTgt spid="3"/>
+                                        </p:tgtEl>
+                                        <p:attrNameLst>
+                                          <p:attrName>style.visibility</p:attrName>
+                                        </p:attrNameLst>
+                                      </p:cBhvr>
+                                      <p:to>
+                                        <p:strVal val="visible"/>
+                                      </p:to>
+                                    </p:set>
+                                    <p:animEffect transition="in" filter="wipe(left)">
+                                      <p:cBhvr>
+                                        <p:cTn id="7" dur="1000"/>
+                                        <p:tgtEl>
+                                          <p:spTgt spid="3"/>
+                                        </p:tgtEl>
+                                      </p:cBhvr>
+                                    </p:animEffect>
+                                  </p:childTnLst>
+                                </p:cTn>
+                              </p:par>
+                            </p:childTnLst>
+                          </p:cTn>
+                        </p:par>
+                      </p:childTnLst>
+                    </p:cTn>
+                  </p:par>
+                  <p:par>
+                    <p:cTn id="8" fill="hold">
+                      <p:stCondLst>
+                        <p:cond delay="indefinite"/>
+                      </p:stCondLst>
+                      <p:childTnLst>
+                        <p:par>
+                          <p:cTn id="9" fill="hold">
+                            <p:stCondLst>
+                              <p:cond delay="0"/>
+                            </p:stCondLst>
+                            <p:childTnLst>
+                              <p:par>
+                                <p:cTn id="10" presetID="22" presetClass="entr" presetSubtype="8" fill="hold" nodeType="clickEffect">
+                                  <p:stCondLst>
+                                    <p:cond delay="0"/>
+                                  </p:stCondLst>
+                                  <p:childTnLst>
+                                    <p:set>
+                                      <p:cBhvr>
+                                        <p:cTn id="11" dur="1" fill="hold">
+                                          <p:stCondLst>
+                                            <p:cond delay="0"/>
+                                          </p:stCondLst>
+                                        </p:cTn>
+                                        <p:tgtEl>
+                                          <p:spTgt spid="4"/>
+                                        </p:tgtEl>
+                                        <p:attrNameLst>
+                                          <p:attrName>style.visibility</p:attrName>
+                                        </p:attrNameLst>
+                                      </p:cBhvr>
+                                      <p:to>
+                                        <p:strVal val="visible"/>
+                                      </p:to>
+                                    </p:set>
+                                    <p:animEffect transition="in" filter="wipe(left)">
+                                      <p:cBhvr>
+                                        <p:cTn id="12" dur="1000"/>
+                                        <p:tgtEl>
+                                          <p:spTgt spid="4"/>
+                                        </p:tgtEl>
+                                      </p:cBhvr>
+                                    </p:animEffect>
+                                  </p:childTnLst>
+                                </p:cTn>
+                              </p:par>
+                            </p:childTnLst>
+                          </p:cTn>
+                        </p:par>
+                      </p:childTnLst>
+                    </p:cTn>
+                  </p:par>
+                  <p:par>
+                    <p:cTn id="13" fill="hold">
+                      <p:stCondLst>
+                        <p:cond delay="indefinite"/>
+                      </p:stCondLst>
+                      <p:childTnLst>
+                        <p:par>
+                          <p:cTn id="14" fill="hold">
+                            <p:stCondLst>
+                              <p:cond delay="0"/>
+                            </p:stCondLst>
+                            <p:childTnLst>
+                              <p:par>
+                                <p:cTn id="15" presetID="22" presetClass="entr" presetSubtype="8" fill="hold" nodeType="clickEffect">
+                                  <p:stCondLst>
+                                    <p:cond delay="0"/>
+                                  </p:stCondLst>
+                                  <p:childTnLst>
+                                    <p:set>
+                                      <p:cBhvr>
+                                        <p:cTn id="16" dur="1" fill="hold">
+                                          <p:stCondLst>
+                                            <p:cond delay="0"/>
+                                          </p:stCondLst>
+                                        </p:cTn>
+                                        <p:tgtEl>
+                                          <p:spTgt spid="5"/>
+                                        </p:tgtEl>
+                                        <p:attrNameLst>
+                                          <p:attrName>style.visibility</p:attrName>
+                                        </p:attrNameLst>
+                                      </p:cBhvr>
+                                      <p:to>
+                                        <p:strVal val="visible"/>
+                                      </p:to>
+                                    </p:set>
+                                    <p:animEffect transition="in" filter="wipe(left)">
+                                      <p:cBhvr>
+                                        <p:cTn id="17" dur="1000"/>
+                                        <p:tgtEl>
+                                          <p:spTgt spid="5"/>
+                                        </p:tgtEl>
+                                      </p:cBhvr>
+                                    </p:animEffect>
+                                  </p:childTnLst>
+                                </p:cTn>
+                              </p:par>
+                            </p:childTnLst>
+                          </p:cTn>
+                        </p:par>
+                      </p:childTnLst>
+                    </p:cTn>
+                  </p:par>
+                </p:childTnLst>
+              </p:cTn>
+              <p:prevCondLst>
+                <p:cond evt="onPrev" delay="0">
+                  <p:tgtEl>
+                    <p:sldTgt/>
+                  </p:tgtEl>
+                </p:cond>
+              </p:prevCondLst>
+              <p:nextCondLst>
+                <p:cond evt="onNext" delay="0">
+                  <p:tgtEl>
+                    <p:sldTgt/>
+                  </p:tgtEl>
+                </p:cond>
+              </p:nextCondLst>
+            </p:seq>
+          </p:childTnLst>
+        </p:cTn>
+      </p:par>
+    </p:tnLst>
+  </p:timing>
+</p:sld>
+</file>
+
+<file path=ppt/slides/slide8.xml><?xml version="1.0" encoding="utf-8"?>
+<p:sld xmlns:a="http://schemas.openxmlformats.org/drawingml/2006/main" xmlns:r="http://schemas.openxmlformats.org/officeDocument/2006/relationships" xmlns:p="http://schemas.openxmlformats.org/presentationml/2006/main">
+  <p:cSld>
+    <p:spTree>
+      <p:nvGrpSpPr>
+        <p:cNvPr id="1" name=""/>
+        <p:cNvGrpSpPr/>
+        <p:nvPr/>
+      </p:nvGrpSpPr>
+      <p:grpSpPr>
+        <a:xfrm>
+          <a:off x="0" y="0"/>
+          <a:ext cx="0" cy="0"/>
+          <a:chOff x="0" y="0"/>
+          <a:chExt cx="0" cy="0"/>
+        </a:xfrm>
+      </p:grpSpPr>
+      <p:sp>
+        <p:nvSpPr>
+          <p:cNvPr id="18441" name="Text Box 3"/>
+          <p:cNvSpPr txBox="1">
+            <a:spLocks noChangeArrowheads="1"/>
+          </p:cNvSpPr>
+          <p:nvPr/>
+        </p:nvSpPr>
+        <p:spPr bwMode="auto">
+          <a:xfrm>
+            <a:off x="4400550" y="2373313"/>
+            <a:ext cx="2044700" cy="701675"/>
+          </a:xfrm>
+          <a:prstGeom prst="rect">
+            <a:avLst/>
+          </a:prstGeom>
+          <a:noFill/>
+          <a:ln w="9525">
+            <a:noFill/>
+            <a:miter lim="800000"/>
+            <a:headEnd/>
+            <a:tailEnd type="none" w="lg" len="lg"/>
+          </a:ln>
+        </p:spPr>
+        <p:txBody>
+          <a:bodyPr>
+            <a:spAutoFit/>
+          </a:bodyPr>
+          <a:lstStyle/>
+          <a:p>
+            <a:r>
+              <a:rPr lang="en-US" b="1" dirty="0"/>
+              <a:t>,</a:t>
+            </a:r>
+            <a:r>
+              <a:rPr lang="en-US" dirty="0"/>
+              <a:t> </a:t>
+            </a:r>
+            <a:r>
+              <a:rPr lang="en-US" dirty="0">
+                <a:latin typeface="Comic Sans MS" pitchFamily="66" charset="0"/>
+              </a:rPr>
+              <a:t>so let </a:t>
+            </a:r>
+          </a:p>
+        </p:txBody>
+      </p:sp>
+      <p:graphicFrame>
+        <p:nvGraphicFramePr>
+          <p:cNvPr id="18434" name="Object 4"/>
+          <p:cNvGraphicFramePr>
+            <a:graphicFrameLocks noChangeAspect="1"/>
+          </p:cNvGraphicFramePr>
+          <p:nvPr>
+            <p:extLst>
+              <p:ext uri="{D42A27DB-BD31-4B8C-83A1-F6EECF244321}">
+                <p14:modId xmlns:p14="http://schemas.microsoft.com/office/powerpoint/2010/main" val="3601547225"/>
+              </p:ext>
+            </p:extLst>
+          </p:nvPr>
+        </p:nvGraphicFramePr>
+        <p:xfrm>
+          <a:off x="6430963" y="2085975"/>
+          <a:ext cx="2336800" cy="1114425"/>
+        </p:xfrm>
+        <a:graphic>
+          <a:graphicData uri="http://schemas.openxmlformats.org/presentationml/2006/ole">
+            <mc:AlternateContent xmlns:mc="http://schemas.openxmlformats.org/markup-compatibility/2006">
+              <mc:Choice xmlns:v="urn:schemas-microsoft-com:vml" Requires="v">
+                <p:oleObj spid="_x0000_s160936" name="Equation" r:id="rId4" imgW="558800" imgH="266700" progId="Equation.DSMT4">
+                  <p:embed/>
+                </p:oleObj>
+              </mc:Choice>
+              <mc:Fallback>
+                <p:oleObj name="Equation" r:id="rId4" imgW="558800" imgH="266700" progId="Equation.DSMT4">
+                  <p:embed/>
+                  <p:pic>
+                    <p:nvPicPr>
+                      <p:cNvPr id="0" name="Object 4"/>
+                      <p:cNvPicPr>
+                        <a:picLocks noChangeAspect="1" noChangeArrowheads="1"/>
+                      </p:cNvPicPr>
+                      <p:nvPr/>
+                    </p:nvPicPr>
+                    <p:blipFill>
+                      <a:blip r:embed="rId5"/>
+                      <a:srcRect/>
+                      <a:stretch>
+                        <a:fillRect/>
+                      </a:stretch>
+                    </p:blipFill>
+                    <p:spPr bwMode="auto">
+                      <a:xfrm>
+                        <a:off x="6430963" y="2085975"/>
+                        <a:ext cx="2336800" cy="1114425"/>
+                      </a:xfrm>
+                      <a:prstGeom prst="rect">
+                        <a:avLst/>
+                      </a:prstGeom>
+                      <a:noFill/>
+                      <a:extLst>
+                        <a:ext uri="{909E8E84-426E-40dd-AFC4-6F175D3DCCD1}">
+                          <a14:hiddenFill xmlns:a14="http://schemas.microsoft.com/office/drawing/2010/main">
+                            <a:solidFill>
+                              <a:srgbClr val="FFFFFF"/>
+                            </a:solidFill>
+                          </a14:hiddenFill>
+                        </a:ext>
+                      </a:extLst>
+                    </p:spPr>
+                  </p:pic>
+                </p:oleObj>
+              </mc:Fallback>
+            </mc:AlternateContent>
+          </a:graphicData>
+        </a:graphic>
+      </p:graphicFrame>
+      <p:graphicFrame>
+        <p:nvGraphicFramePr>
+          <p:cNvPr id="18435" name="Object 5"/>
+          <p:cNvGraphicFramePr>
+            <a:graphicFrameLocks noChangeAspect="1"/>
+          </p:cNvGraphicFramePr>
+          <p:nvPr/>
+        </p:nvGraphicFramePr>
+        <p:xfrm>
+          <a:off x="4514850" y="3321050"/>
+          <a:ext cx="114300" cy="215900"/>
+        </p:xfrm>
+        <a:graphic>
+          <a:graphicData uri="http://schemas.openxmlformats.org/presentationml/2006/ole">
+            <mc:AlternateContent xmlns:mc="http://schemas.openxmlformats.org/markup-compatibility/2006">
+              <mc:Choice xmlns:v="urn:schemas-microsoft-com:vml" Requires="v">
+                <p:oleObj spid="_x0000_s160937" name="Equation" r:id="rId6" imgW="114120" imgH="215640" progId="Equation.3">
+                  <p:embed/>
+                </p:oleObj>
+              </mc:Choice>
+              <mc:Fallback>
+                <p:oleObj name="Equation" r:id="rId6" imgW="114120" imgH="215640" progId="Equation.3">
+                  <p:embed/>
+                  <p:pic>
+                    <p:nvPicPr>
+                      <p:cNvPr id="0" name="Object 5"/>
+                      <p:cNvPicPr>
+                        <a:picLocks noChangeAspect="1" noChangeArrowheads="1"/>
+                      </p:cNvPicPr>
+                      <p:nvPr/>
+                    </p:nvPicPr>
+                    <p:blipFill>
+                      <a:blip r:embed="rId7">
+                        <a:extLst>
+                          <a:ext uri="{28A0092B-C50C-407E-A947-70E740481C1C}">
+                            <a14:useLocalDpi xmlns:a14="http://schemas.microsoft.com/office/drawing/2010/main" val="0"/>
+                          </a:ext>
+                        </a:extLst>
+                      </a:blip>
+                      <a:srcRect/>
+                      <a:stretch>
+                        <a:fillRect/>
+                      </a:stretch>
+                    </p:blipFill>
+                    <p:spPr bwMode="auto">
+                      <a:xfrm>
+                        <a:off x="4514850" y="3321050"/>
+                        <a:ext cx="114300" cy="215900"/>
+                      </a:xfrm>
+                      <a:prstGeom prst="rect">
+                        <a:avLst/>
+                      </a:prstGeom>
+                      <a:noFill/>
+                      <a:extLst>
+                        <a:ext uri="{909E8E84-426E-40dd-AFC4-6F175D3DCCD1}">
+                          <a14:hiddenFill xmlns:a14="http://schemas.microsoft.com/office/drawing/2010/main">
+                            <a:solidFill>
+                              <a:srgbClr val="FFFFFF"/>
+                            </a:solidFill>
+                          </a14:hiddenFill>
+                        </a:ext>
+                      </a:extLst>
+                    </p:spPr>
+                  </p:pic>
+                </p:oleObj>
+              </mc:Fallback>
+            </mc:AlternateContent>
+          </a:graphicData>
+        </a:graphic>
+      </p:graphicFrame>
+      <p:graphicFrame>
+        <p:nvGraphicFramePr>
+          <p:cNvPr id="614406" name="Object 6"/>
+          <p:cNvGraphicFramePr>
+            <a:graphicFrameLocks noChangeAspect="1"/>
+          </p:cNvGraphicFramePr>
+          <p:nvPr>
+            <p:extLst>
+              <p:ext uri="{D42A27DB-BD31-4B8C-83A1-F6EECF244321}">
+                <p14:modId xmlns:p14="http://schemas.microsoft.com/office/powerpoint/2010/main" val="3277878919"/>
+              </p:ext>
+            </p:extLst>
+          </p:nvPr>
+        </p:nvGraphicFramePr>
+        <p:xfrm>
+          <a:off x="1658938" y="3354388"/>
+          <a:ext cx="2935287" cy="1662112"/>
+        </p:xfrm>
+        <a:graphic>
+          <a:graphicData uri="http://schemas.openxmlformats.org/presentationml/2006/ole">
+            <mc:AlternateContent xmlns:mc="http://schemas.openxmlformats.org/markup-compatibility/2006">
+              <mc:Choice xmlns:v="urn:schemas-microsoft-com:vml" Requires="v">
+                <p:oleObj spid="_x0000_s160938" name="Equation" r:id="rId8" imgW="762000" imgH="431800" progId="Equation.DSMT4">
+                  <p:embed/>
+                </p:oleObj>
+              </mc:Choice>
+              <mc:Fallback>
+                <p:oleObj name="Equation" r:id="rId8" imgW="762000" imgH="431800" progId="Equation.DSMT4">
+                  <p:embed/>
+                  <p:pic>
+                    <p:nvPicPr>
+                      <p:cNvPr id="0" name="Object 6"/>
+                      <p:cNvPicPr>
+                        <a:picLocks noChangeAspect="1" noChangeArrowheads="1"/>
+                      </p:cNvPicPr>
+                      <p:nvPr/>
+                    </p:nvPicPr>
+                    <p:blipFill>
+                      <a:blip r:embed="rId9"/>
+                      <a:srcRect/>
+                      <a:stretch>
+                        <a:fillRect/>
+                      </a:stretch>
+                    </p:blipFill>
+                    <p:spPr bwMode="auto">
+                      <a:xfrm>
+                        <a:off x="1658938" y="3354388"/>
+                        <a:ext cx="2935287" cy="1662112"/>
+                      </a:xfrm>
+                      <a:prstGeom prst="rect">
+                        <a:avLst/>
+                      </a:prstGeom>
+                      <a:noFill/>
+                      <a:extLst>
+                        <a:ext uri="{909E8E84-426E-40dd-AFC4-6F175D3DCCD1}">
+                          <a14:hiddenFill xmlns:a14="http://schemas.microsoft.com/office/drawing/2010/main">
+                            <a:solidFill>
+                              <a:srgbClr val="FFFFFF"/>
+                            </a:solidFill>
+                          </a14:hiddenFill>
+                        </a:ext>
+                      </a:extLst>
+                    </p:spPr>
+                  </p:pic>
+                </p:oleObj>
+              </mc:Fallback>
+            </mc:AlternateContent>
+          </a:graphicData>
+        </a:graphic>
+      </p:graphicFrame>
+      <p:graphicFrame>
+        <p:nvGraphicFramePr>
+          <p:cNvPr id="614407" name="Object 7"/>
+          <p:cNvGraphicFramePr>
+            <a:graphicFrameLocks noChangeAspect="1"/>
+          </p:cNvGraphicFramePr>
+          <p:nvPr>
+            <p:extLst>
+              <p:ext uri="{D42A27DB-BD31-4B8C-83A1-F6EECF244321}">
+                <p14:modId xmlns:p14="http://schemas.microsoft.com/office/powerpoint/2010/main" val="749101278"/>
+              </p:ext>
+            </p:extLst>
+          </p:nvPr>
+        </p:nvGraphicFramePr>
+        <p:xfrm>
+          <a:off x="1560513" y="4841875"/>
+          <a:ext cx="4302125" cy="1662113"/>
+        </p:xfrm>
+        <a:graphic>
+          <a:graphicData uri="http://schemas.openxmlformats.org/presentationml/2006/ole">
+            <mc:AlternateContent xmlns:mc="http://schemas.openxmlformats.org/markup-compatibility/2006">
+              <mc:Choice xmlns:v="urn:schemas-microsoft-com:vml" Requires="v">
+                <p:oleObj spid="_x0000_s160939" name="Equation" r:id="rId10" imgW="1117600" imgH="431800" progId="Equation.DSMT4">
+                  <p:embed/>
+                </p:oleObj>
+              </mc:Choice>
+              <mc:Fallback>
+                <p:oleObj name="Equation" r:id="rId10" imgW="1117600" imgH="431800" progId="Equation.DSMT4">
+                  <p:embed/>
+                  <p:pic>
+                    <p:nvPicPr>
+                      <p:cNvPr id="0" name="Object 7"/>
+                      <p:cNvPicPr>
+                        <a:picLocks noChangeAspect="1" noChangeArrowheads="1"/>
+                      </p:cNvPicPr>
+                      <p:nvPr/>
+                    </p:nvPicPr>
+                    <p:blipFill>
+                      <a:blip r:embed="rId11"/>
+                      <a:srcRect/>
+                      <a:stretch>
+                        <a:fillRect/>
+                      </a:stretch>
+                    </p:blipFill>
+                    <p:spPr bwMode="auto">
+                      <a:xfrm>
+                        <a:off x="1560513" y="4841875"/>
+                        <a:ext cx="4302125" cy="1662113"/>
+                      </a:xfrm>
+                      <a:prstGeom prst="rect">
+                        <a:avLst/>
+                      </a:prstGeom>
+                      <a:noFill/>
+                      <a:extLst>
+                        <a:ext uri="{909E8E84-426E-40dd-AFC4-6F175D3DCCD1}">
+                          <a14:hiddenFill xmlns:a14="http://schemas.microsoft.com/office/drawing/2010/main">
+                            <a:solidFill>
+                              <a:srgbClr val="FFFFFF"/>
+                            </a:solidFill>
+                          </a14:hiddenFill>
+                        </a:ext>
+                      </a:extLst>
+                    </p:spPr>
+                  </p:pic>
+                </p:oleObj>
+              </mc:Fallback>
+            </mc:AlternateContent>
+          </a:graphicData>
+        </a:graphic>
+      </p:graphicFrame>
+      <p:sp>
+        <p:nvSpPr>
+          <p:cNvPr id="614408" name="Text Box 8"/>
+          <p:cNvSpPr txBox="1">
+            <a:spLocks noChangeArrowheads="1"/>
+          </p:cNvSpPr>
+          <p:nvPr/>
+        </p:nvSpPr>
+        <p:spPr bwMode="auto">
+          <a:xfrm>
+            <a:off x="6003925" y="5389563"/>
+            <a:ext cx="2822199" cy="800219"/>
+          </a:xfrm>
+          <a:prstGeom prst="rect">
+            <a:avLst/>
+          </a:prstGeom>
+          <a:noFill/>
+          <a:ln w="9525">
+            <a:noFill/>
+            <a:miter lim="800000"/>
+            <a:headEnd/>
+            <a:tailEnd type="none" w="lg" len="lg"/>
+          </a:ln>
+        </p:spPr>
+        <p:txBody>
+          <a:bodyPr wrap="none">
+            <a:spAutoFit/>
+          </a:bodyPr>
+          <a:lstStyle/>
+          <a:p>
+            <a:r>
+              <a:rPr lang="en-US" dirty="0">
+                <a:latin typeface="Comic Sans MS" pitchFamily="66" charset="0"/>
+              </a:rPr>
+              <a:t>for</a:t>
+            </a:r>
+            <a:r>
+              <a:rPr lang="en-US" dirty="0" smtClean="0">
+                <a:latin typeface="Comic Sans MS" pitchFamily="66" charset="0"/>
+              </a:rPr>
+              <a:t> </a:t>
+            </a:r>
+            <a:r>
+              <a:rPr lang="en-US" dirty="0" err="1">
+                <a:solidFill>
+                  <a:srgbClr val="0000FF"/>
+                </a:solidFill>
+                <a:latin typeface="Symbol" charset="2"/>
+                <a:cs typeface="Symbol" charset="2"/>
+                <a:sym typeface="Symbol" pitchFamily="18" charset="2"/>
+              </a:rPr>
+              <a:t>ε</a:t>
+            </a:r>
+            <a:r>
+              <a:rPr lang="en-US" dirty="0" smtClean="0">
+                <a:solidFill>
+                  <a:srgbClr val="0000FF"/>
+                </a:solidFill>
+                <a:latin typeface="Comic Sans MS" pitchFamily="66" charset="0"/>
+                <a:sym typeface="Symbol" pitchFamily="18" charset="2"/>
+              </a:rPr>
+              <a:t> </a:t>
+            </a:r>
+            <a:r>
+              <a:rPr lang="en-US" b="1" dirty="0" smtClean="0">
+                <a:solidFill>
+                  <a:srgbClr val="0000FF"/>
+                </a:solidFill>
+                <a:latin typeface="Euclid Symbol" charset="2"/>
+                <a:cs typeface="Euclid Symbol" charset="2"/>
+                <a:sym typeface="Symbol" pitchFamily="18" charset="2"/>
+              </a:rPr>
+              <a:t>&gt;</a:t>
+            </a:r>
+            <a:r>
+              <a:rPr lang="en-US" dirty="0" smtClean="0">
+                <a:solidFill>
+                  <a:srgbClr val="0000FF"/>
+                </a:solidFill>
+                <a:latin typeface="Comic Sans MS" pitchFamily="66" charset="0"/>
+                <a:sym typeface="Symbol" pitchFamily="18" charset="2"/>
+              </a:rPr>
+              <a:t> </a:t>
+            </a:r>
+            <a:r>
+              <a:rPr lang="en-US" b="1" dirty="0" err="1" smtClean="0">
+                <a:solidFill>
+                  <a:srgbClr val="0000FF"/>
+                </a:solidFill>
+                <a:latin typeface="Euclid Symbol" charset="2"/>
+                <a:cs typeface="Euclid Symbol" charset="2"/>
+                <a:sym typeface="Symbol" pitchFamily="18" charset="2"/>
+              </a:rPr>
+              <a:t>δ</a:t>
+            </a:r>
+            <a:r>
+              <a:rPr lang="en-US" dirty="0" smtClean="0">
+                <a:latin typeface="Comic Sans MS" pitchFamily="66" charset="0"/>
+                <a:sym typeface="Symbol" pitchFamily="18" charset="2"/>
+              </a:rPr>
+              <a:t>.</a:t>
+            </a:r>
+            <a:endParaRPr lang="en-US" dirty="0">
+              <a:latin typeface="Comic Sans MS" pitchFamily="66" charset="0"/>
+              <a:sym typeface="Symbol" pitchFamily="18" charset="2"/>
+            </a:endParaRPr>
+          </a:p>
+        </p:txBody>
+      </p:sp>
+      <p:sp>
+        <p:nvSpPr>
+          <p:cNvPr id="18443" name="Rectangle 9"/>
+          <p:cNvSpPr>
+            <a:spLocks noChangeArrowheads="1"/>
+          </p:cNvSpPr>
+          <p:nvPr/>
+        </p:nvSpPr>
+        <p:spPr bwMode="auto">
+          <a:xfrm>
+            <a:off x="304800" y="2247781"/>
+            <a:ext cx="1860550" cy="769441"/>
+          </a:xfrm>
+          <a:prstGeom prst="rect">
+            <a:avLst/>
+          </a:prstGeom>
+          <a:noFill/>
+          <a:ln w="9525">
+            <a:noFill/>
+            <a:miter lim="800000"/>
+            <a:headEnd/>
+            <a:tailEnd type="none" w="lg" len="lg"/>
+          </a:ln>
+        </p:spPr>
+        <p:txBody>
+          <a:bodyPr wrap="square">
+            <a:spAutoFit/>
+          </a:bodyPr>
+          <a:lstStyle/>
+          <a:p>
+            <a:pPr>
+              <a:spcBef>
+                <a:spcPct val="20000"/>
+              </a:spcBef>
+            </a:pPr>
+            <a:r>
+              <a:rPr lang="en-US" sz="4400" dirty="0">
+                <a:solidFill>
+                  <a:srgbClr val="B702A0"/>
+                </a:solidFill>
+                <a:latin typeface="Comic Sans MS" pitchFamily="66" charset="0"/>
+              </a:rPr>
+              <a:t>Proof</a:t>
+            </a:r>
+            <a:r>
+              <a:rPr lang="en-US" sz="4400" dirty="0" smtClean="0">
+                <a:solidFill>
+                  <a:srgbClr val="B702A0"/>
+                </a:solidFill>
+                <a:latin typeface="Comic Sans MS" pitchFamily="66" charset="0"/>
+              </a:rPr>
+              <a:t>:</a:t>
+            </a:r>
+            <a:endParaRPr lang="en-US" sz="4400" dirty="0">
+              <a:solidFill>
+                <a:srgbClr val="B702A0"/>
+              </a:solidFill>
+              <a:latin typeface="Comic Sans MS" pitchFamily="66" charset="0"/>
+            </a:endParaRPr>
+          </a:p>
+        </p:txBody>
+      </p:sp>
+      <p:sp>
+        <p:nvSpPr>
+          <p:cNvPr id="18444" name="Rectangle 11"/>
+          <p:cNvSpPr>
+            <a:spLocks noGrp="1" noChangeArrowheads="1"/>
+          </p:cNvSpPr>
+          <p:nvPr>
+            <p:ph type="title"/>
+          </p:nvPr>
+        </p:nvSpPr>
+        <p:spPr>
+          <a:noFill/>
+        </p:spPr>
+        <p:txBody>
+          <a:bodyPr/>
+          <a:lstStyle/>
+          <a:p>
+            <a:pPr eaLnBrk="1" hangingPunct="1"/>
+            <a:r>
+              <a:rPr lang="en-US" smtClean="0"/>
+              <a:t>Little Oh:   </a:t>
+            </a:r>
+            <a:r>
+              <a:rPr lang="en-US" smtClean="0">
+                <a:solidFill>
+                  <a:srgbClr val="FF33CC"/>
+                </a:solidFill>
+              </a:rPr>
+              <a:t>o(∙)</a:t>
+            </a:r>
+          </a:p>
+        </p:txBody>
+      </p:sp>
+      <p:graphicFrame>
+        <p:nvGraphicFramePr>
+          <p:cNvPr id="12" name="Object 11"/>
+          <p:cNvGraphicFramePr>
+            <a:graphicFrameLocks noChangeAspect="1"/>
+          </p:cNvGraphicFramePr>
+          <p:nvPr>
+            <p:extLst>
+              <p:ext uri="{D42A27DB-BD31-4B8C-83A1-F6EECF244321}">
+                <p14:modId xmlns:p14="http://schemas.microsoft.com/office/powerpoint/2010/main" val="605500706"/>
+              </p:ext>
+            </p:extLst>
+          </p:nvPr>
+        </p:nvGraphicFramePr>
+        <p:xfrm>
+          <a:off x="2133600" y="1816359"/>
+          <a:ext cx="2438400" cy="1841241"/>
+        </p:xfrm>
+        <a:graphic>
+          <a:graphicData uri="http://schemas.openxmlformats.org/presentationml/2006/ole">
+            <mc:AlternateContent xmlns:mc="http://schemas.openxmlformats.org/markup-compatibility/2006">
+              <mc:Choice xmlns:v="urn:schemas-microsoft-com:vml" Requires="v">
+                <p:oleObj spid="_x0000_s160940" name="Equation" r:id="rId12" imgW="622300" imgH="469900" progId="Equation.DSMT4">
+                  <p:embed/>
+                </p:oleObj>
+              </mc:Choice>
+              <mc:Fallback>
+                <p:oleObj name="Equation" r:id="rId12" imgW="622300" imgH="469900" progId="Equation.DSMT4">
+                  <p:embed/>
+                  <p:pic>
+                    <p:nvPicPr>
+                      <p:cNvPr id="0" name=""/>
+                      <p:cNvPicPr/>
+                      <p:nvPr/>
+                    </p:nvPicPr>
+                    <p:blipFill>
+                      <a:blip r:embed="rId13"/>
+                      <a:stretch>
+                        <a:fillRect/>
+                      </a:stretch>
+                    </p:blipFill>
+                    <p:spPr>
+                      <a:xfrm>
+                        <a:off x="2133600" y="1816359"/>
+                        <a:ext cx="2438400" cy="1841241"/>
+                      </a:xfrm>
+                      <a:prstGeom prst="rect">
+                        <a:avLst/>
+                      </a:prstGeom>
+                    </p:spPr>
+                  </p:pic>
+                </p:oleObj>
+              </mc:Fallback>
+            </mc:AlternateContent>
+          </a:graphicData>
+        </a:graphic>
+      </p:graphicFrame>
+      <p:sp>
+        <p:nvSpPr>
+          <p:cNvPr id="13" name="Rectangle 2"/>
+          <p:cNvSpPr txBox="1">
+            <a:spLocks noChangeArrowheads="1"/>
+          </p:cNvSpPr>
+          <p:nvPr/>
+        </p:nvSpPr>
+        <p:spPr bwMode="auto">
+          <a:xfrm>
+            <a:off x="676274" y="1147763"/>
+            <a:ext cx="7858125" cy="909637"/>
+          </a:xfrm>
+          <a:prstGeom prst="rect">
+            <a:avLst/>
+          </a:prstGeom>
+          <a:noFill/>
+          <a:ln w="9525">
+            <a:noFill/>
+            <a:miter lim="800000"/>
+            <a:headEnd/>
+            <a:tailEnd/>
+          </a:ln>
+        </p:spPr>
+        <p:txBody>
+          <a:bodyPr vert="horz" wrap="square" lIns="91440" tIns="45720" rIns="91440" bIns="45720" numCol="1" anchor="t" anchorCtr="0" compatLnSpc="1">
+            <a:prstTxWarp prst="textNoShape">
+              <a:avLst/>
+            </a:prstTxWarp>
+          </a:bodyPr>
+          <a:lstStyle>
+            <a:lvl1pPr marL="342900" indent="-342900" algn="l" rtl="0" eaLnBrk="0" fontAlgn="base" hangingPunct="0">
+              <a:spcBef>
+                <a:spcPct val="20000"/>
+              </a:spcBef>
+              <a:spcAft>
+                <a:spcPct val="0"/>
+              </a:spcAft>
+              <a:buNone/>
+              <a:defRPr sz="3200">
+                <a:solidFill>
+                  <a:schemeClr val="tx1"/>
+                </a:solidFill>
+                <a:latin typeface="+mn-lt"/>
+                <a:ea typeface="+mn-ea"/>
+                <a:cs typeface="+mn-cs"/>
+              </a:defRPr>
+            </a:lvl1pPr>
+            <a:lvl2pPr marL="742950" indent="-285750" algn="l" rtl="0" eaLnBrk="0" fontAlgn="base" hangingPunct="0">
+              <a:spcBef>
+                <a:spcPct val="20000"/>
+              </a:spcBef>
+              <a:spcAft>
+                <a:spcPct val="0"/>
+              </a:spcAft>
+              <a:buNone/>
+              <a:defRPr sz="2800">
+                <a:solidFill>
+                  <a:schemeClr val="tx1"/>
+                </a:solidFill>
+                <a:latin typeface="+mn-lt"/>
+              </a:defRPr>
+            </a:lvl2pPr>
+            <a:lvl3pPr marL="1143000" indent="-228600" algn="l" rtl="0" eaLnBrk="0" fontAlgn="base" hangingPunct="0">
+              <a:spcBef>
+                <a:spcPct val="20000"/>
+              </a:spcBef>
+              <a:spcAft>
+                <a:spcPct val="0"/>
+              </a:spcAft>
+              <a:buNone/>
+              <a:defRPr sz="2400">
+                <a:solidFill>
+                  <a:schemeClr val="tx1"/>
+                </a:solidFill>
+                <a:latin typeface="+mn-lt"/>
+              </a:defRPr>
+            </a:lvl3pPr>
+            <a:lvl4pPr marL="1600200" indent="-228600" algn="l" rtl="0" eaLnBrk="0" fontAlgn="base" hangingPunct="0">
+              <a:spcBef>
+                <a:spcPct val="20000"/>
+              </a:spcBef>
+              <a:spcAft>
+                <a:spcPct val="0"/>
+              </a:spcAft>
+              <a:buNone/>
+              <a:defRPr sz="2000">
+                <a:solidFill>
+                  <a:schemeClr val="tx1"/>
+                </a:solidFill>
+                <a:latin typeface="+mn-lt"/>
+              </a:defRPr>
+            </a:lvl4pPr>
+            <a:lvl5pPr marL="2057400" indent="-228600" algn="l" rtl="0" eaLnBrk="0" fontAlgn="base" hangingPunct="0">
+              <a:spcBef>
+                <a:spcPct val="20000"/>
+              </a:spcBef>
+              <a:spcAft>
+                <a:spcPct val="0"/>
+              </a:spcAft>
+              <a:buNone/>
+              <a:defRPr sz="2000">
+                <a:solidFill>
+                  <a:schemeClr val="tx1"/>
+                </a:solidFill>
+                <a:latin typeface="+mn-lt"/>
+              </a:defRPr>
+            </a:lvl5pPr>
+            <a:lvl6pPr marL="2514600" indent="-228600" algn="l" rtl="0" fontAlgn="base">
+              <a:spcBef>
+                <a:spcPct val="20000"/>
+              </a:spcBef>
+              <a:spcAft>
+                <a:spcPct val="0"/>
+              </a:spcAft>
+              <a:buChar char="»"/>
+              <a:defRPr sz="2000">
+                <a:solidFill>
+                  <a:schemeClr val="tx1"/>
+                </a:solidFill>
+                <a:latin typeface="+mn-lt"/>
+              </a:defRPr>
+            </a:lvl6pPr>
+            <a:lvl7pPr marL="2971800" indent="-228600" algn="l" rtl="0" fontAlgn="base">
+              <a:spcBef>
+                <a:spcPct val="20000"/>
+              </a:spcBef>
+              <a:spcAft>
+                <a:spcPct val="0"/>
+              </a:spcAft>
+              <a:buChar char="»"/>
+              <a:defRPr sz="2000">
+                <a:solidFill>
+                  <a:schemeClr val="tx1"/>
+                </a:solidFill>
+                <a:latin typeface="+mn-lt"/>
+              </a:defRPr>
+            </a:lvl7pPr>
+            <a:lvl8pPr marL="3429000" indent="-228600" algn="l" rtl="0" fontAlgn="base">
+              <a:spcBef>
+                <a:spcPct val="20000"/>
+              </a:spcBef>
+              <a:spcAft>
+                <a:spcPct val="0"/>
+              </a:spcAft>
+              <a:buChar char="»"/>
+              <a:defRPr sz="2000">
+                <a:solidFill>
+                  <a:schemeClr val="tx1"/>
+                </a:solidFill>
+                <a:latin typeface="+mn-lt"/>
+              </a:defRPr>
+            </a:lvl8pPr>
+            <a:lvl9pPr marL="3886200" indent="-228600" algn="l" rtl="0" fontAlgn="base">
+              <a:spcBef>
+                <a:spcPct val="20000"/>
+              </a:spcBef>
+              <a:spcAft>
+                <a:spcPct val="0"/>
+              </a:spcAft>
+              <a:buChar char="»"/>
+              <a:defRPr sz="2000">
+                <a:solidFill>
+                  <a:schemeClr val="tx1"/>
+                </a:solidFill>
+                <a:latin typeface="+mn-lt"/>
+              </a:defRPr>
+            </a:lvl9pPr>
+          </a:lstStyle>
+          <a:p>
+            <a:pPr marL="0" indent="0" eaLnBrk="1" hangingPunct="1"/>
+            <a:r>
+              <a:rPr lang="en-US" sz="3600" dirty="0" smtClean="0">
+                <a:solidFill>
+                  <a:srgbClr val="B702A0"/>
+                </a:solidFill>
+              </a:rPr>
+              <a:t>Lemma:</a:t>
+            </a:r>
+            <a:r>
+              <a:rPr lang="en-US" sz="4400" dirty="0" smtClean="0"/>
+              <a:t> </a:t>
+            </a:r>
+            <a:r>
+              <a:rPr lang="en-US" sz="4400" dirty="0" err="1" smtClean="0">
+                <a:solidFill>
+                  <a:srgbClr val="0033CC"/>
+                </a:solidFill>
+              </a:rPr>
+              <a:t>ln</a:t>
+            </a:r>
+            <a:r>
+              <a:rPr lang="en-US" sz="4400" dirty="0" smtClean="0">
+                <a:solidFill>
+                  <a:srgbClr val="0033CC"/>
+                </a:solidFill>
+              </a:rPr>
+              <a:t> x  </a:t>
+            </a:r>
+            <a:r>
+              <a:rPr lang="en-US" sz="4400" b="1" dirty="0" smtClean="0">
+                <a:solidFill>
+                  <a:srgbClr val="0033CC"/>
+                </a:solidFill>
+                <a:latin typeface="Euclid Symbol" charset="2"/>
+                <a:cs typeface="Euclid Symbol" charset="2"/>
+              </a:rPr>
+              <a:t>=</a:t>
+            </a:r>
+            <a:r>
+              <a:rPr lang="en-US" sz="4400" dirty="0" smtClean="0">
+                <a:solidFill>
+                  <a:srgbClr val="0033CC"/>
+                </a:solidFill>
+              </a:rPr>
+              <a:t> o(</a:t>
+            </a:r>
+            <a:r>
+              <a:rPr lang="en-US" sz="4400" dirty="0" err="1" smtClean="0">
+                <a:solidFill>
+                  <a:srgbClr val="0033CC"/>
+                </a:solidFill>
+              </a:rPr>
+              <a:t>x</a:t>
+            </a:r>
+            <a:r>
+              <a:rPr lang="en-US" sz="4400" baseline="30000" dirty="0" err="1" smtClean="0">
+                <a:solidFill>
+                  <a:srgbClr val="0033CC"/>
+                </a:solidFill>
+                <a:sym typeface="Symbol" pitchFamily="18" charset="2"/>
+              </a:rPr>
+              <a:t>ε</a:t>
+            </a:r>
+            <a:r>
+              <a:rPr lang="en-US" sz="4400" dirty="0" smtClean="0">
+                <a:solidFill>
+                  <a:srgbClr val="0033CC"/>
+                </a:solidFill>
+              </a:rPr>
+              <a:t>)</a:t>
+            </a:r>
+            <a:r>
+              <a:rPr lang="en-US" sz="4400" dirty="0" smtClean="0"/>
+              <a:t> for </a:t>
+            </a:r>
+            <a:r>
+              <a:rPr lang="en-US" sz="4400" dirty="0" err="1">
+                <a:solidFill>
+                  <a:srgbClr val="0000FF"/>
+                </a:solidFill>
+                <a:latin typeface="Symbol" charset="2"/>
+                <a:cs typeface="Symbol" charset="2"/>
+                <a:sym typeface="Symbol" pitchFamily="18" charset="2"/>
+              </a:rPr>
+              <a:t>ε</a:t>
+            </a:r>
+            <a:r>
+              <a:rPr lang="en-US" sz="4400" b="1" dirty="0" smtClean="0">
+                <a:solidFill>
+                  <a:srgbClr val="0033CC"/>
+                </a:solidFill>
+                <a:latin typeface="Euclid Symbol" charset="2"/>
+                <a:cs typeface="Euclid Symbol" charset="2"/>
+                <a:sym typeface="Symbol" pitchFamily="18" charset="2"/>
+              </a:rPr>
+              <a:t> </a:t>
+            </a:r>
+            <a:r>
+              <a:rPr lang="en-US" sz="4400" b="1" dirty="0">
+                <a:solidFill>
+                  <a:srgbClr val="0033CC"/>
+                </a:solidFill>
+                <a:latin typeface="Euclid Symbol" charset="2"/>
+                <a:cs typeface="Euclid Symbol" charset="2"/>
+                <a:sym typeface="Symbol" pitchFamily="18" charset="2"/>
+              </a:rPr>
+              <a:t>&gt;</a:t>
+            </a:r>
+            <a:r>
+              <a:rPr lang="en-US" sz="4400" dirty="0" smtClean="0">
+                <a:solidFill>
+                  <a:srgbClr val="0033CC"/>
+                </a:solidFill>
+                <a:sym typeface="Symbol" pitchFamily="18" charset="2"/>
+              </a:rPr>
+              <a:t> 0</a:t>
+            </a:r>
+            <a:r>
+              <a:rPr lang="en-US" sz="4400" dirty="0" smtClean="0">
+                <a:sym typeface="Symbol" pitchFamily="18" charset="2"/>
+              </a:rPr>
+              <a:t>.</a:t>
+            </a:r>
+          </a:p>
+        </p:txBody>
+      </p:sp>
+    </p:spTree>
+  </p:cSld>
+  <p:clrMapOvr>
+    <a:masterClrMapping/>
+  </p:clrMapOvr>
+  <p:transition xmlns:p14="http://schemas.microsoft.com/office/powerpoint/2010/main">
+    <p:fade/>
+  </p:transition>
+  <p:timing>
+    <p:tnLst>
+      <p:par>
+        <p:cTn xmlns:p14="http://schemas.microsoft.com/office/powerpoint/2010/main" id="1" dur="indefinite" restart="never" nodeType="tmRoot">
+          <p:childTnLst>
+            <p:seq concurrent="1" nextAc="seek">
+              <p:cTn id="2" dur="indefinite" nodeType="mainSeq">
+                <p:childTnLst>
+                  <p:par>
+                    <p:cTn id="3" fill="hold">
+                      <p:stCondLst>
+                        <p:cond delay="indefinite"/>
+                      </p:stCondLst>
+                      <p:childTnLst>
+                        <p:par>
+                          <p:cTn id="4" fill="hold">
+                            <p:stCondLst>
+                              <p:cond delay="0"/>
+                            </p:stCondLst>
+                            <p:childTnLst>
+                              <p:par>
+                                <p:cTn id="5" presetID="9" presetClass="entr" presetSubtype="0" fill="hold" grpId="0" nodeType="clickEffect">
+                                  <p:stCondLst>
+                                    <p:cond delay="0"/>
+                                  </p:stCondLst>
+                                  <p:childTnLst>
+                                    <p:set>
+                                      <p:cBhvr>
+                                        <p:cTn id="6" dur="1" fill="hold">
+                                          <p:stCondLst>
+                                            <p:cond delay="0"/>
+                                          </p:stCondLst>
+                                        </p:cTn>
+                                        <p:tgtEl>
+                                          <p:spTgt spid="18441"/>
                                         </p:tgtEl>
                                         <p:attrNameLst>
                                           <p:attrName>style.visibility</p:attrName>
@@ -11128,7 +11816,7 @@
                                       <p:cBhvr>
                                         <p:cTn id="7" dur="500"/>
                                         <p:tgtEl>
-                                          <p:spTgt spid="17410"/>
+                                          <p:spTgt spid="18441"/>
                                         </p:tgtEl>
                                       </p:cBhvr>
                                     </p:animEffect>
@@ -11136,7 +11824,7 @@
                                 </p:cTn>
                               </p:par>
                               <p:par>
-                                <p:cTn id="8" presetID="9" presetClass="entr" presetSubtype="0" fill="hold" grpId="0" nodeType="withEffect">
+                                <p:cTn id="8" presetID="9" presetClass="entr" presetSubtype="0" fill="hold" nodeType="withEffect">
                                   <p:stCondLst>
                                     <p:cond delay="0"/>
                                   </p:stCondLst>
@@ -11149,7 +11837,7 @@
                                           </p:stCondLst>
                                         </p:cTn>
                                         <p:tgtEl>
-                                          <p:spTgt spid="17416"/>
+                                          <p:spTgt spid="18434"/>
                                         </p:tgtEl>
                                         <p:attrNameLst>
                                           <p:attrName>style.visibility</p:attrName>
@@ -11161,9 +11849,9 @@
                                     </p:set>
                                     <p:animEffect transition="in" filter="dissolve">
                                       <p:cBhvr>
-                                        <p:cTn id="10" dur="500"/>
+                                        <p:cTn id="10" dur="1000"/>
                                         <p:tgtEl>
-                                          <p:spTgt spid="17416"/>
+                                          <p:spTgt spid="18434"/>
                                         </p:tgtEl>
                                       </p:cBhvr>
                                     </p:animEffect>
@@ -11202,7 +11890,7 @@
                                           </p:stCondLst>
                                         </p:cTn>
                                         <p:tgtEl>
-                                          <p:spTgt spid="17411"/>
+                                          <p:spTgt spid="614406"/>
                                         </p:tgtEl>
                                         <p:attrNameLst>
                                           <p:attrName>style.visibility</p:attrName>
@@ -11214,9 +11902,9 @@
                                     </p:set>
                                     <p:animEffect transition="in" filter="wipe(left)">
                                       <p:cBhvr>
-                                        <p:cTn id="15" dur="500"/>
+                                        <p:cTn id="15" dur="1000"/>
                                         <p:tgtEl>
-                                          <p:spTgt spid="17411"/>
+                                          <p:spTgt spid="614406"/>
                                         </p:tgtEl>
                                       </p:cBhvr>
                                     </p:animEffect>
@@ -11255,7 +11943,7 @@
                                           </p:stCondLst>
                                         </p:cTn>
                                         <p:tgtEl>
-                                          <p:spTgt spid="2"/>
+                                          <p:spTgt spid="614407"/>
                                         </p:tgtEl>
                                         <p:attrNameLst>
                                           <p:attrName>style.visibility</p:attrName>
@@ -11267,9 +11955,53 @@
                                     </p:set>
                                     <p:animEffect transition="in" filter="wipe(left)">
                                       <p:cBhvr>
-                                        <p:cTn id="20" dur="500"/>
+                                        <p:cTn id="20" dur="2000"/>
                                         <p:tgtEl>
-                                          <p:spTgt spid="2"/>
+                                          <p:spTgt spid="614407"/>
+                                        </p:tgtEl>
+                                      </p:cBhvr>
+                                    </p:animEffect>
+                                  </p:childTnLst>
+                                </p:cTn>
+                              </p:par>
+                            </p:childTnLst>
+                          </p:cTn>
+                        </p:par>
+                        <p:par>
+                          <p:cTn id="21" fill="hold">
+                            <p:stCondLst>
+                              <p:cond delay="2000"/>
+                            </p:stCondLst>
+                            <p:childTnLst>
+                              <p:par>
+                                <p:cTn id="22" presetID="9" presetClass="entr" presetSubtype="0" fill="hold" grpId="1" nodeType="afterEffect">
+                                  <p:stCondLst>
+                                    <p:cond delay="0"/>
+                                  </p:stCondLst>
+                                  <p:childTnLst>
+                                    <p:set>
+                                      <p:cBhvr>
+                                        <p:cTn id="23" dur="1" fill="hold">
+                                          <p:stCondLst>
+                                            <p:cond delay="0"/>
+                                          </p:stCondLst>
+                                        </p:cTn>
+                                        <p:tgtEl>
+                                          <p:spTgt spid="614408"/>
+                                        </p:tgtEl>
+                                        <p:attrNameLst>
+                                          <p:attrName>style.visibility</p:attrName>
+                                        </p:attrNameLst>
+                                      </p:cBhvr>
+                                      <p:to>
+                                        <p:strVal val="visible"/>
+                                      </p:to>
+                                    </p:set>
+                                    <p:animEffect transition="in" filter="dissolve">
+                                      <p:cBhvr>
+                                        <p:cTn id="24" dur="1000"/>
+                                        <p:tgtEl>
+                                          <p:spTgt spid="614408"/>
                                         </p:tgtEl>
                                       </p:cBhvr>
                                     </p:animEffect>
@@ -11304,7 +12036,331 @@
       </p:par>
     </p:tnLst>
     <p:bldLst>
-      <p:bldP spid="17416" grpId="0"/>
+      <p:bldP spid="18441" grpId="0"/>
+      <p:bldP spid="614408" grpId="1"/>
+    </p:bldLst>
+  </p:timing>
+</p:sld>
+</file>
+
+<file path=ppt/slides/slide9.xml><?xml version="1.0" encoding="utf-8"?>
+<p:sld xmlns:a="http://schemas.openxmlformats.org/drawingml/2006/main" xmlns:r="http://schemas.openxmlformats.org/officeDocument/2006/relationships" xmlns:p="http://schemas.openxmlformats.org/presentationml/2006/main">
+  <p:cSld>
+    <p:spTree>
+      <p:nvGrpSpPr>
+        <p:cNvPr id="1" name=""/>
+        <p:cNvGrpSpPr/>
+        <p:nvPr/>
+      </p:nvGrpSpPr>
+      <p:grpSpPr>
+        <a:xfrm>
+          <a:off x="0" y="0"/>
+          <a:ext cx="0" cy="0"/>
+          <a:chOff x="0" y="0"/>
+          <a:chExt cx="0" cy="0"/>
+        </a:xfrm>
+      </p:grpSpPr>
+      <p:sp>
+        <p:nvSpPr>
+          <p:cNvPr id="60419" name="Rectangle 3"/>
+          <p:cNvSpPr>
+            <a:spLocks noGrp="1" noChangeArrowheads="1"/>
+          </p:cNvSpPr>
+          <p:nvPr>
+            <p:ph type="body" idx="1"/>
+          </p:nvPr>
+        </p:nvSpPr>
+        <p:spPr>
+          <a:xfrm>
+            <a:off x="230188" y="1698625"/>
+            <a:ext cx="8709025" cy="3400425"/>
+          </a:xfrm>
+        </p:spPr>
+        <p:txBody>
+          <a:bodyPr/>
+          <a:lstStyle/>
+          <a:p>
+            <a:pPr marL="0" indent="0" eaLnBrk="1" hangingPunct="1">
+              <a:buFontTx/>
+              <a:buNone/>
+            </a:pPr>
+            <a:r>
+              <a:rPr lang="en-US" sz="4400" dirty="0" smtClean="0">
+                <a:solidFill>
+                  <a:srgbClr val="B702A0"/>
+                </a:solidFill>
+              </a:rPr>
+              <a:t>Lemma:</a:t>
+            </a:r>
+          </a:p>
+          <a:p>
+            <a:pPr marL="0" indent="0" algn="ctr" eaLnBrk="1" hangingPunct="1">
+              <a:buFontTx/>
+              <a:buNone/>
+            </a:pPr>
+            <a:r>
+              <a:rPr lang="en-US" sz="6600" dirty="0" smtClean="0">
+                <a:solidFill>
+                  <a:srgbClr val="2525FF"/>
+                </a:solidFill>
+              </a:rPr>
+              <a:t>x</a:t>
+            </a:r>
+            <a:r>
+              <a:rPr lang="en-US" sz="6600" baseline="30000" dirty="0" smtClean="0">
+                <a:solidFill>
+                  <a:srgbClr val="2525FF"/>
+                </a:solidFill>
+              </a:rPr>
+              <a:t>c</a:t>
+            </a:r>
+            <a:r>
+              <a:rPr lang="en-US" sz="6600" dirty="0" smtClean="0">
+                <a:solidFill>
+                  <a:srgbClr val="2525FF"/>
+                </a:solidFill>
+              </a:rPr>
+              <a:t> </a:t>
+            </a:r>
+            <a:r>
+              <a:rPr lang="en-US" sz="6600" b="1" dirty="0" smtClean="0">
+                <a:latin typeface="Euclid Symbol" charset="2"/>
+                <a:cs typeface="Euclid Symbol" charset="2"/>
+              </a:rPr>
+              <a:t>= </a:t>
+            </a:r>
+            <a:r>
+              <a:rPr lang="en-US" sz="6600" dirty="0" smtClean="0">
+                <a:solidFill>
+                  <a:srgbClr val="2525FF"/>
+                </a:solidFill>
+              </a:rPr>
+              <a:t>o(a</a:t>
+            </a:r>
+            <a:r>
+              <a:rPr lang="en-US" sz="6600" baseline="30000" dirty="0" smtClean="0">
+                <a:solidFill>
+                  <a:srgbClr val="2525FF"/>
+                </a:solidFill>
+              </a:rPr>
+              <a:t>x</a:t>
+            </a:r>
+            <a:r>
+              <a:rPr lang="en-US" sz="6600" dirty="0" smtClean="0">
+                <a:solidFill>
+                  <a:srgbClr val="2525FF"/>
+                </a:solidFill>
+              </a:rPr>
+              <a:t>)</a:t>
+            </a:r>
+          </a:p>
+          <a:p>
+            <a:pPr marL="0" indent="0" eaLnBrk="1" hangingPunct="1">
+              <a:buFontTx/>
+              <a:buNone/>
+            </a:pPr>
+            <a:r>
+              <a:rPr lang="en-US" sz="6600" dirty="0" smtClean="0"/>
+              <a:t>for </a:t>
+            </a:r>
+            <a:r>
+              <a:rPr lang="en-US" sz="6600" dirty="0" smtClean="0">
+                <a:solidFill>
+                  <a:srgbClr val="2525FF"/>
+                </a:solidFill>
+                <a:sym typeface="Symbol" pitchFamily="18" charset="2"/>
+              </a:rPr>
+              <a:t>a </a:t>
+            </a:r>
+            <a:r>
+              <a:rPr lang="en-US" sz="6600" b="1" dirty="0" smtClean="0">
+                <a:solidFill>
+                  <a:srgbClr val="2525FF"/>
+                </a:solidFill>
+                <a:latin typeface="Euclid Symbol" charset="2"/>
+                <a:cs typeface="Euclid Symbol" charset="2"/>
+                <a:sym typeface="Symbol" pitchFamily="18" charset="2"/>
+              </a:rPr>
+              <a:t>&gt;</a:t>
+            </a:r>
+            <a:r>
+              <a:rPr lang="en-US" sz="6600" dirty="0" smtClean="0">
+                <a:solidFill>
+                  <a:srgbClr val="2525FF"/>
+                </a:solidFill>
+                <a:sym typeface="Symbol" pitchFamily="18" charset="2"/>
+              </a:rPr>
+              <a:t> 1</a:t>
+            </a:r>
+            <a:r>
+              <a:rPr lang="en-US" sz="6600" dirty="0" smtClean="0">
+                <a:sym typeface="Symbol" pitchFamily="18" charset="2"/>
+              </a:rPr>
+              <a:t>.</a:t>
+            </a:r>
+          </a:p>
+        </p:txBody>
+      </p:sp>
+      <p:sp>
+        <p:nvSpPr>
+          <p:cNvPr id="60420" name="Rectangle 16"/>
+          <p:cNvSpPr>
+            <a:spLocks noGrp="1" noChangeArrowheads="1"/>
+          </p:cNvSpPr>
+          <p:nvPr>
+            <p:ph type="title"/>
+          </p:nvPr>
+        </p:nvSpPr>
+        <p:spPr>
+          <a:noFill/>
+        </p:spPr>
+        <p:txBody>
+          <a:bodyPr/>
+          <a:lstStyle/>
+          <a:p>
+            <a:pPr eaLnBrk="1" hangingPunct="1"/>
+            <a:r>
+              <a:rPr lang="en-US" smtClean="0"/>
+              <a:t>Little Oh:   </a:t>
+            </a:r>
+            <a:r>
+              <a:rPr lang="en-US" smtClean="0">
+                <a:solidFill>
+                  <a:srgbClr val="FF33CC"/>
+                </a:solidFill>
+              </a:rPr>
+              <a:t>o(∙)</a:t>
+            </a:r>
+          </a:p>
+        </p:txBody>
+      </p:sp>
+      <p:sp>
+        <p:nvSpPr>
+          <p:cNvPr id="494609" name="Rectangle 17"/>
+          <p:cNvSpPr>
+            <a:spLocks noChangeArrowheads="1"/>
+          </p:cNvSpPr>
+          <p:nvPr/>
+        </p:nvSpPr>
+        <p:spPr bwMode="auto">
+          <a:xfrm>
+            <a:off x="2146300" y="2433480"/>
+            <a:ext cx="4775200" cy="1398588"/>
+          </a:xfrm>
+          <a:prstGeom prst="rect">
+            <a:avLst/>
+          </a:prstGeom>
+          <a:noFill/>
+          <a:ln w="38100">
+            <a:solidFill>
+              <a:srgbClr val="FF00FF"/>
+            </a:solidFill>
+            <a:prstDash val="sysDash"/>
+            <a:miter lim="800000"/>
+            <a:headEnd/>
+            <a:tailEnd type="none" w="lg" len="lg"/>
+          </a:ln>
+        </p:spPr>
+        <p:txBody>
+          <a:bodyPr wrap="none" anchor="ctr"/>
+          <a:lstStyle/>
+          <a:p>
+            <a:endParaRPr lang="en-US"/>
+          </a:p>
+        </p:txBody>
+      </p:sp>
+    </p:spTree>
+  </p:cSld>
+  <p:clrMapOvr>
+    <a:masterClrMapping/>
+  </p:clrMapOvr>
+  <p:transition xmlns:p14="http://schemas.microsoft.com/office/powerpoint/2010/main" spd="slow">
+    <p:fade thruBlk="1"/>
+  </p:transition>
+  <p:timing>
+    <p:tnLst>
+      <p:par>
+        <p:cTn xmlns:p14="http://schemas.microsoft.com/office/powerpoint/2010/main" id="1" dur="indefinite" restart="never" nodeType="tmRoot">
+          <p:childTnLst>
+            <p:seq concurrent="1" nextAc="seek">
+              <p:cTn id="2" dur="indefinite" nodeType="mainSeq">
+                <p:childTnLst>
+                  <p:par>
+                    <p:cTn id="3" fill="hold">
+                      <p:stCondLst>
+                        <p:cond delay="indefinite"/>
+                      </p:stCondLst>
+                      <p:childTnLst>
+                        <p:par>
+                          <p:cTn id="4" fill="hold">
+                            <p:stCondLst>
+                              <p:cond delay="0"/>
+                            </p:stCondLst>
+                            <p:childTnLst>
+                              <p:par>
+                                <p:cTn id="5" presetID="9" presetClass="entr" presetSubtype="0" fill="hold" grpId="0" nodeType="clickEffect">
+                                  <p:stCondLst>
+                                    <p:cond delay="0"/>
+                                  </p:stCondLst>
+                                  <p:childTnLst>
+                                    <p:set>
+                                      <p:cBhvr>
+                                        <p:cTn id="6" dur="1" fill="hold">
+                                          <p:stCondLst>
+                                            <p:cond delay="0"/>
+                                          </p:stCondLst>
+                                        </p:cTn>
+                                        <p:tgtEl>
+                                          <p:spTgt spid="494609"/>
+                                        </p:tgtEl>
+                                        <p:attrNameLst>
+                                          <p:attrName>style.visibility</p:attrName>
+                                        </p:attrNameLst>
+                                      </p:cBhvr>
+                                      <p:to>
+                                        <p:strVal val="visible"/>
+                                      </p:to>
+                                    </p:set>
+                                    <p:animEffect transition="in" filter="dissolve">
+                                      <p:cBhvr>
+                                        <p:cTn id="7" dur="1000"/>
+                                        <p:tgtEl>
+                                          <p:spTgt spid="494609"/>
+                                        </p:tgtEl>
+                                      </p:cBhvr>
+                                    </p:animEffect>
+                                  </p:childTnLst>
+                                </p:cTn>
+                              </p:par>
+                            </p:childTnLst>
+                          </p:cTn>
+                        </p:par>
+                      </p:childTnLst>
+                    </p:cTn>
+                  </p:par>
+                </p:childTnLst>
+              </p:cTn>
+              <p:prevCondLst>
+                <p:cond evt="onPrev" delay="0">
+                  <p:tgtEl>
+                    <p:sldTgt/>
+                  </p:tgtEl>
+                </p:cond>
+              </p:prevCondLst>
+              <p:nextCondLst>
+                <p:cond evt="onNext" delay="0">
+                  <p:tgtEl>
+                    <p:sldTgt/>
+                  </p:tgtEl>
+                </p:cond>
+              </p:nextCondLst>
+            </p:seq>
+          </p:childTnLst>
+        </p:cTn>
+      </p:par>
+    </p:tnLst>
+    <p:bldLst>
+      <p:bldP spid="494609" grpId="0" animBg="1"/>
     </p:bldLst>
   </p:timing>
 </p:sld>

--- a/spring12/slidesS12/asymptotic-properties.pptx
+++ b/spring12/slidesS12/asymptotic-properties.pptx
@@ -3425,6 +3425,14 @@
   <p:clrMapOvr>
     <a:masterClrMapping/>
   </p:clrMapOvr>
+  <mc:AlternateContent xmlns:mc="http://schemas.openxmlformats.org/markup-compatibility/2006">
+    <mc:Choice xmlns:p14="http://schemas.microsoft.com/office/powerpoint/2010/main" Requires="p14">
+      <p:transition spd="slow" p14:dur="2000" advTm="4424"/>
+    </mc:Choice>
+    <mc:Fallback>
+      <p:transition xmlns:p14="http://schemas.microsoft.com/office/powerpoint/2010/main" spd="slow" advTm="4424"/>
+    </mc:Fallback>
+  </mc:AlternateContent>
   <p:timing>
     <p:tnLst>
       <p:par>
@@ -3571,7 +3579,7 @@
   <p:clrMapOvr>
     <a:masterClrMapping/>
   </p:clrMapOvr>
-  <p:transition xmlns:p14="http://schemas.microsoft.com/office/powerpoint/2010/main">
+  <p:transition xmlns:p14="http://schemas.microsoft.com/office/powerpoint/2010/main" advTm="2727">
     <p:fade thruBlk="1"/>
   </p:transition>
   <p:timing>
@@ -4027,11 +4035,14 @@
         </p:txBody>
       </p:sp>
     </p:spTree>
+    <p:custDataLst>
+      <p:tags r:id="rId1"/>
+    </p:custDataLst>
   </p:cSld>
   <p:clrMapOvr>
     <a:masterClrMapping/>
   </p:clrMapOvr>
-  <p:transition xmlns:p14="http://schemas.microsoft.com/office/powerpoint/2010/main" spd="slow">
+  <p:transition xmlns:p14="http://schemas.microsoft.com/office/powerpoint/2010/main" spd="slow" advTm="12063">
     <p:fade thruBlk="1"/>
   </p:transition>
   <p:timing>
@@ -5792,11 +5803,14 @@
         </p:txBody>
       </p:sp>
     </p:spTree>
+    <p:custDataLst>
+      <p:tags r:id="rId1"/>
+    </p:custDataLst>
   </p:cSld>
   <p:clrMapOvr>
     <a:masterClrMapping/>
   </p:clrMapOvr>
-  <p:transition xmlns:p14="http://schemas.microsoft.com/office/powerpoint/2010/main">
+  <p:transition xmlns:p14="http://schemas.microsoft.com/office/powerpoint/2010/main" advTm="23714">
     <p:fade/>
   </p:transition>
   <p:timing>
@@ -6176,7 +6190,7 @@
         <p:spPr>
           <a:xfrm>
             <a:off x="76200" y="914400"/>
-            <a:ext cx="8690159" cy="4247317"/>
+            <a:ext cx="8866242" cy="4247317"/>
           </a:xfrm>
           <a:prstGeom prst="rect">
             <a:avLst/>
@@ -6296,24 +6310,46 @@
             <a:r>
               <a:rPr lang="en-US" sz="5400" dirty="0" smtClean="0">
                 <a:solidFill>
-                  <a:srgbClr val="0000FF"/>
+                  <a:srgbClr val="000000"/>
                 </a:solidFill>
                 <a:latin typeface="Comic Sans MS"/>
                 <a:cs typeface="Comic Sans MS"/>
                 <a:sym typeface="Symbol" pitchFamily="18" charset="2"/>
               </a:rPr>
-              <a:t>f(n)/g(n)</a:t>
+              <a:t>maybe </a:t>
             </a:r>
             <a:r>
               <a:rPr lang="en-US" sz="5400" dirty="0" smtClean="0">
                 <a:solidFill>
-                  <a:srgbClr val="000000"/>
+                  <a:srgbClr val="0000FF"/>
                 </a:solidFill>
                 <a:latin typeface="Comic Sans MS"/>
                 <a:cs typeface="Comic Sans MS"/>
                 <a:sym typeface="Symbol" pitchFamily="18" charset="2"/>
               </a:rPr>
-              <a:t> has no limit.</a:t>
+              <a:t>f/g</a:t>
+            </a:r>
+            <a:r>
+              <a:rPr lang="en-US" sz="5400" dirty="0" smtClean="0">
+                <a:solidFill>
+                  <a:srgbClr val="000000"/>
+                </a:solidFill>
+                <a:latin typeface="Comic Sans MS"/>
+                <a:cs typeface="Comic Sans MS"/>
+                <a:sym typeface="Symbol" pitchFamily="18" charset="2"/>
+              </a:rPr>
+              <a:t> </a:t>
+            </a:r>
+            <a:r>
+              <a:rPr lang="en-US" sz="5400" dirty="0" smtClean="0">
+                <a:solidFill>
+                  <a:srgbClr val="000000"/>
+                </a:solidFill>
+                <a:latin typeface="Comic Sans MS"/>
+                <a:cs typeface="Comic Sans MS"/>
+                <a:sym typeface="Symbol" pitchFamily="18" charset="2"/>
+              </a:rPr>
+              <a:t>has no limit.</a:t>
             </a:r>
           </a:p>
           <a:p>
@@ -6393,12 +6429,12 @@
           <a:graphicData uri="http://schemas.openxmlformats.org/presentationml/2006/ole">
             <mc:AlternateContent xmlns:mc="http://schemas.openxmlformats.org/markup-compatibility/2006">
               <mc:Choice xmlns:v="urn:schemas-microsoft-com:vml" Requires="v">
-                <p:oleObj spid="_x0000_s1038" name="Equation" r:id="rId4" imgW="1333500" imgH="508000" progId="Equation.DSMT4">
+                <p:oleObj spid="_x0000_s1053" name="Equation" r:id="rId5" imgW="1333500" imgH="508000" progId="Equation.DSMT4">
                   <p:embed/>
                 </p:oleObj>
               </mc:Choice>
               <mc:Fallback>
-                <p:oleObj name="Equation" r:id="rId4" imgW="1333500" imgH="508000" progId="Equation.DSMT4">
+                <p:oleObj name="Equation" r:id="rId5" imgW="1333500" imgH="508000" progId="Equation.DSMT4">
                   <p:embed/>
                   <p:pic>
                     <p:nvPicPr>
@@ -6407,7 +6443,7 @@
                       <p:nvPr/>
                     </p:nvPicPr>
                     <p:blipFill>
-                      <a:blip r:embed="rId5"/>
+                      <a:blip r:embed="rId6"/>
                       <a:stretch>
                         <a:fillRect/>
                       </a:stretch>
@@ -6450,12 +6486,12 @@
           <a:graphicData uri="http://schemas.openxmlformats.org/presentationml/2006/ole">
             <mc:AlternateContent xmlns:mc="http://schemas.openxmlformats.org/markup-compatibility/2006">
               <mc:Choice xmlns:v="urn:schemas-microsoft-com:vml" Requires="v">
-                <p:oleObj spid="_x0000_s1039" name="Equation" r:id="rId6" imgW="1803400" imgH="558800" progId="Equation.DSMT4">
+                <p:oleObj spid="_x0000_s1054" name="Equation" r:id="rId7" imgW="1803400" imgH="558800" progId="Equation.DSMT4">
                   <p:embed/>
                 </p:oleObj>
               </mc:Choice>
               <mc:Fallback>
-                <p:oleObj name="Equation" r:id="rId6" imgW="1803400" imgH="558800" progId="Equation.DSMT4">
+                <p:oleObj name="Equation" r:id="rId7" imgW="1803400" imgH="558800" progId="Equation.DSMT4">
                   <p:embed/>
                   <p:pic>
                     <p:nvPicPr>
@@ -6464,7 +6500,7 @@
                       <p:nvPr/>
                     </p:nvPicPr>
                     <p:blipFill>
-                      <a:blip r:embed="rId7"/>
+                      <a:blip r:embed="rId8"/>
                       <a:stretch>
                         <a:fillRect/>
                       </a:stretch>
@@ -6486,6 +6522,9 @@
         </a:graphic>
       </p:graphicFrame>
     </p:spTree>
+    <p:custDataLst>
+      <p:tags r:id="rId2"/>
+    </p:custDataLst>
     <p:extLst>
       <p:ext uri="{BB962C8B-B14F-4D97-AF65-F5344CB8AC3E}">
         <p14:creationId xmlns:p14="http://schemas.microsoft.com/office/powerpoint/2010/main" val="3489784058"/>
@@ -6495,7 +6534,7 @@
   <p:clrMapOvr>
     <a:masterClrMapping/>
   </p:clrMapOvr>
-  <p:transition xmlns:p14="http://schemas.microsoft.com/office/powerpoint/2010/main" spd="slow">
+  <p:transition xmlns:p14="http://schemas.microsoft.com/office/powerpoint/2010/main" spd="slow" advTm="27544">
     <p:fade thruBlk="1"/>
   </p:transition>
   <p:timing>
@@ -7361,11 +7400,14 @@
         </p:txBody>
       </p:sp>
     </p:spTree>
+    <p:custDataLst>
+      <p:tags r:id="rId1"/>
+    </p:custDataLst>
   </p:cSld>
   <p:clrMapOvr>
     <a:masterClrMapping/>
   </p:clrMapOvr>
-  <p:transition xmlns:p14="http://schemas.microsoft.com/office/powerpoint/2010/main">
+  <p:transition xmlns:p14="http://schemas.microsoft.com/office/powerpoint/2010/main" advTm="20397">
     <p:fade/>
   </p:transition>
   <p:timing>
@@ -8611,12 +8653,12 @@
             <a:graphicData uri="http://schemas.openxmlformats.org/presentationml/2006/ole">
               <mc:AlternateContent xmlns:mc="http://schemas.openxmlformats.org/markup-compatibility/2006">
                 <mc:Choice xmlns:v="urn:schemas-microsoft-com:vml" Requires="v">
-                  <p:oleObj spid="_x0000_s157761" name="Equation" r:id="rId4" imgW="152280" imgH="419040" progId="Equation.DSMT4">
+                  <p:oleObj spid="_x0000_s157774" name="Equation" r:id="rId5" imgW="152280" imgH="419040" progId="Equation.DSMT4">
                     <p:embed/>
                   </p:oleObj>
                 </mc:Choice>
                 <mc:Fallback>
-                  <p:oleObj name="Equation" r:id="rId4" imgW="152280" imgH="419040" progId="Equation.DSMT4">
+                  <p:oleObj name="Equation" r:id="rId5" imgW="152280" imgH="419040" progId="Equation.DSMT4">
                     <p:embed/>
                     <p:pic>
                       <p:nvPicPr>
@@ -8627,7 +8669,7 @@
                         <p:nvPr/>
                       </p:nvPicPr>
                       <p:blipFill>
-                        <a:blip r:embed="rId5">
+                        <a:blip r:embed="rId6">
                           <a:extLst>
                             <a:ext uri="{28A0092B-C50C-407E-A947-70E740481C1C}">
                               <a14:useLocalDpi xmlns:a14="http://schemas.microsoft.com/office/drawing/2010/main" val="0"/>
@@ -8795,12 +8837,12 @@
             <a:graphicData uri="http://schemas.openxmlformats.org/presentationml/2006/ole">
               <mc:AlternateContent xmlns:mc="http://schemas.openxmlformats.org/markup-compatibility/2006">
                 <mc:Choice xmlns:v="urn:schemas-microsoft-com:vml" Requires="v">
-                  <p:oleObj spid="_x0000_s157762" name="Equation" r:id="rId6" imgW="152280" imgH="444240" progId="Equation.DSMT4">
+                  <p:oleObj spid="_x0000_s157775" name="Equation" r:id="rId7" imgW="152280" imgH="444240" progId="Equation.DSMT4">
                     <p:embed/>
                   </p:oleObj>
                 </mc:Choice>
                 <mc:Fallback>
-                  <p:oleObj name="Equation" r:id="rId6" imgW="152280" imgH="444240" progId="Equation.DSMT4">
+                  <p:oleObj name="Equation" r:id="rId7" imgW="152280" imgH="444240" progId="Equation.DSMT4">
                     <p:embed/>
                     <p:pic>
                       <p:nvPicPr>
@@ -8811,7 +8853,7 @@
                         <p:nvPr/>
                       </p:nvPicPr>
                       <p:blipFill>
-                        <a:blip r:embed="rId7">
+                        <a:blip r:embed="rId8">
                           <a:extLst>
                             <a:ext uri="{28A0092B-C50C-407E-A947-70E740481C1C}">
                               <a14:useLocalDpi xmlns:a14="http://schemas.microsoft.com/office/drawing/2010/main" val="0"/>
@@ -8851,11 +8893,14 @@
         </p:graphicFrame>
       </p:grpSp>
     </p:spTree>
+    <p:custDataLst>
+      <p:tags r:id="rId2"/>
+    </p:custDataLst>
   </p:cSld>
   <p:clrMapOvr>
     <a:masterClrMapping/>
   </p:clrMapOvr>
-  <p:transition xmlns:p14="http://schemas.microsoft.com/office/powerpoint/2010/main">
+  <p:transition xmlns:p14="http://schemas.microsoft.com/office/powerpoint/2010/main" advTm="9623">
     <p:fade thruBlk="1"/>
   </p:transition>
   <p:timing>
@@ -9235,12 +9280,12 @@
           <a:graphicData uri="http://schemas.openxmlformats.org/presentationml/2006/ole">
             <mc:AlternateContent xmlns:mc="http://schemas.openxmlformats.org/markup-compatibility/2006">
               <mc:Choice xmlns:v="urn:schemas-microsoft-com:vml" Requires="v">
-                <p:oleObj spid="_x0000_s158787" name="Equation" r:id="rId4" imgW="685800" imgH="431800" progId="Equation.DSMT4">
+                <p:oleObj spid="_x0000_s158800" name="Equation" r:id="rId5" imgW="685800" imgH="431800" progId="Equation.DSMT4">
                   <p:embed/>
                 </p:oleObj>
               </mc:Choice>
               <mc:Fallback>
-                <p:oleObj name="Equation" r:id="rId4" imgW="685800" imgH="431800" progId="Equation.DSMT4">
+                <p:oleObj name="Equation" r:id="rId5" imgW="685800" imgH="431800" progId="Equation.DSMT4">
                   <p:embed/>
                   <p:pic>
                     <p:nvPicPr>
@@ -9251,7 +9296,7 @@
                       <p:nvPr/>
                     </p:nvPicPr>
                     <p:blipFill>
-                      <a:blip r:embed="rId5"/>
+                      <a:blip r:embed="rId6"/>
                       <a:srcRect/>
                       <a:stretch>
                         <a:fillRect/>
@@ -9476,12 +9521,12 @@
           <a:graphicData uri="http://schemas.openxmlformats.org/presentationml/2006/ole">
             <mc:AlternateContent xmlns:mc="http://schemas.openxmlformats.org/markup-compatibility/2006">
               <mc:Choice xmlns:v="urn:schemas-microsoft-com:vml" Requires="v">
-                <p:oleObj spid="_x0000_s158788" name="Equation" r:id="rId6" imgW="660400" imgH="419100" progId="Equation.DSMT4">
+                <p:oleObj spid="_x0000_s158801" name="Equation" r:id="rId7" imgW="660400" imgH="419100" progId="Equation.DSMT4">
                   <p:embed/>
                 </p:oleObj>
               </mc:Choice>
               <mc:Fallback>
-                <p:oleObj name="Equation" r:id="rId6" imgW="660400" imgH="419100" progId="Equation.DSMT4">
+                <p:oleObj name="Equation" r:id="rId7" imgW="660400" imgH="419100" progId="Equation.DSMT4">
                   <p:embed/>
                   <p:pic>
                     <p:nvPicPr>
@@ -9492,7 +9537,7 @@
                       <p:nvPr/>
                     </p:nvPicPr>
                     <p:blipFill>
-                      <a:blip r:embed="rId7"/>
+                      <a:blip r:embed="rId8"/>
                       <a:srcRect/>
                       <a:stretch>
                         <a:fillRect/>
@@ -9593,11 +9638,14 @@
         </p:txBody>
       </p:sp>
     </p:spTree>
+    <p:custDataLst>
+      <p:tags r:id="rId2"/>
+    </p:custDataLst>
   </p:cSld>
   <p:clrMapOvr>
     <a:masterClrMapping/>
   </p:clrMapOvr>
-  <p:transition xmlns:p14="http://schemas.microsoft.com/office/powerpoint/2010/main">
+  <p:transition xmlns:p14="http://schemas.microsoft.com/office/powerpoint/2010/main" advTm="13101">
     <p:fade thruBlk="1"/>
   </p:transition>
   <p:timing>
@@ -10143,11 +10191,14 @@
         </p:txBody>
       </p:sp>
     </p:spTree>
+    <p:custDataLst>
+      <p:tags r:id="rId1"/>
+    </p:custDataLst>
   </p:cSld>
   <p:clrMapOvr>
     <a:masterClrMapping/>
   </p:clrMapOvr>
-  <p:transition xmlns:p14="http://schemas.microsoft.com/office/powerpoint/2010/main">
+  <p:transition xmlns:p14="http://schemas.microsoft.com/office/powerpoint/2010/main" advTm="5462">
     <p:fade/>
   </p:transition>
   <p:timing>
@@ -10509,12 +10560,12 @@
           <a:graphicData uri="http://schemas.openxmlformats.org/presentationml/2006/ole">
             <mc:AlternateContent xmlns:mc="http://schemas.openxmlformats.org/markup-compatibility/2006">
               <mc:Choice xmlns:v="urn:schemas-microsoft-com:vml" Requires="v">
-                <p:oleObj spid="_x0000_s159853" name="Equation" r:id="rId4" imgW="1003300" imgH="508000" progId="Equation.DSMT4">
+                <p:oleObj spid="_x0000_s159872" name="Equation" r:id="rId5" imgW="1003300" imgH="508000" progId="Equation.DSMT4">
                   <p:embed/>
                 </p:oleObj>
               </mc:Choice>
               <mc:Fallback>
-                <p:oleObj name="Equation" r:id="rId4" imgW="1003300" imgH="508000" progId="Equation.DSMT4">
+                <p:oleObj name="Equation" r:id="rId5" imgW="1003300" imgH="508000" progId="Equation.DSMT4">
                   <p:embed/>
                   <p:pic>
                     <p:nvPicPr>
@@ -10523,7 +10574,7 @@
                       <p:nvPr/>
                     </p:nvPicPr>
                     <p:blipFill>
-                      <a:blip r:embed="rId5"/>
+                      <a:blip r:embed="rId6"/>
                       <a:stretch>
                         <a:fillRect/>
                       </a:stretch>
@@ -10566,12 +10617,12 @@
           <a:graphicData uri="http://schemas.openxmlformats.org/presentationml/2006/ole">
             <mc:AlternateContent xmlns:mc="http://schemas.openxmlformats.org/markup-compatibility/2006">
               <mc:Choice xmlns:v="urn:schemas-microsoft-com:vml" Requires="v">
-                <p:oleObj spid="_x0000_s159854" name="Equation" r:id="rId6" imgW="1346200" imgH="508000" progId="Equation.DSMT4">
+                <p:oleObj spid="_x0000_s159873" name="Equation" r:id="rId7" imgW="1346200" imgH="508000" progId="Equation.DSMT4">
                   <p:embed/>
                 </p:oleObj>
               </mc:Choice>
               <mc:Fallback>
-                <p:oleObj name="Equation" r:id="rId6" imgW="1346200" imgH="508000" progId="Equation.DSMT4">
+                <p:oleObj name="Equation" r:id="rId7" imgW="1346200" imgH="508000" progId="Equation.DSMT4">
                   <p:embed/>
                   <p:pic>
                     <p:nvPicPr>
@@ -10580,7 +10631,7 @@
                       <p:nvPr/>
                     </p:nvPicPr>
                     <p:blipFill>
-                      <a:blip r:embed="rId7"/>
+                      <a:blip r:embed="rId8"/>
                       <a:stretch>
                         <a:fillRect/>
                       </a:stretch>
@@ -10623,12 +10674,12 @@
           <a:graphicData uri="http://schemas.openxmlformats.org/presentationml/2006/ole">
             <mc:AlternateContent xmlns:mc="http://schemas.openxmlformats.org/markup-compatibility/2006">
               <mc:Choice xmlns:v="urn:schemas-microsoft-com:vml" Requires="v">
-                <p:oleObj spid="_x0000_s159855" name="Equation" r:id="rId8" imgW="1193800" imgH="457200" progId="Equation.DSMT4">
+                <p:oleObj spid="_x0000_s159874" name="Equation" r:id="rId9" imgW="1193800" imgH="457200" progId="Equation.DSMT4">
                   <p:embed/>
                 </p:oleObj>
               </mc:Choice>
               <mc:Fallback>
-                <p:oleObj name="Equation" r:id="rId8" imgW="1193800" imgH="457200" progId="Equation.DSMT4">
+                <p:oleObj name="Equation" r:id="rId9" imgW="1193800" imgH="457200" progId="Equation.DSMT4">
                   <p:embed/>
                   <p:pic>
                     <p:nvPicPr>
@@ -10637,7 +10688,7 @@
                       <p:nvPr/>
                     </p:nvPicPr>
                     <p:blipFill>
-                      <a:blip r:embed="rId9"/>
+                      <a:blip r:embed="rId10"/>
                       <a:stretch>
                         <a:fillRect/>
                       </a:stretch>
@@ -10659,11 +10710,14 @@
         </a:graphic>
       </p:graphicFrame>
     </p:spTree>
+    <p:custDataLst>
+      <p:tags r:id="rId2"/>
+    </p:custDataLst>
   </p:cSld>
   <p:clrMapOvr>
     <a:masterClrMapping/>
   </p:clrMapOvr>
-  <p:transition xmlns:p14="http://schemas.microsoft.com/office/powerpoint/2010/main">
+  <p:transition xmlns:p14="http://schemas.microsoft.com/office/powerpoint/2010/main" advTm="14584">
     <p:fade/>
   </p:transition>
   <p:timing>
@@ -10944,12 +10998,12 @@
           <a:graphicData uri="http://schemas.openxmlformats.org/presentationml/2006/ole">
             <mc:AlternateContent xmlns:mc="http://schemas.openxmlformats.org/markup-compatibility/2006">
               <mc:Choice xmlns:v="urn:schemas-microsoft-com:vml" Requires="v">
-                <p:oleObj spid="_x0000_s160936" name="Equation" r:id="rId4" imgW="558800" imgH="266700" progId="Equation.DSMT4">
+                <p:oleObj spid="_x0000_s160972" name="Equation" r:id="rId5" imgW="558800" imgH="266700" progId="Equation.DSMT4">
                   <p:embed/>
                 </p:oleObj>
               </mc:Choice>
               <mc:Fallback>
-                <p:oleObj name="Equation" r:id="rId4" imgW="558800" imgH="266700" progId="Equation.DSMT4">
+                <p:oleObj name="Equation" r:id="rId5" imgW="558800" imgH="266700" progId="Equation.DSMT4">
                   <p:embed/>
                   <p:pic>
                     <p:nvPicPr>
@@ -10960,7 +11014,7 @@
                       <p:nvPr/>
                     </p:nvPicPr>
                     <p:blipFill>
-                      <a:blip r:embed="rId5"/>
+                      <a:blip r:embed="rId6"/>
                       <a:srcRect/>
                       <a:stretch>
                         <a:fillRect/>
@@ -11008,12 +11062,12 @@
           <a:graphicData uri="http://schemas.openxmlformats.org/presentationml/2006/ole">
             <mc:AlternateContent xmlns:mc="http://schemas.openxmlformats.org/markup-compatibility/2006">
               <mc:Choice xmlns:v="urn:schemas-microsoft-com:vml" Requires="v">
-                <p:oleObj spid="_x0000_s160937" name="Equation" r:id="rId6" imgW="114120" imgH="215640" progId="Equation.3">
+                <p:oleObj spid="_x0000_s160973" name="Equation" r:id="rId7" imgW="114120" imgH="215640" progId="Equation.3">
                   <p:embed/>
                 </p:oleObj>
               </mc:Choice>
               <mc:Fallback>
-                <p:oleObj name="Equation" r:id="rId6" imgW="114120" imgH="215640" progId="Equation.3">
+                <p:oleObj name="Equation" r:id="rId7" imgW="114120" imgH="215640" progId="Equation.3">
                   <p:embed/>
                   <p:pic>
                     <p:nvPicPr>
@@ -11024,7 +11078,7 @@
                       <p:nvPr/>
                     </p:nvPicPr>
                     <p:blipFill>
-                      <a:blip r:embed="rId7">
+                      <a:blip r:embed="rId8">
                         <a:extLst>
                           <a:ext uri="{28A0092B-C50C-407E-A947-70E740481C1C}">
                             <a14:useLocalDpi xmlns:a14="http://schemas.microsoft.com/office/drawing/2010/main" val="0"/>
@@ -11084,12 +11138,12 @@
           <a:graphicData uri="http://schemas.openxmlformats.org/presentationml/2006/ole">
             <mc:AlternateContent xmlns:mc="http://schemas.openxmlformats.org/markup-compatibility/2006">
               <mc:Choice xmlns:v="urn:schemas-microsoft-com:vml" Requires="v">
-                <p:oleObj spid="_x0000_s160938" name="Equation" r:id="rId8" imgW="762000" imgH="431800" progId="Equation.DSMT4">
+                <p:oleObj spid="_x0000_s160974" name="Equation" r:id="rId9" imgW="762000" imgH="431800" progId="Equation.DSMT4">
                   <p:embed/>
                 </p:oleObj>
               </mc:Choice>
               <mc:Fallback>
-                <p:oleObj name="Equation" r:id="rId8" imgW="762000" imgH="431800" progId="Equation.DSMT4">
+                <p:oleObj name="Equation" r:id="rId9" imgW="762000" imgH="431800" progId="Equation.DSMT4">
                   <p:embed/>
                   <p:pic>
                     <p:nvPicPr>
@@ -11100,7 +11154,7 @@
                       <p:nvPr/>
                     </p:nvPicPr>
                     <p:blipFill>
-                      <a:blip r:embed="rId9"/>
+                      <a:blip r:embed="rId10"/>
                       <a:srcRect/>
                       <a:stretch>
                         <a:fillRect/>
@@ -11154,12 +11208,12 @@
           <a:graphicData uri="http://schemas.openxmlformats.org/presentationml/2006/ole">
             <mc:AlternateContent xmlns:mc="http://schemas.openxmlformats.org/markup-compatibility/2006">
               <mc:Choice xmlns:v="urn:schemas-microsoft-com:vml" Requires="v">
-                <p:oleObj spid="_x0000_s160939" name="Equation" r:id="rId10" imgW="1117600" imgH="431800" progId="Equation.DSMT4">
+                <p:oleObj spid="_x0000_s160975" name="Equation" r:id="rId11" imgW="1117600" imgH="431800" progId="Equation.DSMT4">
                   <p:embed/>
                 </p:oleObj>
               </mc:Choice>
               <mc:Fallback>
-                <p:oleObj name="Equation" r:id="rId10" imgW="1117600" imgH="431800" progId="Equation.DSMT4">
+                <p:oleObj name="Equation" r:id="rId11" imgW="1117600" imgH="431800" progId="Equation.DSMT4">
                   <p:embed/>
                   <p:pic>
                     <p:nvPicPr>
@@ -11170,7 +11224,7 @@
                       <p:nvPr/>
                     </p:nvPicPr>
                     <p:blipFill>
-                      <a:blip r:embed="rId11"/>
+                      <a:blip r:embed="rId12"/>
                       <a:srcRect/>
                       <a:stretch>
                         <a:fillRect/>
@@ -11392,11 +11446,11 @@
           <a:p>
             <a:pPr eaLnBrk="1" hangingPunct="1"/>
             <a:r>
-              <a:rPr lang="en-US" smtClean="0"/>
+              <a:rPr lang="en-US" dirty="0" smtClean="0"/>
               <a:t>Little Oh:   </a:t>
             </a:r>
             <a:r>
-              <a:rPr lang="en-US" smtClean="0">
+              <a:rPr lang="en-US" dirty="0" smtClean="0">
                 <a:solidFill>
                   <a:srgbClr val="FF33CC"/>
                 </a:solidFill>
@@ -11428,12 +11482,12 @@
           <a:graphicData uri="http://schemas.openxmlformats.org/presentationml/2006/ole">
             <mc:AlternateContent xmlns:mc="http://schemas.openxmlformats.org/markup-compatibility/2006">
               <mc:Choice xmlns:v="urn:schemas-microsoft-com:vml" Requires="v">
-                <p:oleObj spid="_x0000_s160940" name="Equation" r:id="rId12" imgW="622300" imgH="469900" progId="Equation.DSMT4">
+                <p:oleObj spid="_x0000_s160976" name="Equation" r:id="rId13" imgW="622300" imgH="469900" progId="Equation.DSMT4">
                   <p:embed/>
                 </p:oleObj>
               </mc:Choice>
               <mc:Fallback>
-                <p:oleObj name="Equation" r:id="rId12" imgW="622300" imgH="469900" progId="Equation.DSMT4">
+                <p:oleObj name="Equation" r:id="rId13" imgW="622300" imgH="469900" progId="Equation.DSMT4">
                   <p:embed/>
                   <p:pic>
                     <p:nvPicPr>
@@ -11442,7 +11496,7 @@
                       <p:nvPr/>
                     </p:nvPicPr>
                     <p:blipFill>
-                      <a:blip r:embed="rId13"/>
+                      <a:blip r:embed="rId14"/>
                       <a:stretch>
                         <a:fillRect/>
                       </a:stretch>
@@ -11649,7 +11703,7 @@
             <a:r>
               <a:rPr lang="en-US" sz="4400" dirty="0" err="1" smtClean="0">
                 <a:solidFill>
-                  <a:srgbClr val="0033CC"/>
+                  <a:srgbClr val="0000FF"/>
                 </a:solidFill>
               </a:rPr>
               <a:t>ln</a:t>
@@ -11657,7 +11711,7 @@
             <a:r>
               <a:rPr lang="en-US" sz="4400" dirty="0" smtClean="0">
                 <a:solidFill>
-                  <a:srgbClr val="0033CC"/>
+                  <a:srgbClr val="0000FF"/>
                 </a:solidFill>
               </a:rPr>
               <a:t> x  </a:t>
@@ -11665,7 +11719,7 @@
             <a:r>
               <a:rPr lang="en-US" sz="4400" b="1" dirty="0" smtClean="0">
                 <a:solidFill>
-                  <a:srgbClr val="0033CC"/>
+                  <a:srgbClr val="0000FF"/>
                 </a:solidFill>
                 <a:latin typeface="Euclid Symbol" charset="2"/>
                 <a:cs typeface="Euclid Symbol" charset="2"/>
@@ -11675,7 +11729,7 @@
             <a:r>
               <a:rPr lang="en-US" sz="4400" dirty="0" smtClean="0">
                 <a:solidFill>
-                  <a:srgbClr val="0033CC"/>
+                  <a:srgbClr val="0000FF"/>
                 </a:solidFill>
               </a:rPr>
               <a:t> o(</a:t>
@@ -11683,7 +11737,7 @@
             <a:r>
               <a:rPr lang="en-US" sz="4400" dirty="0" err="1" smtClean="0">
                 <a:solidFill>
-                  <a:srgbClr val="0033CC"/>
+                  <a:srgbClr val="0000FF"/>
                 </a:solidFill>
               </a:rPr>
               <a:t>x</a:t>
@@ -11691,7 +11745,7 @@
             <a:r>
               <a:rPr lang="en-US" sz="4400" baseline="30000" dirty="0" err="1" smtClean="0">
                 <a:solidFill>
-                  <a:srgbClr val="0033CC"/>
+                  <a:srgbClr val="0000FF"/>
                 </a:solidFill>
                 <a:sym typeface="Symbol" pitchFamily="18" charset="2"/>
               </a:rPr>
@@ -11700,7 +11754,7 @@
             <a:r>
               <a:rPr lang="en-US" sz="4400" dirty="0" smtClean="0">
                 <a:solidFill>
-                  <a:srgbClr val="0033CC"/>
+                  <a:srgbClr val="0000FF"/>
                 </a:solidFill>
               </a:rPr>
               <a:t>)</a:t>
@@ -11761,11 +11815,14 @@
         </p:txBody>
       </p:sp>
     </p:spTree>
+    <p:custDataLst>
+      <p:tags r:id="rId2"/>
+    </p:custDataLst>
   </p:cSld>
   <p:clrMapOvr>
     <a:masterClrMapping/>
   </p:clrMapOvr>
-  <p:transition xmlns:p14="http://schemas.microsoft.com/office/powerpoint/2010/main">
+  <p:transition xmlns:p14="http://schemas.microsoft.com/office/powerpoint/2010/main" advTm="13106">
     <p:fade/>
   </p:transition>
   <p:timing>
@@ -12270,11 +12327,14 @@
         </p:txBody>
       </p:sp>
     </p:spTree>
+    <p:custDataLst>
+      <p:tags r:id="rId1"/>
+    </p:custDataLst>
   </p:cSld>
   <p:clrMapOvr>
     <a:masterClrMapping/>
   </p:clrMapOvr>
-  <p:transition xmlns:p14="http://schemas.microsoft.com/office/powerpoint/2010/main" spd="slow">
+  <p:transition xmlns:p14="http://schemas.microsoft.com/office/powerpoint/2010/main" spd="slow" advTm="6144">
     <p:fade thruBlk="1"/>
   </p:transition>
   <p:timing>
@@ -12385,6 +12445,66 @@
   <p:tag name="DEFAULTFONTSIZE" val="10"/>
   <p:tag name="DEFAULTWIDTH" val="446"/>
   <p:tag name="DEFAULTHEIGHT" val="328"/>
+</p:tagLst>
+</file>
+
+<file path=ppt/tags/tag10.xml><?xml version="1.0" encoding="utf-8"?>
+<p:tagLst xmlns:a="http://schemas.openxmlformats.org/drawingml/2006/main" xmlns:r="http://schemas.openxmlformats.org/officeDocument/2006/relationships" xmlns:p="http://schemas.openxmlformats.org/presentationml/2006/main">
+  <p:tag name="TIMING" val="|2.9|2.3|8.8|3|2.8"/>
+</p:tagLst>
+</file>
+
+<file path=ppt/tags/tag11.xml><?xml version="1.0" encoding="utf-8"?>
+<p:tagLst xmlns:a="http://schemas.openxmlformats.org/drawingml/2006/main" xmlns:r="http://schemas.openxmlformats.org/officeDocument/2006/relationships" xmlns:p="http://schemas.openxmlformats.org/presentationml/2006/main">
+  <p:tag name="TIMING" val="|1.8|7.6|4.7|8.6|1.5"/>
+</p:tagLst>
+</file>
+
+<file path=ppt/tags/tag2.xml><?xml version="1.0" encoding="utf-8"?>
+<p:tagLst xmlns:a="http://schemas.openxmlformats.org/drawingml/2006/main" xmlns:r="http://schemas.openxmlformats.org/officeDocument/2006/relationships" xmlns:p="http://schemas.openxmlformats.org/presentationml/2006/main">
+  <p:tag name="TIMING" val="|9|2.3|2.7"/>
+</p:tagLst>
+</file>
+
+<file path=ppt/tags/tag3.xml><?xml version="1.0" encoding="utf-8"?>
+<p:tagLst xmlns:a="http://schemas.openxmlformats.org/drawingml/2006/main" xmlns:r="http://schemas.openxmlformats.org/officeDocument/2006/relationships" xmlns:p="http://schemas.openxmlformats.org/presentationml/2006/main">
+  <p:tag name="TIMING" val="|3|2"/>
+</p:tagLst>
+</file>
+
+<file path=ppt/tags/tag4.xml><?xml version="1.0" encoding="utf-8"?>
+<p:tagLst xmlns:a="http://schemas.openxmlformats.org/drawingml/2006/main" xmlns:r="http://schemas.openxmlformats.org/officeDocument/2006/relationships" xmlns:p="http://schemas.openxmlformats.org/presentationml/2006/main">
+  <p:tag name="TIMING" val="|4.6|3.6"/>
+</p:tagLst>
+</file>
+
+<file path=ppt/tags/tag5.xml><?xml version="1.0" encoding="utf-8"?>
+<p:tagLst xmlns:a="http://schemas.openxmlformats.org/drawingml/2006/main" xmlns:r="http://schemas.openxmlformats.org/officeDocument/2006/relationships" xmlns:p="http://schemas.openxmlformats.org/presentationml/2006/main">
+  <p:tag name="TIMING" val="|3.2"/>
+</p:tagLst>
+</file>
+
+<file path=ppt/tags/tag6.xml><?xml version="1.0" encoding="utf-8"?>
+<p:tagLst xmlns:a="http://schemas.openxmlformats.org/drawingml/2006/main" xmlns:r="http://schemas.openxmlformats.org/officeDocument/2006/relationships" xmlns:p="http://schemas.openxmlformats.org/presentationml/2006/main">
+  <p:tag name="TIMING" val="|3.4|2.8|5.4"/>
+</p:tagLst>
+</file>
+
+<file path=ppt/tags/tag7.xml><?xml version="1.0" encoding="utf-8"?>
+<p:tagLst xmlns:a="http://schemas.openxmlformats.org/drawingml/2006/main" xmlns:r="http://schemas.openxmlformats.org/officeDocument/2006/relationships" xmlns:p="http://schemas.openxmlformats.org/presentationml/2006/main">
+  <p:tag name="TIMING" val="|2|3.5|2.1"/>
+</p:tagLst>
+</file>
+
+<file path=ppt/tags/tag8.xml><?xml version="1.0" encoding="utf-8"?>
+<p:tagLst xmlns:a="http://schemas.openxmlformats.org/drawingml/2006/main" xmlns:r="http://schemas.openxmlformats.org/officeDocument/2006/relationships" xmlns:p="http://schemas.openxmlformats.org/presentationml/2006/main">
+  <p:tag name="TIMING" val="|4.3"/>
+</p:tagLst>
+</file>
+
+<file path=ppt/tags/tag9.xml><?xml version="1.0" encoding="utf-8"?>
+<p:tagLst xmlns:a="http://schemas.openxmlformats.org/drawingml/2006/main" xmlns:r="http://schemas.openxmlformats.org/officeDocument/2006/relationships" xmlns:p="http://schemas.openxmlformats.org/presentationml/2006/main">
+  <p:tag name="TIMING" val="|4.5"/>
 </p:tagLst>
 </file>
 
